--- a/КП Презентация Абрамов.pptx
+++ b/КП Презентация Абрамов.pptx
@@ -10,11 +10,13 @@
     <p:sldId id="263" r:id="rId5"/>
     <p:sldId id="264" r:id="rId6"/>
     <p:sldId id="265" r:id="rId7"/>
-    <p:sldId id="266" r:id="rId8"/>
-    <p:sldId id="267" r:id="rId9"/>
-    <p:sldId id="268" r:id="rId10"/>
-    <p:sldId id="272" r:id="rId11"/>
-    <p:sldId id="270" r:id="rId12"/>
+    <p:sldId id="274" r:id="rId8"/>
+    <p:sldId id="275" r:id="rId9"/>
+    <p:sldId id="266" r:id="rId10"/>
+    <p:sldId id="267" r:id="rId11"/>
+    <p:sldId id="268" r:id="rId12"/>
+    <p:sldId id="272" r:id="rId13"/>
+    <p:sldId id="270" r:id="rId14"/>
   </p:sldIdLst>
   <p:sldSz cx="12192000" cy="6858000"/>
   <p:notesSz cx="6858000" cy="9144000"/>
@@ -113,6 +115,22 @@
       </a:defRPr>
     </a:lvl9pPr>
   </p:defaultTextStyle>
+  <p:extLst>
+    <p:ext uri="{EFAFB233-063F-42B5-8137-9DF3F51BA10A}">
+      <p15:sldGuideLst xmlns:p15="http://schemas.microsoft.com/office/powerpoint/2012/main">
+        <p15:guide id="1" orient="horz" pos="2160" userDrawn="1">
+          <p15:clr>
+            <a:srgbClr val="A4A3A4"/>
+          </p15:clr>
+        </p15:guide>
+        <p15:guide id="2" pos="3840" userDrawn="1">
+          <p15:clr>
+            <a:srgbClr val="A4A3A4"/>
+          </p15:clr>
+        </p15:guide>
+      </p15:sldGuideLst>
+    </p:ext>
+  </p:extLst>
 </p:presentation>
 </file>
 
@@ -2946,7 +2964,7 @@
         <p:spPr>
           <a:xfrm>
             <a:off x="0" y="0"/>
-            <a:ext cx="12192000" cy="3064510"/>
+            <a:ext cx="12192000" cy="2287905"/>
           </a:xfrm>
         </p:spPr>
         <p:txBody>
@@ -2956,7 +2974,7 @@
           <a:lstStyle/>
           <a:p>
             <a:r>
-              <a:rPr lang="en-US" altLang="en-US" sz="2400" b="1">
+              <a:rPr lang="en-US" altLang="en-US" sz="1800" b="1">
                 <a:solidFill>
                   <a:srgbClr val="57636C"/>
                 </a:solidFill>
@@ -2966,17 +2984,17 @@
               <a:t>ФЕДЕРАЛЬНОЕ</a:t>
             </a:r>
             <a:r>
-              <a:rPr lang="en-US" altLang="ru-RU" sz="2400" b="1">
-                <a:solidFill>
-                  <a:srgbClr val="57636C"/>
-                </a:solidFill>
-                <a:latin typeface="Arial" panose="020B0604020202020204" pitchFamily="34" charset="0"/>
-                <a:cs typeface="Arial" panose="020B0604020202020204" pitchFamily="34" charset="0"/>
-              </a:rPr>
-              <a:t> </a:t>
-            </a:r>
-            <a:r>
-              <a:rPr lang="en-US" altLang="en-US" sz="2400" b="1">
+              <a:rPr lang="en-US" altLang="ru-RU" sz="1800" b="1">
+                <a:solidFill>
+                  <a:srgbClr val="57636C"/>
+                </a:solidFill>
+                <a:latin typeface="Arial" panose="020B0604020202020204" pitchFamily="34" charset="0"/>
+                <a:cs typeface="Arial" panose="020B0604020202020204" pitchFamily="34" charset="0"/>
+              </a:rPr>
+              <a:t> </a:t>
+            </a:r>
+            <a:r>
+              <a:rPr lang="en-US" altLang="en-US" sz="1800" b="1">
                 <a:solidFill>
                   <a:srgbClr val="57636C"/>
                 </a:solidFill>
@@ -2986,17 +3004,17 @@
               <a:t>ГОСУДАРСТВЕННОЕ</a:t>
             </a:r>
             <a:r>
-              <a:rPr lang="en-US" altLang="ru-RU" sz="2400" b="1">
-                <a:solidFill>
-                  <a:srgbClr val="57636C"/>
-                </a:solidFill>
-                <a:latin typeface="Arial" panose="020B0604020202020204" pitchFamily="34" charset="0"/>
-                <a:cs typeface="Arial" panose="020B0604020202020204" pitchFamily="34" charset="0"/>
-              </a:rPr>
-              <a:t> </a:t>
-            </a:r>
-            <a:r>
-              <a:rPr lang="en-US" altLang="en-US" sz="2400" b="1">
+              <a:rPr lang="en-US" altLang="ru-RU" sz="1800" b="1">
+                <a:solidFill>
+                  <a:srgbClr val="57636C"/>
+                </a:solidFill>
+                <a:latin typeface="Arial" panose="020B0604020202020204" pitchFamily="34" charset="0"/>
+                <a:cs typeface="Arial" panose="020B0604020202020204" pitchFamily="34" charset="0"/>
+              </a:rPr>
+              <a:t> </a:t>
+            </a:r>
+            <a:r>
+              <a:rPr lang="en-US" altLang="en-US" sz="1800" b="1">
                 <a:solidFill>
                   <a:srgbClr val="57636C"/>
                 </a:solidFill>
@@ -3006,17 +3024,17 @@
               <a:t>БЮДЖЕТНОЕ</a:t>
             </a:r>
             <a:r>
-              <a:rPr lang="en-US" altLang="ru-RU" sz="2400" b="1">
-                <a:solidFill>
-                  <a:srgbClr val="57636C"/>
-                </a:solidFill>
-                <a:latin typeface="Arial" panose="020B0604020202020204" pitchFamily="34" charset="0"/>
-                <a:cs typeface="Arial" panose="020B0604020202020204" pitchFamily="34" charset="0"/>
-              </a:rPr>
-              <a:t> </a:t>
-            </a:r>
-            <a:r>
-              <a:rPr lang="en-US" altLang="en-US" sz="2400" b="1">
+              <a:rPr lang="en-US" altLang="ru-RU" sz="1800" b="1">
+                <a:solidFill>
+                  <a:srgbClr val="57636C"/>
+                </a:solidFill>
+                <a:latin typeface="Arial" panose="020B0604020202020204" pitchFamily="34" charset="0"/>
+                <a:cs typeface="Arial" panose="020B0604020202020204" pitchFamily="34" charset="0"/>
+              </a:rPr>
+              <a:t> </a:t>
+            </a:r>
+            <a:r>
+              <a:rPr lang="en-US" altLang="en-US" sz="1800" b="1">
                 <a:solidFill>
                   <a:srgbClr val="57636C"/>
                 </a:solidFill>
@@ -3026,7 +3044,7 @@
               <a:t>ОБРАЗОВАТЕЛЬНОЕ</a:t>
             </a:r>
             <a:br>
-              <a:rPr lang="en-US" altLang="en-US" sz="2400" b="1">
+              <a:rPr lang="en-US" altLang="en-US" sz="1800" b="1">
                 <a:solidFill>
                   <a:srgbClr val="57636C"/>
                 </a:solidFill>
@@ -3035,7 +3053,7 @@
               </a:rPr>
             </a:br>
             <a:r>
-              <a:rPr lang="en-US" altLang="en-US" sz="2400" b="1">
+              <a:rPr lang="en-US" altLang="en-US" sz="1800" b="1">
                 <a:solidFill>
                   <a:srgbClr val="57636C"/>
                 </a:solidFill>
@@ -3045,17 +3063,17 @@
               <a:t>УЧРЕЖДЕНИЕ</a:t>
             </a:r>
             <a:r>
-              <a:rPr lang="en-US" altLang="ru-RU" sz="2400" b="1">
-                <a:solidFill>
-                  <a:srgbClr val="57636C"/>
-                </a:solidFill>
-                <a:latin typeface="Arial" panose="020B0604020202020204" pitchFamily="34" charset="0"/>
-                <a:cs typeface="Arial" panose="020B0604020202020204" pitchFamily="34" charset="0"/>
-              </a:rPr>
-              <a:t> </a:t>
-            </a:r>
-            <a:r>
-              <a:rPr lang="en-US" altLang="en-US" sz="2400" b="1">
+              <a:rPr lang="en-US" altLang="ru-RU" sz="1800" b="1">
+                <a:solidFill>
+                  <a:srgbClr val="57636C"/>
+                </a:solidFill>
+                <a:latin typeface="Arial" panose="020B0604020202020204" pitchFamily="34" charset="0"/>
+                <a:cs typeface="Arial" panose="020B0604020202020204" pitchFamily="34" charset="0"/>
+              </a:rPr>
+              <a:t> </a:t>
+            </a:r>
+            <a:r>
+              <a:rPr lang="en-US" altLang="en-US" sz="1800" b="1">
                 <a:solidFill>
                   <a:srgbClr val="57636C"/>
                 </a:solidFill>
@@ -3065,17 +3083,17 @@
               <a:t>ВЫСШЕГО</a:t>
             </a:r>
             <a:r>
-              <a:rPr lang="en-US" altLang="ru-RU" sz="2400" b="1">
-                <a:solidFill>
-                  <a:srgbClr val="57636C"/>
-                </a:solidFill>
-                <a:latin typeface="Arial" panose="020B0604020202020204" pitchFamily="34" charset="0"/>
-                <a:cs typeface="Arial" panose="020B0604020202020204" pitchFamily="34" charset="0"/>
-              </a:rPr>
-              <a:t> </a:t>
-            </a:r>
-            <a:r>
-              <a:rPr lang="en-US" altLang="en-US" sz="2400" b="1">
+              <a:rPr lang="en-US" altLang="ru-RU" sz="1800" b="1">
+                <a:solidFill>
+                  <a:srgbClr val="57636C"/>
+                </a:solidFill>
+                <a:latin typeface="Arial" panose="020B0604020202020204" pitchFamily="34" charset="0"/>
+                <a:cs typeface="Arial" panose="020B0604020202020204" pitchFamily="34" charset="0"/>
+              </a:rPr>
+              <a:t> </a:t>
+            </a:r>
+            <a:r>
+              <a:rPr lang="en-US" altLang="en-US" sz="1800" b="1">
                 <a:solidFill>
                   <a:srgbClr val="57636C"/>
                 </a:solidFill>
@@ -3085,7 +3103,7 @@
               <a:t>ОБРАЗОВАНИЯ</a:t>
             </a:r>
             <a:br>
-              <a:rPr lang="en-US" altLang="en-US" sz="2400" b="1">
+              <a:rPr lang="en-US" altLang="en-US" sz="1800" b="1">
                 <a:solidFill>
                   <a:srgbClr val="57636C"/>
                 </a:solidFill>
@@ -3094,7 +3112,7 @@
               </a:rPr>
             </a:br>
             <a:r>
-              <a:rPr lang="en-US" altLang="en-US" sz="2400" b="1">
+              <a:rPr lang="en-US" altLang="en-US" sz="1800" b="1">
                 <a:solidFill>
                   <a:srgbClr val="57636C"/>
                 </a:solidFill>
@@ -3104,7 +3122,7 @@
               <a:t>«САНКТ</a:t>
             </a:r>
             <a:r>
-              <a:rPr lang="en-US" altLang="ru-RU" sz="2400" b="1">
+              <a:rPr lang="en-US" altLang="ru-RU" sz="1800" b="1">
                 <a:solidFill>
                   <a:srgbClr val="57636C"/>
                 </a:solidFill>
@@ -3114,7 +3132,7 @@
               <a:t>-</a:t>
             </a:r>
             <a:r>
-              <a:rPr lang="en-US" altLang="en-US" sz="2400" b="1">
+              <a:rPr lang="en-US" altLang="en-US" sz="1800" b="1">
                 <a:solidFill>
                   <a:srgbClr val="57636C"/>
                 </a:solidFill>
@@ -3124,17 +3142,17 @@
               <a:t>ПЕТЕРБУРГСКИЙ</a:t>
             </a:r>
             <a:r>
-              <a:rPr lang="en-US" altLang="ru-RU" sz="2400" b="1">
-                <a:solidFill>
-                  <a:srgbClr val="57636C"/>
-                </a:solidFill>
-                <a:latin typeface="Arial" panose="020B0604020202020204" pitchFamily="34" charset="0"/>
-                <a:cs typeface="Arial" panose="020B0604020202020204" pitchFamily="34" charset="0"/>
-              </a:rPr>
-              <a:t> </a:t>
-            </a:r>
-            <a:r>
-              <a:rPr lang="en-US" altLang="en-US" sz="2400" b="1">
+              <a:rPr lang="en-US" altLang="ru-RU" sz="1800" b="1">
+                <a:solidFill>
+                  <a:srgbClr val="57636C"/>
+                </a:solidFill>
+                <a:latin typeface="Arial" panose="020B0604020202020204" pitchFamily="34" charset="0"/>
+                <a:cs typeface="Arial" panose="020B0604020202020204" pitchFamily="34" charset="0"/>
+              </a:rPr>
+              <a:t> </a:t>
+            </a:r>
+            <a:r>
+              <a:rPr lang="en-US" altLang="en-US" sz="1800" b="1">
                 <a:solidFill>
                   <a:srgbClr val="57636C"/>
                 </a:solidFill>
@@ -3144,17 +3162,17 @@
               <a:t>ГОСУДАРСТВЕННЫЙ</a:t>
             </a:r>
             <a:r>
-              <a:rPr lang="en-US" altLang="ru-RU" sz="2400" b="1">
-                <a:solidFill>
-                  <a:srgbClr val="57636C"/>
-                </a:solidFill>
-                <a:latin typeface="Arial" panose="020B0604020202020204" pitchFamily="34" charset="0"/>
-                <a:cs typeface="Arial" panose="020B0604020202020204" pitchFamily="34" charset="0"/>
-              </a:rPr>
-              <a:t> </a:t>
-            </a:r>
-            <a:r>
-              <a:rPr lang="en-US" altLang="en-US" sz="2400" b="1">
+              <a:rPr lang="en-US" altLang="ru-RU" sz="1800" b="1">
+                <a:solidFill>
+                  <a:srgbClr val="57636C"/>
+                </a:solidFill>
+                <a:latin typeface="Arial" panose="020B0604020202020204" pitchFamily="34" charset="0"/>
+                <a:cs typeface="Arial" panose="020B0604020202020204" pitchFamily="34" charset="0"/>
+              </a:rPr>
+              <a:t> </a:t>
+            </a:r>
+            <a:r>
+              <a:rPr lang="en-US" altLang="en-US" sz="1800" b="1">
                 <a:solidFill>
                   <a:srgbClr val="57636C"/>
                 </a:solidFill>
@@ -3164,7 +3182,7 @@
               <a:t>УНИВЕРСИТЕТ</a:t>
             </a:r>
             <a:r>
-              <a:rPr lang="en-US" altLang="ru-RU" sz="2400" b="1">
+              <a:rPr lang="en-US" altLang="ru-RU" sz="1800" b="1">
                 <a:solidFill>
                   <a:srgbClr val="57636C"/>
                 </a:solidFill>
@@ -3174,7 +3192,7 @@
               <a:t> </a:t>
             </a:r>
             <a:br>
-              <a:rPr lang="en-US" altLang="ru-RU" sz="2400" b="1">
+              <a:rPr lang="en-US" altLang="ru-RU" sz="1800" b="1">
                 <a:solidFill>
                   <a:srgbClr val="57636C"/>
                 </a:solidFill>
@@ -3183,7 +3201,7 @@
               </a:rPr>
             </a:br>
             <a:r>
-              <a:rPr lang="en-US" altLang="en-US" sz="2400" b="1">
+              <a:rPr lang="en-US" altLang="en-US" sz="1800" b="1">
                 <a:solidFill>
                   <a:srgbClr val="57636C"/>
                 </a:solidFill>
@@ -3193,17 +3211,17 @@
               <a:t>ТЕЛЕКОММУНИКАЦИЙ</a:t>
             </a:r>
             <a:r>
-              <a:rPr lang="en-US" altLang="ru-RU" sz="2400" b="1">
-                <a:solidFill>
-                  <a:srgbClr val="57636C"/>
-                </a:solidFill>
-                <a:latin typeface="Arial" panose="020B0604020202020204" pitchFamily="34" charset="0"/>
-                <a:cs typeface="Arial" panose="020B0604020202020204" pitchFamily="34" charset="0"/>
-              </a:rPr>
-              <a:t> </a:t>
-            </a:r>
-            <a:r>
-              <a:rPr lang="en-US" altLang="en-US" sz="2400" b="1">
+              <a:rPr lang="en-US" altLang="ru-RU" sz="1800" b="1">
+                <a:solidFill>
+                  <a:srgbClr val="57636C"/>
+                </a:solidFill>
+                <a:latin typeface="Arial" panose="020B0604020202020204" pitchFamily="34" charset="0"/>
+                <a:cs typeface="Arial" panose="020B0604020202020204" pitchFamily="34" charset="0"/>
+              </a:rPr>
+              <a:t> </a:t>
+            </a:r>
+            <a:r>
+              <a:rPr lang="en-US" altLang="en-US" sz="1800" b="1">
                 <a:solidFill>
                   <a:srgbClr val="57636C"/>
                 </a:solidFill>
@@ -3213,7 +3231,7 @@
               <a:t>ИМ</a:t>
             </a:r>
             <a:r>
-              <a:rPr lang="en-US" altLang="ru-RU" sz="2400" b="1">
+              <a:rPr lang="en-US" altLang="ru-RU" sz="1800" b="1">
                 <a:solidFill>
                   <a:srgbClr val="57636C"/>
                 </a:solidFill>
@@ -3223,7 +3241,7 @@
               <a:t>. </a:t>
             </a:r>
             <a:r>
-              <a:rPr lang="en-US" altLang="en-US" sz="2400" b="1">
+              <a:rPr lang="en-US" altLang="en-US" sz="1800" b="1">
                 <a:solidFill>
                   <a:srgbClr val="57636C"/>
                 </a:solidFill>
@@ -3233,7 +3251,7 @@
               <a:t>ПРОФ</a:t>
             </a:r>
             <a:r>
-              <a:rPr lang="en-US" altLang="ru-RU" sz="2400" b="1">
+              <a:rPr lang="en-US" altLang="ru-RU" sz="1800" b="1">
                 <a:solidFill>
                   <a:srgbClr val="57636C"/>
                 </a:solidFill>
@@ -3243,7 +3261,7 @@
               <a:t>. </a:t>
             </a:r>
             <a:r>
-              <a:rPr lang="en-US" altLang="en-US" sz="2400" b="1">
+              <a:rPr lang="en-US" altLang="en-US" sz="1800" b="1">
                 <a:solidFill>
                   <a:srgbClr val="57636C"/>
                 </a:solidFill>
@@ -3253,7 +3271,7 @@
               <a:t>М</a:t>
             </a:r>
             <a:r>
-              <a:rPr lang="en-US" altLang="ru-RU" sz="2400" b="1">
+              <a:rPr lang="en-US" altLang="ru-RU" sz="1800" b="1">
                 <a:solidFill>
                   <a:srgbClr val="57636C"/>
                 </a:solidFill>
@@ -3263,7 +3281,7 @@
               <a:t>.</a:t>
             </a:r>
             <a:r>
-              <a:rPr lang="en-US" altLang="en-US" sz="2400" b="1">
+              <a:rPr lang="en-US" altLang="en-US" sz="1800" b="1">
                 <a:solidFill>
                   <a:srgbClr val="57636C"/>
                 </a:solidFill>
@@ -3273,7 +3291,7 @@
               <a:t>А</a:t>
             </a:r>
             <a:r>
-              <a:rPr lang="en-US" altLang="ru-RU" sz="2400" b="1">
+              <a:rPr lang="en-US" altLang="ru-RU" sz="1800" b="1">
                 <a:solidFill>
                   <a:srgbClr val="57636C"/>
                 </a:solidFill>
@@ -3283,7 +3301,7 @@
               <a:t>. </a:t>
             </a:r>
             <a:r>
-              <a:rPr lang="en-US" altLang="en-US" sz="2400" b="1">
+              <a:rPr lang="en-US" altLang="en-US" sz="1800" b="1">
                 <a:solidFill>
                   <a:srgbClr val="57636C"/>
                 </a:solidFill>
@@ -3293,7 +3311,7 @@
               <a:t>БОНЧ</a:t>
             </a:r>
             <a:r>
-              <a:rPr lang="en-US" altLang="ru-RU" sz="2400" b="1">
+              <a:rPr lang="en-US" altLang="ru-RU" sz="1800" b="1">
                 <a:solidFill>
                   <a:srgbClr val="57636C"/>
                 </a:solidFill>
@@ -3303,7 +3321,7 @@
               <a:t>-</a:t>
             </a:r>
             <a:r>
-              <a:rPr lang="en-US" altLang="en-US" sz="2400" b="1">
+              <a:rPr lang="en-US" altLang="en-US" sz="1800" b="1">
                 <a:solidFill>
                   <a:srgbClr val="57636C"/>
                 </a:solidFill>
@@ -3313,7 +3331,7 @@
               <a:t>БРУЕВИЧА»</a:t>
             </a:r>
             <a:br>
-              <a:rPr lang="en-US" altLang="en-US" sz="2400" b="1">
+              <a:rPr lang="en-US" altLang="en-US" sz="1800" b="1">
                 <a:solidFill>
                   <a:srgbClr val="57636C"/>
                 </a:solidFill>
@@ -3322,7 +3340,7 @@
               </a:rPr>
             </a:br>
             <a:r>
-              <a:rPr lang="en-US" altLang="ru-RU" sz="2400" b="1">
+              <a:rPr lang="en-US" altLang="ru-RU" sz="1800" b="1">
                 <a:solidFill>
                   <a:srgbClr val="57636C"/>
                 </a:solidFill>
@@ -3332,7 +3350,7 @@
               <a:t>(</a:t>
             </a:r>
             <a:r>
-              <a:rPr lang="en-US" altLang="en-US" sz="2400" b="1">
+              <a:rPr lang="en-US" altLang="en-US" sz="1800" b="1">
                 <a:solidFill>
                   <a:srgbClr val="57636C"/>
                 </a:solidFill>
@@ -3342,7 +3360,7 @@
               <a:t>СПбГУТ</a:t>
             </a:r>
             <a:r>
-              <a:rPr lang="en-US" altLang="ru-RU" sz="2400" b="1">
+              <a:rPr lang="en-US" altLang="ru-RU" sz="1800" b="1">
                 <a:solidFill>
                   <a:srgbClr val="57636C"/>
                 </a:solidFill>
@@ -3352,7 +3370,7 @@
               <a:t>)</a:t>
             </a:r>
             <a:br>
-              <a:rPr lang="en-US" altLang="ru-RU" sz="2400" b="1">
+              <a:rPr lang="en-US" altLang="ru-RU" sz="1800" b="1">
                 <a:solidFill>
                   <a:srgbClr val="57636C"/>
                 </a:solidFill>
@@ -3361,7 +3379,7 @@
               </a:rPr>
             </a:br>
             <a:br>
-              <a:rPr lang="en-US" altLang="ru-RU" sz="2000" b="1">
+              <a:rPr lang="en-US" altLang="ru-RU" sz="1800" b="1">
                 <a:solidFill>
                   <a:srgbClr val="57636C"/>
                 </a:solidFill>
@@ -3370,7 +3388,7 @@
               </a:rPr>
             </a:br>
             <a:r>
-              <a:rPr lang="en-US" altLang="en-US" sz="2000" b="1">
+              <a:rPr lang="en-US" altLang="en-US" sz="1800" b="1">
                 <a:solidFill>
                   <a:srgbClr val="57636C"/>
                 </a:solidFill>
@@ -3380,17 +3398,17 @@
               <a:t>АРХАНГЕЛЬСКИЙ</a:t>
             </a:r>
             <a:r>
-              <a:rPr lang="en-US" altLang="ru-RU" sz="2000" b="1">
-                <a:solidFill>
-                  <a:srgbClr val="57636C"/>
-                </a:solidFill>
-                <a:latin typeface="Arial" panose="020B0604020202020204" pitchFamily="34" charset="0"/>
-                <a:cs typeface="Arial" panose="020B0604020202020204" pitchFamily="34" charset="0"/>
-              </a:rPr>
-              <a:t> </a:t>
-            </a:r>
-            <a:r>
-              <a:rPr lang="en-US" altLang="en-US" sz="2000" b="1">
+              <a:rPr lang="en-US" altLang="ru-RU" sz="1800" b="1">
+                <a:solidFill>
+                  <a:srgbClr val="57636C"/>
+                </a:solidFill>
+                <a:latin typeface="Arial" panose="020B0604020202020204" pitchFamily="34" charset="0"/>
+                <a:cs typeface="Arial" panose="020B0604020202020204" pitchFamily="34" charset="0"/>
+              </a:rPr>
+              <a:t> </a:t>
+            </a:r>
+            <a:r>
+              <a:rPr lang="en-US" altLang="en-US" sz="1800" b="1">
                 <a:solidFill>
                   <a:srgbClr val="57636C"/>
                 </a:solidFill>
@@ -3400,17 +3418,17 @@
               <a:t>КОЛЛЕДЖ</a:t>
             </a:r>
             <a:r>
-              <a:rPr lang="en-US" altLang="ru-RU" sz="2000" b="1">
-                <a:solidFill>
-                  <a:srgbClr val="57636C"/>
-                </a:solidFill>
-                <a:latin typeface="Arial" panose="020B0604020202020204" pitchFamily="34" charset="0"/>
-                <a:cs typeface="Arial" panose="020B0604020202020204" pitchFamily="34" charset="0"/>
-              </a:rPr>
-              <a:t> </a:t>
-            </a:r>
-            <a:r>
-              <a:rPr lang="en-US" altLang="en-US" sz="2000" b="1">
+              <a:rPr lang="en-US" altLang="ru-RU" sz="1800" b="1">
+                <a:solidFill>
+                  <a:srgbClr val="57636C"/>
+                </a:solidFill>
+                <a:latin typeface="Arial" panose="020B0604020202020204" pitchFamily="34" charset="0"/>
+                <a:cs typeface="Arial" panose="020B0604020202020204" pitchFamily="34" charset="0"/>
+              </a:rPr>
+              <a:t> </a:t>
+            </a:r>
+            <a:r>
+              <a:rPr lang="en-US" altLang="en-US" sz="1800" b="1">
                 <a:solidFill>
                   <a:srgbClr val="57636C"/>
                 </a:solidFill>
@@ -3420,7 +3438,7 @@
               <a:t>ТЕЛЕКОММУНИКАЦИЙ</a:t>
             </a:r>
             <a:br>
-              <a:rPr lang="en-US" altLang="en-US" sz="2000" b="1">
+              <a:rPr lang="en-US" altLang="en-US" sz="1800" b="1">
                 <a:solidFill>
                   <a:srgbClr val="57636C"/>
                 </a:solidFill>
@@ -3429,7 +3447,7 @@
               </a:rPr>
             </a:br>
             <a:r>
-              <a:rPr lang="en-US" altLang="en-US" sz="2000" b="1">
+              <a:rPr lang="en-US" altLang="en-US" sz="1800" b="1">
                 <a:solidFill>
                   <a:srgbClr val="57636C"/>
                 </a:solidFill>
@@ -3439,7 +3457,7 @@
               <a:t>ИМ</a:t>
             </a:r>
             <a:r>
-              <a:rPr lang="en-US" altLang="ru-RU" sz="2000" b="1">
+              <a:rPr lang="en-US" altLang="ru-RU" sz="1800" b="1">
                 <a:solidFill>
                   <a:srgbClr val="57636C"/>
                 </a:solidFill>
@@ -3449,7 +3467,7 @@
               <a:t>. </a:t>
             </a:r>
             <a:r>
-              <a:rPr lang="en-US" altLang="en-US" sz="2000" b="1">
+              <a:rPr lang="en-US" altLang="en-US" sz="1800" b="1">
                 <a:solidFill>
                   <a:srgbClr val="57636C"/>
                 </a:solidFill>
@@ -3459,7 +3477,7 @@
               <a:t>Б</a:t>
             </a:r>
             <a:r>
-              <a:rPr lang="en-US" altLang="ru-RU" sz="2000" b="1">
+              <a:rPr lang="en-US" altLang="ru-RU" sz="1800" b="1">
                 <a:solidFill>
                   <a:srgbClr val="57636C"/>
                 </a:solidFill>
@@ -3469,7 +3487,7 @@
               <a:t>.</a:t>
             </a:r>
             <a:r>
-              <a:rPr lang="en-US" altLang="en-US" sz="2000" b="1">
+              <a:rPr lang="en-US" altLang="en-US" sz="1800" b="1">
                 <a:solidFill>
                   <a:srgbClr val="57636C"/>
                 </a:solidFill>
@@ -3479,7 +3497,7 @@
               <a:t>Л</a:t>
             </a:r>
             <a:r>
-              <a:rPr lang="en-US" altLang="ru-RU" sz="2000" b="1">
+              <a:rPr lang="en-US" altLang="ru-RU" sz="1800" b="1">
                 <a:solidFill>
                   <a:srgbClr val="57636C"/>
                 </a:solidFill>
@@ -3489,7 +3507,7 @@
               <a:t>. </a:t>
             </a:r>
             <a:r>
-              <a:rPr lang="en-US" altLang="en-US" sz="2000" b="1">
+              <a:rPr lang="en-US" altLang="en-US" sz="1800" b="1">
                 <a:solidFill>
                   <a:srgbClr val="57636C"/>
                 </a:solidFill>
@@ -3499,7 +3517,7 @@
               <a:t>РОЗИНГА</a:t>
             </a:r>
             <a:r>
-              <a:rPr lang="en-US" altLang="ru-RU" sz="2000" b="1">
+              <a:rPr lang="en-US" altLang="ru-RU" sz="1800" b="1">
                 <a:solidFill>
                   <a:srgbClr val="57636C"/>
                 </a:solidFill>
@@ -3509,7 +3527,7 @@
               <a:t> (</a:t>
             </a:r>
             <a:r>
-              <a:rPr lang="en-US" altLang="en-US" sz="2000" b="1">
+              <a:rPr lang="en-US" altLang="en-US" sz="1800" b="1">
                 <a:solidFill>
                   <a:srgbClr val="57636C"/>
                 </a:solidFill>
@@ -3519,7 +3537,7 @@
               <a:t>ФИЛИАЛ</a:t>
             </a:r>
             <a:r>
-              <a:rPr lang="en-US" altLang="ru-RU" sz="2000" b="1">
+              <a:rPr lang="en-US" altLang="ru-RU" sz="1800" b="1">
                 <a:solidFill>
                   <a:srgbClr val="57636C"/>
                 </a:solidFill>
@@ -3529,7 +3547,7 @@
               <a:t>) </a:t>
             </a:r>
             <a:r>
-              <a:rPr lang="en-US" altLang="en-US" sz="2000" b="1">
+              <a:rPr lang="en-US" altLang="en-US" sz="1800" b="1">
                 <a:solidFill>
                   <a:srgbClr val="57636C"/>
                 </a:solidFill>
@@ -3539,7 +3557,7 @@
               <a:t>СПбГУТ</a:t>
             </a:r>
             <a:br>
-              <a:rPr lang="en-US" altLang="en-US" sz="2000" b="1">
+              <a:rPr lang="en-US" altLang="en-US" sz="1800" b="1">
                 <a:solidFill>
                   <a:srgbClr val="57636C"/>
                 </a:solidFill>
@@ -3548,7 +3566,7 @@
               </a:rPr>
             </a:br>
             <a:r>
-              <a:rPr lang="en-US" altLang="ru-RU" sz="2000" b="1">
+              <a:rPr lang="en-US" altLang="ru-RU" sz="1800" b="1">
                 <a:solidFill>
                   <a:srgbClr val="57636C"/>
                 </a:solidFill>
@@ -3558,7 +3576,7 @@
               <a:t>(</a:t>
             </a:r>
             <a:r>
-              <a:rPr lang="en-US" altLang="en-US" sz="2000" b="1">
+              <a:rPr lang="en-US" altLang="en-US" sz="1800" b="1">
                 <a:solidFill>
                   <a:srgbClr val="57636C"/>
                 </a:solidFill>
@@ -3568,7 +3586,7 @@
               <a:t>АКТ</a:t>
             </a:r>
             <a:r>
-              <a:rPr lang="en-US" altLang="ru-RU" sz="2000" b="1">
+              <a:rPr lang="en-US" altLang="ru-RU" sz="1800" b="1">
                 <a:solidFill>
                   <a:srgbClr val="57636C"/>
                 </a:solidFill>
@@ -3578,7 +3596,7 @@
               <a:t> (</a:t>
             </a:r>
             <a:r>
-              <a:rPr lang="en-US" altLang="en-US" sz="2000" b="1">
+              <a:rPr lang="en-US" altLang="en-US" sz="1800" b="1">
                 <a:solidFill>
                   <a:srgbClr val="57636C"/>
                 </a:solidFill>
@@ -3588,7 +3606,7 @@
               <a:t>ф</a:t>
             </a:r>
             <a:r>
-              <a:rPr lang="en-US" altLang="ru-RU" sz="2000" b="1">
+              <a:rPr lang="en-US" altLang="ru-RU" sz="1800" b="1">
                 <a:solidFill>
                   <a:srgbClr val="57636C"/>
                 </a:solidFill>
@@ -3598,7 +3616,7 @@
               <a:t>) </a:t>
             </a:r>
             <a:r>
-              <a:rPr lang="en-US" altLang="en-US" sz="2000" b="1">
+              <a:rPr lang="en-US" altLang="en-US" sz="1800" b="1">
                 <a:solidFill>
                   <a:srgbClr val="57636C"/>
                 </a:solidFill>
@@ -3608,7 +3626,7 @@
               <a:t>СПбГУТ</a:t>
             </a:r>
             <a:r>
-              <a:rPr lang="en-US" altLang="ru-RU" sz="2000" b="1">
+              <a:rPr lang="en-US" altLang="ru-RU" sz="1800" b="1">
                 <a:solidFill>
                   <a:srgbClr val="57636C"/>
                 </a:solidFill>
@@ -3617,7 +3635,7 @@
               </a:rPr>
               <a:t>)</a:t>
             </a:r>
-            <a:endParaRPr lang="en-US" altLang="ru-RU" sz="2000" b="1">
+            <a:endParaRPr lang="en-US" altLang="ru-RU" sz="1800" b="1">
               <a:solidFill>
                 <a:srgbClr val="57636C"/>
               </a:solidFill>
@@ -3635,8 +3653,8 @@
         </p:nvSpPr>
         <p:spPr>
           <a:xfrm>
-            <a:off x="2393315" y="3279775"/>
-            <a:ext cx="7404735" cy="1148080"/>
+            <a:off x="-635" y="2486025"/>
+            <a:ext cx="12192635" cy="1885950"/>
           </a:xfrm>
           <a:prstGeom prst="rect">
             <a:avLst/>
@@ -3650,6 +3668,26 @@
           <a:p>
             <a:pPr algn="ctr"/>
             <a:r>
+              <a:rPr lang="ru-RU" altLang="en-US" sz="4000">
+                <a:solidFill>
+                  <a:srgbClr val="14181B"/>
+                </a:solidFill>
+                <a:latin typeface="Arial" panose="020B0604020202020204" pitchFamily="34" charset="0"/>
+                <a:cs typeface="Arial" panose="020B0604020202020204" pitchFamily="34" charset="0"/>
+              </a:rPr>
+              <a:t>Курсовой проект</a:t>
+            </a:r>
+            <a:endParaRPr lang="ru-RU" altLang="en-US" sz="4000">
+              <a:solidFill>
+                <a:srgbClr val="14181B"/>
+              </a:solidFill>
+              <a:latin typeface="Arial" panose="020B0604020202020204" pitchFamily="34" charset="0"/>
+              <a:cs typeface="Arial" panose="020B0604020202020204" pitchFamily="34" charset="0"/>
+            </a:endParaRPr>
+          </a:p>
+          <a:p>
+            <a:pPr algn="ctr"/>
+            <a:r>
               <a:rPr lang="en-US" altLang="en-US" sz="4000">
                 <a:solidFill>
                   <a:srgbClr val="14181B"/>
@@ -3679,16 +3717,16 @@
               </a:rPr>
               <a:t>подсистемы</a:t>
             </a:r>
-            <a:r>
-              <a:rPr lang="en-US" altLang="ru-RU" sz="4000">
-                <a:solidFill>
-                  <a:srgbClr val="14181B"/>
-                </a:solidFill>
-                <a:latin typeface="Arial" panose="020B0604020202020204" pitchFamily="34" charset="0"/>
-                <a:cs typeface="Arial" panose="020B0604020202020204" pitchFamily="34" charset="0"/>
-              </a:rPr>
-              <a:t> </a:t>
-            </a:r>
+            <a:endParaRPr lang="en-US" altLang="en-US" sz="4000">
+              <a:solidFill>
+                <a:srgbClr val="14181B"/>
+              </a:solidFill>
+              <a:latin typeface="Arial" panose="020B0604020202020204" pitchFamily="34" charset="0"/>
+              <a:cs typeface="Arial" panose="020B0604020202020204" pitchFamily="34" charset="0"/>
+            </a:endParaRPr>
+          </a:p>
+          <a:p>
+            <a:pPr algn="ctr"/>
             <a:r>
               <a:rPr lang="ru-RU" altLang="en-US" sz="4000">
                 <a:solidFill>
@@ -3919,6 +3957,569 @@
 </file>
 
 <file path=ppt/slides/slide10.xml><?xml version="1.0" encoding="utf-8"?>
+<p:sld xmlns:a="http://schemas.openxmlformats.org/drawingml/2006/main" xmlns:r="http://schemas.openxmlformats.org/officeDocument/2006/relationships" xmlns:p="http://schemas.openxmlformats.org/presentationml/2006/main">
+  <p:cSld>
+    <p:spTree>
+      <p:nvGrpSpPr>
+        <p:cNvPr id="1" name=""/>
+        <p:cNvGrpSpPr/>
+        <p:nvPr/>
+      </p:nvGrpSpPr>
+      <p:grpSpPr/>
+      <p:sp>
+        <p:nvSpPr>
+          <p:cNvPr id="2" name="Заголовок 1"/>
+          <p:cNvSpPr>
+            <a:spLocks noGrp="1"/>
+          </p:cNvSpPr>
+          <p:nvPr>
+            <p:ph type="title"/>
+          </p:nvPr>
+        </p:nvSpPr>
+        <p:spPr>
+          <a:xfrm>
+            <a:off x="2907665" y="238760"/>
+            <a:ext cx="6375400" cy="780415"/>
+          </a:xfrm>
+        </p:spPr>
+        <p:txBody>
+          <a:bodyPr>
+            <a:normAutofit/>
+          </a:bodyPr>
+          <a:p>
+            <a:pPr algn="ctr"/>
+            <a:r>
+              <a:rPr lang="ru-RU" altLang="en-US" sz="4000" b="1">
+                <a:latin typeface="Arial" panose="020B0604020202020204" pitchFamily="34" charset="0"/>
+                <a:cs typeface="Arial" panose="020B0604020202020204" pitchFamily="34" charset="0"/>
+              </a:rPr>
+              <a:t>Архитектура системы</a:t>
+            </a:r>
+            <a:endParaRPr lang="ru-RU" altLang="en-US" b="1">
+              <a:latin typeface="Arial" panose="020B0604020202020204" pitchFamily="34" charset="0"/>
+              <a:cs typeface="Arial" panose="020B0604020202020204" pitchFamily="34" charset="0"/>
+            </a:endParaRPr>
+          </a:p>
+        </p:txBody>
+      </p:sp>
+      <p:sp>
+        <p:nvSpPr>
+          <p:cNvPr id="10" name="Полилиния 9"/>
+          <p:cNvSpPr/>
+          <p:nvPr/>
+        </p:nvSpPr>
+        <p:spPr>
+          <a:xfrm>
+            <a:off x="11264265" y="0"/>
+            <a:ext cx="1004293" cy="506095"/>
+          </a:xfrm>
+          <a:custGeom>
+            <a:avLst/>
+            <a:gdLst>
+              <a:gd name="connsiteX0" fmla="*/ 0 w 1581"/>
+              <a:gd name="connsiteY0" fmla="*/ 0 h 797"/>
+              <a:gd name="connsiteX1" fmla="*/ 1491 w 1581"/>
+              <a:gd name="connsiteY1" fmla="*/ 0 h 797"/>
+              <a:gd name="connsiteX2" fmla="*/ 1461 w 1581"/>
+              <a:gd name="connsiteY2" fmla="*/ 399 h 797"/>
+              <a:gd name="connsiteX3" fmla="*/ 1461 w 1581"/>
+              <a:gd name="connsiteY3" fmla="*/ 797 h 797"/>
+              <a:gd name="connsiteX4" fmla="*/ 399 w 1581"/>
+              <a:gd name="connsiteY4" fmla="*/ 797 h 797"/>
+              <a:gd name="connsiteX5" fmla="*/ 0 w 1581"/>
+              <a:gd name="connsiteY5" fmla="*/ 399 h 797"/>
+              <a:gd name="connsiteX6" fmla="*/ 0 w 1581"/>
+              <a:gd name="connsiteY6" fmla="*/ 0 h 797"/>
+            </a:gdLst>
+            <a:ahLst/>
+            <a:cxnLst>
+              <a:cxn ang="0">
+                <a:pos x="connsiteX0" y="connsiteY0"/>
+              </a:cxn>
+              <a:cxn ang="0">
+                <a:pos x="connsiteX1" y="connsiteY1"/>
+              </a:cxn>
+              <a:cxn ang="0">
+                <a:pos x="connsiteX2" y="connsiteY2"/>
+              </a:cxn>
+              <a:cxn ang="0">
+                <a:pos x="connsiteX3" y="connsiteY3"/>
+              </a:cxn>
+              <a:cxn ang="0">
+                <a:pos x="connsiteX4" y="connsiteY4"/>
+              </a:cxn>
+              <a:cxn ang="0">
+                <a:pos x="connsiteX5" y="connsiteY5"/>
+              </a:cxn>
+              <a:cxn ang="0">
+                <a:pos x="connsiteX6" y="connsiteY6"/>
+              </a:cxn>
+            </a:cxnLst>
+            <a:rect l="l" t="t" r="r" b="b"/>
+            <a:pathLst>
+              <a:path w="1582" h="797">
+                <a:moveTo>
+                  <a:pt x="0" y="0"/>
+                </a:moveTo>
+                <a:lnTo>
+                  <a:pt x="1491" y="0"/>
+                </a:lnTo>
+                <a:cubicBezTo>
+                  <a:pt x="1711" y="0"/>
+                  <a:pt x="1461" y="178"/>
+                  <a:pt x="1461" y="399"/>
+                </a:cubicBezTo>
+                <a:lnTo>
+                  <a:pt x="1461" y="797"/>
+                </a:lnTo>
+                <a:lnTo>
+                  <a:pt x="399" y="797"/>
+                </a:lnTo>
+                <a:cubicBezTo>
+                  <a:pt x="178" y="797"/>
+                  <a:pt x="0" y="619"/>
+                  <a:pt x="0" y="399"/>
+                </a:cubicBezTo>
+                <a:lnTo>
+                  <a:pt x="0" y="0"/>
+                </a:lnTo>
+                <a:close/>
+              </a:path>
+            </a:pathLst>
+          </a:custGeom>
+          <a:ln>
+            <a:noFill/>
+          </a:ln>
+        </p:spPr>
+        <p:style>
+          <a:lnRef idx="2">
+            <a:schemeClr val="accent1">
+              <a:lumMod val="75000"/>
+            </a:schemeClr>
+          </a:lnRef>
+          <a:fillRef idx="1">
+            <a:schemeClr val="accent1"/>
+          </a:fillRef>
+          <a:effectRef idx="0">
+            <a:srgbClr val="FFFFFF"/>
+          </a:effectRef>
+          <a:fontRef idx="minor">
+            <a:schemeClr val="lt1"/>
+          </a:fontRef>
+        </p:style>
+        <p:txBody>
+          <a:bodyPr rtlCol="0" anchor="ctr"/>
+          <a:p>
+            <a:pPr algn="ctr"/>
+            <a:r>
+              <a:rPr lang="ru-RU" altLang="en-US"/>
+              <a:t>8 / 9</a:t>
+            </a:r>
+            <a:endParaRPr lang="ru-RU" altLang="en-US"/>
+          </a:p>
+        </p:txBody>
+      </p:sp>
+      <p:pic>
+        <p:nvPicPr>
+          <p:cNvPr id="4" name="Замещающее содержимое 3" descr="Диаграмма разввертывания"/>
+          <p:cNvPicPr>
+            <a:picLocks noChangeAspect="1"/>
+          </p:cNvPicPr>
+          <p:nvPr>
+            <p:ph idx="1"/>
+          </p:nvPr>
+        </p:nvPicPr>
+        <p:blipFill>
+          <a:blip r:embed="rId1"/>
+          <a:stretch>
+            <a:fillRect/>
+          </a:stretch>
+        </p:blipFill>
+        <p:spPr>
+          <a:xfrm>
+            <a:off x="855980" y="1300480"/>
+            <a:ext cx="10480675" cy="4740910"/>
+          </a:xfrm>
+          <a:prstGeom prst="rect">
+            <a:avLst/>
+          </a:prstGeom>
+        </p:spPr>
+      </p:pic>
+    </p:spTree>
+  </p:cSld>
+  <p:clrMapOvr>
+    <a:masterClrMapping/>
+  </p:clrMapOvr>
+</p:sld>
+</file>
+
+<file path=ppt/slides/slide11.xml><?xml version="1.0" encoding="utf-8"?>
+<p:sld xmlns:a="http://schemas.openxmlformats.org/drawingml/2006/main" xmlns:r="http://schemas.openxmlformats.org/officeDocument/2006/relationships" xmlns:p="http://schemas.openxmlformats.org/presentationml/2006/main">
+  <p:cSld>
+    <p:spTree>
+      <p:nvGrpSpPr>
+        <p:cNvPr id="1" name=""/>
+        <p:cNvGrpSpPr/>
+        <p:nvPr/>
+      </p:nvGrpSpPr>
+      <p:grpSpPr/>
+      <p:sp>
+        <p:nvSpPr>
+          <p:cNvPr id="2" name="Заголовок 1"/>
+          <p:cNvSpPr>
+            <a:spLocks noGrp="1"/>
+          </p:cNvSpPr>
+          <p:nvPr>
+            <p:ph type="title"/>
+          </p:nvPr>
+        </p:nvSpPr>
+        <p:spPr>
+          <a:xfrm>
+            <a:off x="4203065" y="238760"/>
+            <a:ext cx="3785235" cy="780415"/>
+          </a:xfrm>
+        </p:spPr>
+        <p:txBody>
+          <a:bodyPr>
+            <a:normAutofit/>
+          </a:bodyPr>
+          <a:p>
+            <a:pPr algn="ctr"/>
+            <a:r>
+              <a:rPr lang="ru-RU" altLang="en-US" sz="4000" b="1">
+                <a:latin typeface="Arial" panose="020B0604020202020204" pitchFamily="34" charset="0"/>
+                <a:cs typeface="Arial" panose="020B0604020202020204" pitchFamily="34" charset="0"/>
+              </a:rPr>
+              <a:t>Заключение</a:t>
+            </a:r>
+            <a:endParaRPr lang="ru-RU" altLang="en-US" b="1">
+              <a:latin typeface="Arial" panose="020B0604020202020204" pitchFamily="34" charset="0"/>
+              <a:cs typeface="Arial" panose="020B0604020202020204" pitchFamily="34" charset="0"/>
+            </a:endParaRPr>
+          </a:p>
+        </p:txBody>
+      </p:sp>
+      <p:sp>
+        <p:nvSpPr>
+          <p:cNvPr id="6" name="Полилиния 5"/>
+          <p:cNvSpPr/>
+          <p:nvPr/>
+        </p:nvSpPr>
+        <p:spPr>
+          <a:xfrm>
+            <a:off x="11264265" y="0"/>
+            <a:ext cx="1004293" cy="506095"/>
+          </a:xfrm>
+          <a:custGeom>
+            <a:avLst/>
+            <a:gdLst>
+              <a:gd name="connsiteX0" fmla="*/ 0 w 1581"/>
+              <a:gd name="connsiteY0" fmla="*/ 0 h 797"/>
+              <a:gd name="connsiteX1" fmla="*/ 1491 w 1581"/>
+              <a:gd name="connsiteY1" fmla="*/ 0 h 797"/>
+              <a:gd name="connsiteX2" fmla="*/ 1461 w 1581"/>
+              <a:gd name="connsiteY2" fmla="*/ 399 h 797"/>
+              <a:gd name="connsiteX3" fmla="*/ 1461 w 1581"/>
+              <a:gd name="connsiteY3" fmla="*/ 797 h 797"/>
+              <a:gd name="connsiteX4" fmla="*/ 399 w 1581"/>
+              <a:gd name="connsiteY4" fmla="*/ 797 h 797"/>
+              <a:gd name="connsiteX5" fmla="*/ 0 w 1581"/>
+              <a:gd name="connsiteY5" fmla="*/ 399 h 797"/>
+              <a:gd name="connsiteX6" fmla="*/ 0 w 1581"/>
+              <a:gd name="connsiteY6" fmla="*/ 0 h 797"/>
+            </a:gdLst>
+            <a:ahLst/>
+            <a:cxnLst>
+              <a:cxn ang="0">
+                <a:pos x="connsiteX0" y="connsiteY0"/>
+              </a:cxn>
+              <a:cxn ang="0">
+                <a:pos x="connsiteX1" y="connsiteY1"/>
+              </a:cxn>
+              <a:cxn ang="0">
+                <a:pos x="connsiteX2" y="connsiteY2"/>
+              </a:cxn>
+              <a:cxn ang="0">
+                <a:pos x="connsiteX3" y="connsiteY3"/>
+              </a:cxn>
+              <a:cxn ang="0">
+                <a:pos x="connsiteX4" y="connsiteY4"/>
+              </a:cxn>
+              <a:cxn ang="0">
+                <a:pos x="connsiteX5" y="connsiteY5"/>
+              </a:cxn>
+              <a:cxn ang="0">
+                <a:pos x="connsiteX6" y="connsiteY6"/>
+              </a:cxn>
+            </a:cxnLst>
+            <a:rect l="l" t="t" r="r" b="b"/>
+            <a:pathLst>
+              <a:path w="1582" h="797">
+                <a:moveTo>
+                  <a:pt x="0" y="0"/>
+                </a:moveTo>
+                <a:lnTo>
+                  <a:pt x="1491" y="0"/>
+                </a:lnTo>
+                <a:cubicBezTo>
+                  <a:pt x="1711" y="0"/>
+                  <a:pt x="1461" y="178"/>
+                  <a:pt x="1461" y="399"/>
+                </a:cubicBezTo>
+                <a:lnTo>
+                  <a:pt x="1461" y="797"/>
+                </a:lnTo>
+                <a:lnTo>
+                  <a:pt x="399" y="797"/>
+                </a:lnTo>
+                <a:cubicBezTo>
+                  <a:pt x="178" y="797"/>
+                  <a:pt x="0" y="619"/>
+                  <a:pt x="0" y="399"/>
+                </a:cubicBezTo>
+                <a:lnTo>
+                  <a:pt x="0" y="0"/>
+                </a:lnTo>
+                <a:close/>
+              </a:path>
+            </a:pathLst>
+          </a:custGeom>
+          <a:ln>
+            <a:noFill/>
+          </a:ln>
+        </p:spPr>
+        <p:style>
+          <a:lnRef idx="2">
+            <a:schemeClr val="accent1">
+              <a:lumMod val="75000"/>
+            </a:schemeClr>
+          </a:lnRef>
+          <a:fillRef idx="1">
+            <a:schemeClr val="accent1"/>
+          </a:fillRef>
+          <a:effectRef idx="0">
+            <a:srgbClr val="FFFFFF"/>
+          </a:effectRef>
+          <a:fontRef idx="minor">
+            <a:schemeClr val="lt1"/>
+          </a:fontRef>
+        </p:style>
+        <p:txBody>
+          <a:bodyPr rtlCol="0" anchor="ctr"/>
+          <a:p>
+            <a:pPr algn="ctr"/>
+            <a:r>
+              <a:rPr lang="ru-RU" altLang="en-US"/>
+              <a:t>9 / 9</a:t>
+            </a:r>
+            <a:endParaRPr lang="ru-RU" altLang="en-US"/>
+          </a:p>
+        </p:txBody>
+      </p:sp>
+      <p:sp>
+        <p:nvSpPr>
+          <p:cNvPr id="4" name="Текстовое поле 3"/>
+          <p:cNvSpPr txBox="1"/>
+          <p:nvPr/>
+        </p:nvSpPr>
+        <p:spPr>
+          <a:xfrm>
+            <a:off x="2813050" y="1393190"/>
+            <a:ext cx="4879975" cy="521970"/>
+          </a:xfrm>
+          <a:prstGeom prst="rect">
+            <a:avLst/>
+          </a:prstGeom>
+          <a:noFill/>
+        </p:spPr>
+        <p:txBody>
+          <a:bodyPr wrap="square" rtlCol="0">
+            <a:spAutoFit/>
+          </a:bodyPr>
+          <a:p>
+            <a:r>
+              <a:rPr lang="ru-RU" altLang="en-US" sz="2800">
+                <a:latin typeface="Arial" panose="020B0604020202020204" pitchFamily="34" charset="0"/>
+                <a:cs typeface="Arial" panose="020B0604020202020204" pitchFamily="34" charset="0"/>
+              </a:rPr>
+              <a:t>Цель достигнута</a:t>
+            </a:r>
+            <a:endParaRPr lang="ru-RU" altLang="en-US" sz="2800">
+              <a:latin typeface="Arial" panose="020B0604020202020204" pitchFamily="34" charset="0"/>
+              <a:cs typeface="Arial" panose="020B0604020202020204" pitchFamily="34" charset="0"/>
+            </a:endParaRPr>
+          </a:p>
+        </p:txBody>
+      </p:sp>
+      <p:sp>
+        <p:nvSpPr>
+          <p:cNvPr id="7" name="Текстовое поле 6"/>
+          <p:cNvSpPr txBox="1"/>
+          <p:nvPr/>
+        </p:nvSpPr>
+        <p:spPr>
+          <a:xfrm>
+            <a:off x="2813050" y="3257233"/>
+            <a:ext cx="5784850" cy="521970"/>
+          </a:xfrm>
+          <a:prstGeom prst="rect">
+            <a:avLst/>
+          </a:prstGeom>
+          <a:noFill/>
+        </p:spPr>
+        <p:txBody>
+          <a:bodyPr wrap="square" rtlCol="0">
+            <a:spAutoFit/>
+          </a:bodyPr>
+          <a:p>
+            <a:r>
+              <a:rPr lang="ru-RU" altLang="en-US" sz="2800">
+                <a:latin typeface="Arial" panose="020B0604020202020204" pitchFamily="34" charset="0"/>
+                <a:cs typeface="Arial" panose="020B0604020202020204" pitchFamily="34" charset="0"/>
+              </a:rPr>
+              <a:t>Поставленные задачи решены</a:t>
+            </a:r>
+            <a:endParaRPr lang="ru-RU" altLang="en-US" sz="2800">
+              <a:latin typeface="Arial" panose="020B0604020202020204" pitchFamily="34" charset="0"/>
+              <a:cs typeface="Arial" panose="020B0604020202020204" pitchFamily="34" charset="0"/>
+            </a:endParaRPr>
+          </a:p>
+        </p:txBody>
+      </p:sp>
+      <p:pic>
+        <p:nvPicPr>
+          <p:cNvPr id="8" name="Изображение 7" descr="icons8-confetti-100"/>
+          <p:cNvPicPr>
+            <a:picLocks noChangeAspect="1"/>
+          </p:cNvPicPr>
+          <p:nvPr/>
+        </p:nvPicPr>
+        <p:blipFill>
+          <a:blip r:embed="rId1"/>
+          <a:stretch>
+            <a:fillRect/>
+          </a:stretch>
+        </p:blipFill>
+        <p:spPr>
+          <a:xfrm>
+            <a:off x="1082199" y="1019175"/>
+            <a:ext cx="1270000" cy="1270000"/>
+          </a:xfrm>
+          <a:prstGeom prst="rect">
+            <a:avLst/>
+          </a:prstGeom>
+        </p:spPr>
+      </p:pic>
+      <p:pic>
+        <p:nvPicPr>
+          <p:cNvPr id="9" name="Изображение 8" descr="icons8-task-completed-100"/>
+          <p:cNvPicPr>
+            <a:picLocks noChangeAspect="1"/>
+          </p:cNvPicPr>
+          <p:nvPr/>
+        </p:nvPicPr>
+        <p:blipFill>
+          <a:blip r:embed="rId2"/>
+          <a:stretch>
+            <a:fillRect/>
+          </a:stretch>
+        </p:blipFill>
+        <p:spPr>
+          <a:xfrm>
+            <a:off x="1082199" y="2883218"/>
+            <a:ext cx="1270000" cy="1270000"/>
+          </a:xfrm>
+          <a:prstGeom prst="rect">
+            <a:avLst/>
+          </a:prstGeom>
+        </p:spPr>
+      </p:pic>
+      <p:pic>
+        <p:nvPicPr>
+          <p:cNvPr id="10" name="Изображение 9" descr="icons8-networking-manager-100"/>
+          <p:cNvPicPr>
+            <a:picLocks noChangeAspect="1"/>
+          </p:cNvPicPr>
+          <p:nvPr/>
+        </p:nvPicPr>
+        <p:blipFill>
+          <a:blip r:embed="rId3"/>
+          <a:stretch>
+            <a:fillRect/>
+          </a:stretch>
+        </p:blipFill>
+        <p:spPr>
+          <a:xfrm>
+            <a:off x="1082199" y="4774565"/>
+            <a:ext cx="1270000" cy="1270000"/>
+          </a:xfrm>
+          <a:prstGeom prst="rect">
+            <a:avLst/>
+          </a:prstGeom>
+        </p:spPr>
+      </p:pic>
+      <p:sp>
+        <p:nvSpPr>
+          <p:cNvPr id="12" name="Текстовое поле 11"/>
+          <p:cNvSpPr txBox="1"/>
+          <p:nvPr/>
+        </p:nvSpPr>
+        <p:spPr>
+          <a:xfrm>
+            <a:off x="2813050" y="5148580"/>
+            <a:ext cx="5160010" cy="521970"/>
+          </a:xfrm>
+          <a:prstGeom prst="rect">
+            <a:avLst/>
+          </a:prstGeom>
+          <a:noFill/>
+        </p:spPr>
+        <p:txBody>
+          <a:bodyPr wrap="square" rtlCol="0">
+            <a:spAutoFit/>
+          </a:bodyPr>
+          <a:p>
+            <a:r>
+              <a:rPr lang="en-US" altLang="en-US" sz="2800">
+                <a:latin typeface="Arial" panose="020B0604020202020204" pitchFamily="34" charset="0"/>
+                <a:cs typeface="Arial" panose="020B0604020202020204" pitchFamily="34" charset="0"/>
+                <a:sym typeface="+mn-ea"/>
+              </a:rPr>
+              <a:t>Разработанна</a:t>
+            </a:r>
+            <a:r>
+              <a:rPr lang="en-US" altLang="ru-RU" sz="2800">
+                <a:latin typeface="Arial" panose="020B0604020202020204" pitchFamily="34" charset="0"/>
+                <a:cs typeface="Arial" panose="020B0604020202020204" pitchFamily="34" charset="0"/>
+                <a:sym typeface="+mn-ea"/>
+              </a:rPr>
+              <a:t> </a:t>
+            </a:r>
+            <a:r>
+              <a:rPr lang="en-US" altLang="en-US" sz="2800">
+                <a:latin typeface="Arial" panose="020B0604020202020204" pitchFamily="34" charset="0"/>
+                <a:cs typeface="Arial" panose="020B0604020202020204" pitchFamily="34" charset="0"/>
+                <a:sym typeface="+mn-ea"/>
+              </a:rPr>
+              <a:t>подсистема</a:t>
+            </a:r>
+            <a:endParaRPr lang="en-US" altLang="en-US" sz="2800">
+              <a:latin typeface="Arial" panose="020B0604020202020204" pitchFamily="34" charset="0"/>
+              <a:cs typeface="Arial" panose="020B0604020202020204" pitchFamily="34" charset="0"/>
+              <a:sym typeface="+mn-ea"/>
+            </a:endParaRPr>
+          </a:p>
+        </p:txBody>
+      </p:sp>
+    </p:spTree>
+  </p:cSld>
+  <p:clrMapOvr>
+    <a:masterClrMapping/>
+  </p:clrMapOvr>
+</p:sld>
+</file>
+
+<file path=ppt/slides/slide12.xml><?xml version="1.0" encoding="utf-8"?>
 <p:sld xmlns:a="http://schemas.openxmlformats.org/drawingml/2006/main" xmlns:r="http://schemas.openxmlformats.org/officeDocument/2006/relationships" xmlns:p="http://schemas.openxmlformats.org/presentationml/2006/main">
   <p:cSld>
     <p:spTree>
@@ -5428,6 +6029,14 @@
 <file path=ppt/slides/slide3.xml><?xml version="1.0" encoding="utf-8"?>
 <p:sld xmlns:a="http://schemas.openxmlformats.org/drawingml/2006/main" xmlns:r="http://schemas.openxmlformats.org/officeDocument/2006/relationships" xmlns:p="http://schemas.openxmlformats.org/presentationml/2006/main">
   <p:cSld>
+    <p:bg>
+      <p:bgPr>
+        <a:solidFill>
+          <a:schemeClr val="bg1"/>
+        </a:solidFill>
+        <a:effectLst/>
+      </p:bgPr>
+    </p:bg>
     <p:spTree>
       <p:nvGrpSpPr>
         <p:cNvPr id="1" name=""/>
@@ -6146,7 +6755,7 @@
         </p:blipFill>
         <p:spPr>
           <a:xfrm>
-            <a:off x="387350" y="3810000"/>
+            <a:off x="433070" y="3810000"/>
             <a:ext cx="3048000" cy="3048000"/>
           </a:xfrm>
           <a:prstGeom prst="rect">
@@ -6170,7 +6779,7 @@
         </p:blipFill>
         <p:spPr>
           <a:xfrm>
-            <a:off x="4392930" y="3810000"/>
+            <a:off x="4572000" y="3835400"/>
             <a:ext cx="3048000" cy="3048000"/>
           </a:xfrm>
           <a:prstGeom prst="rect">
@@ -6194,7 +6803,7 @@
         </p:blipFill>
         <p:spPr>
           <a:xfrm>
-            <a:off x="8398510" y="3810000"/>
+            <a:off x="8756650" y="3810000"/>
             <a:ext cx="3048000" cy="3048000"/>
           </a:xfrm>
           <a:prstGeom prst="rect">
@@ -6210,8 +6819,8 @@
         </p:nvSpPr>
         <p:spPr>
           <a:xfrm>
-            <a:off x="8956040" y="3229610"/>
-            <a:ext cx="1932305" cy="398780"/>
+            <a:off x="8933180" y="2713673"/>
+            <a:ext cx="2694940" cy="521970"/>
           </a:xfrm>
           <a:prstGeom prst="rect">
             <a:avLst/>
@@ -6225,14 +6834,14 @@
           <a:p>
             <a:pPr algn="ctr"/>
             <a:r>
-              <a:rPr lang="ru-RU" altLang="en-US" sz="2000">
+              <a:rPr lang="ru-RU" altLang="en-US" sz="2800">
                 <a:latin typeface="Arial" panose="020B0604020202020204" pitchFamily="34" charset="0"/>
                 <a:cs typeface="Arial" panose="020B0604020202020204" pitchFamily="34" charset="0"/>
                 <a:sym typeface="+mn-ea"/>
               </a:rPr>
               <a:t>клиенты</a:t>
             </a:r>
-            <a:endParaRPr lang="ru-RU" altLang="en-US" sz="2000">
+            <a:endParaRPr lang="ru-RU" altLang="en-US" sz="2800">
               <a:latin typeface="Arial" panose="020B0604020202020204" pitchFamily="34" charset="0"/>
               <a:cs typeface="Arial" panose="020B0604020202020204" pitchFamily="34" charset="0"/>
               <a:sym typeface="+mn-ea"/>
@@ -6248,8 +6857,8 @@
         </p:nvSpPr>
         <p:spPr>
           <a:xfrm>
-            <a:off x="4749165" y="3229610"/>
-            <a:ext cx="2335530" cy="398780"/>
+            <a:off x="4466908" y="2713673"/>
+            <a:ext cx="3257550" cy="521970"/>
           </a:xfrm>
           <a:prstGeom prst="rect">
             <a:avLst/>
@@ -6263,13 +6872,13 @@
           <a:p>
             <a:pPr algn="ctr"/>
             <a:r>
-              <a:rPr lang="en-US" altLang="en-US" sz="2000">
+              <a:rPr lang="en-US" altLang="en-US" sz="2800">
                 <a:latin typeface="Arial" panose="020B0604020202020204" pitchFamily="34" charset="0"/>
                 <a:cs typeface="Arial" panose="020B0604020202020204" pitchFamily="34" charset="0"/>
               </a:rPr>
               <a:t>администраторы</a:t>
             </a:r>
-            <a:endParaRPr lang="en-US" altLang="en-US" sz="2000">
+            <a:endParaRPr lang="en-US" altLang="en-US" sz="2800">
               <a:latin typeface="Arial" panose="020B0604020202020204" pitchFamily="34" charset="0"/>
               <a:cs typeface="Arial" panose="020B0604020202020204" pitchFamily="34" charset="0"/>
             </a:endParaRPr>
@@ -6284,8 +6893,8 @@
         </p:nvSpPr>
         <p:spPr>
           <a:xfrm>
-            <a:off x="1059815" y="3229610"/>
-            <a:ext cx="1703070" cy="398780"/>
+            <a:off x="769620" y="2713673"/>
+            <a:ext cx="2374900" cy="521970"/>
           </a:xfrm>
           <a:prstGeom prst="rect">
             <a:avLst/>
@@ -6299,13 +6908,13 @@
           <a:p>
             <a:pPr algn="ctr"/>
             <a:r>
-              <a:rPr lang="en-US" altLang="en-US" sz="2000">
+              <a:rPr lang="en-US" altLang="en-US" sz="2800">
                 <a:latin typeface="Arial" panose="020B0604020202020204" pitchFamily="34" charset="0"/>
                 <a:cs typeface="Arial" panose="020B0604020202020204" pitchFamily="34" charset="0"/>
               </a:rPr>
               <a:t>сотрудники</a:t>
             </a:r>
-            <a:endParaRPr lang="en-US" altLang="en-US" sz="2000">
+            <a:endParaRPr lang="en-US" altLang="en-US" sz="2800">
               <a:latin typeface="Arial" panose="020B0604020202020204" pitchFamily="34" charset="0"/>
               <a:cs typeface="Arial" panose="020B0604020202020204" pitchFamily="34" charset="0"/>
             </a:endParaRPr>
@@ -7623,6 +8232,3370 @@
         </p:nvSpPr>
         <p:spPr>
           <a:xfrm>
+            <a:off x="4203700" y="214630"/>
+            <a:ext cx="3785235" cy="780415"/>
+          </a:xfrm>
+        </p:spPr>
+        <p:txBody>
+          <a:bodyPr>
+            <a:normAutofit/>
+          </a:bodyPr>
+          <a:p>
+            <a:pPr algn="ctr"/>
+            <a:r>
+              <a:rPr lang="ru-RU" altLang="en-US" sz="4000" b="1">
+                <a:latin typeface="Arial" panose="020B0604020202020204" pitchFamily="34" charset="0"/>
+                <a:cs typeface="Arial" panose="020B0604020202020204" pitchFamily="34" charset="0"/>
+              </a:rPr>
+              <a:t>Задачи</a:t>
+            </a:r>
+            <a:endParaRPr lang="ru-RU" altLang="en-US" b="1">
+              <a:latin typeface="Arial" panose="020B0604020202020204" pitchFamily="34" charset="0"/>
+              <a:cs typeface="Arial" panose="020B0604020202020204" pitchFamily="34" charset="0"/>
+            </a:endParaRPr>
+          </a:p>
+        </p:txBody>
+      </p:sp>
+      <p:sp>
+        <p:nvSpPr>
+          <p:cNvPr id="6" name="Полилиния 5"/>
+          <p:cNvSpPr/>
+          <p:nvPr/>
+        </p:nvSpPr>
+        <p:spPr>
+          <a:xfrm>
+            <a:off x="11264265" y="0"/>
+            <a:ext cx="1004293" cy="506095"/>
+          </a:xfrm>
+          <a:custGeom>
+            <a:avLst/>
+            <a:gdLst>
+              <a:gd name="connsiteX0" fmla="*/ 0 w 1581"/>
+              <a:gd name="connsiteY0" fmla="*/ 0 h 797"/>
+              <a:gd name="connsiteX1" fmla="*/ 1491 w 1581"/>
+              <a:gd name="connsiteY1" fmla="*/ 0 h 797"/>
+              <a:gd name="connsiteX2" fmla="*/ 1461 w 1581"/>
+              <a:gd name="connsiteY2" fmla="*/ 399 h 797"/>
+              <a:gd name="connsiteX3" fmla="*/ 1461 w 1581"/>
+              <a:gd name="connsiteY3" fmla="*/ 797 h 797"/>
+              <a:gd name="connsiteX4" fmla="*/ 399 w 1581"/>
+              <a:gd name="connsiteY4" fmla="*/ 797 h 797"/>
+              <a:gd name="connsiteX5" fmla="*/ 0 w 1581"/>
+              <a:gd name="connsiteY5" fmla="*/ 399 h 797"/>
+              <a:gd name="connsiteX6" fmla="*/ 0 w 1581"/>
+              <a:gd name="connsiteY6" fmla="*/ 0 h 797"/>
+            </a:gdLst>
+            <a:ahLst/>
+            <a:cxnLst>
+              <a:cxn ang="0">
+                <a:pos x="connsiteX0" y="connsiteY0"/>
+              </a:cxn>
+              <a:cxn ang="0">
+                <a:pos x="connsiteX1" y="connsiteY1"/>
+              </a:cxn>
+              <a:cxn ang="0">
+                <a:pos x="connsiteX2" y="connsiteY2"/>
+              </a:cxn>
+              <a:cxn ang="0">
+                <a:pos x="connsiteX3" y="connsiteY3"/>
+              </a:cxn>
+              <a:cxn ang="0">
+                <a:pos x="connsiteX4" y="connsiteY4"/>
+              </a:cxn>
+              <a:cxn ang="0">
+                <a:pos x="connsiteX5" y="connsiteY5"/>
+              </a:cxn>
+              <a:cxn ang="0">
+                <a:pos x="connsiteX6" y="connsiteY6"/>
+              </a:cxn>
+            </a:cxnLst>
+            <a:rect l="l" t="t" r="r" b="b"/>
+            <a:pathLst>
+              <a:path w="1582" h="797">
+                <a:moveTo>
+                  <a:pt x="0" y="0"/>
+                </a:moveTo>
+                <a:lnTo>
+                  <a:pt x="1491" y="0"/>
+                </a:lnTo>
+                <a:cubicBezTo>
+                  <a:pt x="1711" y="0"/>
+                  <a:pt x="1461" y="178"/>
+                  <a:pt x="1461" y="399"/>
+                </a:cubicBezTo>
+                <a:lnTo>
+                  <a:pt x="1461" y="797"/>
+                </a:lnTo>
+                <a:lnTo>
+                  <a:pt x="399" y="797"/>
+                </a:lnTo>
+                <a:cubicBezTo>
+                  <a:pt x="178" y="797"/>
+                  <a:pt x="0" y="619"/>
+                  <a:pt x="0" y="399"/>
+                </a:cubicBezTo>
+                <a:lnTo>
+                  <a:pt x="0" y="0"/>
+                </a:lnTo>
+                <a:close/>
+              </a:path>
+            </a:pathLst>
+          </a:custGeom>
+          <a:ln>
+            <a:noFill/>
+          </a:ln>
+        </p:spPr>
+        <p:style>
+          <a:lnRef idx="2">
+            <a:schemeClr val="accent1">
+              <a:lumMod val="75000"/>
+            </a:schemeClr>
+          </a:lnRef>
+          <a:fillRef idx="1">
+            <a:schemeClr val="accent1"/>
+          </a:fillRef>
+          <a:effectRef idx="0">
+            <a:srgbClr val="FFFFFF"/>
+          </a:effectRef>
+          <a:fontRef idx="minor">
+            <a:schemeClr val="lt1"/>
+          </a:fontRef>
+        </p:style>
+        <p:txBody>
+          <a:bodyPr rtlCol="0" anchor="ctr"/>
+          <a:p>
+            <a:pPr algn="ctr"/>
+            <a:r>
+              <a:rPr lang="ru-RU" altLang="en-US"/>
+              <a:t>5 / 9</a:t>
+            </a:r>
+            <a:endParaRPr lang="ru-RU" altLang="en-US"/>
+          </a:p>
+        </p:txBody>
+      </p:sp>
+      <p:pic>
+        <p:nvPicPr>
+          <p:cNvPr id="5" name="Изображение 4" descr="icons8-hierarchy-96"/>
+          <p:cNvPicPr>
+            <a:picLocks noChangeAspect="1"/>
+          </p:cNvPicPr>
+          <p:nvPr/>
+        </p:nvPicPr>
+        <p:blipFill>
+          <a:blip r:embed="rId1"/>
+          <a:stretch>
+            <a:fillRect/>
+          </a:stretch>
+        </p:blipFill>
+        <p:spPr>
+          <a:xfrm>
+            <a:off x="332105" y="911225"/>
+            <a:ext cx="1440000" cy="1440000"/>
+          </a:xfrm>
+          <a:prstGeom prst="rect">
+            <a:avLst/>
+          </a:prstGeom>
+        </p:spPr>
+      </p:pic>
+      <p:pic>
+        <p:nvPicPr>
+          <p:cNvPr id="7" name="Изображение 6" descr="icons8-backlog-100"/>
+          <p:cNvPicPr>
+            <a:picLocks noChangeAspect="1"/>
+          </p:cNvPicPr>
+          <p:nvPr/>
+        </p:nvPicPr>
+        <p:blipFill>
+          <a:blip r:embed="rId2"/>
+          <a:stretch>
+            <a:fillRect/>
+          </a:stretch>
+        </p:blipFill>
+        <p:spPr>
+          <a:xfrm>
+            <a:off x="332105" y="2708910"/>
+            <a:ext cx="1440000" cy="1440000"/>
+          </a:xfrm>
+          <a:prstGeom prst="rect">
+            <a:avLst/>
+          </a:prstGeom>
+        </p:spPr>
+      </p:pic>
+      <p:pic>
+        <p:nvPicPr>
+          <p:cNvPr id="8" name="Изображение 7" descr="icons8-task-96"/>
+          <p:cNvPicPr>
+            <a:picLocks noChangeAspect="1"/>
+          </p:cNvPicPr>
+          <p:nvPr/>
+        </p:nvPicPr>
+        <p:blipFill>
+          <a:blip r:embed="rId3"/>
+          <a:stretch>
+            <a:fillRect/>
+          </a:stretch>
+        </p:blipFill>
+        <p:spPr>
+          <a:xfrm>
+            <a:off x="332105" y="4506595"/>
+            <a:ext cx="1440000" cy="1440000"/>
+          </a:xfrm>
+          <a:prstGeom prst="rect">
+            <a:avLst/>
+          </a:prstGeom>
+        </p:spPr>
+      </p:pic>
+      <p:sp>
+        <p:nvSpPr>
+          <p:cNvPr id="4" name="Текстовое поле 3"/>
+          <p:cNvSpPr txBox="1"/>
+          <p:nvPr/>
+        </p:nvSpPr>
+        <p:spPr>
+          <a:xfrm>
+            <a:off x="2590165" y="1331595"/>
+            <a:ext cx="7265670" cy="922020"/>
+          </a:xfrm>
+          <a:prstGeom prst="rect">
+            <a:avLst/>
+          </a:prstGeom>
+          <a:noFill/>
+        </p:spPr>
+        <p:txBody>
+          <a:bodyPr wrap="square" rtlCol="0">
+            <a:spAutoFit/>
+          </a:bodyPr>
+          <a:p>
+            <a:pPr algn="l"/>
+            <a:r>
+              <a:rPr lang="en-US" altLang="en-US">
+                <a:latin typeface="Arial" panose="020B0604020202020204" pitchFamily="34" charset="0"/>
+                <a:cs typeface="Arial" panose="020B0604020202020204" pitchFamily="34" charset="0"/>
+              </a:rPr>
+              <a:t>Анализ</a:t>
+            </a:r>
+            <a:r>
+              <a:rPr lang="en-US" altLang="ru-RU">
+                <a:latin typeface="Arial" panose="020B0604020202020204" pitchFamily="34" charset="0"/>
+                <a:cs typeface="Arial" panose="020B0604020202020204" pitchFamily="34" charset="0"/>
+              </a:rPr>
+              <a:t> </a:t>
+            </a:r>
+            <a:r>
+              <a:rPr lang="en-US" altLang="en-US">
+                <a:latin typeface="Arial" panose="020B0604020202020204" pitchFamily="34" charset="0"/>
+                <a:cs typeface="Arial" panose="020B0604020202020204" pitchFamily="34" charset="0"/>
+              </a:rPr>
+              <a:t>требований</a:t>
+            </a:r>
+            <a:r>
+              <a:rPr lang="en-US" altLang="ru-RU">
+                <a:latin typeface="Arial" panose="020B0604020202020204" pitchFamily="34" charset="0"/>
+                <a:cs typeface="Arial" panose="020B0604020202020204" pitchFamily="34" charset="0"/>
+              </a:rPr>
+              <a:t> </a:t>
+            </a:r>
+            <a:r>
+              <a:rPr lang="en-US" altLang="en-US">
+                <a:latin typeface="Arial" panose="020B0604020202020204" pitchFamily="34" charset="0"/>
+                <a:cs typeface="Arial" panose="020B0604020202020204" pitchFamily="34" charset="0"/>
+              </a:rPr>
+              <a:t>и</a:t>
+            </a:r>
+            <a:r>
+              <a:rPr lang="en-US" altLang="ru-RU">
+                <a:latin typeface="Arial" panose="020B0604020202020204" pitchFamily="34" charset="0"/>
+                <a:cs typeface="Arial" panose="020B0604020202020204" pitchFamily="34" charset="0"/>
+              </a:rPr>
+              <a:t> </a:t>
+            </a:r>
+            <a:r>
+              <a:rPr lang="en-US" altLang="en-US">
+                <a:latin typeface="Arial" panose="020B0604020202020204" pitchFamily="34" charset="0"/>
+                <a:cs typeface="Arial" panose="020B0604020202020204" pitchFamily="34" charset="0"/>
+              </a:rPr>
+              <a:t>изучение</a:t>
+            </a:r>
+            <a:r>
+              <a:rPr lang="en-US" altLang="ru-RU">
+                <a:latin typeface="Arial" panose="020B0604020202020204" pitchFamily="34" charset="0"/>
+                <a:cs typeface="Arial" panose="020B0604020202020204" pitchFamily="34" charset="0"/>
+              </a:rPr>
+              <a:t> </a:t>
+            </a:r>
+            <a:r>
+              <a:rPr lang="en-US" altLang="en-US">
+                <a:latin typeface="Arial" panose="020B0604020202020204" pitchFamily="34" charset="0"/>
+                <a:cs typeface="Arial" panose="020B0604020202020204" pitchFamily="34" charset="0"/>
+              </a:rPr>
+              <a:t>информации</a:t>
+            </a:r>
+            <a:r>
+              <a:rPr lang="en-US" altLang="ru-RU">
+                <a:latin typeface="Arial" panose="020B0604020202020204" pitchFamily="34" charset="0"/>
+                <a:cs typeface="Arial" panose="020B0604020202020204" pitchFamily="34" charset="0"/>
+              </a:rPr>
+              <a:t>:</a:t>
+            </a:r>
+            <a:endParaRPr lang="en-US" altLang="ru-RU">
+              <a:latin typeface="Arial" panose="020B0604020202020204" pitchFamily="34" charset="0"/>
+              <a:cs typeface="Arial" panose="020B0604020202020204" pitchFamily="34" charset="0"/>
+            </a:endParaRPr>
+          </a:p>
+          <a:p>
+            <a:pPr algn="l">
+              <a:buBlip>
+                <a:blip r:embed="rId4"/>
+              </a:buBlip>
+            </a:pPr>
+            <a:r>
+              <a:rPr lang="ru-RU" altLang="en-US">
+                <a:latin typeface="Arial" panose="020B0604020202020204" pitchFamily="34" charset="0"/>
+                <a:cs typeface="Arial" panose="020B0604020202020204" pitchFamily="34" charset="0"/>
+              </a:rPr>
+              <a:t> </a:t>
+            </a:r>
+            <a:r>
+              <a:rPr lang="en-US" altLang="en-US">
+                <a:latin typeface="Arial" panose="020B0604020202020204" pitchFamily="34" charset="0"/>
+                <a:cs typeface="Arial" panose="020B0604020202020204" pitchFamily="34" charset="0"/>
+              </a:rPr>
+              <a:t>собрать</a:t>
+            </a:r>
+            <a:r>
+              <a:rPr lang="en-US" altLang="ru-RU">
+                <a:latin typeface="Arial" panose="020B0604020202020204" pitchFamily="34" charset="0"/>
+                <a:cs typeface="Arial" panose="020B0604020202020204" pitchFamily="34" charset="0"/>
+              </a:rPr>
+              <a:t> </a:t>
+            </a:r>
+            <a:r>
+              <a:rPr lang="en-US" altLang="en-US">
+                <a:latin typeface="Arial" panose="020B0604020202020204" pitchFamily="34" charset="0"/>
+                <a:cs typeface="Arial" panose="020B0604020202020204" pitchFamily="34" charset="0"/>
+              </a:rPr>
+              <a:t>и</a:t>
+            </a:r>
+            <a:r>
+              <a:rPr lang="en-US" altLang="ru-RU">
+                <a:latin typeface="Arial" panose="020B0604020202020204" pitchFamily="34" charset="0"/>
+                <a:cs typeface="Arial" panose="020B0604020202020204" pitchFamily="34" charset="0"/>
+              </a:rPr>
+              <a:t> </a:t>
+            </a:r>
+            <a:r>
+              <a:rPr lang="en-US" altLang="en-US">
+                <a:latin typeface="Arial" panose="020B0604020202020204" pitchFamily="34" charset="0"/>
+                <a:cs typeface="Arial" panose="020B0604020202020204" pitchFamily="34" charset="0"/>
+              </a:rPr>
+              <a:t>проанализировать</a:t>
+            </a:r>
+            <a:r>
+              <a:rPr lang="en-US" altLang="ru-RU">
+                <a:latin typeface="Arial" panose="020B0604020202020204" pitchFamily="34" charset="0"/>
+                <a:cs typeface="Arial" panose="020B0604020202020204" pitchFamily="34" charset="0"/>
+              </a:rPr>
+              <a:t> </a:t>
+            </a:r>
+            <a:r>
+              <a:rPr lang="en-US" altLang="en-US">
+                <a:latin typeface="Arial" panose="020B0604020202020204" pitchFamily="34" charset="0"/>
+                <a:cs typeface="Arial" panose="020B0604020202020204" pitchFamily="34" charset="0"/>
+              </a:rPr>
+              <a:t>требования</a:t>
+            </a:r>
+            <a:r>
+              <a:rPr lang="en-US" altLang="ru-RU">
+                <a:latin typeface="Arial" panose="020B0604020202020204" pitchFamily="34" charset="0"/>
+                <a:cs typeface="Arial" panose="020B0604020202020204" pitchFamily="34" charset="0"/>
+              </a:rPr>
+              <a:t> </a:t>
+            </a:r>
+            <a:r>
+              <a:rPr lang="en-US" altLang="en-US">
+                <a:latin typeface="Arial" panose="020B0604020202020204" pitchFamily="34" charset="0"/>
+                <a:cs typeface="Arial" panose="020B0604020202020204" pitchFamily="34" charset="0"/>
+              </a:rPr>
+              <a:t>целевой</a:t>
+            </a:r>
+            <a:r>
+              <a:rPr lang="en-US" altLang="ru-RU">
+                <a:latin typeface="Arial" panose="020B0604020202020204" pitchFamily="34" charset="0"/>
+                <a:cs typeface="Arial" panose="020B0604020202020204" pitchFamily="34" charset="0"/>
+              </a:rPr>
+              <a:t> </a:t>
+            </a:r>
+            <a:r>
+              <a:rPr lang="en-US" altLang="en-US">
+                <a:latin typeface="Arial" panose="020B0604020202020204" pitchFamily="34" charset="0"/>
+                <a:cs typeface="Arial" panose="020B0604020202020204" pitchFamily="34" charset="0"/>
+              </a:rPr>
+              <a:t>аудитории</a:t>
+            </a:r>
+            <a:r>
+              <a:rPr lang="en-US" altLang="ru-RU">
+                <a:latin typeface="Arial" panose="020B0604020202020204" pitchFamily="34" charset="0"/>
+                <a:cs typeface="Arial" panose="020B0604020202020204" pitchFamily="34" charset="0"/>
+              </a:rPr>
+              <a:t>,</a:t>
+            </a:r>
+            <a:endParaRPr lang="en-US" altLang="ru-RU">
+              <a:latin typeface="Arial" panose="020B0604020202020204" pitchFamily="34" charset="0"/>
+              <a:cs typeface="Arial" panose="020B0604020202020204" pitchFamily="34" charset="0"/>
+            </a:endParaRPr>
+          </a:p>
+          <a:p>
+            <a:pPr algn="l">
+              <a:buBlip>
+                <a:blip r:embed="rId4"/>
+              </a:buBlip>
+            </a:pPr>
+            <a:r>
+              <a:rPr lang="ru-RU" altLang="en-US">
+                <a:latin typeface="Arial" panose="020B0604020202020204" pitchFamily="34" charset="0"/>
+                <a:cs typeface="Arial" panose="020B0604020202020204" pitchFamily="34" charset="0"/>
+              </a:rPr>
+              <a:t> </a:t>
+            </a:r>
+            <a:r>
+              <a:rPr lang="en-US" altLang="en-US">
+                <a:latin typeface="Arial" panose="020B0604020202020204" pitchFamily="34" charset="0"/>
+                <a:cs typeface="Arial" panose="020B0604020202020204" pitchFamily="34" charset="0"/>
+              </a:rPr>
+              <a:t>изучить</a:t>
+            </a:r>
+            <a:r>
+              <a:rPr lang="en-US" altLang="ru-RU">
+                <a:latin typeface="Arial" panose="020B0604020202020204" pitchFamily="34" charset="0"/>
+                <a:cs typeface="Arial" panose="020B0604020202020204" pitchFamily="34" charset="0"/>
+              </a:rPr>
+              <a:t> </a:t>
+            </a:r>
+            <a:r>
+              <a:rPr lang="en-US" altLang="en-US">
+                <a:latin typeface="Arial" panose="020B0604020202020204" pitchFamily="34" charset="0"/>
+                <a:cs typeface="Arial" panose="020B0604020202020204" pitchFamily="34" charset="0"/>
+              </a:rPr>
+              <a:t>информационные</a:t>
+            </a:r>
+            <a:r>
+              <a:rPr lang="en-US" altLang="ru-RU">
+                <a:latin typeface="Arial" panose="020B0604020202020204" pitchFamily="34" charset="0"/>
+                <a:cs typeface="Arial" panose="020B0604020202020204" pitchFamily="34" charset="0"/>
+              </a:rPr>
+              <a:t> </a:t>
+            </a:r>
+            <a:r>
+              <a:rPr lang="en-US" altLang="en-US">
+                <a:latin typeface="Arial" panose="020B0604020202020204" pitchFamily="34" charset="0"/>
+                <a:cs typeface="Arial" panose="020B0604020202020204" pitchFamily="34" charset="0"/>
+              </a:rPr>
+              <a:t>источники</a:t>
+            </a:r>
+            <a:r>
+              <a:rPr lang="en-US" altLang="ru-RU">
+                <a:latin typeface="Arial" panose="020B0604020202020204" pitchFamily="34" charset="0"/>
+                <a:cs typeface="Arial" panose="020B0604020202020204" pitchFamily="34" charset="0"/>
+              </a:rPr>
+              <a:t> </a:t>
+            </a:r>
+            <a:r>
+              <a:rPr lang="en-US" altLang="en-US">
+                <a:latin typeface="Arial" panose="020B0604020202020204" pitchFamily="34" charset="0"/>
+                <a:cs typeface="Arial" panose="020B0604020202020204" pitchFamily="34" charset="0"/>
+              </a:rPr>
+              <a:t>и</a:t>
+            </a:r>
+            <a:r>
+              <a:rPr lang="en-US" altLang="ru-RU">
+                <a:latin typeface="Arial" panose="020B0604020202020204" pitchFamily="34" charset="0"/>
+                <a:cs typeface="Arial" panose="020B0604020202020204" pitchFamily="34" charset="0"/>
+              </a:rPr>
+              <a:t> </a:t>
+            </a:r>
+            <a:r>
+              <a:rPr lang="en-US" altLang="en-US">
+                <a:latin typeface="Arial" panose="020B0604020202020204" pitchFamily="34" charset="0"/>
+                <a:cs typeface="Arial" panose="020B0604020202020204" pitchFamily="34" charset="0"/>
+              </a:rPr>
+              <a:t>существующие</a:t>
+            </a:r>
+            <a:r>
+              <a:rPr lang="en-US" altLang="ru-RU">
+                <a:latin typeface="Arial" panose="020B0604020202020204" pitchFamily="34" charset="0"/>
+                <a:cs typeface="Arial" panose="020B0604020202020204" pitchFamily="34" charset="0"/>
+              </a:rPr>
+              <a:t> </a:t>
+            </a:r>
+            <a:r>
+              <a:rPr lang="en-US" altLang="en-US">
+                <a:latin typeface="Arial" panose="020B0604020202020204" pitchFamily="34" charset="0"/>
+                <a:cs typeface="Arial" panose="020B0604020202020204" pitchFamily="34" charset="0"/>
+              </a:rPr>
+              <a:t>решения</a:t>
+            </a:r>
+            <a:r>
+              <a:rPr lang="en-US" altLang="ru-RU">
+                <a:latin typeface="Arial" panose="020B0604020202020204" pitchFamily="34" charset="0"/>
+                <a:cs typeface="Arial" panose="020B0604020202020204" pitchFamily="34" charset="0"/>
+              </a:rPr>
+              <a:t>.</a:t>
+            </a:r>
+            <a:endParaRPr lang="en-US" altLang="ru-RU">
+              <a:latin typeface="Arial" panose="020B0604020202020204" pitchFamily="34" charset="0"/>
+              <a:cs typeface="Arial" panose="020B0604020202020204" pitchFamily="34" charset="0"/>
+            </a:endParaRPr>
+          </a:p>
+        </p:txBody>
+      </p:sp>
+      <p:sp>
+        <p:nvSpPr>
+          <p:cNvPr id="11" name="Текстовое поле 10"/>
+          <p:cNvSpPr txBox="1"/>
+          <p:nvPr/>
+        </p:nvSpPr>
+        <p:spPr>
+          <a:xfrm>
+            <a:off x="2590165" y="2451735"/>
+            <a:ext cx="7265670" cy="1476375"/>
+          </a:xfrm>
+          <a:prstGeom prst="rect">
+            <a:avLst/>
+          </a:prstGeom>
+          <a:noFill/>
+        </p:spPr>
+        <p:txBody>
+          <a:bodyPr wrap="square" rtlCol="0">
+            <a:spAutoFit/>
+          </a:bodyPr>
+          <a:p>
+            <a:pPr indent="0" algn="l">
+              <a:buNone/>
+            </a:pPr>
+            <a:r>
+              <a:rPr lang="en-US" altLang="en-US">
+                <a:latin typeface="Arial" panose="020B0604020202020204" pitchFamily="34" charset="0"/>
+                <a:cs typeface="Arial" panose="020B0604020202020204" pitchFamily="34" charset="0"/>
+                <a:sym typeface="+mn-ea"/>
+              </a:rPr>
+              <a:t>Проектирование</a:t>
+            </a:r>
+            <a:r>
+              <a:rPr lang="en-US" altLang="ru-RU">
+                <a:latin typeface="Arial" panose="020B0604020202020204" pitchFamily="34" charset="0"/>
+                <a:cs typeface="Arial" panose="020B0604020202020204" pitchFamily="34" charset="0"/>
+                <a:sym typeface="+mn-ea"/>
+              </a:rPr>
+              <a:t> </a:t>
+            </a:r>
+            <a:r>
+              <a:rPr lang="en-US" altLang="en-US">
+                <a:latin typeface="Arial" panose="020B0604020202020204" pitchFamily="34" charset="0"/>
+                <a:cs typeface="Arial" panose="020B0604020202020204" pitchFamily="34" charset="0"/>
+                <a:sym typeface="+mn-ea"/>
+              </a:rPr>
+              <a:t>и</a:t>
+            </a:r>
+            <a:r>
+              <a:rPr lang="en-US" altLang="ru-RU">
+                <a:latin typeface="Arial" panose="020B0604020202020204" pitchFamily="34" charset="0"/>
+                <a:cs typeface="Arial" panose="020B0604020202020204" pitchFamily="34" charset="0"/>
+                <a:sym typeface="+mn-ea"/>
+              </a:rPr>
+              <a:t> </a:t>
+            </a:r>
+            <a:r>
+              <a:rPr lang="en-US" altLang="en-US">
+                <a:latin typeface="Arial" panose="020B0604020202020204" pitchFamily="34" charset="0"/>
+                <a:cs typeface="Arial" panose="020B0604020202020204" pitchFamily="34" charset="0"/>
+                <a:sym typeface="+mn-ea"/>
+              </a:rPr>
+              <a:t>архитектура</a:t>
+            </a:r>
+            <a:r>
+              <a:rPr lang="en-US" altLang="ru-RU">
+                <a:latin typeface="Arial" panose="020B0604020202020204" pitchFamily="34" charset="0"/>
+                <a:cs typeface="Arial" panose="020B0604020202020204" pitchFamily="34" charset="0"/>
+                <a:sym typeface="+mn-ea"/>
+              </a:rPr>
+              <a:t>:</a:t>
+            </a:r>
+            <a:endParaRPr lang="en-US" altLang="ru-RU">
+              <a:latin typeface="Arial" panose="020B0604020202020204" pitchFamily="34" charset="0"/>
+              <a:cs typeface="Arial" panose="020B0604020202020204" pitchFamily="34" charset="0"/>
+            </a:endParaRPr>
+          </a:p>
+          <a:p>
+            <a:pPr algn="l">
+              <a:buBlip>
+                <a:blip r:embed="rId4"/>
+              </a:buBlip>
+            </a:pPr>
+            <a:r>
+              <a:rPr lang="ru-RU" altLang="en-US">
+                <a:latin typeface="Arial" panose="020B0604020202020204" pitchFamily="34" charset="0"/>
+                <a:cs typeface="Arial" panose="020B0604020202020204" pitchFamily="34" charset="0"/>
+              </a:rPr>
+              <a:t> </a:t>
+            </a:r>
+            <a:r>
+              <a:rPr lang="en-US" altLang="en-US">
+                <a:latin typeface="Arial" panose="020B0604020202020204" pitchFamily="34" charset="0"/>
+                <a:cs typeface="Arial" panose="020B0604020202020204" pitchFamily="34" charset="0"/>
+                <a:sym typeface="+mn-ea"/>
+              </a:rPr>
+              <a:t>спроектировать</a:t>
+            </a:r>
+            <a:r>
+              <a:rPr lang="en-US" altLang="ru-RU">
+                <a:latin typeface="Arial" panose="020B0604020202020204" pitchFamily="34" charset="0"/>
+                <a:cs typeface="Arial" panose="020B0604020202020204" pitchFamily="34" charset="0"/>
+                <a:sym typeface="+mn-ea"/>
+              </a:rPr>
+              <a:t> </a:t>
+            </a:r>
+            <a:r>
+              <a:rPr lang="en-US" altLang="en-US">
+                <a:latin typeface="Arial" panose="020B0604020202020204" pitchFamily="34" charset="0"/>
+                <a:cs typeface="Arial" panose="020B0604020202020204" pitchFamily="34" charset="0"/>
+                <a:sym typeface="+mn-ea"/>
+              </a:rPr>
+              <a:t>архитектуру</a:t>
+            </a:r>
+            <a:r>
+              <a:rPr lang="en-US" altLang="ru-RU">
+                <a:latin typeface="Arial" panose="020B0604020202020204" pitchFamily="34" charset="0"/>
+                <a:cs typeface="Arial" panose="020B0604020202020204" pitchFamily="34" charset="0"/>
+                <a:sym typeface="+mn-ea"/>
+              </a:rPr>
+              <a:t> </a:t>
+            </a:r>
+            <a:r>
+              <a:rPr lang="en-US" altLang="en-US">
+                <a:latin typeface="Arial" panose="020B0604020202020204" pitchFamily="34" charset="0"/>
+                <a:cs typeface="Arial" panose="020B0604020202020204" pitchFamily="34" charset="0"/>
+                <a:sym typeface="+mn-ea"/>
+              </a:rPr>
+              <a:t>и</a:t>
+            </a:r>
+            <a:r>
+              <a:rPr lang="en-US" altLang="ru-RU">
+                <a:latin typeface="Arial" panose="020B0604020202020204" pitchFamily="34" charset="0"/>
+                <a:cs typeface="Arial" panose="020B0604020202020204" pitchFamily="34" charset="0"/>
+                <a:sym typeface="+mn-ea"/>
+              </a:rPr>
+              <a:t> </a:t>
+            </a:r>
+            <a:r>
+              <a:rPr lang="en-US" altLang="en-US">
+                <a:latin typeface="Arial" panose="020B0604020202020204" pitchFamily="34" charset="0"/>
+                <a:cs typeface="Arial" panose="020B0604020202020204" pitchFamily="34" charset="0"/>
+                <a:sym typeface="+mn-ea"/>
+              </a:rPr>
+              <a:t>диаграмму</a:t>
+            </a:r>
+            <a:r>
+              <a:rPr lang="en-US" altLang="ru-RU">
+                <a:latin typeface="Arial" panose="020B0604020202020204" pitchFamily="34" charset="0"/>
+                <a:cs typeface="Arial" panose="020B0604020202020204" pitchFamily="34" charset="0"/>
+                <a:sym typeface="+mn-ea"/>
+              </a:rPr>
+              <a:t> </a:t>
+            </a:r>
+            <a:r>
+              <a:rPr lang="en-US" altLang="en-US">
+                <a:latin typeface="Arial" panose="020B0604020202020204" pitchFamily="34" charset="0"/>
+                <a:cs typeface="Arial" panose="020B0604020202020204" pitchFamily="34" charset="0"/>
+                <a:sym typeface="+mn-ea"/>
+              </a:rPr>
+              <a:t>вариантов</a:t>
+            </a:r>
+            <a:r>
+              <a:rPr lang="en-US" altLang="ru-RU">
+                <a:latin typeface="Arial" panose="020B0604020202020204" pitchFamily="34" charset="0"/>
+                <a:cs typeface="Arial" panose="020B0604020202020204" pitchFamily="34" charset="0"/>
+                <a:sym typeface="+mn-ea"/>
+              </a:rPr>
+              <a:t> </a:t>
+            </a:r>
+            <a:r>
+              <a:rPr lang="en-US" altLang="en-US">
+                <a:latin typeface="Arial" panose="020B0604020202020204" pitchFamily="34" charset="0"/>
+                <a:cs typeface="Arial" panose="020B0604020202020204" pitchFamily="34" charset="0"/>
+                <a:sym typeface="+mn-ea"/>
+              </a:rPr>
+              <a:t>использования</a:t>
+            </a:r>
+            <a:r>
+              <a:rPr lang="en-US" altLang="ru-RU">
+                <a:latin typeface="Arial" panose="020B0604020202020204" pitchFamily="34" charset="0"/>
+                <a:cs typeface="Arial" panose="020B0604020202020204" pitchFamily="34" charset="0"/>
+                <a:sym typeface="+mn-ea"/>
+              </a:rPr>
+              <a:t>,</a:t>
+            </a:r>
+            <a:endParaRPr lang="en-US" altLang="ru-RU">
+              <a:latin typeface="Arial" panose="020B0604020202020204" pitchFamily="34" charset="0"/>
+              <a:cs typeface="Arial" panose="020B0604020202020204" pitchFamily="34" charset="0"/>
+            </a:endParaRPr>
+          </a:p>
+          <a:p>
+            <a:pPr algn="l">
+              <a:buBlip>
+                <a:blip r:embed="rId4"/>
+              </a:buBlip>
+            </a:pPr>
+            <a:r>
+              <a:rPr lang="ru-RU" altLang="en-US">
+                <a:latin typeface="Arial" panose="020B0604020202020204" pitchFamily="34" charset="0"/>
+                <a:cs typeface="Arial" panose="020B0604020202020204" pitchFamily="34" charset="0"/>
+                <a:sym typeface="+mn-ea"/>
+              </a:rPr>
+              <a:t> </a:t>
+            </a:r>
+            <a:r>
+              <a:rPr lang="en-US" altLang="en-US">
+                <a:latin typeface="Arial" panose="020B0604020202020204" pitchFamily="34" charset="0"/>
+                <a:cs typeface="Arial" panose="020B0604020202020204" pitchFamily="34" charset="0"/>
+                <a:sym typeface="+mn-ea"/>
+              </a:rPr>
+              <a:t>выбрать</a:t>
+            </a:r>
+            <a:r>
+              <a:rPr lang="en-US" altLang="ru-RU">
+                <a:latin typeface="Arial" panose="020B0604020202020204" pitchFamily="34" charset="0"/>
+                <a:cs typeface="Arial" panose="020B0604020202020204" pitchFamily="34" charset="0"/>
+                <a:sym typeface="+mn-ea"/>
+              </a:rPr>
+              <a:t> </a:t>
+            </a:r>
+            <a:r>
+              <a:rPr lang="en-US" altLang="en-US">
+                <a:latin typeface="Arial" panose="020B0604020202020204" pitchFamily="34" charset="0"/>
+                <a:cs typeface="Arial" panose="020B0604020202020204" pitchFamily="34" charset="0"/>
+                <a:sym typeface="+mn-ea"/>
+              </a:rPr>
+              <a:t>программные</a:t>
+            </a:r>
+            <a:r>
+              <a:rPr lang="en-US" altLang="ru-RU">
+                <a:latin typeface="Arial" panose="020B0604020202020204" pitchFamily="34" charset="0"/>
+                <a:cs typeface="Arial" panose="020B0604020202020204" pitchFamily="34" charset="0"/>
+                <a:sym typeface="+mn-ea"/>
+              </a:rPr>
+              <a:t> </a:t>
+            </a:r>
+            <a:r>
+              <a:rPr lang="en-US" altLang="en-US">
+                <a:latin typeface="Arial" panose="020B0604020202020204" pitchFamily="34" charset="0"/>
+                <a:cs typeface="Arial" panose="020B0604020202020204" pitchFamily="34" charset="0"/>
+                <a:sym typeface="+mn-ea"/>
+              </a:rPr>
+              <a:t>и</a:t>
+            </a:r>
+            <a:r>
+              <a:rPr lang="en-US" altLang="ru-RU">
+                <a:latin typeface="Arial" panose="020B0604020202020204" pitchFamily="34" charset="0"/>
+                <a:cs typeface="Arial" panose="020B0604020202020204" pitchFamily="34" charset="0"/>
+                <a:sym typeface="+mn-ea"/>
+              </a:rPr>
+              <a:t> </a:t>
+            </a:r>
+            <a:r>
+              <a:rPr lang="en-US" altLang="en-US">
+                <a:latin typeface="Arial" panose="020B0604020202020204" pitchFamily="34" charset="0"/>
+                <a:cs typeface="Arial" panose="020B0604020202020204" pitchFamily="34" charset="0"/>
+                <a:sym typeface="+mn-ea"/>
+              </a:rPr>
+              <a:t>технические</a:t>
+            </a:r>
+            <a:r>
+              <a:rPr lang="en-US" altLang="ru-RU">
+                <a:latin typeface="Arial" panose="020B0604020202020204" pitchFamily="34" charset="0"/>
+                <a:cs typeface="Arial" panose="020B0604020202020204" pitchFamily="34" charset="0"/>
+                <a:sym typeface="+mn-ea"/>
+              </a:rPr>
+              <a:t> </a:t>
+            </a:r>
+            <a:r>
+              <a:rPr lang="en-US" altLang="en-US">
+                <a:latin typeface="Arial" panose="020B0604020202020204" pitchFamily="34" charset="0"/>
+                <a:cs typeface="Arial" panose="020B0604020202020204" pitchFamily="34" charset="0"/>
+                <a:sym typeface="+mn-ea"/>
+              </a:rPr>
+              <a:t>средства</a:t>
+            </a:r>
+            <a:r>
+              <a:rPr lang="en-US" altLang="ru-RU">
+                <a:latin typeface="Arial" panose="020B0604020202020204" pitchFamily="34" charset="0"/>
+                <a:cs typeface="Arial" panose="020B0604020202020204" pitchFamily="34" charset="0"/>
+                <a:sym typeface="+mn-ea"/>
+              </a:rPr>
+              <a:t>,</a:t>
+            </a:r>
+            <a:endParaRPr lang="en-US" altLang="ru-RU">
+              <a:latin typeface="Arial" panose="020B0604020202020204" pitchFamily="34" charset="0"/>
+              <a:cs typeface="Arial" panose="020B0604020202020204" pitchFamily="34" charset="0"/>
+            </a:endParaRPr>
+          </a:p>
+          <a:p>
+            <a:pPr algn="l">
+              <a:buBlip>
+                <a:blip r:embed="rId4"/>
+              </a:buBlip>
+            </a:pPr>
+            <a:r>
+              <a:rPr lang="ru-RU" altLang="en-US">
+                <a:latin typeface="Arial" panose="020B0604020202020204" pitchFamily="34" charset="0"/>
+                <a:cs typeface="Arial" panose="020B0604020202020204" pitchFamily="34" charset="0"/>
+                <a:sym typeface="+mn-ea"/>
+              </a:rPr>
+              <a:t> </a:t>
+            </a:r>
+            <a:r>
+              <a:rPr lang="en-US" altLang="en-US">
+                <a:latin typeface="Arial" panose="020B0604020202020204" pitchFamily="34" charset="0"/>
+                <a:cs typeface="Arial" panose="020B0604020202020204" pitchFamily="34" charset="0"/>
+                <a:sym typeface="+mn-ea"/>
+              </a:rPr>
+              <a:t>спроектировать</a:t>
+            </a:r>
+            <a:r>
+              <a:rPr lang="en-US" altLang="ru-RU">
+                <a:latin typeface="Arial" panose="020B0604020202020204" pitchFamily="34" charset="0"/>
+                <a:cs typeface="Arial" panose="020B0604020202020204" pitchFamily="34" charset="0"/>
+                <a:sym typeface="+mn-ea"/>
+              </a:rPr>
+              <a:t> </a:t>
+            </a:r>
+            <a:r>
+              <a:rPr lang="en-US" altLang="en-US">
+                <a:latin typeface="Arial" panose="020B0604020202020204" pitchFamily="34" charset="0"/>
+                <a:cs typeface="Arial" panose="020B0604020202020204" pitchFamily="34" charset="0"/>
+                <a:sym typeface="+mn-ea"/>
+              </a:rPr>
+              <a:t>и</a:t>
+            </a:r>
+            <a:r>
+              <a:rPr lang="en-US" altLang="ru-RU">
+                <a:latin typeface="Arial" panose="020B0604020202020204" pitchFamily="34" charset="0"/>
+                <a:cs typeface="Arial" panose="020B0604020202020204" pitchFamily="34" charset="0"/>
+                <a:sym typeface="+mn-ea"/>
+              </a:rPr>
+              <a:t> </a:t>
+            </a:r>
+            <a:r>
+              <a:rPr lang="en-US" altLang="en-US">
+                <a:latin typeface="Arial" panose="020B0604020202020204" pitchFamily="34" charset="0"/>
+                <a:cs typeface="Arial" panose="020B0604020202020204" pitchFamily="34" charset="0"/>
+                <a:sym typeface="+mn-ea"/>
+              </a:rPr>
+              <a:t>создать</a:t>
+            </a:r>
+            <a:r>
+              <a:rPr lang="en-US" altLang="ru-RU">
+                <a:latin typeface="Arial" panose="020B0604020202020204" pitchFamily="34" charset="0"/>
+                <a:cs typeface="Arial" panose="020B0604020202020204" pitchFamily="34" charset="0"/>
+                <a:sym typeface="+mn-ea"/>
+              </a:rPr>
+              <a:t> </a:t>
+            </a:r>
+            <a:r>
+              <a:rPr lang="en-US" altLang="en-US">
+                <a:latin typeface="Arial" panose="020B0604020202020204" pitchFamily="34" charset="0"/>
+                <a:cs typeface="Arial" panose="020B0604020202020204" pitchFamily="34" charset="0"/>
+                <a:sym typeface="+mn-ea"/>
+              </a:rPr>
+              <a:t>базу</a:t>
+            </a:r>
+            <a:r>
+              <a:rPr lang="en-US" altLang="ru-RU">
+                <a:latin typeface="Arial" panose="020B0604020202020204" pitchFamily="34" charset="0"/>
+                <a:cs typeface="Arial" panose="020B0604020202020204" pitchFamily="34" charset="0"/>
+                <a:sym typeface="+mn-ea"/>
+              </a:rPr>
+              <a:t> </a:t>
+            </a:r>
+            <a:r>
+              <a:rPr lang="en-US" altLang="en-US">
+                <a:latin typeface="Arial" panose="020B0604020202020204" pitchFamily="34" charset="0"/>
+                <a:cs typeface="Arial" panose="020B0604020202020204" pitchFamily="34" charset="0"/>
+                <a:sym typeface="+mn-ea"/>
+              </a:rPr>
+              <a:t>данных</a:t>
+            </a:r>
+            <a:r>
+              <a:rPr lang="en-US" altLang="ru-RU">
+                <a:latin typeface="Arial" panose="020B0604020202020204" pitchFamily="34" charset="0"/>
+                <a:cs typeface="Arial" panose="020B0604020202020204" pitchFamily="34" charset="0"/>
+                <a:sym typeface="+mn-ea"/>
+              </a:rPr>
+              <a:t>.</a:t>
+            </a:r>
+            <a:endParaRPr lang="en-US" altLang="ru-RU">
+              <a:latin typeface="Arial" panose="020B0604020202020204" pitchFamily="34" charset="0"/>
+              <a:cs typeface="Arial" panose="020B0604020202020204" pitchFamily="34" charset="0"/>
+              <a:sym typeface="+mn-ea"/>
+            </a:endParaRPr>
+          </a:p>
+        </p:txBody>
+      </p:sp>
+      <p:sp>
+        <p:nvSpPr>
+          <p:cNvPr id="12" name="Текстовое поле 11"/>
+          <p:cNvSpPr txBox="1"/>
+          <p:nvPr/>
+        </p:nvSpPr>
+        <p:spPr>
+          <a:xfrm>
+            <a:off x="2590165" y="5800725"/>
+            <a:ext cx="8035290" cy="922020"/>
+          </a:xfrm>
+          <a:prstGeom prst="rect">
+            <a:avLst/>
+          </a:prstGeom>
+          <a:noFill/>
+        </p:spPr>
+        <p:txBody>
+          <a:bodyPr wrap="square" rtlCol="0">
+            <a:spAutoFit/>
+          </a:bodyPr>
+          <a:p>
+            <a:pPr indent="0" algn="l">
+              <a:buNone/>
+            </a:pPr>
+            <a:r>
+              <a:rPr lang="en-US" altLang="en-US">
+                <a:latin typeface="Arial" panose="020B0604020202020204" pitchFamily="34" charset="0"/>
+                <a:cs typeface="Arial" panose="020B0604020202020204" pitchFamily="34" charset="0"/>
+              </a:rPr>
+              <a:t>Тестирование</a:t>
+            </a:r>
+            <a:r>
+              <a:rPr lang="en-US" altLang="ru-RU">
+                <a:latin typeface="Arial" panose="020B0604020202020204" pitchFamily="34" charset="0"/>
+                <a:cs typeface="Arial" panose="020B0604020202020204" pitchFamily="34" charset="0"/>
+              </a:rPr>
+              <a:t> </a:t>
+            </a:r>
+            <a:r>
+              <a:rPr lang="en-US" altLang="en-US">
+                <a:latin typeface="Arial" panose="020B0604020202020204" pitchFamily="34" charset="0"/>
+                <a:cs typeface="Arial" panose="020B0604020202020204" pitchFamily="34" charset="0"/>
+              </a:rPr>
+              <a:t>и</a:t>
+            </a:r>
+            <a:r>
+              <a:rPr lang="en-US" altLang="ru-RU">
+                <a:latin typeface="Arial" panose="020B0604020202020204" pitchFamily="34" charset="0"/>
+                <a:cs typeface="Arial" panose="020B0604020202020204" pitchFamily="34" charset="0"/>
+              </a:rPr>
+              <a:t> </a:t>
+            </a:r>
+            <a:r>
+              <a:rPr lang="en-US" altLang="en-US">
+                <a:latin typeface="Arial" panose="020B0604020202020204" pitchFamily="34" charset="0"/>
+                <a:cs typeface="Arial" panose="020B0604020202020204" pitchFamily="34" charset="0"/>
+              </a:rPr>
+              <a:t>документация</a:t>
+            </a:r>
+            <a:r>
+              <a:rPr lang="en-US" altLang="ru-RU">
+                <a:latin typeface="Arial" panose="020B0604020202020204" pitchFamily="34" charset="0"/>
+                <a:cs typeface="Arial" panose="020B0604020202020204" pitchFamily="34" charset="0"/>
+              </a:rPr>
+              <a:t>:</a:t>
+            </a:r>
+            <a:endParaRPr lang="en-US" altLang="ru-RU">
+              <a:latin typeface="Arial" panose="020B0604020202020204" pitchFamily="34" charset="0"/>
+              <a:cs typeface="Arial" panose="020B0604020202020204" pitchFamily="34" charset="0"/>
+            </a:endParaRPr>
+          </a:p>
+          <a:p>
+            <a:pPr algn="l">
+              <a:buBlip>
+                <a:blip r:embed="rId4"/>
+              </a:buBlip>
+            </a:pPr>
+            <a:r>
+              <a:rPr lang="ru-RU" altLang="en-US">
+                <a:latin typeface="Arial" panose="020B0604020202020204" pitchFamily="34" charset="0"/>
+                <a:cs typeface="Arial" panose="020B0604020202020204" pitchFamily="34" charset="0"/>
+              </a:rPr>
+              <a:t> </a:t>
+            </a:r>
+            <a:r>
+              <a:rPr lang="en-US" altLang="en-US">
+                <a:latin typeface="Arial" panose="020B0604020202020204" pitchFamily="34" charset="0"/>
+                <a:cs typeface="Arial" panose="020B0604020202020204" pitchFamily="34" charset="0"/>
+              </a:rPr>
+              <a:t>выполнить</a:t>
+            </a:r>
+            <a:r>
+              <a:rPr lang="en-US" altLang="ru-RU">
+                <a:latin typeface="Arial" panose="020B0604020202020204" pitchFamily="34" charset="0"/>
+                <a:cs typeface="Arial" panose="020B0604020202020204" pitchFamily="34" charset="0"/>
+              </a:rPr>
+              <a:t> </a:t>
+            </a:r>
+            <a:r>
+              <a:rPr lang="en-US" altLang="en-US">
+                <a:latin typeface="Arial" panose="020B0604020202020204" pitchFamily="34" charset="0"/>
+                <a:cs typeface="Arial" panose="020B0604020202020204" pitchFamily="34" charset="0"/>
+              </a:rPr>
+              <a:t>тестирование</a:t>
+            </a:r>
+            <a:r>
+              <a:rPr lang="en-US" altLang="ru-RU">
+                <a:latin typeface="Arial" panose="020B0604020202020204" pitchFamily="34" charset="0"/>
+                <a:cs typeface="Arial" panose="020B0604020202020204" pitchFamily="34" charset="0"/>
+              </a:rPr>
+              <a:t> </a:t>
+            </a:r>
+            <a:r>
+              <a:rPr lang="en-US" altLang="en-US">
+                <a:latin typeface="Arial" panose="020B0604020202020204" pitchFamily="34" charset="0"/>
+                <a:cs typeface="Arial" panose="020B0604020202020204" pitchFamily="34" charset="0"/>
+              </a:rPr>
+              <a:t>ПО</a:t>
+            </a:r>
+            <a:r>
+              <a:rPr lang="en-US" altLang="ru-RU">
+                <a:latin typeface="Arial" panose="020B0604020202020204" pitchFamily="34" charset="0"/>
+                <a:cs typeface="Arial" panose="020B0604020202020204" pitchFamily="34" charset="0"/>
+              </a:rPr>
+              <a:t>,</a:t>
+            </a:r>
+            <a:endParaRPr lang="en-US" altLang="ru-RU">
+              <a:latin typeface="Arial" panose="020B0604020202020204" pitchFamily="34" charset="0"/>
+              <a:cs typeface="Arial" panose="020B0604020202020204" pitchFamily="34" charset="0"/>
+            </a:endParaRPr>
+          </a:p>
+          <a:p>
+            <a:pPr algn="l">
+              <a:buBlip>
+                <a:blip r:embed="rId4"/>
+              </a:buBlip>
+            </a:pPr>
+            <a:r>
+              <a:rPr lang="ru-RU" altLang="en-US">
+                <a:latin typeface="Arial" panose="020B0604020202020204" pitchFamily="34" charset="0"/>
+                <a:cs typeface="Arial" panose="020B0604020202020204" pitchFamily="34" charset="0"/>
+              </a:rPr>
+              <a:t> </a:t>
+            </a:r>
+            <a:r>
+              <a:rPr lang="en-US" altLang="en-US">
+                <a:latin typeface="Arial" panose="020B0604020202020204" pitchFamily="34" charset="0"/>
+                <a:cs typeface="Arial" panose="020B0604020202020204" pitchFamily="34" charset="0"/>
+              </a:rPr>
+              <a:t>разработать</a:t>
+            </a:r>
+            <a:r>
+              <a:rPr lang="en-US" altLang="ru-RU">
+                <a:latin typeface="Arial" panose="020B0604020202020204" pitchFamily="34" charset="0"/>
+                <a:cs typeface="Arial" panose="020B0604020202020204" pitchFamily="34" charset="0"/>
+              </a:rPr>
+              <a:t> </a:t>
+            </a:r>
+            <a:r>
+              <a:rPr lang="en-US" altLang="en-US">
+                <a:latin typeface="Arial" panose="020B0604020202020204" pitchFamily="34" charset="0"/>
+                <a:cs typeface="Arial" panose="020B0604020202020204" pitchFamily="34" charset="0"/>
+              </a:rPr>
+              <a:t>программную</a:t>
+            </a:r>
+            <a:r>
+              <a:rPr lang="en-US" altLang="ru-RU">
+                <a:latin typeface="Arial" panose="020B0604020202020204" pitchFamily="34" charset="0"/>
+                <a:cs typeface="Arial" panose="020B0604020202020204" pitchFamily="34" charset="0"/>
+              </a:rPr>
+              <a:t> </a:t>
+            </a:r>
+            <a:r>
+              <a:rPr lang="en-US" altLang="en-US">
+                <a:latin typeface="Arial" panose="020B0604020202020204" pitchFamily="34" charset="0"/>
+                <a:cs typeface="Arial" panose="020B0604020202020204" pitchFamily="34" charset="0"/>
+              </a:rPr>
+              <a:t>и</a:t>
+            </a:r>
+            <a:r>
+              <a:rPr lang="en-US" altLang="ru-RU">
+                <a:latin typeface="Arial" panose="020B0604020202020204" pitchFamily="34" charset="0"/>
+                <a:cs typeface="Arial" panose="020B0604020202020204" pitchFamily="34" charset="0"/>
+              </a:rPr>
+              <a:t> </a:t>
+            </a:r>
+            <a:r>
+              <a:rPr lang="en-US" altLang="en-US">
+                <a:latin typeface="Arial" panose="020B0604020202020204" pitchFamily="34" charset="0"/>
+                <a:cs typeface="Arial" panose="020B0604020202020204" pitchFamily="34" charset="0"/>
+              </a:rPr>
+              <a:t>эксплуатационную</a:t>
+            </a:r>
+            <a:r>
+              <a:rPr lang="en-US" altLang="ru-RU">
+                <a:latin typeface="Arial" panose="020B0604020202020204" pitchFamily="34" charset="0"/>
+                <a:cs typeface="Arial" panose="020B0604020202020204" pitchFamily="34" charset="0"/>
+              </a:rPr>
+              <a:t> </a:t>
+            </a:r>
+            <a:r>
+              <a:rPr lang="en-US" altLang="en-US">
+                <a:latin typeface="Arial" panose="020B0604020202020204" pitchFamily="34" charset="0"/>
+                <a:cs typeface="Arial" panose="020B0604020202020204" pitchFamily="34" charset="0"/>
+              </a:rPr>
+              <a:t>документацию</a:t>
+            </a:r>
+            <a:r>
+              <a:rPr lang="en-US" altLang="ru-RU">
+                <a:latin typeface="Arial" panose="020B0604020202020204" pitchFamily="34" charset="0"/>
+                <a:cs typeface="Arial" panose="020B0604020202020204" pitchFamily="34" charset="0"/>
+              </a:rPr>
+              <a:t>.</a:t>
+            </a:r>
+            <a:endParaRPr lang="en-US" altLang="ru-RU">
+              <a:latin typeface="Arial" panose="020B0604020202020204" pitchFamily="34" charset="0"/>
+              <a:cs typeface="Arial" panose="020B0604020202020204" pitchFamily="34" charset="0"/>
+            </a:endParaRPr>
+          </a:p>
+        </p:txBody>
+      </p:sp>
+      <p:sp>
+        <p:nvSpPr>
+          <p:cNvPr id="13" name="Текстовое поле 12"/>
+          <p:cNvSpPr txBox="1"/>
+          <p:nvPr/>
+        </p:nvSpPr>
+        <p:spPr>
+          <a:xfrm>
+            <a:off x="2590165" y="4126230"/>
+            <a:ext cx="8035290" cy="1476375"/>
+          </a:xfrm>
+          <a:prstGeom prst="rect">
+            <a:avLst/>
+          </a:prstGeom>
+          <a:noFill/>
+        </p:spPr>
+        <p:txBody>
+          <a:bodyPr wrap="square" rtlCol="0">
+            <a:spAutoFit/>
+          </a:bodyPr>
+          <a:p>
+            <a:pPr indent="0" algn="l">
+              <a:buNone/>
+            </a:pPr>
+            <a:r>
+              <a:rPr lang="en-US" altLang="en-US">
+                <a:latin typeface="Arial" panose="020B0604020202020204" pitchFamily="34" charset="0"/>
+                <a:cs typeface="Arial" panose="020B0604020202020204" pitchFamily="34" charset="0"/>
+                <a:sym typeface="+mn-ea"/>
+              </a:rPr>
+              <a:t>Разработка</a:t>
+            </a:r>
+            <a:r>
+              <a:rPr lang="en-US" altLang="ru-RU">
+                <a:latin typeface="Arial" panose="020B0604020202020204" pitchFamily="34" charset="0"/>
+                <a:cs typeface="Arial" panose="020B0604020202020204" pitchFamily="34" charset="0"/>
+                <a:sym typeface="+mn-ea"/>
+              </a:rPr>
+              <a:t> </a:t>
+            </a:r>
+            <a:r>
+              <a:rPr lang="en-US" altLang="en-US">
+                <a:latin typeface="Arial" panose="020B0604020202020204" pitchFamily="34" charset="0"/>
+                <a:cs typeface="Arial" panose="020B0604020202020204" pitchFamily="34" charset="0"/>
+                <a:sym typeface="+mn-ea"/>
+              </a:rPr>
+              <a:t>и</a:t>
+            </a:r>
+            <a:r>
+              <a:rPr lang="en-US" altLang="ru-RU">
+                <a:latin typeface="Arial" panose="020B0604020202020204" pitchFamily="34" charset="0"/>
+                <a:cs typeface="Arial" panose="020B0604020202020204" pitchFamily="34" charset="0"/>
+                <a:sym typeface="+mn-ea"/>
+              </a:rPr>
+              <a:t> </a:t>
+            </a:r>
+            <a:r>
+              <a:rPr lang="en-US" altLang="en-US">
+                <a:latin typeface="Arial" panose="020B0604020202020204" pitchFamily="34" charset="0"/>
+                <a:cs typeface="Arial" panose="020B0604020202020204" pitchFamily="34" charset="0"/>
+                <a:sym typeface="+mn-ea"/>
+              </a:rPr>
+              <a:t>реализация</a:t>
+            </a:r>
+            <a:r>
+              <a:rPr lang="en-US" altLang="ru-RU">
+                <a:latin typeface="Arial" panose="020B0604020202020204" pitchFamily="34" charset="0"/>
+                <a:cs typeface="Arial" panose="020B0604020202020204" pitchFamily="34" charset="0"/>
+                <a:sym typeface="+mn-ea"/>
+              </a:rPr>
+              <a:t>:</a:t>
+            </a:r>
+            <a:endParaRPr lang="en-US" altLang="ru-RU">
+              <a:latin typeface="Arial" panose="020B0604020202020204" pitchFamily="34" charset="0"/>
+              <a:cs typeface="Arial" panose="020B0604020202020204" pitchFamily="34" charset="0"/>
+            </a:endParaRPr>
+          </a:p>
+          <a:p>
+            <a:pPr algn="l">
+              <a:buBlip>
+                <a:blip r:embed="rId4"/>
+              </a:buBlip>
+            </a:pPr>
+            <a:r>
+              <a:rPr lang="ru-RU" altLang="en-US">
+                <a:latin typeface="Arial" panose="020B0604020202020204" pitchFamily="34" charset="0"/>
+                <a:cs typeface="Arial" panose="020B0604020202020204" pitchFamily="34" charset="0"/>
+              </a:rPr>
+              <a:t> </a:t>
+            </a:r>
+            <a:r>
+              <a:rPr lang="en-US" altLang="en-US">
+                <a:latin typeface="Arial" panose="020B0604020202020204" pitchFamily="34" charset="0"/>
+                <a:cs typeface="Arial" panose="020B0604020202020204" pitchFamily="34" charset="0"/>
+              </a:rPr>
+              <a:t>разработать</a:t>
+            </a:r>
+            <a:r>
+              <a:rPr lang="en-US" altLang="ru-RU">
+                <a:latin typeface="Arial" panose="020B0604020202020204" pitchFamily="34" charset="0"/>
+                <a:cs typeface="Arial" panose="020B0604020202020204" pitchFamily="34" charset="0"/>
+              </a:rPr>
+              <a:t> API </a:t>
+            </a:r>
+            <a:r>
+              <a:rPr lang="en-US" altLang="en-US">
+                <a:latin typeface="Arial" panose="020B0604020202020204" pitchFamily="34" charset="0"/>
+                <a:cs typeface="Arial" panose="020B0604020202020204" pitchFamily="34" charset="0"/>
+              </a:rPr>
+              <a:t>для</a:t>
+            </a:r>
+            <a:r>
+              <a:rPr lang="en-US" altLang="ru-RU">
+                <a:latin typeface="Arial" panose="020B0604020202020204" pitchFamily="34" charset="0"/>
+                <a:cs typeface="Arial" panose="020B0604020202020204" pitchFamily="34" charset="0"/>
+              </a:rPr>
+              <a:t> </a:t>
+            </a:r>
+            <a:r>
+              <a:rPr lang="en-US" altLang="en-US">
+                <a:latin typeface="Arial" panose="020B0604020202020204" pitchFamily="34" charset="0"/>
+                <a:cs typeface="Arial" panose="020B0604020202020204" pitchFamily="34" charset="0"/>
+              </a:rPr>
+              <a:t>взаимодействия</a:t>
+            </a:r>
+            <a:r>
+              <a:rPr lang="en-US" altLang="ru-RU">
+                <a:latin typeface="Arial" panose="020B0604020202020204" pitchFamily="34" charset="0"/>
+                <a:cs typeface="Arial" panose="020B0604020202020204" pitchFamily="34" charset="0"/>
+              </a:rPr>
+              <a:t> </a:t>
+            </a:r>
+            <a:r>
+              <a:rPr lang="en-US" altLang="en-US">
+                <a:latin typeface="Arial" panose="020B0604020202020204" pitchFamily="34" charset="0"/>
+                <a:cs typeface="Arial" panose="020B0604020202020204" pitchFamily="34" charset="0"/>
+              </a:rPr>
+              <a:t>с</a:t>
+            </a:r>
+            <a:r>
+              <a:rPr lang="en-US" altLang="ru-RU">
+                <a:latin typeface="Arial" panose="020B0604020202020204" pitchFamily="34" charset="0"/>
+                <a:cs typeface="Arial" panose="020B0604020202020204" pitchFamily="34" charset="0"/>
+              </a:rPr>
+              <a:t> </a:t>
+            </a:r>
+            <a:r>
+              <a:rPr lang="en-US" altLang="en-US">
+                <a:latin typeface="Arial" panose="020B0604020202020204" pitchFamily="34" charset="0"/>
+                <a:cs typeface="Arial" panose="020B0604020202020204" pitchFamily="34" charset="0"/>
+              </a:rPr>
+              <a:t>БД</a:t>
+            </a:r>
+            <a:r>
+              <a:rPr lang="en-US" altLang="ru-RU">
+                <a:latin typeface="Arial" panose="020B0604020202020204" pitchFamily="34" charset="0"/>
+                <a:cs typeface="Arial" panose="020B0604020202020204" pitchFamily="34" charset="0"/>
+              </a:rPr>
+              <a:t>,</a:t>
+            </a:r>
+            <a:endParaRPr lang="en-US" altLang="ru-RU">
+              <a:latin typeface="Arial" panose="020B0604020202020204" pitchFamily="34" charset="0"/>
+              <a:cs typeface="Arial" panose="020B0604020202020204" pitchFamily="34" charset="0"/>
+            </a:endParaRPr>
+          </a:p>
+          <a:p>
+            <a:pPr algn="l">
+              <a:buBlip>
+                <a:blip r:embed="rId4"/>
+              </a:buBlip>
+            </a:pPr>
+            <a:r>
+              <a:rPr lang="ru-RU" altLang="en-US">
+                <a:latin typeface="Arial" panose="020B0604020202020204" pitchFamily="34" charset="0"/>
+                <a:cs typeface="Arial" panose="020B0604020202020204" pitchFamily="34" charset="0"/>
+              </a:rPr>
+              <a:t> </a:t>
+            </a:r>
+            <a:r>
+              <a:rPr lang="en-US" altLang="en-US">
+                <a:latin typeface="Arial" panose="020B0604020202020204" pitchFamily="34" charset="0"/>
+                <a:cs typeface="Arial" panose="020B0604020202020204" pitchFamily="34" charset="0"/>
+              </a:rPr>
+              <a:t>реализовать</a:t>
+            </a:r>
+            <a:r>
+              <a:rPr lang="en-US" altLang="ru-RU">
+                <a:latin typeface="Arial" panose="020B0604020202020204" pitchFamily="34" charset="0"/>
+                <a:cs typeface="Arial" panose="020B0604020202020204" pitchFamily="34" charset="0"/>
+              </a:rPr>
+              <a:t> </a:t>
+            </a:r>
+            <a:r>
+              <a:rPr lang="en-US" altLang="en-US">
+                <a:latin typeface="Arial" panose="020B0604020202020204" pitchFamily="34" charset="0"/>
+                <a:cs typeface="Arial" panose="020B0604020202020204" pitchFamily="34" charset="0"/>
+              </a:rPr>
+              <a:t>разграничение</a:t>
+            </a:r>
+            <a:r>
+              <a:rPr lang="en-US" altLang="ru-RU">
+                <a:latin typeface="Arial" panose="020B0604020202020204" pitchFamily="34" charset="0"/>
+                <a:cs typeface="Arial" panose="020B0604020202020204" pitchFamily="34" charset="0"/>
+              </a:rPr>
+              <a:t> </a:t>
+            </a:r>
+            <a:r>
+              <a:rPr lang="en-US" altLang="en-US">
+                <a:latin typeface="Arial" panose="020B0604020202020204" pitchFamily="34" charset="0"/>
+                <a:cs typeface="Arial" panose="020B0604020202020204" pitchFamily="34" charset="0"/>
+              </a:rPr>
+              <a:t>прав</a:t>
+            </a:r>
+            <a:r>
+              <a:rPr lang="en-US" altLang="ru-RU">
+                <a:latin typeface="Arial" panose="020B0604020202020204" pitchFamily="34" charset="0"/>
+                <a:cs typeface="Arial" panose="020B0604020202020204" pitchFamily="34" charset="0"/>
+              </a:rPr>
+              <a:t> </a:t>
+            </a:r>
+            <a:r>
+              <a:rPr lang="en-US" altLang="en-US">
+                <a:latin typeface="Arial" panose="020B0604020202020204" pitchFamily="34" charset="0"/>
+                <a:cs typeface="Arial" panose="020B0604020202020204" pitchFamily="34" charset="0"/>
+              </a:rPr>
+              <a:t>доступа</a:t>
+            </a:r>
+            <a:r>
+              <a:rPr lang="en-US" altLang="ru-RU">
+                <a:latin typeface="Arial" panose="020B0604020202020204" pitchFamily="34" charset="0"/>
+                <a:cs typeface="Arial" panose="020B0604020202020204" pitchFamily="34" charset="0"/>
+              </a:rPr>
+              <a:t> </a:t>
+            </a:r>
+            <a:r>
+              <a:rPr lang="en-US" altLang="en-US">
+                <a:latin typeface="Arial" panose="020B0604020202020204" pitchFamily="34" charset="0"/>
+                <a:cs typeface="Arial" panose="020B0604020202020204" pitchFamily="34" charset="0"/>
+              </a:rPr>
+              <a:t>и</a:t>
+            </a:r>
+            <a:r>
+              <a:rPr lang="en-US" altLang="ru-RU">
+                <a:latin typeface="Arial" panose="020B0604020202020204" pitchFamily="34" charset="0"/>
+                <a:cs typeface="Arial" panose="020B0604020202020204" pitchFamily="34" charset="0"/>
+              </a:rPr>
+              <a:t> </a:t>
+            </a:r>
+            <a:r>
+              <a:rPr lang="en-US" altLang="en-US">
+                <a:latin typeface="Arial" panose="020B0604020202020204" pitchFamily="34" charset="0"/>
+                <a:cs typeface="Arial" panose="020B0604020202020204" pitchFamily="34" charset="0"/>
+              </a:rPr>
+              <a:t>защиту</a:t>
+            </a:r>
+            <a:r>
+              <a:rPr lang="en-US" altLang="ru-RU">
+                <a:latin typeface="Arial" panose="020B0604020202020204" pitchFamily="34" charset="0"/>
+                <a:cs typeface="Arial" panose="020B0604020202020204" pitchFamily="34" charset="0"/>
+              </a:rPr>
+              <a:t> </a:t>
+            </a:r>
+            <a:r>
+              <a:rPr lang="en-US" altLang="en-US">
+                <a:latin typeface="Arial" panose="020B0604020202020204" pitchFamily="34" charset="0"/>
+                <a:cs typeface="Arial" panose="020B0604020202020204" pitchFamily="34" charset="0"/>
+              </a:rPr>
+              <a:t>данных</a:t>
+            </a:r>
+            <a:r>
+              <a:rPr lang="en-US" altLang="ru-RU">
+                <a:latin typeface="Arial" panose="020B0604020202020204" pitchFamily="34" charset="0"/>
+                <a:cs typeface="Arial" panose="020B0604020202020204" pitchFamily="34" charset="0"/>
+              </a:rPr>
+              <a:t>,</a:t>
+            </a:r>
+            <a:endParaRPr lang="en-US" altLang="ru-RU">
+              <a:latin typeface="Arial" panose="020B0604020202020204" pitchFamily="34" charset="0"/>
+              <a:cs typeface="Arial" panose="020B0604020202020204" pitchFamily="34" charset="0"/>
+            </a:endParaRPr>
+          </a:p>
+          <a:p>
+            <a:pPr algn="l">
+              <a:buBlip>
+                <a:blip r:embed="rId4"/>
+              </a:buBlip>
+            </a:pPr>
+            <a:r>
+              <a:rPr lang="ru-RU" altLang="en-US">
+                <a:latin typeface="Arial" panose="020B0604020202020204" pitchFamily="34" charset="0"/>
+                <a:cs typeface="Arial" panose="020B0604020202020204" pitchFamily="34" charset="0"/>
+              </a:rPr>
+              <a:t> </a:t>
+            </a:r>
+            <a:r>
+              <a:rPr lang="en-US" altLang="en-US">
+                <a:latin typeface="Arial" panose="020B0604020202020204" pitchFamily="34" charset="0"/>
+                <a:cs typeface="Arial" panose="020B0604020202020204" pitchFamily="34" charset="0"/>
+              </a:rPr>
+              <a:t>разработать</a:t>
+            </a:r>
+            <a:r>
+              <a:rPr lang="en-US" altLang="ru-RU">
+                <a:latin typeface="Arial" panose="020B0604020202020204" pitchFamily="34" charset="0"/>
+                <a:cs typeface="Arial" panose="020B0604020202020204" pitchFamily="34" charset="0"/>
+              </a:rPr>
+              <a:t> </a:t>
+            </a:r>
+            <a:r>
+              <a:rPr lang="en-US" altLang="en-US">
+                <a:latin typeface="Arial" panose="020B0604020202020204" pitchFamily="34" charset="0"/>
+                <a:cs typeface="Arial" panose="020B0604020202020204" pitchFamily="34" charset="0"/>
+              </a:rPr>
+              <a:t>интерфейс</a:t>
+            </a:r>
+            <a:r>
+              <a:rPr lang="en-US" altLang="ru-RU">
+                <a:latin typeface="Arial" panose="020B0604020202020204" pitchFamily="34" charset="0"/>
+                <a:cs typeface="Arial" panose="020B0604020202020204" pitchFamily="34" charset="0"/>
+              </a:rPr>
+              <a:t> </a:t>
+            </a:r>
+            <a:r>
+              <a:rPr lang="en-US" altLang="en-US">
+                <a:latin typeface="Arial" panose="020B0604020202020204" pitchFamily="34" charset="0"/>
+                <a:cs typeface="Arial" panose="020B0604020202020204" pitchFamily="34" charset="0"/>
+              </a:rPr>
+              <a:t>и</a:t>
+            </a:r>
+            <a:r>
+              <a:rPr lang="en-US" altLang="ru-RU">
+                <a:latin typeface="Arial" panose="020B0604020202020204" pitchFamily="34" charset="0"/>
+                <a:cs typeface="Arial" panose="020B0604020202020204" pitchFamily="34" charset="0"/>
+              </a:rPr>
+              <a:t> </a:t>
+            </a:r>
+            <a:r>
+              <a:rPr lang="en-US" altLang="en-US">
+                <a:latin typeface="Arial" panose="020B0604020202020204" pitchFamily="34" charset="0"/>
+                <a:cs typeface="Arial" panose="020B0604020202020204" pitchFamily="34" charset="0"/>
+              </a:rPr>
+              <a:t>мобильное</a:t>
+            </a:r>
+            <a:r>
+              <a:rPr lang="en-US" altLang="ru-RU">
+                <a:latin typeface="Arial" panose="020B0604020202020204" pitchFamily="34" charset="0"/>
+                <a:cs typeface="Arial" panose="020B0604020202020204" pitchFamily="34" charset="0"/>
+              </a:rPr>
+              <a:t> </a:t>
+            </a:r>
+            <a:r>
+              <a:rPr lang="en-US" altLang="en-US">
+                <a:latin typeface="Arial" panose="020B0604020202020204" pitchFamily="34" charset="0"/>
+                <a:cs typeface="Arial" panose="020B0604020202020204" pitchFamily="34" charset="0"/>
+              </a:rPr>
+              <a:t>приложение</a:t>
+            </a:r>
+            <a:r>
+              <a:rPr lang="en-US" altLang="ru-RU">
+                <a:latin typeface="Arial" panose="020B0604020202020204" pitchFamily="34" charset="0"/>
+                <a:cs typeface="Arial" panose="020B0604020202020204" pitchFamily="34" charset="0"/>
+              </a:rPr>
+              <a:t>,</a:t>
+            </a:r>
+            <a:endParaRPr lang="en-US" altLang="ru-RU">
+              <a:latin typeface="Arial" panose="020B0604020202020204" pitchFamily="34" charset="0"/>
+              <a:cs typeface="Arial" panose="020B0604020202020204" pitchFamily="34" charset="0"/>
+            </a:endParaRPr>
+          </a:p>
+          <a:p>
+            <a:pPr algn="l">
+              <a:buBlip>
+                <a:blip r:embed="rId4"/>
+              </a:buBlip>
+            </a:pPr>
+            <a:r>
+              <a:rPr lang="ru-RU" altLang="en-US">
+                <a:latin typeface="Arial" panose="020B0604020202020204" pitchFamily="34" charset="0"/>
+                <a:cs typeface="Arial" panose="020B0604020202020204" pitchFamily="34" charset="0"/>
+              </a:rPr>
+              <a:t> </a:t>
+            </a:r>
+            <a:r>
+              <a:rPr lang="en-US" altLang="en-US">
+                <a:latin typeface="Arial" panose="020B0604020202020204" pitchFamily="34" charset="0"/>
+                <a:cs typeface="Arial" panose="020B0604020202020204" pitchFamily="34" charset="0"/>
+              </a:rPr>
+              <a:t>создать</a:t>
+            </a:r>
+            <a:r>
+              <a:rPr lang="en-US" altLang="ru-RU">
+                <a:latin typeface="Arial" panose="020B0604020202020204" pitchFamily="34" charset="0"/>
+                <a:cs typeface="Arial" panose="020B0604020202020204" pitchFamily="34" charset="0"/>
+              </a:rPr>
+              <a:t> </a:t>
+            </a:r>
+            <a:r>
+              <a:rPr lang="en-US" altLang="en-US">
+                <a:latin typeface="Arial" panose="020B0604020202020204" pitchFamily="34" charset="0"/>
+                <a:cs typeface="Arial" panose="020B0604020202020204" pitchFamily="34" charset="0"/>
+              </a:rPr>
+              <a:t>телеграм</a:t>
+            </a:r>
+            <a:r>
+              <a:rPr lang="en-US" altLang="ru-RU">
+                <a:latin typeface="Arial" panose="020B0604020202020204" pitchFamily="34" charset="0"/>
+                <a:cs typeface="Arial" panose="020B0604020202020204" pitchFamily="34" charset="0"/>
+              </a:rPr>
+              <a:t>-</a:t>
+            </a:r>
+            <a:r>
+              <a:rPr lang="en-US" altLang="en-US">
+                <a:latin typeface="Arial" panose="020B0604020202020204" pitchFamily="34" charset="0"/>
+                <a:cs typeface="Arial" panose="020B0604020202020204" pitchFamily="34" charset="0"/>
+              </a:rPr>
+              <a:t>бота</a:t>
+            </a:r>
+            <a:r>
+              <a:rPr lang="en-US" altLang="ru-RU">
+                <a:latin typeface="Arial" panose="020B0604020202020204" pitchFamily="34" charset="0"/>
+                <a:cs typeface="Arial" panose="020B0604020202020204" pitchFamily="34" charset="0"/>
+              </a:rPr>
+              <a:t> </a:t>
+            </a:r>
+            <a:r>
+              <a:rPr lang="en-US" altLang="en-US">
+                <a:latin typeface="Arial" panose="020B0604020202020204" pitchFamily="34" charset="0"/>
+                <a:cs typeface="Arial" panose="020B0604020202020204" pitchFamily="34" charset="0"/>
+              </a:rPr>
+              <a:t>и</a:t>
+            </a:r>
+            <a:r>
+              <a:rPr lang="en-US" altLang="ru-RU">
+                <a:latin typeface="Arial" panose="020B0604020202020204" pitchFamily="34" charset="0"/>
+                <a:cs typeface="Arial" panose="020B0604020202020204" pitchFamily="34" charset="0"/>
+              </a:rPr>
+              <a:t> </a:t>
+            </a:r>
+            <a:r>
+              <a:rPr lang="en-US" altLang="en-US">
+                <a:latin typeface="Arial" panose="020B0604020202020204" pitchFamily="34" charset="0"/>
+                <a:cs typeface="Arial" panose="020B0604020202020204" pitchFamily="34" charset="0"/>
+              </a:rPr>
+              <a:t>реализовать</a:t>
+            </a:r>
+            <a:r>
+              <a:rPr lang="en-US" altLang="ru-RU">
+                <a:latin typeface="Arial" panose="020B0604020202020204" pitchFamily="34" charset="0"/>
+                <a:cs typeface="Arial" panose="020B0604020202020204" pitchFamily="34" charset="0"/>
+              </a:rPr>
+              <a:t> </a:t>
+            </a:r>
+            <a:r>
+              <a:rPr lang="en-US" altLang="en-US">
+                <a:latin typeface="Arial" panose="020B0604020202020204" pitchFamily="34" charset="0"/>
+                <a:cs typeface="Arial" panose="020B0604020202020204" pitchFamily="34" charset="0"/>
+              </a:rPr>
+              <a:t>функциональность</a:t>
+            </a:r>
+            <a:r>
+              <a:rPr lang="en-US" altLang="ru-RU">
+                <a:latin typeface="Arial" panose="020B0604020202020204" pitchFamily="34" charset="0"/>
+                <a:cs typeface="Arial" panose="020B0604020202020204" pitchFamily="34" charset="0"/>
+              </a:rPr>
+              <a:t> </a:t>
+            </a:r>
+            <a:r>
+              <a:rPr lang="en-US" altLang="en-US">
+                <a:latin typeface="Arial" panose="020B0604020202020204" pitchFamily="34" charset="0"/>
+                <a:cs typeface="Arial" panose="020B0604020202020204" pitchFamily="34" charset="0"/>
+              </a:rPr>
+              <a:t>заказов</a:t>
+            </a:r>
+            <a:r>
+              <a:rPr lang="en-US" altLang="ru-RU">
+                <a:latin typeface="Arial" panose="020B0604020202020204" pitchFamily="34" charset="0"/>
+                <a:cs typeface="Arial" panose="020B0604020202020204" pitchFamily="34" charset="0"/>
+              </a:rPr>
+              <a:t>.</a:t>
+            </a:r>
+            <a:endParaRPr lang="en-US" altLang="ru-RU">
+              <a:latin typeface="Arial" panose="020B0604020202020204" pitchFamily="34" charset="0"/>
+              <a:cs typeface="Arial" panose="020B0604020202020204" pitchFamily="34" charset="0"/>
+            </a:endParaRPr>
+          </a:p>
+        </p:txBody>
+      </p:sp>
+    </p:spTree>
+  </p:cSld>
+  <p:clrMapOvr>
+    <a:masterClrMapping/>
+  </p:clrMapOvr>
+</p:sld>
+</file>
+
+<file path=ppt/slides/slide7.xml><?xml version="1.0" encoding="utf-8"?>
+<p:sld xmlns:a="http://schemas.openxmlformats.org/drawingml/2006/main" xmlns:r="http://schemas.openxmlformats.org/officeDocument/2006/relationships" xmlns:p="http://schemas.openxmlformats.org/presentationml/2006/main">
+  <p:cSld>
+    <p:spTree>
+      <p:nvGrpSpPr>
+        <p:cNvPr id="1" name=""/>
+        <p:cNvGrpSpPr/>
+        <p:nvPr/>
+      </p:nvGrpSpPr>
+      <p:grpSpPr/>
+      <p:sp>
+        <p:nvSpPr>
+          <p:cNvPr id="2" name="Заголовок 1"/>
+          <p:cNvSpPr>
+            <a:spLocks noGrp="1"/>
+          </p:cNvSpPr>
+          <p:nvPr>
+            <p:ph type="title"/>
+          </p:nvPr>
+        </p:nvSpPr>
+        <p:spPr>
+          <a:xfrm>
+            <a:off x="4203700" y="214630"/>
+            <a:ext cx="3785235" cy="780415"/>
+          </a:xfrm>
+        </p:spPr>
+        <p:txBody>
+          <a:bodyPr>
+            <a:normAutofit/>
+          </a:bodyPr>
+          <a:p>
+            <a:pPr algn="ctr"/>
+            <a:r>
+              <a:rPr lang="ru-RU" altLang="en-US" sz="4000" b="1">
+                <a:latin typeface="Arial" panose="020B0604020202020204" pitchFamily="34" charset="0"/>
+                <a:cs typeface="Arial" panose="020B0604020202020204" pitchFamily="34" charset="0"/>
+              </a:rPr>
+              <a:t>Задачи</a:t>
+            </a:r>
+            <a:endParaRPr lang="ru-RU" altLang="en-US" b="1">
+              <a:latin typeface="Arial" panose="020B0604020202020204" pitchFamily="34" charset="0"/>
+              <a:cs typeface="Arial" panose="020B0604020202020204" pitchFamily="34" charset="0"/>
+            </a:endParaRPr>
+          </a:p>
+        </p:txBody>
+      </p:sp>
+      <p:sp>
+        <p:nvSpPr>
+          <p:cNvPr id="6" name="Полилиния 5"/>
+          <p:cNvSpPr/>
+          <p:nvPr/>
+        </p:nvSpPr>
+        <p:spPr>
+          <a:xfrm>
+            <a:off x="11264265" y="0"/>
+            <a:ext cx="1004293" cy="506095"/>
+          </a:xfrm>
+          <a:custGeom>
+            <a:avLst/>
+            <a:gdLst>
+              <a:gd name="connsiteX0" fmla="*/ 0 w 1581"/>
+              <a:gd name="connsiteY0" fmla="*/ 0 h 797"/>
+              <a:gd name="connsiteX1" fmla="*/ 1491 w 1581"/>
+              <a:gd name="connsiteY1" fmla="*/ 0 h 797"/>
+              <a:gd name="connsiteX2" fmla="*/ 1461 w 1581"/>
+              <a:gd name="connsiteY2" fmla="*/ 399 h 797"/>
+              <a:gd name="connsiteX3" fmla="*/ 1461 w 1581"/>
+              <a:gd name="connsiteY3" fmla="*/ 797 h 797"/>
+              <a:gd name="connsiteX4" fmla="*/ 399 w 1581"/>
+              <a:gd name="connsiteY4" fmla="*/ 797 h 797"/>
+              <a:gd name="connsiteX5" fmla="*/ 0 w 1581"/>
+              <a:gd name="connsiteY5" fmla="*/ 399 h 797"/>
+              <a:gd name="connsiteX6" fmla="*/ 0 w 1581"/>
+              <a:gd name="connsiteY6" fmla="*/ 0 h 797"/>
+            </a:gdLst>
+            <a:ahLst/>
+            <a:cxnLst>
+              <a:cxn ang="0">
+                <a:pos x="connsiteX0" y="connsiteY0"/>
+              </a:cxn>
+              <a:cxn ang="0">
+                <a:pos x="connsiteX1" y="connsiteY1"/>
+              </a:cxn>
+              <a:cxn ang="0">
+                <a:pos x="connsiteX2" y="connsiteY2"/>
+              </a:cxn>
+              <a:cxn ang="0">
+                <a:pos x="connsiteX3" y="connsiteY3"/>
+              </a:cxn>
+              <a:cxn ang="0">
+                <a:pos x="connsiteX4" y="connsiteY4"/>
+              </a:cxn>
+              <a:cxn ang="0">
+                <a:pos x="connsiteX5" y="connsiteY5"/>
+              </a:cxn>
+              <a:cxn ang="0">
+                <a:pos x="connsiteX6" y="connsiteY6"/>
+              </a:cxn>
+            </a:cxnLst>
+            <a:rect l="l" t="t" r="r" b="b"/>
+            <a:pathLst>
+              <a:path w="1582" h="797">
+                <a:moveTo>
+                  <a:pt x="0" y="0"/>
+                </a:moveTo>
+                <a:lnTo>
+                  <a:pt x="1491" y="0"/>
+                </a:lnTo>
+                <a:cubicBezTo>
+                  <a:pt x="1711" y="0"/>
+                  <a:pt x="1461" y="178"/>
+                  <a:pt x="1461" y="399"/>
+                </a:cubicBezTo>
+                <a:lnTo>
+                  <a:pt x="1461" y="797"/>
+                </a:lnTo>
+                <a:lnTo>
+                  <a:pt x="399" y="797"/>
+                </a:lnTo>
+                <a:cubicBezTo>
+                  <a:pt x="178" y="797"/>
+                  <a:pt x="0" y="619"/>
+                  <a:pt x="0" y="399"/>
+                </a:cubicBezTo>
+                <a:lnTo>
+                  <a:pt x="0" y="0"/>
+                </a:lnTo>
+                <a:close/>
+              </a:path>
+            </a:pathLst>
+          </a:custGeom>
+          <a:ln>
+            <a:noFill/>
+          </a:ln>
+        </p:spPr>
+        <p:style>
+          <a:lnRef idx="2">
+            <a:schemeClr val="accent1">
+              <a:lumMod val="75000"/>
+            </a:schemeClr>
+          </a:lnRef>
+          <a:fillRef idx="1">
+            <a:schemeClr val="accent1"/>
+          </a:fillRef>
+          <a:effectRef idx="0">
+            <a:srgbClr val="FFFFFF"/>
+          </a:effectRef>
+          <a:fontRef idx="minor">
+            <a:schemeClr val="lt1"/>
+          </a:fontRef>
+        </p:style>
+        <p:txBody>
+          <a:bodyPr rtlCol="0" anchor="ctr"/>
+          <a:p>
+            <a:pPr algn="ctr"/>
+            <a:r>
+              <a:rPr lang="ru-RU" altLang="en-US"/>
+              <a:t>5 / 9</a:t>
+            </a:r>
+            <a:endParaRPr lang="ru-RU" altLang="en-US"/>
+          </a:p>
+        </p:txBody>
+      </p:sp>
+      <p:pic>
+        <p:nvPicPr>
+          <p:cNvPr id="5" name="Изображение 4" descr="icons8-hierarchy-96"/>
+          <p:cNvPicPr>
+            <a:picLocks noChangeAspect="1"/>
+          </p:cNvPicPr>
+          <p:nvPr/>
+        </p:nvPicPr>
+        <p:blipFill>
+          <a:blip r:embed="rId1"/>
+          <a:stretch>
+            <a:fillRect/>
+          </a:stretch>
+        </p:blipFill>
+        <p:spPr>
+          <a:xfrm>
+            <a:off x="7679690" y="7089775"/>
+            <a:ext cx="1440000" cy="1440000"/>
+          </a:xfrm>
+          <a:prstGeom prst="rect">
+            <a:avLst/>
+          </a:prstGeom>
+        </p:spPr>
+      </p:pic>
+      <p:pic>
+        <p:nvPicPr>
+          <p:cNvPr id="7" name="Изображение 6" descr="icons8-backlog-100"/>
+          <p:cNvPicPr>
+            <a:picLocks noChangeAspect="1"/>
+          </p:cNvPicPr>
+          <p:nvPr/>
+        </p:nvPicPr>
+        <p:blipFill>
+          <a:blip r:embed="rId2"/>
+          <a:stretch>
+            <a:fillRect/>
+          </a:stretch>
+        </p:blipFill>
+        <p:spPr>
+          <a:xfrm>
+            <a:off x="5701665" y="7319645"/>
+            <a:ext cx="1440000" cy="1440000"/>
+          </a:xfrm>
+          <a:prstGeom prst="rect">
+            <a:avLst/>
+          </a:prstGeom>
+        </p:spPr>
+      </p:pic>
+      <p:pic>
+        <p:nvPicPr>
+          <p:cNvPr id="8" name="Изображение 7" descr="icons8-task-96"/>
+          <p:cNvPicPr>
+            <a:picLocks noChangeAspect="1"/>
+          </p:cNvPicPr>
+          <p:nvPr/>
+        </p:nvPicPr>
+        <p:blipFill>
+          <a:blip r:embed="rId3"/>
+          <a:stretch>
+            <a:fillRect/>
+          </a:stretch>
+        </p:blipFill>
+        <p:spPr>
+          <a:xfrm>
+            <a:off x="3143885" y="7089775"/>
+            <a:ext cx="1440000" cy="1440000"/>
+          </a:xfrm>
+          <a:prstGeom prst="rect">
+            <a:avLst/>
+          </a:prstGeom>
+        </p:spPr>
+      </p:pic>
+      <p:grpSp>
+        <p:nvGrpSpPr>
+          <p:cNvPr id="19" name="Группа 18"/>
+          <p:cNvGrpSpPr/>
+          <p:nvPr/>
+        </p:nvGrpSpPr>
+        <p:grpSpPr>
+          <a:xfrm>
+            <a:off x="6051945" y="2282825"/>
+            <a:ext cx="5827395" cy="1231265"/>
+            <a:chOff x="9527" y="3629"/>
+            <a:chExt cx="9177" cy="1939"/>
+          </a:xfrm>
+        </p:grpSpPr>
+        <p:sp>
+          <p:nvSpPr>
+            <p:cNvPr id="11" name="Текстовое поле 10"/>
+            <p:cNvSpPr txBox="1"/>
+            <p:nvPr/>
+          </p:nvSpPr>
+          <p:spPr>
+            <a:xfrm>
+              <a:off x="9527" y="3630"/>
+              <a:ext cx="7238" cy="1937"/>
+            </a:xfrm>
+            <a:prstGeom prst="rect">
+              <a:avLst/>
+            </a:prstGeom>
+            <a:noFill/>
+          </p:spPr>
+          <p:txBody>
+            <a:bodyPr wrap="square" rtlCol="0">
+              <a:spAutoFit/>
+            </a:bodyPr>
+            <a:p>
+              <a:pPr indent="0" algn="l">
+                <a:buNone/>
+              </a:pPr>
+              <a:r>
+                <a:rPr lang="en-US" altLang="en-US" sz="2000">
+                  <a:latin typeface="Arial" panose="020B0604020202020204" pitchFamily="34" charset="0"/>
+                  <a:cs typeface="Arial" panose="020B0604020202020204" pitchFamily="34" charset="0"/>
+                  <a:sym typeface="+mn-ea"/>
+                </a:rPr>
+                <a:t>Проектирование</a:t>
+              </a:r>
+              <a:r>
+                <a:rPr lang="en-US" altLang="ru-RU" sz="2000">
+                  <a:latin typeface="Arial" panose="020B0604020202020204" pitchFamily="34" charset="0"/>
+                  <a:cs typeface="Arial" panose="020B0604020202020204" pitchFamily="34" charset="0"/>
+                  <a:sym typeface="+mn-ea"/>
+                </a:rPr>
+                <a:t> </a:t>
+              </a:r>
+              <a:r>
+                <a:rPr lang="en-US" altLang="en-US" sz="2000">
+                  <a:latin typeface="Arial" panose="020B0604020202020204" pitchFamily="34" charset="0"/>
+                  <a:cs typeface="Arial" panose="020B0604020202020204" pitchFamily="34" charset="0"/>
+                  <a:sym typeface="+mn-ea"/>
+                </a:rPr>
+                <a:t>и</a:t>
+              </a:r>
+              <a:r>
+                <a:rPr lang="en-US" altLang="ru-RU" sz="2000">
+                  <a:latin typeface="Arial" panose="020B0604020202020204" pitchFamily="34" charset="0"/>
+                  <a:cs typeface="Arial" panose="020B0604020202020204" pitchFamily="34" charset="0"/>
+                  <a:sym typeface="+mn-ea"/>
+                </a:rPr>
+                <a:t> </a:t>
+              </a:r>
+              <a:r>
+                <a:rPr lang="en-US" altLang="en-US" sz="2000">
+                  <a:latin typeface="Arial" panose="020B0604020202020204" pitchFamily="34" charset="0"/>
+                  <a:cs typeface="Arial" panose="020B0604020202020204" pitchFamily="34" charset="0"/>
+                  <a:sym typeface="+mn-ea"/>
+                </a:rPr>
+                <a:t>архитектура</a:t>
+              </a:r>
+              <a:r>
+                <a:rPr lang="en-US" altLang="ru-RU" sz="2000">
+                  <a:latin typeface="Arial" panose="020B0604020202020204" pitchFamily="34" charset="0"/>
+                  <a:cs typeface="Arial" panose="020B0604020202020204" pitchFamily="34" charset="0"/>
+                  <a:sym typeface="+mn-ea"/>
+                </a:rPr>
+                <a:t>:</a:t>
+              </a:r>
+              <a:endParaRPr lang="en-US" altLang="ru-RU" sz="2000">
+                <a:latin typeface="Arial" panose="020B0604020202020204" pitchFamily="34" charset="0"/>
+                <a:cs typeface="Arial" panose="020B0604020202020204" pitchFamily="34" charset="0"/>
+              </a:endParaRPr>
+            </a:p>
+            <a:p>
+              <a:pPr algn="l">
+                <a:buBlip>
+                  <a:blip r:embed="rId4"/>
+                </a:buBlip>
+              </a:pPr>
+              <a:r>
+                <a:rPr lang="ru-RU" altLang="en-US">
+                  <a:solidFill>
+                    <a:srgbClr val="57636C"/>
+                  </a:solidFill>
+                  <a:latin typeface="Arial" panose="020B0604020202020204" pitchFamily="34" charset="0"/>
+                  <a:cs typeface="Arial" panose="020B0604020202020204" pitchFamily="34" charset="0"/>
+                </a:rPr>
+                <a:t> </a:t>
+              </a:r>
+              <a:r>
+                <a:rPr lang="en-US" altLang="en-US">
+                  <a:solidFill>
+                    <a:srgbClr val="57636C"/>
+                  </a:solidFill>
+                  <a:latin typeface="Arial" panose="020B0604020202020204" pitchFamily="34" charset="0"/>
+                  <a:cs typeface="Arial" panose="020B0604020202020204" pitchFamily="34" charset="0"/>
+                  <a:sym typeface="+mn-ea"/>
+                </a:rPr>
+                <a:t>спроектировать</a:t>
+              </a:r>
+              <a:r>
+                <a:rPr lang="en-US" altLang="ru-RU">
+                  <a:solidFill>
+                    <a:srgbClr val="57636C"/>
+                  </a:solidFill>
+                  <a:latin typeface="Arial" panose="020B0604020202020204" pitchFamily="34" charset="0"/>
+                  <a:cs typeface="Arial" panose="020B0604020202020204" pitchFamily="34" charset="0"/>
+                  <a:sym typeface="+mn-ea"/>
+                </a:rPr>
+                <a:t> </a:t>
+              </a:r>
+              <a:r>
+                <a:rPr lang="en-US" altLang="en-US">
+                  <a:solidFill>
+                    <a:srgbClr val="57636C"/>
+                  </a:solidFill>
+                  <a:latin typeface="Arial" panose="020B0604020202020204" pitchFamily="34" charset="0"/>
+                  <a:cs typeface="Arial" panose="020B0604020202020204" pitchFamily="34" charset="0"/>
+                  <a:sym typeface="+mn-ea"/>
+                </a:rPr>
+                <a:t>архитектуру</a:t>
+              </a:r>
+              <a:r>
+                <a:rPr lang="ru-RU" altLang="en-US">
+                  <a:solidFill>
+                    <a:srgbClr val="57636C"/>
+                  </a:solidFill>
+                  <a:latin typeface="Arial" panose="020B0604020202020204" pitchFamily="34" charset="0"/>
+                  <a:cs typeface="Arial" panose="020B0604020202020204" pitchFamily="34" charset="0"/>
+                  <a:sym typeface="+mn-ea"/>
+                </a:rPr>
+                <a:t>,</a:t>
+              </a:r>
+              <a:endParaRPr lang="en-US" altLang="ru-RU">
+                <a:solidFill>
+                  <a:srgbClr val="57636C"/>
+                </a:solidFill>
+                <a:latin typeface="Arial" panose="020B0604020202020204" pitchFamily="34" charset="0"/>
+                <a:cs typeface="Arial" panose="020B0604020202020204" pitchFamily="34" charset="0"/>
+              </a:endParaRPr>
+            </a:p>
+            <a:p>
+              <a:pPr algn="l">
+                <a:buBlip>
+                  <a:blip r:embed="rId4"/>
+                </a:buBlip>
+              </a:pPr>
+              <a:r>
+                <a:rPr lang="ru-RU" altLang="en-US">
+                  <a:solidFill>
+                    <a:srgbClr val="57636C"/>
+                  </a:solidFill>
+                  <a:latin typeface="Arial" panose="020B0604020202020204" pitchFamily="34" charset="0"/>
+                  <a:cs typeface="Arial" panose="020B0604020202020204" pitchFamily="34" charset="0"/>
+                  <a:sym typeface="+mn-ea"/>
+                </a:rPr>
+                <a:t> </a:t>
+              </a:r>
+              <a:r>
+                <a:rPr lang="en-US" altLang="en-US">
+                  <a:solidFill>
+                    <a:srgbClr val="57636C"/>
+                  </a:solidFill>
+                  <a:latin typeface="Arial" panose="020B0604020202020204" pitchFamily="34" charset="0"/>
+                  <a:cs typeface="Arial" panose="020B0604020202020204" pitchFamily="34" charset="0"/>
+                  <a:sym typeface="+mn-ea"/>
+                </a:rPr>
+                <a:t>программные</a:t>
+              </a:r>
+              <a:r>
+                <a:rPr lang="en-US" altLang="ru-RU">
+                  <a:solidFill>
+                    <a:srgbClr val="57636C"/>
+                  </a:solidFill>
+                  <a:latin typeface="Arial" panose="020B0604020202020204" pitchFamily="34" charset="0"/>
+                  <a:cs typeface="Arial" panose="020B0604020202020204" pitchFamily="34" charset="0"/>
+                  <a:sym typeface="+mn-ea"/>
+                </a:rPr>
+                <a:t> </a:t>
+              </a:r>
+              <a:r>
+                <a:rPr lang="en-US" altLang="en-US">
+                  <a:solidFill>
+                    <a:srgbClr val="57636C"/>
+                  </a:solidFill>
+                  <a:latin typeface="Arial" panose="020B0604020202020204" pitchFamily="34" charset="0"/>
+                  <a:cs typeface="Arial" panose="020B0604020202020204" pitchFamily="34" charset="0"/>
+                  <a:sym typeface="+mn-ea"/>
+                </a:rPr>
+                <a:t>и</a:t>
+              </a:r>
+              <a:r>
+                <a:rPr lang="en-US" altLang="ru-RU">
+                  <a:solidFill>
+                    <a:srgbClr val="57636C"/>
+                  </a:solidFill>
+                  <a:latin typeface="Arial" panose="020B0604020202020204" pitchFamily="34" charset="0"/>
+                  <a:cs typeface="Arial" panose="020B0604020202020204" pitchFamily="34" charset="0"/>
+                  <a:sym typeface="+mn-ea"/>
+                </a:rPr>
+                <a:t> </a:t>
+              </a:r>
+              <a:r>
+                <a:rPr lang="en-US" altLang="en-US">
+                  <a:solidFill>
+                    <a:srgbClr val="57636C"/>
+                  </a:solidFill>
+                  <a:latin typeface="Arial" panose="020B0604020202020204" pitchFamily="34" charset="0"/>
+                  <a:cs typeface="Arial" panose="020B0604020202020204" pitchFamily="34" charset="0"/>
+                  <a:sym typeface="+mn-ea"/>
+                </a:rPr>
+                <a:t>технические</a:t>
+              </a:r>
+              <a:r>
+                <a:rPr lang="en-US" altLang="ru-RU">
+                  <a:solidFill>
+                    <a:srgbClr val="57636C"/>
+                  </a:solidFill>
+                  <a:latin typeface="Arial" panose="020B0604020202020204" pitchFamily="34" charset="0"/>
+                  <a:cs typeface="Arial" panose="020B0604020202020204" pitchFamily="34" charset="0"/>
+                  <a:sym typeface="+mn-ea"/>
+                </a:rPr>
+                <a:t> </a:t>
+              </a:r>
+              <a:r>
+                <a:rPr lang="en-US" altLang="en-US">
+                  <a:solidFill>
+                    <a:srgbClr val="57636C"/>
+                  </a:solidFill>
+                  <a:latin typeface="Arial" panose="020B0604020202020204" pitchFamily="34" charset="0"/>
+                  <a:cs typeface="Arial" panose="020B0604020202020204" pitchFamily="34" charset="0"/>
+                  <a:sym typeface="+mn-ea"/>
+                </a:rPr>
+                <a:t>средства</a:t>
+              </a:r>
+              <a:r>
+                <a:rPr lang="en-US" altLang="ru-RU">
+                  <a:solidFill>
+                    <a:srgbClr val="57636C"/>
+                  </a:solidFill>
+                  <a:latin typeface="Arial" panose="020B0604020202020204" pitchFamily="34" charset="0"/>
+                  <a:cs typeface="Arial" panose="020B0604020202020204" pitchFamily="34" charset="0"/>
+                  <a:sym typeface="+mn-ea"/>
+                </a:rPr>
+                <a:t>,</a:t>
+              </a:r>
+              <a:endParaRPr lang="en-US" altLang="ru-RU">
+                <a:solidFill>
+                  <a:srgbClr val="57636C"/>
+                </a:solidFill>
+                <a:latin typeface="Arial" panose="020B0604020202020204" pitchFamily="34" charset="0"/>
+                <a:cs typeface="Arial" panose="020B0604020202020204" pitchFamily="34" charset="0"/>
+              </a:endParaRPr>
+            </a:p>
+            <a:p>
+              <a:pPr algn="l">
+                <a:buBlip>
+                  <a:blip r:embed="rId4"/>
+                </a:buBlip>
+              </a:pPr>
+              <a:r>
+                <a:rPr lang="ru-RU" altLang="en-US">
+                  <a:solidFill>
+                    <a:srgbClr val="57636C"/>
+                  </a:solidFill>
+                  <a:latin typeface="Arial" panose="020B0604020202020204" pitchFamily="34" charset="0"/>
+                  <a:cs typeface="Arial" panose="020B0604020202020204" pitchFamily="34" charset="0"/>
+                  <a:sym typeface="+mn-ea"/>
+                </a:rPr>
+                <a:t> </a:t>
+              </a:r>
+              <a:r>
+                <a:rPr lang="en-US" altLang="en-US">
+                  <a:solidFill>
+                    <a:srgbClr val="57636C"/>
+                  </a:solidFill>
+                  <a:latin typeface="Arial" panose="020B0604020202020204" pitchFamily="34" charset="0"/>
+                  <a:cs typeface="Arial" panose="020B0604020202020204" pitchFamily="34" charset="0"/>
+                  <a:sym typeface="+mn-ea"/>
+                </a:rPr>
+                <a:t>спроектировать</a:t>
+              </a:r>
+              <a:r>
+                <a:rPr lang="en-US" altLang="ru-RU">
+                  <a:solidFill>
+                    <a:srgbClr val="57636C"/>
+                  </a:solidFill>
+                  <a:latin typeface="Arial" panose="020B0604020202020204" pitchFamily="34" charset="0"/>
+                  <a:cs typeface="Arial" panose="020B0604020202020204" pitchFamily="34" charset="0"/>
+                  <a:sym typeface="+mn-ea"/>
+                </a:rPr>
+                <a:t> </a:t>
+              </a:r>
+              <a:r>
+                <a:rPr lang="en-US" altLang="en-US">
+                  <a:solidFill>
+                    <a:srgbClr val="57636C"/>
+                  </a:solidFill>
+                  <a:latin typeface="Arial" panose="020B0604020202020204" pitchFamily="34" charset="0"/>
+                  <a:cs typeface="Arial" panose="020B0604020202020204" pitchFamily="34" charset="0"/>
+                  <a:sym typeface="+mn-ea"/>
+                </a:rPr>
+                <a:t>и</a:t>
+              </a:r>
+              <a:r>
+                <a:rPr lang="en-US" altLang="ru-RU">
+                  <a:solidFill>
+                    <a:srgbClr val="57636C"/>
+                  </a:solidFill>
+                  <a:latin typeface="Arial" panose="020B0604020202020204" pitchFamily="34" charset="0"/>
+                  <a:cs typeface="Arial" panose="020B0604020202020204" pitchFamily="34" charset="0"/>
+                  <a:sym typeface="+mn-ea"/>
+                </a:rPr>
+                <a:t> </a:t>
+              </a:r>
+              <a:r>
+                <a:rPr lang="en-US" altLang="en-US">
+                  <a:solidFill>
+                    <a:srgbClr val="57636C"/>
+                  </a:solidFill>
+                  <a:latin typeface="Arial" panose="020B0604020202020204" pitchFamily="34" charset="0"/>
+                  <a:cs typeface="Arial" panose="020B0604020202020204" pitchFamily="34" charset="0"/>
+                  <a:sym typeface="+mn-ea"/>
+                </a:rPr>
+                <a:t>создать</a:t>
+              </a:r>
+              <a:r>
+                <a:rPr lang="en-US" altLang="ru-RU">
+                  <a:solidFill>
+                    <a:srgbClr val="57636C"/>
+                  </a:solidFill>
+                  <a:latin typeface="Arial" panose="020B0604020202020204" pitchFamily="34" charset="0"/>
+                  <a:cs typeface="Arial" panose="020B0604020202020204" pitchFamily="34" charset="0"/>
+                  <a:sym typeface="+mn-ea"/>
+                </a:rPr>
+                <a:t> </a:t>
+              </a:r>
+              <a:r>
+                <a:rPr lang="en-US" altLang="en-US">
+                  <a:solidFill>
+                    <a:srgbClr val="57636C"/>
+                  </a:solidFill>
+                  <a:latin typeface="Arial" panose="020B0604020202020204" pitchFamily="34" charset="0"/>
+                  <a:cs typeface="Arial" panose="020B0604020202020204" pitchFamily="34" charset="0"/>
+                  <a:sym typeface="+mn-ea"/>
+                </a:rPr>
+                <a:t>базу</a:t>
+              </a:r>
+              <a:r>
+                <a:rPr lang="en-US" altLang="ru-RU">
+                  <a:solidFill>
+                    <a:srgbClr val="57636C"/>
+                  </a:solidFill>
+                  <a:latin typeface="Arial" panose="020B0604020202020204" pitchFamily="34" charset="0"/>
+                  <a:cs typeface="Arial" panose="020B0604020202020204" pitchFamily="34" charset="0"/>
+                  <a:sym typeface="+mn-ea"/>
+                </a:rPr>
+                <a:t> </a:t>
+              </a:r>
+              <a:r>
+                <a:rPr lang="en-US" altLang="en-US">
+                  <a:solidFill>
+                    <a:srgbClr val="57636C"/>
+                  </a:solidFill>
+                  <a:latin typeface="Arial" panose="020B0604020202020204" pitchFamily="34" charset="0"/>
+                  <a:cs typeface="Arial" panose="020B0604020202020204" pitchFamily="34" charset="0"/>
+                  <a:sym typeface="+mn-ea"/>
+                </a:rPr>
+                <a:t>данных</a:t>
+              </a:r>
+              <a:r>
+                <a:rPr lang="en-US" altLang="ru-RU">
+                  <a:solidFill>
+                    <a:srgbClr val="57636C"/>
+                  </a:solidFill>
+                  <a:latin typeface="Arial" panose="020B0604020202020204" pitchFamily="34" charset="0"/>
+                  <a:cs typeface="Arial" panose="020B0604020202020204" pitchFamily="34" charset="0"/>
+                  <a:sym typeface="+mn-ea"/>
+                </a:rPr>
+                <a:t>.</a:t>
+              </a:r>
+              <a:endParaRPr lang="en-US" altLang="ru-RU">
+                <a:solidFill>
+                  <a:srgbClr val="57636C"/>
+                </a:solidFill>
+                <a:latin typeface="Arial" panose="020B0604020202020204" pitchFamily="34" charset="0"/>
+                <a:cs typeface="Arial" panose="020B0604020202020204" pitchFamily="34" charset="0"/>
+                <a:sym typeface="+mn-ea"/>
+              </a:endParaRPr>
+            </a:p>
+          </p:txBody>
+        </p:sp>
+        <p:pic>
+          <p:nvPicPr>
+            <p:cNvPr id="9" name="Изображение 8" descr="icons8-design-96"/>
+            <p:cNvPicPr>
+              <a:picLocks noChangeAspect="1"/>
+            </p:cNvPicPr>
+            <p:nvPr/>
+          </p:nvPicPr>
+          <p:blipFill>
+            <a:blip r:embed="rId5"/>
+            <a:stretch>
+              <a:fillRect/>
+            </a:stretch>
+          </p:blipFill>
+          <p:spPr>
+            <a:xfrm>
+              <a:off x="16765" y="3629"/>
+              <a:ext cx="1939" cy="1939"/>
+            </a:xfrm>
+            <a:prstGeom prst="rect">
+              <a:avLst/>
+            </a:prstGeom>
+          </p:spPr>
+        </p:pic>
+      </p:grpSp>
+      <p:grpSp>
+        <p:nvGrpSpPr>
+          <p:cNvPr id="18" name="Группа 17"/>
+          <p:cNvGrpSpPr/>
+          <p:nvPr/>
+        </p:nvGrpSpPr>
+        <p:grpSpPr>
+          <a:xfrm>
+            <a:off x="469265" y="3616325"/>
+            <a:ext cx="5310505" cy="1231265"/>
+            <a:chOff x="739" y="6054"/>
+            <a:chExt cx="8363" cy="1939"/>
+          </a:xfrm>
+        </p:grpSpPr>
+        <p:sp>
+          <p:nvSpPr>
+            <p:cNvPr id="13" name="Текстовое поле 12"/>
+            <p:cNvSpPr txBox="1"/>
+            <p:nvPr/>
+          </p:nvSpPr>
+          <p:spPr>
+            <a:xfrm>
+              <a:off x="3161" y="6055"/>
+              <a:ext cx="5941" cy="1937"/>
+            </a:xfrm>
+            <a:prstGeom prst="rect">
+              <a:avLst/>
+            </a:prstGeom>
+            <a:noFill/>
+          </p:spPr>
+          <p:txBody>
+            <a:bodyPr wrap="square" rtlCol="0">
+              <a:spAutoFit/>
+            </a:bodyPr>
+            <a:p>
+              <a:pPr indent="0" algn="l">
+                <a:buNone/>
+              </a:pPr>
+              <a:r>
+                <a:rPr lang="en-US" altLang="en-US" sz="2000">
+                  <a:latin typeface="Arial" panose="020B0604020202020204" pitchFamily="34" charset="0"/>
+                  <a:cs typeface="Arial" panose="020B0604020202020204" pitchFamily="34" charset="0"/>
+                  <a:sym typeface="+mn-ea"/>
+                </a:rPr>
+                <a:t>Разработка</a:t>
+              </a:r>
+              <a:r>
+                <a:rPr lang="en-US" altLang="ru-RU" sz="2000">
+                  <a:latin typeface="Arial" panose="020B0604020202020204" pitchFamily="34" charset="0"/>
+                  <a:cs typeface="Arial" panose="020B0604020202020204" pitchFamily="34" charset="0"/>
+                  <a:sym typeface="+mn-ea"/>
+                </a:rPr>
+                <a:t> </a:t>
+              </a:r>
+              <a:r>
+                <a:rPr lang="en-US" altLang="en-US" sz="2000">
+                  <a:latin typeface="Arial" panose="020B0604020202020204" pitchFamily="34" charset="0"/>
+                  <a:cs typeface="Arial" panose="020B0604020202020204" pitchFamily="34" charset="0"/>
+                  <a:sym typeface="+mn-ea"/>
+                </a:rPr>
+                <a:t>и</a:t>
+              </a:r>
+              <a:r>
+                <a:rPr lang="en-US" altLang="ru-RU" sz="2000">
+                  <a:latin typeface="Arial" panose="020B0604020202020204" pitchFamily="34" charset="0"/>
+                  <a:cs typeface="Arial" panose="020B0604020202020204" pitchFamily="34" charset="0"/>
+                  <a:sym typeface="+mn-ea"/>
+                </a:rPr>
+                <a:t> </a:t>
+              </a:r>
+              <a:r>
+                <a:rPr lang="en-US" altLang="en-US" sz="2000">
+                  <a:latin typeface="Arial" panose="020B0604020202020204" pitchFamily="34" charset="0"/>
+                  <a:cs typeface="Arial" panose="020B0604020202020204" pitchFamily="34" charset="0"/>
+                  <a:sym typeface="+mn-ea"/>
+                </a:rPr>
+                <a:t>реализация</a:t>
+              </a:r>
+              <a:r>
+                <a:rPr lang="en-US" altLang="ru-RU" sz="2000">
+                  <a:latin typeface="Arial" panose="020B0604020202020204" pitchFamily="34" charset="0"/>
+                  <a:cs typeface="Arial" panose="020B0604020202020204" pitchFamily="34" charset="0"/>
+                  <a:sym typeface="+mn-ea"/>
+                </a:rPr>
+                <a:t>:</a:t>
+              </a:r>
+              <a:endParaRPr lang="en-US" altLang="ru-RU">
+                <a:latin typeface="Arial" panose="020B0604020202020204" pitchFamily="34" charset="0"/>
+                <a:cs typeface="Arial" panose="020B0604020202020204" pitchFamily="34" charset="0"/>
+              </a:endParaRPr>
+            </a:p>
+            <a:p>
+              <a:pPr algn="l">
+                <a:buBlip>
+                  <a:blip r:embed="rId4"/>
+                </a:buBlip>
+              </a:pPr>
+              <a:r>
+                <a:rPr lang="ru-RU" altLang="en-US">
+                  <a:solidFill>
+                    <a:srgbClr val="57636C"/>
+                  </a:solidFill>
+                  <a:latin typeface="Arial" panose="020B0604020202020204" pitchFamily="34" charset="0"/>
+                  <a:cs typeface="Arial" panose="020B0604020202020204" pitchFamily="34" charset="0"/>
+                </a:rPr>
+                <a:t> </a:t>
+              </a:r>
+              <a:r>
+                <a:rPr lang="en-US" altLang="ru-RU">
+                  <a:solidFill>
+                    <a:srgbClr val="57636C"/>
+                  </a:solidFill>
+                  <a:latin typeface="Arial" panose="020B0604020202020204" pitchFamily="34" charset="0"/>
+                  <a:cs typeface="Arial" panose="020B0604020202020204" pitchFamily="34" charset="0"/>
+                </a:rPr>
+                <a:t>API </a:t>
+              </a:r>
+              <a:r>
+                <a:rPr lang="en-US" altLang="en-US">
+                  <a:solidFill>
+                    <a:srgbClr val="57636C"/>
+                  </a:solidFill>
+                  <a:latin typeface="Arial" panose="020B0604020202020204" pitchFamily="34" charset="0"/>
+                  <a:cs typeface="Arial" panose="020B0604020202020204" pitchFamily="34" charset="0"/>
+                </a:rPr>
+                <a:t>для</a:t>
+              </a:r>
+              <a:r>
+                <a:rPr lang="en-US" altLang="ru-RU">
+                  <a:solidFill>
+                    <a:srgbClr val="57636C"/>
+                  </a:solidFill>
+                  <a:latin typeface="Arial" panose="020B0604020202020204" pitchFamily="34" charset="0"/>
+                  <a:cs typeface="Arial" panose="020B0604020202020204" pitchFamily="34" charset="0"/>
+                </a:rPr>
+                <a:t> </a:t>
+              </a:r>
+              <a:r>
+                <a:rPr lang="en-US" altLang="en-US">
+                  <a:solidFill>
+                    <a:srgbClr val="57636C"/>
+                  </a:solidFill>
+                  <a:latin typeface="Arial" panose="020B0604020202020204" pitchFamily="34" charset="0"/>
+                  <a:cs typeface="Arial" panose="020B0604020202020204" pitchFamily="34" charset="0"/>
+                </a:rPr>
+                <a:t>взаимодействия</a:t>
+              </a:r>
+              <a:r>
+                <a:rPr lang="en-US" altLang="ru-RU">
+                  <a:solidFill>
+                    <a:srgbClr val="57636C"/>
+                  </a:solidFill>
+                  <a:latin typeface="Arial" panose="020B0604020202020204" pitchFamily="34" charset="0"/>
+                  <a:cs typeface="Arial" panose="020B0604020202020204" pitchFamily="34" charset="0"/>
+                </a:rPr>
+                <a:t> </a:t>
+              </a:r>
+              <a:r>
+                <a:rPr lang="en-US" altLang="en-US">
+                  <a:solidFill>
+                    <a:srgbClr val="57636C"/>
+                  </a:solidFill>
+                  <a:latin typeface="Arial" panose="020B0604020202020204" pitchFamily="34" charset="0"/>
+                  <a:cs typeface="Arial" panose="020B0604020202020204" pitchFamily="34" charset="0"/>
+                </a:rPr>
+                <a:t>с</a:t>
+              </a:r>
+              <a:r>
+                <a:rPr lang="en-US" altLang="ru-RU">
+                  <a:solidFill>
+                    <a:srgbClr val="57636C"/>
+                  </a:solidFill>
+                  <a:latin typeface="Arial" panose="020B0604020202020204" pitchFamily="34" charset="0"/>
+                  <a:cs typeface="Arial" panose="020B0604020202020204" pitchFamily="34" charset="0"/>
+                </a:rPr>
+                <a:t> </a:t>
+              </a:r>
+              <a:r>
+                <a:rPr lang="en-US" altLang="en-US">
+                  <a:solidFill>
+                    <a:srgbClr val="57636C"/>
+                  </a:solidFill>
+                  <a:latin typeface="Arial" panose="020B0604020202020204" pitchFamily="34" charset="0"/>
+                  <a:cs typeface="Arial" panose="020B0604020202020204" pitchFamily="34" charset="0"/>
+                </a:rPr>
+                <a:t>БД</a:t>
+              </a:r>
+              <a:r>
+                <a:rPr lang="en-US" altLang="ru-RU">
+                  <a:solidFill>
+                    <a:srgbClr val="57636C"/>
+                  </a:solidFill>
+                  <a:latin typeface="Arial" panose="020B0604020202020204" pitchFamily="34" charset="0"/>
+                  <a:cs typeface="Arial" panose="020B0604020202020204" pitchFamily="34" charset="0"/>
+                </a:rPr>
+                <a:t>,</a:t>
+              </a:r>
+              <a:endParaRPr lang="en-US" altLang="ru-RU">
+                <a:solidFill>
+                  <a:srgbClr val="57636C"/>
+                </a:solidFill>
+                <a:latin typeface="Arial" panose="020B0604020202020204" pitchFamily="34" charset="0"/>
+                <a:cs typeface="Arial" panose="020B0604020202020204" pitchFamily="34" charset="0"/>
+              </a:endParaRPr>
+            </a:p>
+            <a:p>
+              <a:pPr algn="l">
+                <a:buBlip>
+                  <a:blip r:embed="rId4"/>
+                </a:buBlip>
+              </a:pPr>
+              <a:r>
+                <a:rPr lang="ru-RU" altLang="en-US">
+                  <a:solidFill>
+                    <a:srgbClr val="57636C"/>
+                  </a:solidFill>
+                  <a:latin typeface="Arial" panose="020B0604020202020204" pitchFamily="34" charset="0"/>
+                  <a:cs typeface="Arial" panose="020B0604020202020204" pitchFamily="34" charset="0"/>
+                </a:rPr>
+                <a:t> </a:t>
+              </a:r>
+              <a:r>
+                <a:rPr lang="en-US" altLang="en-US">
+                  <a:solidFill>
+                    <a:srgbClr val="57636C"/>
+                  </a:solidFill>
+                  <a:latin typeface="Arial" panose="020B0604020202020204" pitchFamily="34" charset="0"/>
+                  <a:cs typeface="Arial" panose="020B0604020202020204" pitchFamily="34" charset="0"/>
+                </a:rPr>
+                <a:t>мобильное</a:t>
+              </a:r>
+              <a:r>
+                <a:rPr lang="en-US" altLang="ru-RU">
+                  <a:solidFill>
+                    <a:srgbClr val="57636C"/>
+                  </a:solidFill>
+                  <a:latin typeface="Arial" panose="020B0604020202020204" pitchFamily="34" charset="0"/>
+                  <a:cs typeface="Arial" panose="020B0604020202020204" pitchFamily="34" charset="0"/>
+                </a:rPr>
+                <a:t> </a:t>
+              </a:r>
+              <a:r>
+                <a:rPr lang="en-US" altLang="en-US">
+                  <a:solidFill>
+                    <a:srgbClr val="57636C"/>
+                  </a:solidFill>
+                  <a:latin typeface="Arial" panose="020B0604020202020204" pitchFamily="34" charset="0"/>
+                  <a:cs typeface="Arial" panose="020B0604020202020204" pitchFamily="34" charset="0"/>
+                </a:rPr>
+                <a:t>приложение</a:t>
+              </a:r>
+              <a:r>
+                <a:rPr lang="en-US" altLang="ru-RU">
+                  <a:solidFill>
+                    <a:srgbClr val="57636C"/>
+                  </a:solidFill>
+                  <a:latin typeface="Arial" panose="020B0604020202020204" pitchFamily="34" charset="0"/>
+                  <a:cs typeface="Arial" panose="020B0604020202020204" pitchFamily="34" charset="0"/>
+                </a:rPr>
+                <a:t>,</a:t>
+              </a:r>
+              <a:endParaRPr lang="en-US" altLang="ru-RU">
+                <a:solidFill>
+                  <a:srgbClr val="57636C"/>
+                </a:solidFill>
+                <a:latin typeface="Arial" panose="020B0604020202020204" pitchFamily="34" charset="0"/>
+                <a:cs typeface="Arial" panose="020B0604020202020204" pitchFamily="34" charset="0"/>
+              </a:endParaRPr>
+            </a:p>
+            <a:p>
+              <a:pPr algn="l">
+                <a:buBlip>
+                  <a:blip r:embed="rId4"/>
+                </a:buBlip>
+              </a:pPr>
+              <a:r>
+                <a:rPr lang="ru-RU" altLang="en-US">
+                  <a:solidFill>
+                    <a:srgbClr val="57636C"/>
+                  </a:solidFill>
+                  <a:latin typeface="Arial" panose="020B0604020202020204" pitchFamily="34" charset="0"/>
+                  <a:cs typeface="Arial" panose="020B0604020202020204" pitchFamily="34" charset="0"/>
+                </a:rPr>
+                <a:t> </a:t>
+              </a:r>
+              <a:r>
+                <a:rPr lang="en-US" altLang="en-US">
+                  <a:solidFill>
+                    <a:srgbClr val="57636C"/>
+                  </a:solidFill>
+                  <a:latin typeface="Arial" panose="020B0604020202020204" pitchFamily="34" charset="0"/>
+                  <a:cs typeface="Arial" panose="020B0604020202020204" pitchFamily="34" charset="0"/>
+                </a:rPr>
+                <a:t>телеграм</a:t>
+              </a:r>
+              <a:r>
+                <a:rPr lang="en-US" altLang="ru-RU">
+                  <a:solidFill>
+                    <a:srgbClr val="57636C"/>
+                  </a:solidFill>
+                  <a:latin typeface="Arial" panose="020B0604020202020204" pitchFamily="34" charset="0"/>
+                  <a:cs typeface="Arial" panose="020B0604020202020204" pitchFamily="34" charset="0"/>
+                </a:rPr>
+                <a:t>-</a:t>
+              </a:r>
+              <a:r>
+                <a:rPr lang="en-US" altLang="en-US">
+                  <a:solidFill>
+                    <a:srgbClr val="57636C"/>
+                  </a:solidFill>
+                  <a:latin typeface="Arial" panose="020B0604020202020204" pitchFamily="34" charset="0"/>
+                  <a:cs typeface="Arial" panose="020B0604020202020204" pitchFamily="34" charset="0"/>
+                </a:rPr>
+                <a:t>бот</a:t>
+              </a:r>
+              <a:r>
+                <a:rPr lang="en-US" altLang="ru-RU">
+                  <a:solidFill>
+                    <a:srgbClr val="57636C"/>
+                  </a:solidFill>
+                  <a:latin typeface="Arial" panose="020B0604020202020204" pitchFamily="34" charset="0"/>
+                  <a:cs typeface="Arial" panose="020B0604020202020204" pitchFamily="34" charset="0"/>
+                </a:rPr>
+                <a:t>.</a:t>
+              </a:r>
+              <a:endParaRPr lang="en-US" altLang="ru-RU">
+                <a:solidFill>
+                  <a:srgbClr val="57636C"/>
+                </a:solidFill>
+                <a:latin typeface="Arial" panose="020B0604020202020204" pitchFamily="34" charset="0"/>
+                <a:cs typeface="Arial" panose="020B0604020202020204" pitchFamily="34" charset="0"/>
+              </a:endParaRPr>
+            </a:p>
+          </p:txBody>
+        </p:sp>
+        <p:pic>
+          <p:nvPicPr>
+            <p:cNvPr id="10" name="Изображение 9" descr="icons8-programming-96"/>
+            <p:cNvPicPr>
+              <a:picLocks noChangeAspect="1"/>
+            </p:cNvPicPr>
+            <p:nvPr/>
+          </p:nvPicPr>
+          <p:blipFill>
+            <a:blip r:embed="rId6"/>
+            <a:stretch>
+              <a:fillRect/>
+            </a:stretch>
+          </p:blipFill>
+          <p:spPr>
+            <a:xfrm>
+              <a:off x="739" y="6054"/>
+              <a:ext cx="1939" cy="1939"/>
+            </a:xfrm>
+            <a:prstGeom prst="rect">
+              <a:avLst/>
+            </a:prstGeom>
+          </p:spPr>
+        </p:pic>
+      </p:grpSp>
+      <p:grpSp>
+        <p:nvGrpSpPr>
+          <p:cNvPr id="20" name="Группа 19"/>
+          <p:cNvGrpSpPr/>
+          <p:nvPr/>
+        </p:nvGrpSpPr>
+        <p:grpSpPr>
+          <a:xfrm>
+            <a:off x="6049645" y="4949825"/>
+            <a:ext cx="5829695" cy="953770"/>
+            <a:chOff x="9527" y="7706"/>
+            <a:chExt cx="8740" cy="1502"/>
+          </a:xfrm>
+        </p:grpSpPr>
+        <p:sp>
+          <p:nvSpPr>
+            <p:cNvPr id="12" name="Текстовое поле 11"/>
+            <p:cNvSpPr txBox="1"/>
+            <p:nvPr/>
+          </p:nvSpPr>
+          <p:spPr>
+            <a:xfrm>
+              <a:off x="9527" y="7707"/>
+              <a:ext cx="5810" cy="1501"/>
+            </a:xfrm>
+            <a:prstGeom prst="rect">
+              <a:avLst/>
+            </a:prstGeom>
+            <a:noFill/>
+          </p:spPr>
+          <p:txBody>
+            <a:bodyPr wrap="square" rtlCol="0">
+              <a:spAutoFit/>
+            </a:bodyPr>
+            <a:p>
+              <a:pPr indent="0" algn="l">
+                <a:buNone/>
+              </a:pPr>
+              <a:r>
+                <a:rPr lang="en-US" altLang="en-US" sz="2000">
+                  <a:latin typeface="Arial" panose="020B0604020202020204" pitchFamily="34" charset="0"/>
+                  <a:cs typeface="Arial" panose="020B0604020202020204" pitchFamily="34" charset="0"/>
+                </a:rPr>
+                <a:t>Тестирование</a:t>
+              </a:r>
+              <a:r>
+                <a:rPr lang="en-US" altLang="ru-RU" sz="2000">
+                  <a:latin typeface="Arial" panose="020B0604020202020204" pitchFamily="34" charset="0"/>
+                  <a:cs typeface="Arial" panose="020B0604020202020204" pitchFamily="34" charset="0"/>
+                </a:rPr>
+                <a:t> </a:t>
+              </a:r>
+              <a:r>
+                <a:rPr lang="en-US" altLang="en-US" sz="2000">
+                  <a:latin typeface="Arial" panose="020B0604020202020204" pitchFamily="34" charset="0"/>
+                  <a:cs typeface="Arial" panose="020B0604020202020204" pitchFamily="34" charset="0"/>
+                </a:rPr>
+                <a:t>и</a:t>
+              </a:r>
+              <a:r>
+                <a:rPr lang="en-US" altLang="ru-RU" sz="2000">
+                  <a:latin typeface="Arial" panose="020B0604020202020204" pitchFamily="34" charset="0"/>
+                  <a:cs typeface="Arial" panose="020B0604020202020204" pitchFamily="34" charset="0"/>
+                </a:rPr>
+                <a:t> </a:t>
+              </a:r>
+              <a:r>
+                <a:rPr lang="en-US" altLang="en-US" sz="2000">
+                  <a:latin typeface="Arial" panose="020B0604020202020204" pitchFamily="34" charset="0"/>
+                  <a:cs typeface="Arial" panose="020B0604020202020204" pitchFamily="34" charset="0"/>
+                </a:rPr>
+                <a:t>документация</a:t>
+              </a:r>
+              <a:r>
+                <a:rPr lang="en-US" altLang="ru-RU" sz="2000">
+                  <a:latin typeface="Arial" panose="020B0604020202020204" pitchFamily="34" charset="0"/>
+                  <a:cs typeface="Arial" panose="020B0604020202020204" pitchFamily="34" charset="0"/>
+                </a:rPr>
+                <a:t>:</a:t>
+              </a:r>
+              <a:endParaRPr lang="en-US" altLang="ru-RU" sz="2000">
+                <a:latin typeface="Arial" panose="020B0604020202020204" pitchFamily="34" charset="0"/>
+                <a:cs typeface="Arial" panose="020B0604020202020204" pitchFamily="34" charset="0"/>
+              </a:endParaRPr>
+            </a:p>
+            <a:p>
+              <a:pPr algn="l">
+                <a:buBlip>
+                  <a:blip r:embed="rId4"/>
+                </a:buBlip>
+              </a:pPr>
+              <a:r>
+                <a:rPr lang="ru-RU" altLang="en-US">
+                  <a:solidFill>
+                    <a:srgbClr val="57636C"/>
+                  </a:solidFill>
+                  <a:latin typeface="Arial" panose="020B0604020202020204" pitchFamily="34" charset="0"/>
+                  <a:cs typeface="Arial" panose="020B0604020202020204" pitchFamily="34" charset="0"/>
+                </a:rPr>
+                <a:t> </a:t>
+              </a:r>
+              <a:r>
+                <a:rPr lang="en-US" altLang="en-US">
+                  <a:solidFill>
+                    <a:srgbClr val="57636C"/>
+                  </a:solidFill>
+                  <a:latin typeface="Arial" panose="020B0604020202020204" pitchFamily="34" charset="0"/>
+                  <a:cs typeface="Arial" panose="020B0604020202020204" pitchFamily="34" charset="0"/>
+                </a:rPr>
+                <a:t>выполнить</a:t>
+              </a:r>
+              <a:r>
+                <a:rPr lang="en-US" altLang="ru-RU">
+                  <a:solidFill>
+                    <a:srgbClr val="57636C"/>
+                  </a:solidFill>
+                  <a:latin typeface="Arial" panose="020B0604020202020204" pitchFamily="34" charset="0"/>
+                  <a:cs typeface="Arial" panose="020B0604020202020204" pitchFamily="34" charset="0"/>
+                </a:rPr>
+                <a:t> </a:t>
+              </a:r>
+              <a:r>
+                <a:rPr lang="en-US" altLang="en-US">
+                  <a:solidFill>
+                    <a:srgbClr val="57636C"/>
+                  </a:solidFill>
+                  <a:latin typeface="Arial" panose="020B0604020202020204" pitchFamily="34" charset="0"/>
+                  <a:cs typeface="Arial" panose="020B0604020202020204" pitchFamily="34" charset="0"/>
+                </a:rPr>
+                <a:t>тестирование</a:t>
+              </a:r>
+              <a:r>
+                <a:rPr lang="en-US" altLang="ru-RU">
+                  <a:solidFill>
+                    <a:srgbClr val="57636C"/>
+                  </a:solidFill>
+                  <a:latin typeface="Arial" panose="020B0604020202020204" pitchFamily="34" charset="0"/>
+                  <a:cs typeface="Arial" panose="020B0604020202020204" pitchFamily="34" charset="0"/>
+                </a:rPr>
+                <a:t> </a:t>
+              </a:r>
+              <a:r>
+                <a:rPr lang="en-US" altLang="en-US">
+                  <a:solidFill>
+                    <a:srgbClr val="57636C"/>
+                  </a:solidFill>
+                  <a:latin typeface="Arial" panose="020B0604020202020204" pitchFamily="34" charset="0"/>
+                  <a:cs typeface="Arial" panose="020B0604020202020204" pitchFamily="34" charset="0"/>
+                </a:rPr>
+                <a:t>ПО</a:t>
+              </a:r>
+              <a:r>
+                <a:rPr lang="en-US" altLang="ru-RU">
+                  <a:solidFill>
+                    <a:srgbClr val="57636C"/>
+                  </a:solidFill>
+                  <a:latin typeface="Arial" panose="020B0604020202020204" pitchFamily="34" charset="0"/>
+                  <a:cs typeface="Arial" panose="020B0604020202020204" pitchFamily="34" charset="0"/>
+                </a:rPr>
+                <a:t>,</a:t>
+              </a:r>
+              <a:endParaRPr lang="en-US" altLang="ru-RU">
+                <a:solidFill>
+                  <a:srgbClr val="57636C"/>
+                </a:solidFill>
+                <a:latin typeface="Arial" panose="020B0604020202020204" pitchFamily="34" charset="0"/>
+                <a:cs typeface="Arial" panose="020B0604020202020204" pitchFamily="34" charset="0"/>
+              </a:endParaRPr>
+            </a:p>
+            <a:p>
+              <a:pPr algn="l">
+                <a:buBlip>
+                  <a:blip r:embed="rId4"/>
+                </a:buBlip>
+              </a:pPr>
+              <a:r>
+                <a:rPr lang="ru-RU" altLang="en-US">
+                  <a:solidFill>
+                    <a:srgbClr val="57636C"/>
+                  </a:solidFill>
+                  <a:latin typeface="Arial" panose="020B0604020202020204" pitchFamily="34" charset="0"/>
+                  <a:cs typeface="Arial" panose="020B0604020202020204" pitchFamily="34" charset="0"/>
+                </a:rPr>
+                <a:t> </a:t>
+              </a:r>
+              <a:r>
+                <a:rPr lang="en-US" altLang="en-US">
+                  <a:solidFill>
+                    <a:srgbClr val="57636C"/>
+                  </a:solidFill>
+                  <a:latin typeface="Arial" panose="020B0604020202020204" pitchFamily="34" charset="0"/>
+                  <a:cs typeface="Arial" panose="020B0604020202020204" pitchFamily="34" charset="0"/>
+                </a:rPr>
+                <a:t>разработать</a:t>
+              </a:r>
+              <a:r>
+                <a:rPr lang="en-US" altLang="ru-RU">
+                  <a:solidFill>
+                    <a:srgbClr val="57636C"/>
+                  </a:solidFill>
+                  <a:latin typeface="Arial" panose="020B0604020202020204" pitchFamily="34" charset="0"/>
+                  <a:cs typeface="Arial" panose="020B0604020202020204" pitchFamily="34" charset="0"/>
+                </a:rPr>
+                <a:t> </a:t>
+              </a:r>
+              <a:r>
+                <a:rPr lang="en-US" altLang="en-US">
+                  <a:solidFill>
+                    <a:srgbClr val="57636C"/>
+                  </a:solidFill>
+                  <a:latin typeface="Arial" panose="020B0604020202020204" pitchFamily="34" charset="0"/>
+                  <a:cs typeface="Arial" panose="020B0604020202020204" pitchFamily="34" charset="0"/>
+                </a:rPr>
+                <a:t>документацию</a:t>
+              </a:r>
+              <a:r>
+                <a:rPr lang="en-US" altLang="ru-RU">
+                  <a:latin typeface="Arial" panose="020B0604020202020204" pitchFamily="34" charset="0"/>
+                  <a:cs typeface="Arial" panose="020B0604020202020204" pitchFamily="34" charset="0"/>
+                </a:rPr>
+                <a:t>.</a:t>
+              </a:r>
+              <a:endParaRPr lang="en-US" altLang="ru-RU">
+                <a:latin typeface="Arial" panose="020B0604020202020204" pitchFamily="34" charset="0"/>
+                <a:cs typeface="Arial" panose="020B0604020202020204" pitchFamily="34" charset="0"/>
+              </a:endParaRPr>
+            </a:p>
+          </p:txBody>
+        </p:sp>
+        <p:pic>
+          <p:nvPicPr>
+            <p:cNvPr id="15" name="Изображение 14" descr="icons8-documents-96"/>
+            <p:cNvPicPr>
+              <a:picLocks noChangeAspect="1"/>
+            </p:cNvPicPr>
+            <p:nvPr/>
+          </p:nvPicPr>
+          <p:blipFill>
+            <a:blip r:embed="rId7"/>
+            <a:stretch>
+              <a:fillRect/>
+            </a:stretch>
+          </p:blipFill>
+          <p:spPr>
+            <a:xfrm>
+              <a:off x="16765" y="7706"/>
+              <a:ext cx="1502" cy="1502"/>
+            </a:xfrm>
+            <a:prstGeom prst="rect">
+              <a:avLst/>
+            </a:prstGeom>
+          </p:spPr>
+        </p:pic>
+      </p:grpSp>
+      <p:grpSp>
+        <p:nvGrpSpPr>
+          <p:cNvPr id="17" name="Группа 16"/>
+          <p:cNvGrpSpPr/>
+          <p:nvPr/>
+        </p:nvGrpSpPr>
+        <p:grpSpPr>
+          <a:xfrm>
+            <a:off x="469265" y="1226185"/>
+            <a:ext cx="7278370" cy="953770"/>
+            <a:chOff x="1006" y="1931"/>
+            <a:chExt cx="11462" cy="1502"/>
+          </a:xfrm>
+        </p:grpSpPr>
+        <p:sp>
+          <p:nvSpPr>
+            <p:cNvPr id="4" name="Текстовое поле 3"/>
+            <p:cNvSpPr txBox="1"/>
+            <p:nvPr/>
+          </p:nvSpPr>
+          <p:spPr>
+            <a:xfrm>
+              <a:off x="3161" y="1932"/>
+              <a:ext cx="9307" cy="1501"/>
+            </a:xfrm>
+            <a:prstGeom prst="rect">
+              <a:avLst/>
+            </a:prstGeom>
+            <a:noFill/>
+          </p:spPr>
+          <p:txBody>
+            <a:bodyPr wrap="square" rtlCol="0">
+              <a:spAutoFit/>
+            </a:bodyPr>
+            <a:p>
+              <a:pPr algn="l"/>
+              <a:r>
+                <a:rPr lang="en-US" altLang="en-US" sz="2000">
+                  <a:latin typeface="Arial" panose="020B0604020202020204" pitchFamily="34" charset="0"/>
+                  <a:cs typeface="Arial" panose="020B0604020202020204" pitchFamily="34" charset="0"/>
+                </a:rPr>
+                <a:t>Анализ</a:t>
+              </a:r>
+              <a:r>
+                <a:rPr lang="en-US" altLang="ru-RU" sz="2000">
+                  <a:latin typeface="Arial" panose="020B0604020202020204" pitchFamily="34" charset="0"/>
+                  <a:cs typeface="Arial" panose="020B0604020202020204" pitchFamily="34" charset="0"/>
+                </a:rPr>
+                <a:t> </a:t>
+              </a:r>
+              <a:r>
+                <a:rPr lang="en-US" altLang="en-US" sz="2000">
+                  <a:latin typeface="Arial" panose="020B0604020202020204" pitchFamily="34" charset="0"/>
+                  <a:cs typeface="Arial" panose="020B0604020202020204" pitchFamily="34" charset="0"/>
+                </a:rPr>
+                <a:t>требований</a:t>
+              </a:r>
+              <a:r>
+                <a:rPr lang="en-US" altLang="ru-RU" sz="2000">
+                  <a:latin typeface="Arial" panose="020B0604020202020204" pitchFamily="34" charset="0"/>
+                  <a:cs typeface="Arial" panose="020B0604020202020204" pitchFamily="34" charset="0"/>
+                </a:rPr>
+                <a:t> </a:t>
+              </a:r>
+              <a:r>
+                <a:rPr lang="en-US" altLang="en-US" sz="2000">
+                  <a:latin typeface="Arial" panose="020B0604020202020204" pitchFamily="34" charset="0"/>
+                  <a:cs typeface="Arial" panose="020B0604020202020204" pitchFamily="34" charset="0"/>
+                </a:rPr>
+                <a:t>и</a:t>
+              </a:r>
+              <a:r>
+                <a:rPr lang="en-US" altLang="ru-RU" sz="2000">
+                  <a:latin typeface="Arial" panose="020B0604020202020204" pitchFamily="34" charset="0"/>
+                  <a:cs typeface="Arial" panose="020B0604020202020204" pitchFamily="34" charset="0"/>
+                </a:rPr>
+                <a:t> </a:t>
+              </a:r>
+              <a:r>
+                <a:rPr lang="en-US" altLang="en-US" sz="2000">
+                  <a:latin typeface="Arial" panose="020B0604020202020204" pitchFamily="34" charset="0"/>
+                  <a:cs typeface="Arial" panose="020B0604020202020204" pitchFamily="34" charset="0"/>
+                </a:rPr>
+                <a:t>изучение</a:t>
+              </a:r>
+              <a:r>
+                <a:rPr lang="en-US" altLang="ru-RU" sz="2000">
+                  <a:latin typeface="Arial" panose="020B0604020202020204" pitchFamily="34" charset="0"/>
+                  <a:cs typeface="Arial" panose="020B0604020202020204" pitchFamily="34" charset="0"/>
+                </a:rPr>
+                <a:t> </a:t>
+              </a:r>
+              <a:r>
+                <a:rPr lang="en-US" altLang="en-US" sz="2000">
+                  <a:latin typeface="Arial" panose="020B0604020202020204" pitchFamily="34" charset="0"/>
+                  <a:cs typeface="Arial" panose="020B0604020202020204" pitchFamily="34" charset="0"/>
+                </a:rPr>
+                <a:t>информации</a:t>
+              </a:r>
+              <a:r>
+                <a:rPr lang="en-US" altLang="ru-RU" sz="2000">
+                  <a:latin typeface="Arial" panose="020B0604020202020204" pitchFamily="34" charset="0"/>
+                  <a:cs typeface="Arial" panose="020B0604020202020204" pitchFamily="34" charset="0"/>
+                </a:rPr>
+                <a:t>:</a:t>
+              </a:r>
+              <a:endParaRPr lang="en-US" altLang="ru-RU" sz="2000">
+                <a:latin typeface="Arial" panose="020B0604020202020204" pitchFamily="34" charset="0"/>
+                <a:cs typeface="Arial" panose="020B0604020202020204" pitchFamily="34" charset="0"/>
+              </a:endParaRPr>
+            </a:p>
+            <a:p>
+              <a:pPr algn="l">
+                <a:buBlip>
+                  <a:blip r:embed="rId4"/>
+                </a:buBlip>
+              </a:pPr>
+              <a:r>
+                <a:rPr lang="ru-RU" altLang="en-US">
+                  <a:solidFill>
+                    <a:srgbClr val="57636C"/>
+                  </a:solidFill>
+                  <a:latin typeface="Arial" panose="020B0604020202020204" pitchFamily="34" charset="0"/>
+                  <a:cs typeface="Arial" panose="020B0604020202020204" pitchFamily="34" charset="0"/>
+                </a:rPr>
+                <a:t> </a:t>
+              </a:r>
+              <a:r>
+                <a:rPr lang="en-US" altLang="en-US">
+                  <a:solidFill>
+                    <a:srgbClr val="57636C"/>
+                  </a:solidFill>
+                  <a:latin typeface="Arial" panose="020B0604020202020204" pitchFamily="34" charset="0"/>
+                  <a:cs typeface="Arial" panose="020B0604020202020204" pitchFamily="34" charset="0"/>
+                </a:rPr>
+                <a:t>требования</a:t>
+              </a:r>
+              <a:r>
+                <a:rPr lang="en-US" altLang="ru-RU">
+                  <a:solidFill>
+                    <a:srgbClr val="57636C"/>
+                  </a:solidFill>
+                  <a:latin typeface="Arial" panose="020B0604020202020204" pitchFamily="34" charset="0"/>
+                  <a:cs typeface="Arial" panose="020B0604020202020204" pitchFamily="34" charset="0"/>
+                </a:rPr>
+                <a:t> </a:t>
+              </a:r>
+              <a:r>
+                <a:rPr lang="en-US" altLang="en-US">
+                  <a:solidFill>
+                    <a:srgbClr val="57636C"/>
+                  </a:solidFill>
+                  <a:latin typeface="Arial" panose="020B0604020202020204" pitchFamily="34" charset="0"/>
+                  <a:cs typeface="Arial" panose="020B0604020202020204" pitchFamily="34" charset="0"/>
+                </a:rPr>
+                <a:t>целевой</a:t>
+              </a:r>
+              <a:r>
+                <a:rPr lang="en-US" altLang="ru-RU">
+                  <a:solidFill>
+                    <a:srgbClr val="57636C"/>
+                  </a:solidFill>
+                  <a:latin typeface="Arial" panose="020B0604020202020204" pitchFamily="34" charset="0"/>
+                  <a:cs typeface="Arial" panose="020B0604020202020204" pitchFamily="34" charset="0"/>
+                </a:rPr>
+                <a:t> </a:t>
+              </a:r>
+              <a:r>
+                <a:rPr lang="en-US" altLang="en-US">
+                  <a:solidFill>
+                    <a:srgbClr val="57636C"/>
+                  </a:solidFill>
+                  <a:latin typeface="Arial" panose="020B0604020202020204" pitchFamily="34" charset="0"/>
+                  <a:cs typeface="Arial" panose="020B0604020202020204" pitchFamily="34" charset="0"/>
+                </a:rPr>
+                <a:t>аудитории</a:t>
+              </a:r>
+              <a:r>
+                <a:rPr lang="en-US" altLang="ru-RU">
+                  <a:solidFill>
+                    <a:srgbClr val="57636C"/>
+                  </a:solidFill>
+                  <a:latin typeface="Arial" panose="020B0604020202020204" pitchFamily="34" charset="0"/>
+                  <a:cs typeface="Arial" panose="020B0604020202020204" pitchFamily="34" charset="0"/>
+                </a:rPr>
+                <a:t>,</a:t>
+              </a:r>
+              <a:endParaRPr lang="en-US" altLang="ru-RU">
+                <a:solidFill>
+                  <a:srgbClr val="57636C"/>
+                </a:solidFill>
+                <a:latin typeface="Arial" panose="020B0604020202020204" pitchFamily="34" charset="0"/>
+                <a:cs typeface="Arial" panose="020B0604020202020204" pitchFamily="34" charset="0"/>
+              </a:endParaRPr>
+            </a:p>
+            <a:p>
+              <a:pPr algn="l">
+                <a:buBlip>
+                  <a:blip r:embed="rId4"/>
+                </a:buBlip>
+              </a:pPr>
+              <a:r>
+                <a:rPr lang="ru-RU" altLang="en-US">
+                  <a:solidFill>
+                    <a:srgbClr val="57636C"/>
+                  </a:solidFill>
+                  <a:latin typeface="Arial" panose="020B0604020202020204" pitchFamily="34" charset="0"/>
+                  <a:cs typeface="Arial" panose="020B0604020202020204" pitchFamily="34" charset="0"/>
+                </a:rPr>
+                <a:t> </a:t>
+              </a:r>
+              <a:r>
+                <a:rPr lang="en-US" altLang="en-US">
+                  <a:solidFill>
+                    <a:srgbClr val="57636C"/>
+                  </a:solidFill>
+                  <a:latin typeface="Arial" panose="020B0604020202020204" pitchFamily="34" charset="0"/>
+                  <a:cs typeface="Arial" panose="020B0604020202020204" pitchFamily="34" charset="0"/>
+                </a:rPr>
+                <a:t>изучить</a:t>
+              </a:r>
+              <a:r>
+                <a:rPr lang="en-US" altLang="ru-RU">
+                  <a:solidFill>
+                    <a:srgbClr val="57636C"/>
+                  </a:solidFill>
+                  <a:latin typeface="Arial" panose="020B0604020202020204" pitchFamily="34" charset="0"/>
+                  <a:cs typeface="Arial" panose="020B0604020202020204" pitchFamily="34" charset="0"/>
+                </a:rPr>
+                <a:t> </a:t>
+              </a:r>
+              <a:r>
+                <a:rPr lang="en-US" altLang="en-US">
+                  <a:solidFill>
+                    <a:srgbClr val="57636C"/>
+                  </a:solidFill>
+                  <a:latin typeface="Arial" panose="020B0604020202020204" pitchFamily="34" charset="0"/>
+                  <a:cs typeface="Arial" panose="020B0604020202020204" pitchFamily="34" charset="0"/>
+                </a:rPr>
+                <a:t>информационные</a:t>
+              </a:r>
+              <a:r>
+                <a:rPr lang="en-US" altLang="ru-RU">
+                  <a:solidFill>
+                    <a:srgbClr val="57636C"/>
+                  </a:solidFill>
+                  <a:latin typeface="Arial" panose="020B0604020202020204" pitchFamily="34" charset="0"/>
+                  <a:cs typeface="Arial" panose="020B0604020202020204" pitchFamily="34" charset="0"/>
+                </a:rPr>
+                <a:t> </a:t>
+              </a:r>
+              <a:r>
+                <a:rPr lang="en-US" altLang="en-US">
+                  <a:solidFill>
+                    <a:srgbClr val="57636C"/>
+                  </a:solidFill>
+                  <a:latin typeface="Arial" panose="020B0604020202020204" pitchFamily="34" charset="0"/>
+                  <a:cs typeface="Arial" panose="020B0604020202020204" pitchFamily="34" charset="0"/>
+                </a:rPr>
+                <a:t>источники</a:t>
+              </a:r>
+              <a:r>
+                <a:rPr lang="ru-RU" altLang="en-US">
+                  <a:solidFill>
+                    <a:srgbClr val="57636C"/>
+                  </a:solidFill>
+                  <a:latin typeface="Arial" panose="020B0604020202020204" pitchFamily="34" charset="0"/>
+                  <a:cs typeface="Arial" panose="020B0604020202020204" pitchFamily="34" charset="0"/>
+                </a:rPr>
+                <a:t>.</a:t>
+              </a:r>
+              <a:endParaRPr lang="ru-RU" altLang="en-US">
+                <a:solidFill>
+                  <a:srgbClr val="57636C"/>
+                </a:solidFill>
+                <a:latin typeface="Arial" panose="020B0604020202020204" pitchFamily="34" charset="0"/>
+                <a:cs typeface="Arial" panose="020B0604020202020204" pitchFamily="34" charset="0"/>
+              </a:endParaRPr>
+            </a:p>
+          </p:txBody>
+        </p:sp>
+        <p:pic>
+          <p:nvPicPr>
+            <p:cNvPr id="16" name="Изображение 15" descr="icons8-learning-96"/>
+            <p:cNvPicPr>
+              <a:picLocks noChangeAspect="1"/>
+            </p:cNvPicPr>
+            <p:nvPr/>
+          </p:nvPicPr>
+          <p:blipFill>
+            <a:blip r:embed="rId8"/>
+            <a:stretch>
+              <a:fillRect/>
+            </a:stretch>
+          </p:blipFill>
+          <p:spPr>
+            <a:xfrm>
+              <a:off x="1006" y="1931"/>
+              <a:ext cx="1502" cy="1502"/>
+            </a:xfrm>
+            <a:prstGeom prst="rect">
+              <a:avLst/>
+            </a:prstGeom>
+          </p:spPr>
+        </p:pic>
+      </p:grpSp>
+      <p:pic>
+        <p:nvPicPr>
+          <p:cNvPr id="25" name="Изображение 24" descr="icons8-down-right-100 (1)"/>
+          <p:cNvPicPr>
+            <a:picLocks noChangeAspect="1"/>
+          </p:cNvPicPr>
+          <p:nvPr/>
+        </p:nvPicPr>
+        <p:blipFill>
+          <a:blip r:embed="rId9"/>
+          <a:stretch>
+            <a:fillRect/>
+          </a:stretch>
+        </p:blipFill>
+        <p:spPr>
+          <a:xfrm>
+            <a:off x="4511675" y="7041515"/>
+            <a:ext cx="1270000" cy="1270000"/>
+          </a:xfrm>
+          <a:prstGeom prst="rect">
+            <a:avLst/>
+          </a:prstGeom>
+        </p:spPr>
+      </p:pic>
+      <p:pic>
+        <p:nvPicPr>
+          <p:cNvPr id="26" name="Изображение 25" descr="icons8-up-right-100"/>
+          <p:cNvPicPr>
+            <a:picLocks noChangeAspect="1"/>
+          </p:cNvPicPr>
+          <p:nvPr/>
+        </p:nvPicPr>
+        <p:blipFill>
+          <a:blip r:embed="rId10"/>
+          <a:stretch>
+            <a:fillRect/>
+          </a:stretch>
+        </p:blipFill>
+        <p:spPr>
+          <a:xfrm rot="5400000">
+            <a:off x="7352665" y="1068070"/>
+            <a:ext cx="1270000" cy="1270000"/>
+          </a:xfrm>
+          <a:prstGeom prst="rect">
+            <a:avLst/>
+          </a:prstGeom>
+        </p:spPr>
+      </p:pic>
+      <p:pic>
+        <p:nvPicPr>
+          <p:cNvPr id="27" name="Изображение 26" descr="icons8-up-left-100"/>
+          <p:cNvPicPr>
+            <a:picLocks noChangeAspect="1"/>
+          </p:cNvPicPr>
+          <p:nvPr/>
+        </p:nvPicPr>
+        <p:blipFill>
+          <a:blip r:embed="rId11"/>
+          <a:stretch>
+            <a:fillRect/>
+          </a:stretch>
+        </p:blipFill>
+        <p:spPr>
+          <a:xfrm rot="16200000">
+            <a:off x="1343025" y="6950710"/>
+            <a:ext cx="1270000" cy="1270000"/>
+          </a:xfrm>
+          <a:prstGeom prst="rect">
+            <a:avLst/>
+          </a:prstGeom>
+        </p:spPr>
+      </p:pic>
+      <p:pic>
+        <p:nvPicPr>
+          <p:cNvPr id="28" name="Изображение 27" descr="icons8-down-left-arrow-100"/>
+          <p:cNvPicPr>
+            <a:picLocks noChangeAspect="1"/>
+          </p:cNvPicPr>
+          <p:nvPr/>
+        </p:nvPicPr>
+        <p:blipFill>
+          <a:blip r:embed="rId12"/>
+          <a:stretch>
+            <a:fillRect/>
+          </a:stretch>
+        </p:blipFill>
+        <p:spPr>
+          <a:xfrm>
+            <a:off x="4980940" y="2494280"/>
+            <a:ext cx="1270000" cy="1270000"/>
+          </a:xfrm>
+          <a:prstGeom prst="rect">
+            <a:avLst/>
+          </a:prstGeom>
+        </p:spPr>
+      </p:pic>
+      <p:pic>
+        <p:nvPicPr>
+          <p:cNvPr id="29" name="Изображение 28" descr="icons8-up-right-100"/>
+          <p:cNvPicPr>
+            <a:picLocks noChangeAspect="1"/>
+          </p:cNvPicPr>
+          <p:nvPr/>
+        </p:nvPicPr>
+        <p:blipFill>
+          <a:blip r:embed="rId10"/>
+          <a:stretch>
+            <a:fillRect/>
+          </a:stretch>
+        </p:blipFill>
+        <p:spPr>
+          <a:xfrm rot="5400000">
+            <a:off x="5610225" y="3764280"/>
+            <a:ext cx="1270000" cy="1270000"/>
+          </a:xfrm>
+          <a:prstGeom prst="rect">
+            <a:avLst/>
+          </a:prstGeom>
+        </p:spPr>
+      </p:pic>
+    </p:spTree>
+  </p:cSld>
+  <p:clrMapOvr>
+    <a:masterClrMapping/>
+  </p:clrMapOvr>
+</p:sld>
+</file>
+
+<file path=ppt/slides/slide8.xml><?xml version="1.0" encoding="utf-8"?>
+<p:sld xmlns:a="http://schemas.openxmlformats.org/drawingml/2006/main" xmlns:r="http://schemas.openxmlformats.org/officeDocument/2006/relationships" xmlns:p="http://schemas.openxmlformats.org/presentationml/2006/main">
+  <p:cSld>
+    <p:spTree>
+      <p:nvGrpSpPr>
+        <p:cNvPr id="1" name=""/>
+        <p:cNvGrpSpPr/>
+        <p:nvPr/>
+      </p:nvGrpSpPr>
+      <p:grpSpPr/>
+      <p:sp>
+        <p:nvSpPr>
+          <p:cNvPr id="2" name="Заголовок 1"/>
+          <p:cNvSpPr>
+            <a:spLocks noGrp="1"/>
+          </p:cNvSpPr>
+          <p:nvPr>
+            <p:ph type="title"/>
+          </p:nvPr>
+        </p:nvSpPr>
+        <p:spPr>
+          <a:xfrm>
             <a:off x="3288665" y="194945"/>
             <a:ext cx="5613400" cy="780415"/>
           </a:xfrm>
@@ -7735,7 +11708,7 @@
         </p:blipFill>
         <p:spPr>
           <a:xfrm>
-            <a:off x="5532120" y="3325495"/>
+            <a:off x="5391785" y="3429000"/>
             <a:ext cx="1404000" cy="1404000"/>
           </a:xfrm>
           <a:prstGeom prst="rect">
@@ -8018,7 +11991,7 @@
 </p:sld>
 </file>
 
-<file path=ppt/slides/slide7.xml><?xml version="1.0" encoding="utf-8"?>
+<file path=ppt/slides/slide9.xml><?xml version="1.0" encoding="utf-8"?>
 <p:sld xmlns:a="http://schemas.openxmlformats.org/drawingml/2006/main" xmlns:r="http://schemas.openxmlformats.org/officeDocument/2006/relationships" xmlns:p="http://schemas.openxmlformats.org/presentationml/2006/main">
   <p:cSld>
     <p:spTree>
@@ -8040,7 +12013,7 @@
         </p:nvSpPr>
         <p:spPr>
           <a:xfrm>
-            <a:off x="2767330" y="236220"/>
+            <a:off x="2691130" y="236220"/>
             <a:ext cx="6809740" cy="780415"/>
           </a:xfrm>
         </p:spPr>
@@ -8079,7 +12052,7 @@
         </p:nvGrpSpPr>
         <p:grpSpPr>
           <a:xfrm>
-            <a:off x="6657975" y="1528445"/>
+            <a:off x="6776720" y="1336675"/>
             <a:ext cx="4539615" cy="2386330"/>
             <a:chOff x="1940" y="11143"/>
             <a:chExt cx="6820" cy="3758"/>
@@ -8156,7 +12129,7 @@
               </a:endParaRPr>
             </a:p>
             <a:p>
-              <a:pPr marL="0" indent="0" algn="l" fontAlgn="auto">
+              <a:pPr marL="0" indent="0" algn="ctr" fontAlgn="auto">
                 <a:spcBef>
                   <a:spcPts val="100"/>
                 </a:spcBef>
@@ -8560,7 +12533,7 @@
         </p:nvGrpSpPr>
         <p:grpSpPr>
           <a:xfrm>
-            <a:off x="1380490" y="4214495"/>
+            <a:off x="860425" y="4130040"/>
             <a:ext cx="4539615" cy="2385695"/>
             <a:chOff x="1940" y="11143"/>
             <a:chExt cx="6820" cy="3220"/>
@@ -8616,7 +12589,7 @@
               </a:endParaRPr>
             </a:p>
             <a:p>
-              <a:pPr algn="just"/>
+              <a:pPr algn="ctr"/>
               <a:r>
                 <a:rPr lang="en-US" altLang="en-US">
                   <a:solidFill>
@@ -8908,7 +12881,7 @@
         </p:nvGrpSpPr>
         <p:grpSpPr>
           <a:xfrm>
-            <a:off x="1380490" y="1528445"/>
+            <a:off x="6776720" y="4129405"/>
             <a:ext cx="4538980" cy="2386330"/>
             <a:chOff x="1940" y="11143"/>
             <a:chExt cx="6820" cy="3220"/>
@@ -8953,7 +12926,7 @@
           <p:txBody>
             <a:bodyPr rtlCol="0" anchor="ctr"/>
             <a:p>
-              <a:pPr marL="0" indent="0" algn="l" fontAlgn="auto" latinLnBrk="1">
+              <a:pPr marL="0" indent="0" algn="ctr" fontAlgn="auto" latinLnBrk="1">
                 <a:spcBef>
                   <a:spcPts val="100"/>
                 </a:spcBef>
@@ -8969,7 +12942,7 @@
               </a:endParaRPr>
             </a:p>
             <a:p>
-              <a:pPr marL="0" indent="0" algn="just" fontAlgn="auto" latinLnBrk="1">
+              <a:pPr marL="0" indent="0" algn="ctr" fontAlgn="auto" latinLnBrk="1">
                 <a:spcBef>
                   <a:spcPts val="100"/>
                 </a:spcBef>
@@ -9028,7 +13001,7 @@
               </a:endParaRPr>
             </a:p>
             <a:p>
-              <a:pPr marL="0" indent="0" algn="just" fontAlgn="auto" latinLnBrk="1">
+              <a:pPr marL="0" indent="0" algn="ctr" fontAlgn="auto" latinLnBrk="1">
                 <a:spcBef>
                   <a:spcPts val="100"/>
                 </a:spcBef>
@@ -9153,7 +13126,7 @@
               </a:endParaRPr>
             </a:p>
             <a:p>
-              <a:pPr marL="0" indent="0" algn="l" fontAlgn="auto" latinLnBrk="1">
+              <a:pPr marL="0" indent="0" algn="ctr" fontAlgn="auto" latinLnBrk="1">
                 <a:spcBef>
                   <a:spcPts val="100"/>
                 </a:spcBef>
@@ -9311,7 +13284,7 @@
         </p:nvGrpSpPr>
         <p:grpSpPr>
           <a:xfrm>
-            <a:off x="6657975" y="4214495"/>
+            <a:off x="860425" y="1337310"/>
             <a:ext cx="4539615" cy="2386330"/>
             <a:chOff x="1940" y="11143"/>
             <a:chExt cx="6820" cy="3220"/>
@@ -9356,7 +13329,7 @@
           <p:txBody>
             <a:bodyPr rtlCol="0" anchor="ctr"/>
             <a:p>
-              <a:pPr marL="0" indent="0" algn="l" fontAlgn="auto">
+              <a:pPr marL="0" indent="0" algn="ctr" fontAlgn="auto">
                 <a:spcBef>
                   <a:spcPts val="100"/>
                 </a:spcBef>
@@ -9372,7 +13345,7 @@
               </a:endParaRPr>
             </a:p>
             <a:p>
-              <a:pPr marL="0" indent="0" algn="l" fontAlgn="auto">
+              <a:pPr marL="0" indent="0" algn="ctr" fontAlgn="auto">
                 <a:spcBef>
                   <a:spcPts val="100"/>
                 </a:spcBef>
@@ -9388,7 +13361,7 @@
               </a:endParaRPr>
             </a:p>
             <a:p>
-              <a:pPr marL="0" indent="0" algn="l" fontAlgn="auto">
+              <a:pPr marL="0" indent="0" algn="ctr" fontAlgn="auto">
                 <a:spcBef>
                   <a:spcPts val="100"/>
                 </a:spcBef>
@@ -9469,7 +13442,7 @@
               </a:endParaRPr>
             </a:p>
             <a:p>
-              <a:pPr marL="0" indent="0" algn="l" fontAlgn="auto">
+              <a:pPr marL="0" indent="0" algn="ctr" fontAlgn="auto">
                 <a:spcBef>
                   <a:spcPts val="100"/>
                 </a:spcBef>
@@ -9844,569 +13817,6 @@
               <a:t>7 / 9</a:t>
             </a:r>
             <a:endParaRPr lang="ru-RU" altLang="en-US"/>
-          </a:p>
-        </p:txBody>
-      </p:sp>
-    </p:spTree>
-  </p:cSld>
-  <p:clrMapOvr>
-    <a:masterClrMapping/>
-  </p:clrMapOvr>
-</p:sld>
-</file>
-
-<file path=ppt/slides/slide8.xml><?xml version="1.0" encoding="utf-8"?>
-<p:sld xmlns:a="http://schemas.openxmlformats.org/drawingml/2006/main" xmlns:r="http://schemas.openxmlformats.org/officeDocument/2006/relationships" xmlns:p="http://schemas.openxmlformats.org/presentationml/2006/main">
-  <p:cSld>
-    <p:spTree>
-      <p:nvGrpSpPr>
-        <p:cNvPr id="1" name=""/>
-        <p:cNvGrpSpPr/>
-        <p:nvPr/>
-      </p:nvGrpSpPr>
-      <p:grpSpPr/>
-      <p:sp>
-        <p:nvSpPr>
-          <p:cNvPr id="2" name="Заголовок 1"/>
-          <p:cNvSpPr>
-            <a:spLocks noGrp="1"/>
-          </p:cNvSpPr>
-          <p:nvPr>
-            <p:ph type="title"/>
-          </p:nvPr>
-        </p:nvSpPr>
-        <p:spPr>
-          <a:xfrm>
-            <a:off x="2907665" y="238760"/>
-            <a:ext cx="6375400" cy="780415"/>
-          </a:xfrm>
-        </p:spPr>
-        <p:txBody>
-          <a:bodyPr>
-            <a:normAutofit/>
-          </a:bodyPr>
-          <a:p>
-            <a:pPr algn="ctr"/>
-            <a:r>
-              <a:rPr lang="ru-RU" altLang="en-US" sz="4000" b="1">
-                <a:latin typeface="Arial" panose="020B0604020202020204" pitchFamily="34" charset="0"/>
-                <a:cs typeface="Arial" panose="020B0604020202020204" pitchFamily="34" charset="0"/>
-              </a:rPr>
-              <a:t>Архитектура системы</a:t>
-            </a:r>
-            <a:endParaRPr lang="ru-RU" altLang="en-US" b="1">
-              <a:latin typeface="Arial" panose="020B0604020202020204" pitchFamily="34" charset="0"/>
-              <a:cs typeface="Arial" panose="020B0604020202020204" pitchFamily="34" charset="0"/>
-            </a:endParaRPr>
-          </a:p>
-        </p:txBody>
-      </p:sp>
-      <p:sp>
-        <p:nvSpPr>
-          <p:cNvPr id="10" name="Полилиния 9"/>
-          <p:cNvSpPr/>
-          <p:nvPr/>
-        </p:nvSpPr>
-        <p:spPr>
-          <a:xfrm>
-            <a:off x="11264265" y="0"/>
-            <a:ext cx="1004293" cy="506095"/>
-          </a:xfrm>
-          <a:custGeom>
-            <a:avLst/>
-            <a:gdLst>
-              <a:gd name="connsiteX0" fmla="*/ 0 w 1581"/>
-              <a:gd name="connsiteY0" fmla="*/ 0 h 797"/>
-              <a:gd name="connsiteX1" fmla="*/ 1491 w 1581"/>
-              <a:gd name="connsiteY1" fmla="*/ 0 h 797"/>
-              <a:gd name="connsiteX2" fmla="*/ 1461 w 1581"/>
-              <a:gd name="connsiteY2" fmla="*/ 399 h 797"/>
-              <a:gd name="connsiteX3" fmla="*/ 1461 w 1581"/>
-              <a:gd name="connsiteY3" fmla="*/ 797 h 797"/>
-              <a:gd name="connsiteX4" fmla="*/ 399 w 1581"/>
-              <a:gd name="connsiteY4" fmla="*/ 797 h 797"/>
-              <a:gd name="connsiteX5" fmla="*/ 0 w 1581"/>
-              <a:gd name="connsiteY5" fmla="*/ 399 h 797"/>
-              <a:gd name="connsiteX6" fmla="*/ 0 w 1581"/>
-              <a:gd name="connsiteY6" fmla="*/ 0 h 797"/>
-            </a:gdLst>
-            <a:ahLst/>
-            <a:cxnLst>
-              <a:cxn ang="0">
-                <a:pos x="connsiteX0" y="connsiteY0"/>
-              </a:cxn>
-              <a:cxn ang="0">
-                <a:pos x="connsiteX1" y="connsiteY1"/>
-              </a:cxn>
-              <a:cxn ang="0">
-                <a:pos x="connsiteX2" y="connsiteY2"/>
-              </a:cxn>
-              <a:cxn ang="0">
-                <a:pos x="connsiteX3" y="connsiteY3"/>
-              </a:cxn>
-              <a:cxn ang="0">
-                <a:pos x="connsiteX4" y="connsiteY4"/>
-              </a:cxn>
-              <a:cxn ang="0">
-                <a:pos x="connsiteX5" y="connsiteY5"/>
-              </a:cxn>
-              <a:cxn ang="0">
-                <a:pos x="connsiteX6" y="connsiteY6"/>
-              </a:cxn>
-            </a:cxnLst>
-            <a:rect l="l" t="t" r="r" b="b"/>
-            <a:pathLst>
-              <a:path w="1582" h="797">
-                <a:moveTo>
-                  <a:pt x="0" y="0"/>
-                </a:moveTo>
-                <a:lnTo>
-                  <a:pt x="1491" y="0"/>
-                </a:lnTo>
-                <a:cubicBezTo>
-                  <a:pt x="1711" y="0"/>
-                  <a:pt x="1461" y="178"/>
-                  <a:pt x="1461" y="399"/>
-                </a:cubicBezTo>
-                <a:lnTo>
-                  <a:pt x="1461" y="797"/>
-                </a:lnTo>
-                <a:lnTo>
-                  <a:pt x="399" y="797"/>
-                </a:lnTo>
-                <a:cubicBezTo>
-                  <a:pt x="178" y="797"/>
-                  <a:pt x="0" y="619"/>
-                  <a:pt x="0" y="399"/>
-                </a:cubicBezTo>
-                <a:lnTo>
-                  <a:pt x="0" y="0"/>
-                </a:lnTo>
-                <a:close/>
-              </a:path>
-            </a:pathLst>
-          </a:custGeom>
-          <a:ln>
-            <a:noFill/>
-          </a:ln>
-        </p:spPr>
-        <p:style>
-          <a:lnRef idx="2">
-            <a:schemeClr val="accent1">
-              <a:lumMod val="75000"/>
-            </a:schemeClr>
-          </a:lnRef>
-          <a:fillRef idx="1">
-            <a:schemeClr val="accent1"/>
-          </a:fillRef>
-          <a:effectRef idx="0">
-            <a:srgbClr val="FFFFFF"/>
-          </a:effectRef>
-          <a:fontRef idx="minor">
-            <a:schemeClr val="lt1"/>
-          </a:fontRef>
-        </p:style>
-        <p:txBody>
-          <a:bodyPr rtlCol="0" anchor="ctr"/>
-          <a:p>
-            <a:pPr algn="ctr"/>
-            <a:r>
-              <a:rPr lang="ru-RU" altLang="en-US"/>
-              <a:t>8 / 9</a:t>
-            </a:r>
-            <a:endParaRPr lang="ru-RU" altLang="en-US"/>
-          </a:p>
-        </p:txBody>
-      </p:sp>
-      <p:pic>
-        <p:nvPicPr>
-          <p:cNvPr id="4" name="Замещающее содержимое 3" descr="Диаграмма разввертывания"/>
-          <p:cNvPicPr>
-            <a:picLocks noChangeAspect="1"/>
-          </p:cNvPicPr>
-          <p:nvPr>
-            <p:ph idx="1"/>
-          </p:nvPr>
-        </p:nvPicPr>
-        <p:blipFill>
-          <a:blip r:embed="rId1"/>
-          <a:stretch>
-            <a:fillRect/>
-          </a:stretch>
-        </p:blipFill>
-        <p:spPr>
-          <a:xfrm>
-            <a:off x="855980" y="1300480"/>
-            <a:ext cx="10480675" cy="4740910"/>
-          </a:xfrm>
-          <a:prstGeom prst="rect">
-            <a:avLst/>
-          </a:prstGeom>
-        </p:spPr>
-      </p:pic>
-    </p:spTree>
-  </p:cSld>
-  <p:clrMapOvr>
-    <a:masterClrMapping/>
-  </p:clrMapOvr>
-</p:sld>
-</file>
-
-<file path=ppt/slides/slide9.xml><?xml version="1.0" encoding="utf-8"?>
-<p:sld xmlns:a="http://schemas.openxmlformats.org/drawingml/2006/main" xmlns:r="http://schemas.openxmlformats.org/officeDocument/2006/relationships" xmlns:p="http://schemas.openxmlformats.org/presentationml/2006/main">
-  <p:cSld>
-    <p:spTree>
-      <p:nvGrpSpPr>
-        <p:cNvPr id="1" name=""/>
-        <p:cNvGrpSpPr/>
-        <p:nvPr/>
-      </p:nvGrpSpPr>
-      <p:grpSpPr/>
-      <p:sp>
-        <p:nvSpPr>
-          <p:cNvPr id="2" name="Заголовок 1"/>
-          <p:cNvSpPr>
-            <a:spLocks noGrp="1"/>
-          </p:cNvSpPr>
-          <p:nvPr>
-            <p:ph type="title"/>
-          </p:nvPr>
-        </p:nvSpPr>
-        <p:spPr>
-          <a:xfrm>
-            <a:off x="4203065" y="238760"/>
-            <a:ext cx="3785235" cy="780415"/>
-          </a:xfrm>
-        </p:spPr>
-        <p:txBody>
-          <a:bodyPr>
-            <a:normAutofit/>
-          </a:bodyPr>
-          <a:p>
-            <a:pPr algn="ctr"/>
-            <a:r>
-              <a:rPr lang="ru-RU" altLang="en-US" sz="4000" b="1">
-                <a:latin typeface="Arial" panose="020B0604020202020204" pitchFamily="34" charset="0"/>
-                <a:cs typeface="Arial" panose="020B0604020202020204" pitchFamily="34" charset="0"/>
-              </a:rPr>
-              <a:t>Заключение</a:t>
-            </a:r>
-            <a:endParaRPr lang="ru-RU" altLang="en-US" b="1">
-              <a:latin typeface="Arial" panose="020B0604020202020204" pitchFamily="34" charset="0"/>
-              <a:cs typeface="Arial" panose="020B0604020202020204" pitchFamily="34" charset="0"/>
-            </a:endParaRPr>
-          </a:p>
-        </p:txBody>
-      </p:sp>
-      <p:sp>
-        <p:nvSpPr>
-          <p:cNvPr id="6" name="Полилиния 5"/>
-          <p:cNvSpPr/>
-          <p:nvPr/>
-        </p:nvSpPr>
-        <p:spPr>
-          <a:xfrm>
-            <a:off x="11264265" y="0"/>
-            <a:ext cx="1004293" cy="506095"/>
-          </a:xfrm>
-          <a:custGeom>
-            <a:avLst/>
-            <a:gdLst>
-              <a:gd name="connsiteX0" fmla="*/ 0 w 1581"/>
-              <a:gd name="connsiteY0" fmla="*/ 0 h 797"/>
-              <a:gd name="connsiteX1" fmla="*/ 1491 w 1581"/>
-              <a:gd name="connsiteY1" fmla="*/ 0 h 797"/>
-              <a:gd name="connsiteX2" fmla="*/ 1461 w 1581"/>
-              <a:gd name="connsiteY2" fmla="*/ 399 h 797"/>
-              <a:gd name="connsiteX3" fmla="*/ 1461 w 1581"/>
-              <a:gd name="connsiteY3" fmla="*/ 797 h 797"/>
-              <a:gd name="connsiteX4" fmla="*/ 399 w 1581"/>
-              <a:gd name="connsiteY4" fmla="*/ 797 h 797"/>
-              <a:gd name="connsiteX5" fmla="*/ 0 w 1581"/>
-              <a:gd name="connsiteY5" fmla="*/ 399 h 797"/>
-              <a:gd name="connsiteX6" fmla="*/ 0 w 1581"/>
-              <a:gd name="connsiteY6" fmla="*/ 0 h 797"/>
-            </a:gdLst>
-            <a:ahLst/>
-            <a:cxnLst>
-              <a:cxn ang="0">
-                <a:pos x="connsiteX0" y="connsiteY0"/>
-              </a:cxn>
-              <a:cxn ang="0">
-                <a:pos x="connsiteX1" y="connsiteY1"/>
-              </a:cxn>
-              <a:cxn ang="0">
-                <a:pos x="connsiteX2" y="connsiteY2"/>
-              </a:cxn>
-              <a:cxn ang="0">
-                <a:pos x="connsiteX3" y="connsiteY3"/>
-              </a:cxn>
-              <a:cxn ang="0">
-                <a:pos x="connsiteX4" y="connsiteY4"/>
-              </a:cxn>
-              <a:cxn ang="0">
-                <a:pos x="connsiteX5" y="connsiteY5"/>
-              </a:cxn>
-              <a:cxn ang="0">
-                <a:pos x="connsiteX6" y="connsiteY6"/>
-              </a:cxn>
-            </a:cxnLst>
-            <a:rect l="l" t="t" r="r" b="b"/>
-            <a:pathLst>
-              <a:path w="1582" h="797">
-                <a:moveTo>
-                  <a:pt x="0" y="0"/>
-                </a:moveTo>
-                <a:lnTo>
-                  <a:pt x="1491" y="0"/>
-                </a:lnTo>
-                <a:cubicBezTo>
-                  <a:pt x="1711" y="0"/>
-                  <a:pt x="1461" y="178"/>
-                  <a:pt x="1461" y="399"/>
-                </a:cubicBezTo>
-                <a:lnTo>
-                  <a:pt x="1461" y="797"/>
-                </a:lnTo>
-                <a:lnTo>
-                  <a:pt x="399" y="797"/>
-                </a:lnTo>
-                <a:cubicBezTo>
-                  <a:pt x="178" y="797"/>
-                  <a:pt x="0" y="619"/>
-                  <a:pt x="0" y="399"/>
-                </a:cubicBezTo>
-                <a:lnTo>
-                  <a:pt x="0" y="0"/>
-                </a:lnTo>
-                <a:close/>
-              </a:path>
-            </a:pathLst>
-          </a:custGeom>
-          <a:ln>
-            <a:noFill/>
-          </a:ln>
-        </p:spPr>
-        <p:style>
-          <a:lnRef idx="2">
-            <a:schemeClr val="accent1">
-              <a:lumMod val="75000"/>
-            </a:schemeClr>
-          </a:lnRef>
-          <a:fillRef idx="1">
-            <a:schemeClr val="accent1"/>
-          </a:fillRef>
-          <a:effectRef idx="0">
-            <a:srgbClr val="FFFFFF"/>
-          </a:effectRef>
-          <a:fontRef idx="minor">
-            <a:schemeClr val="lt1"/>
-          </a:fontRef>
-        </p:style>
-        <p:txBody>
-          <a:bodyPr rtlCol="0" anchor="ctr"/>
-          <a:p>
-            <a:pPr algn="ctr"/>
-            <a:r>
-              <a:rPr lang="ru-RU" altLang="en-US"/>
-              <a:t>9 / 9</a:t>
-            </a:r>
-            <a:endParaRPr lang="ru-RU" altLang="en-US"/>
-          </a:p>
-        </p:txBody>
-      </p:sp>
-      <p:sp>
-        <p:nvSpPr>
-          <p:cNvPr id="4" name="Текстовое поле 3"/>
-          <p:cNvSpPr txBox="1"/>
-          <p:nvPr/>
-        </p:nvSpPr>
-        <p:spPr>
-          <a:xfrm>
-            <a:off x="2813050" y="1393190"/>
-            <a:ext cx="4879975" cy="521970"/>
-          </a:xfrm>
-          <a:prstGeom prst="rect">
-            <a:avLst/>
-          </a:prstGeom>
-          <a:noFill/>
-        </p:spPr>
-        <p:txBody>
-          <a:bodyPr wrap="square" rtlCol="0">
-            <a:spAutoFit/>
-          </a:bodyPr>
-          <a:p>
-            <a:r>
-              <a:rPr lang="ru-RU" altLang="en-US" sz="2800">
-                <a:latin typeface="Arial" panose="020B0604020202020204" pitchFamily="34" charset="0"/>
-                <a:cs typeface="Arial" panose="020B0604020202020204" pitchFamily="34" charset="0"/>
-              </a:rPr>
-              <a:t>Цель достигнута</a:t>
-            </a:r>
-            <a:endParaRPr lang="ru-RU" altLang="en-US" sz="2800">
-              <a:latin typeface="Arial" panose="020B0604020202020204" pitchFamily="34" charset="0"/>
-              <a:cs typeface="Arial" panose="020B0604020202020204" pitchFamily="34" charset="0"/>
-            </a:endParaRPr>
-          </a:p>
-        </p:txBody>
-      </p:sp>
-      <p:sp>
-        <p:nvSpPr>
-          <p:cNvPr id="7" name="Текстовое поле 6"/>
-          <p:cNvSpPr txBox="1"/>
-          <p:nvPr/>
-        </p:nvSpPr>
-        <p:spPr>
-          <a:xfrm>
-            <a:off x="2813050" y="3257233"/>
-            <a:ext cx="5784850" cy="521970"/>
-          </a:xfrm>
-          <a:prstGeom prst="rect">
-            <a:avLst/>
-          </a:prstGeom>
-          <a:noFill/>
-        </p:spPr>
-        <p:txBody>
-          <a:bodyPr wrap="square" rtlCol="0">
-            <a:spAutoFit/>
-          </a:bodyPr>
-          <a:p>
-            <a:r>
-              <a:rPr lang="ru-RU" altLang="en-US" sz="2800">
-                <a:latin typeface="Arial" panose="020B0604020202020204" pitchFamily="34" charset="0"/>
-                <a:cs typeface="Arial" panose="020B0604020202020204" pitchFamily="34" charset="0"/>
-              </a:rPr>
-              <a:t>Поставленные задачи решены</a:t>
-            </a:r>
-            <a:endParaRPr lang="ru-RU" altLang="en-US" sz="2800">
-              <a:latin typeface="Arial" panose="020B0604020202020204" pitchFamily="34" charset="0"/>
-              <a:cs typeface="Arial" panose="020B0604020202020204" pitchFamily="34" charset="0"/>
-            </a:endParaRPr>
-          </a:p>
-        </p:txBody>
-      </p:sp>
-      <p:pic>
-        <p:nvPicPr>
-          <p:cNvPr id="8" name="Изображение 7" descr="icons8-confetti-100"/>
-          <p:cNvPicPr>
-            <a:picLocks noChangeAspect="1"/>
-          </p:cNvPicPr>
-          <p:nvPr/>
-        </p:nvPicPr>
-        <p:blipFill>
-          <a:blip r:embed="rId1"/>
-          <a:stretch>
-            <a:fillRect/>
-          </a:stretch>
-        </p:blipFill>
-        <p:spPr>
-          <a:xfrm>
-            <a:off x="1082199" y="1019175"/>
-            <a:ext cx="1270000" cy="1270000"/>
-          </a:xfrm>
-          <a:prstGeom prst="rect">
-            <a:avLst/>
-          </a:prstGeom>
-        </p:spPr>
-      </p:pic>
-      <p:pic>
-        <p:nvPicPr>
-          <p:cNvPr id="9" name="Изображение 8" descr="icons8-task-completed-100"/>
-          <p:cNvPicPr>
-            <a:picLocks noChangeAspect="1"/>
-          </p:cNvPicPr>
-          <p:nvPr/>
-        </p:nvPicPr>
-        <p:blipFill>
-          <a:blip r:embed="rId2"/>
-          <a:stretch>
-            <a:fillRect/>
-          </a:stretch>
-        </p:blipFill>
-        <p:spPr>
-          <a:xfrm>
-            <a:off x="1082199" y="2883218"/>
-            <a:ext cx="1270000" cy="1270000"/>
-          </a:xfrm>
-          <a:prstGeom prst="rect">
-            <a:avLst/>
-          </a:prstGeom>
-        </p:spPr>
-      </p:pic>
-      <p:pic>
-        <p:nvPicPr>
-          <p:cNvPr id="10" name="Изображение 9" descr="icons8-networking-manager-100"/>
-          <p:cNvPicPr>
-            <a:picLocks noChangeAspect="1"/>
-          </p:cNvPicPr>
-          <p:nvPr/>
-        </p:nvPicPr>
-        <p:blipFill>
-          <a:blip r:embed="rId3"/>
-          <a:stretch>
-            <a:fillRect/>
-          </a:stretch>
-        </p:blipFill>
-        <p:spPr>
-          <a:xfrm>
-            <a:off x="1082199" y="4774565"/>
-            <a:ext cx="1270000" cy="1270000"/>
-          </a:xfrm>
-          <a:prstGeom prst="rect">
-            <a:avLst/>
-          </a:prstGeom>
-        </p:spPr>
-      </p:pic>
-      <p:sp>
-        <p:nvSpPr>
-          <p:cNvPr id="12" name="Текстовое поле 11"/>
-          <p:cNvSpPr txBox="1"/>
-          <p:nvPr/>
-        </p:nvSpPr>
-        <p:spPr>
-          <a:xfrm>
-            <a:off x="2813050" y="5148580"/>
-            <a:ext cx="5160010" cy="521970"/>
-          </a:xfrm>
-          <a:prstGeom prst="rect">
-            <a:avLst/>
-          </a:prstGeom>
-          <a:noFill/>
-        </p:spPr>
-        <p:txBody>
-          <a:bodyPr wrap="square" rtlCol="0">
-            <a:spAutoFit/>
-          </a:bodyPr>
-          <a:p>
-            <a:r>
-              <a:rPr lang="en-US" altLang="en-US" sz="2800">
-                <a:latin typeface="Arial" panose="020B0604020202020204" pitchFamily="34" charset="0"/>
-                <a:cs typeface="Arial" panose="020B0604020202020204" pitchFamily="34" charset="0"/>
-                <a:sym typeface="+mn-ea"/>
-              </a:rPr>
-              <a:t>Разработанна</a:t>
-            </a:r>
-            <a:r>
-              <a:rPr lang="en-US" altLang="ru-RU" sz="2800">
-                <a:latin typeface="Arial" panose="020B0604020202020204" pitchFamily="34" charset="0"/>
-                <a:cs typeface="Arial" panose="020B0604020202020204" pitchFamily="34" charset="0"/>
-                <a:sym typeface="+mn-ea"/>
-              </a:rPr>
-              <a:t> </a:t>
-            </a:r>
-            <a:r>
-              <a:rPr lang="en-US" altLang="en-US" sz="2800">
-                <a:latin typeface="Arial" panose="020B0604020202020204" pitchFamily="34" charset="0"/>
-                <a:cs typeface="Arial" panose="020B0604020202020204" pitchFamily="34" charset="0"/>
-                <a:sym typeface="+mn-ea"/>
-              </a:rPr>
-              <a:t>подсистема</a:t>
-            </a:r>
-            <a:endParaRPr lang="en-US" altLang="en-US" sz="2800">
-              <a:latin typeface="Arial" panose="020B0604020202020204" pitchFamily="34" charset="0"/>
-              <a:cs typeface="Arial" panose="020B0604020202020204" pitchFamily="34" charset="0"/>
-              <a:sym typeface="+mn-ea"/>
-            </a:endParaRPr>
           </a:p>
         </p:txBody>
       </p:sp>

--- a/КП Презентация Абрамов.pptx
+++ b/КП Презентация Абрамов.pptx
@@ -9,14 +9,12 @@
     <p:sldId id="257" r:id="rId4"/>
     <p:sldId id="263" r:id="rId5"/>
     <p:sldId id="264" r:id="rId6"/>
-    <p:sldId id="265" r:id="rId7"/>
-    <p:sldId id="274" r:id="rId8"/>
-    <p:sldId id="275" r:id="rId9"/>
-    <p:sldId id="266" r:id="rId10"/>
-    <p:sldId id="267" r:id="rId11"/>
-    <p:sldId id="268" r:id="rId12"/>
-    <p:sldId id="272" r:id="rId13"/>
-    <p:sldId id="270" r:id="rId14"/>
+    <p:sldId id="275" r:id="rId7"/>
+    <p:sldId id="266" r:id="rId8"/>
+    <p:sldId id="267" r:id="rId9"/>
+    <p:sldId id="268" r:id="rId10"/>
+    <p:sldId id="272" r:id="rId11"/>
+    <p:sldId id="270" r:id="rId12"/>
   </p:sldIdLst>
   <p:sldSz cx="12192000" cy="6858000"/>
   <p:notesSz cx="6858000" cy="9144000"/>
@@ -3965,569 +3963,6 @@
         <p:cNvGrpSpPr/>
         <p:nvPr/>
       </p:nvGrpSpPr>
-      <p:grpSpPr/>
-      <p:sp>
-        <p:nvSpPr>
-          <p:cNvPr id="2" name="Заголовок 1"/>
-          <p:cNvSpPr>
-            <a:spLocks noGrp="1"/>
-          </p:cNvSpPr>
-          <p:nvPr>
-            <p:ph type="title"/>
-          </p:nvPr>
-        </p:nvSpPr>
-        <p:spPr>
-          <a:xfrm>
-            <a:off x="2907665" y="238760"/>
-            <a:ext cx="6375400" cy="780415"/>
-          </a:xfrm>
-        </p:spPr>
-        <p:txBody>
-          <a:bodyPr>
-            <a:normAutofit/>
-          </a:bodyPr>
-          <a:p>
-            <a:pPr algn="ctr"/>
-            <a:r>
-              <a:rPr lang="ru-RU" altLang="en-US" sz="4000" b="1">
-                <a:latin typeface="Arial" panose="020B0604020202020204" pitchFamily="34" charset="0"/>
-                <a:cs typeface="Arial" panose="020B0604020202020204" pitchFamily="34" charset="0"/>
-              </a:rPr>
-              <a:t>Архитектура системы</a:t>
-            </a:r>
-            <a:endParaRPr lang="ru-RU" altLang="en-US" b="1">
-              <a:latin typeface="Arial" panose="020B0604020202020204" pitchFamily="34" charset="0"/>
-              <a:cs typeface="Arial" panose="020B0604020202020204" pitchFamily="34" charset="0"/>
-            </a:endParaRPr>
-          </a:p>
-        </p:txBody>
-      </p:sp>
-      <p:sp>
-        <p:nvSpPr>
-          <p:cNvPr id="10" name="Полилиния 9"/>
-          <p:cNvSpPr/>
-          <p:nvPr/>
-        </p:nvSpPr>
-        <p:spPr>
-          <a:xfrm>
-            <a:off x="11264265" y="0"/>
-            <a:ext cx="1004293" cy="506095"/>
-          </a:xfrm>
-          <a:custGeom>
-            <a:avLst/>
-            <a:gdLst>
-              <a:gd name="connsiteX0" fmla="*/ 0 w 1581"/>
-              <a:gd name="connsiteY0" fmla="*/ 0 h 797"/>
-              <a:gd name="connsiteX1" fmla="*/ 1491 w 1581"/>
-              <a:gd name="connsiteY1" fmla="*/ 0 h 797"/>
-              <a:gd name="connsiteX2" fmla="*/ 1461 w 1581"/>
-              <a:gd name="connsiteY2" fmla="*/ 399 h 797"/>
-              <a:gd name="connsiteX3" fmla="*/ 1461 w 1581"/>
-              <a:gd name="connsiteY3" fmla="*/ 797 h 797"/>
-              <a:gd name="connsiteX4" fmla="*/ 399 w 1581"/>
-              <a:gd name="connsiteY4" fmla="*/ 797 h 797"/>
-              <a:gd name="connsiteX5" fmla="*/ 0 w 1581"/>
-              <a:gd name="connsiteY5" fmla="*/ 399 h 797"/>
-              <a:gd name="connsiteX6" fmla="*/ 0 w 1581"/>
-              <a:gd name="connsiteY6" fmla="*/ 0 h 797"/>
-            </a:gdLst>
-            <a:ahLst/>
-            <a:cxnLst>
-              <a:cxn ang="0">
-                <a:pos x="connsiteX0" y="connsiteY0"/>
-              </a:cxn>
-              <a:cxn ang="0">
-                <a:pos x="connsiteX1" y="connsiteY1"/>
-              </a:cxn>
-              <a:cxn ang="0">
-                <a:pos x="connsiteX2" y="connsiteY2"/>
-              </a:cxn>
-              <a:cxn ang="0">
-                <a:pos x="connsiteX3" y="connsiteY3"/>
-              </a:cxn>
-              <a:cxn ang="0">
-                <a:pos x="connsiteX4" y="connsiteY4"/>
-              </a:cxn>
-              <a:cxn ang="0">
-                <a:pos x="connsiteX5" y="connsiteY5"/>
-              </a:cxn>
-              <a:cxn ang="0">
-                <a:pos x="connsiteX6" y="connsiteY6"/>
-              </a:cxn>
-            </a:cxnLst>
-            <a:rect l="l" t="t" r="r" b="b"/>
-            <a:pathLst>
-              <a:path w="1582" h="797">
-                <a:moveTo>
-                  <a:pt x="0" y="0"/>
-                </a:moveTo>
-                <a:lnTo>
-                  <a:pt x="1491" y="0"/>
-                </a:lnTo>
-                <a:cubicBezTo>
-                  <a:pt x="1711" y="0"/>
-                  <a:pt x="1461" y="178"/>
-                  <a:pt x="1461" y="399"/>
-                </a:cubicBezTo>
-                <a:lnTo>
-                  <a:pt x="1461" y="797"/>
-                </a:lnTo>
-                <a:lnTo>
-                  <a:pt x="399" y="797"/>
-                </a:lnTo>
-                <a:cubicBezTo>
-                  <a:pt x="178" y="797"/>
-                  <a:pt x="0" y="619"/>
-                  <a:pt x="0" y="399"/>
-                </a:cubicBezTo>
-                <a:lnTo>
-                  <a:pt x="0" y="0"/>
-                </a:lnTo>
-                <a:close/>
-              </a:path>
-            </a:pathLst>
-          </a:custGeom>
-          <a:ln>
-            <a:noFill/>
-          </a:ln>
-        </p:spPr>
-        <p:style>
-          <a:lnRef idx="2">
-            <a:schemeClr val="accent1">
-              <a:lumMod val="75000"/>
-            </a:schemeClr>
-          </a:lnRef>
-          <a:fillRef idx="1">
-            <a:schemeClr val="accent1"/>
-          </a:fillRef>
-          <a:effectRef idx="0">
-            <a:srgbClr val="FFFFFF"/>
-          </a:effectRef>
-          <a:fontRef idx="minor">
-            <a:schemeClr val="lt1"/>
-          </a:fontRef>
-        </p:style>
-        <p:txBody>
-          <a:bodyPr rtlCol="0" anchor="ctr"/>
-          <a:p>
-            <a:pPr algn="ctr"/>
-            <a:r>
-              <a:rPr lang="ru-RU" altLang="en-US"/>
-              <a:t>8 / 9</a:t>
-            </a:r>
-            <a:endParaRPr lang="ru-RU" altLang="en-US"/>
-          </a:p>
-        </p:txBody>
-      </p:sp>
-      <p:pic>
-        <p:nvPicPr>
-          <p:cNvPr id="4" name="Замещающее содержимое 3" descr="Диаграмма разввертывания"/>
-          <p:cNvPicPr>
-            <a:picLocks noChangeAspect="1"/>
-          </p:cNvPicPr>
-          <p:nvPr>
-            <p:ph idx="1"/>
-          </p:nvPr>
-        </p:nvPicPr>
-        <p:blipFill>
-          <a:blip r:embed="rId1"/>
-          <a:stretch>
-            <a:fillRect/>
-          </a:stretch>
-        </p:blipFill>
-        <p:spPr>
-          <a:xfrm>
-            <a:off x="855980" y="1300480"/>
-            <a:ext cx="10480675" cy="4740910"/>
-          </a:xfrm>
-          <a:prstGeom prst="rect">
-            <a:avLst/>
-          </a:prstGeom>
-        </p:spPr>
-      </p:pic>
-    </p:spTree>
-  </p:cSld>
-  <p:clrMapOvr>
-    <a:masterClrMapping/>
-  </p:clrMapOvr>
-</p:sld>
-</file>
-
-<file path=ppt/slides/slide11.xml><?xml version="1.0" encoding="utf-8"?>
-<p:sld xmlns:a="http://schemas.openxmlformats.org/drawingml/2006/main" xmlns:r="http://schemas.openxmlformats.org/officeDocument/2006/relationships" xmlns:p="http://schemas.openxmlformats.org/presentationml/2006/main">
-  <p:cSld>
-    <p:spTree>
-      <p:nvGrpSpPr>
-        <p:cNvPr id="1" name=""/>
-        <p:cNvGrpSpPr/>
-        <p:nvPr/>
-      </p:nvGrpSpPr>
-      <p:grpSpPr/>
-      <p:sp>
-        <p:nvSpPr>
-          <p:cNvPr id="2" name="Заголовок 1"/>
-          <p:cNvSpPr>
-            <a:spLocks noGrp="1"/>
-          </p:cNvSpPr>
-          <p:nvPr>
-            <p:ph type="title"/>
-          </p:nvPr>
-        </p:nvSpPr>
-        <p:spPr>
-          <a:xfrm>
-            <a:off x="4203065" y="238760"/>
-            <a:ext cx="3785235" cy="780415"/>
-          </a:xfrm>
-        </p:spPr>
-        <p:txBody>
-          <a:bodyPr>
-            <a:normAutofit/>
-          </a:bodyPr>
-          <a:p>
-            <a:pPr algn="ctr"/>
-            <a:r>
-              <a:rPr lang="ru-RU" altLang="en-US" sz="4000" b="1">
-                <a:latin typeface="Arial" panose="020B0604020202020204" pitchFamily="34" charset="0"/>
-                <a:cs typeface="Arial" panose="020B0604020202020204" pitchFamily="34" charset="0"/>
-              </a:rPr>
-              <a:t>Заключение</a:t>
-            </a:r>
-            <a:endParaRPr lang="ru-RU" altLang="en-US" b="1">
-              <a:latin typeface="Arial" panose="020B0604020202020204" pitchFamily="34" charset="0"/>
-              <a:cs typeface="Arial" panose="020B0604020202020204" pitchFamily="34" charset="0"/>
-            </a:endParaRPr>
-          </a:p>
-        </p:txBody>
-      </p:sp>
-      <p:sp>
-        <p:nvSpPr>
-          <p:cNvPr id="6" name="Полилиния 5"/>
-          <p:cNvSpPr/>
-          <p:nvPr/>
-        </p:nvSpPr>
-        <p:spPr>
-          <a:xfrm>
-            <a:off x="11264265" y="0"/>
-            <a:ext cx="1004293" cy="506095"/>
-          </a:xfrm>
-          <a:custGeom>
-            <a:avLst/>
-            <a:gdLst>
-              <a:gd name="connsiteX0" fmla="*/ 0 w 1581"/>
-              <a:gd name="connsiteY0" fmla="*/ 0 h 797"/>
-              <a:gd name="connsiteX1" fmla="*/ 1491 w 1581"/>
-              <a:gd name="connsiteY1" fmla="*/ 0 h 797"/>
-              <a:gd name="connsiteX2" fmla="*/ 1461 w 1581"/>
-              <a:gd name="connsiteY2" fmla="*/ 399 h 797"/>
-              <a:gd name="connsiteX3" fmla="*/ 1461 w 1581"/>
-              <a:gd name="connsiteY3" fmla="*/ 797 h 797"/>
-              <a:gd name="connsiteX4" fmla="*/ 399 w 1581"/>
-              <a:gd name="connsiteY4" fmla="*/ 797 h 797"/>
-              <a:gd name="connsiteX5" fmla="*/ 0 w 1581"/>
-              <a:gd name="connsiteY5" fmla="*/ 399 h 797"/>
-              <a:gd name="connsiteX6" fmla="*/ 0 w 1581"/>
-              <a:gd name="connsiteY6" fmla="*/ 0 h 797"/>
-            </a:gdLst>
-            <a:ahLst/>
-            <a:cxnLst>
-              <a:cxn ang="0">
-                <a:pos x="connsiteX0" y="connsiteY0"/>
-              </a:cxn>
-              <a:cxn ang="0">
-                <a:pos x="connsiteX1" y="connsiteY1"/>
-              </a:cxn>
-              <a:cxn ang="0">
-                <a:pos x="connsiteX2" y="connsiteY2"/>
-              </a:cxn>
-              <a:cxn ang="0">
-                <a:pos x="connsiteX3" y="connsiteY3"/>
-              </a:cxn>
-              <a:cxn ang="0">
-                <a:pos x="connsiteX4" y="connsiteY4"/>
-              </a:cxn>
-              <a:cxn ang="0">
-                <a:pos x="connsiteX5" y="connsiteY5"/>
-              </a:cxn>
-              <a:cxn ang="0">
-                <a:pos x="connsiteX6" y="connsiteY6"/>
-              </a:cxn>
-            </a:cxnLst>
-            <a:rect l="l" t="t" r="r" b="b"/>
-            <a:pathLst>
-              <a:path w="1582" h="797">
-                <a:moveTo>
-                  <a:pt x="0" y="0"/>
-                </a:moveTo>
-                <a:lnTo>
-                  <a:pt x="1491" y="0"/>
-                </a:lnTo>
-                <a:cubicBezTo>
-                  <a:pt x="1711" y="0"/>
-                  <a:pt x="1461" y="178"/>
-                  <a:pt x="1461" y="399"/>
-                </a:cubicBezTo>
-                <a:lnTo>
-                  <a:pt x="1461" y="797"/>
-                </a:lnTo>
-                <a:lnTo>
-                  <a:pt x="399" y="797"/>
-                </a:lnTo>
-                <a:cubicBezTo>
-                  <a:pt x="178" y="797"/>
-                  <a:pt x="0" y="619"/>
-                  <a:pt x="0" y="399"/>
-                </a:cubicBezTo>
-                <a:lnTo>
-                  <a:pt x="0" y="0"/>
-                </a:lnTo>
-                <a:close/>
-              </a:path>
-            </a:pathLst>
-          </a:custGeom>
-          <a:ln>
-            <a:noFill/>
-          </a:ln>
-        </p:spPr>
-        <p:style>
-          <a:lnRef idx="2">
-            <a:schemeClr val="accent1">
-              <a:lumMod val="75000"/>
-            </a:schemeClr>
-          </a:lnRef>
-          <a:fillRef idx="1">
-            <a:schemeClr val="accent1"/>
-          </a:fillRef>
-          <a:effectRef idx="0">
-            <a:srgbClr val="FFFFFF"/>
-          </a:effectRef>
-          <a:fontRef idx="minor">
-            <a:schemeClr val="lt1"/>
-          </a:fontRef>
-        </p:style>
-        <p:txBody>
-          <a:bodyPr rtlCol="0" anchor="ctr"/>
-          <a:p>
-            <a:pPr algn="ctr"/>
-            <a:r>
-              <a:rPr lang="ru-RU" altLang="en-US"/>
-              <a:t>9 / 9</a:t>
-            </a:r>
-            <a:endParaRPr lang="ru-RU" altLang="en-US"/>
-          </a:p>
-        </p:txBody>
-      </p:sp>
-      <p:sp>
-        <p:nvSpPr>
-          <p:cNvPr id="4" name="Текстовое поле 3"/>
-          <p:cNvSpPr txBox="1"/>
-          <p:nvPr/>
-        </p:nvSpPr>
-        <p:spPr>
-          <a:xfrm>
-            <a:off x="2813050" y="1393190"/>
-            <a:ext cx="4879975" cy="521970"/>
-          </a:xfrm>
-          <a:prstGeom prst="rect">
-            <a:avLst/>
-          </a:prstGeom>
-          <a:noFill/>
-        </p:spPr>
-        <p:txBody>
-          <a:bodyPr wrap="square" rtlCol="0">
-            <a:spAutoFit/>
-          </a:bodyPr>
-          <a:p>
-            <a:r>
-              <a:rPr lang="ru-RU" altLang="en-US" sz="2800">
-                <a:latin typeface="Arial" panose="020B0604020202020204" pitchFamily="34" charset="0"/>
-                <a:cs typeface="Arial" panose="020B0604020202020204" pitchFamily="34" charset="0"/>
-              </a:rPr>
-              <a:t>Цель достигнута</a:t>
-            </a:r>
-            <a:endParaRPr lang="ru-RU" altLang="en-US" sz="2800">
-              <a:latin typeface="Arial" panose="020B0604020202020204" pitchFamily="34" charset="0"/>
-              <a:cs typeface="Arial" panose="020B0604020202020204" pitchFamily="34" charset="0"/>
-            </a:endParaRPr>
-          </a:p>
-        </p:txBody>
-      </p:sp>
-      <p:sp>
-        <p:nvSpPr>
-          <p:cNvPr id="7" name="Текстовое поле 6"/>
-          <p:cNvSpPr txBox="1"/>
-          <p:nvPr/>
-        </p:nvSpPr>
-        <p:spPr>
-          <a:xfrm>
-            <a:off x="2813050" y="3257233"/>
-            <a:ext cx="5784850" cy="521970"/>
-          </a:xfrm>
-          <a:prstGeom prst="rect">
-            <a:avLst/>
-          </a:prstGeom>
-          <a:noFill/>
-        </p:spPr>
-        <p:txBody>
-          <a:bodyPr wrap="square" rtlCol="0">
-            <a:spAutoFit/>
-          </a:bodyPr>
-          <a:p>
-            <a:r>
-              <a:rPr lang="ru-RU" altLang="en-US" sz="2800">
-                <a:latin typeface="Arial" panose="020B0604020202020204" pitchFamily="34" charset="0"/>
-                <a:cs typeface="Arial" panose="020B0604020202020204" pitchFamily="34" charset="0"/>
-              </a:rPr>
-              <a:t>Поставленные задачи решены</a:t>
-            </a:r>
-            <a:endParaRPr lang="ru-RU" altLang="en-US" sz="2800">
-              <a:latin typeface="Arial" panose="020B0604020202020204" pitchFamily="34" charset="0"/>
-              <a:cs typeface="Arial" panose="020B0604020202020204" pitchFamily="34" charset="0"/>
-            </a:endParaRPr>
-          </a:p>
-        </p:txBody>
-      </p:sp>
-      <p:pic>
-        <p:nvPicPr>
-          <p:cNvPr id="8" name="Изображение 7" descr="icons8-confetti-100"/>
-          <p:cNvPicPr>
-            <a:picLocks noChangeAspect="1"/>
-          </p:cNvPicPr>
-          <p:nvPr/>
-        </p:nvPicPr>
-        <p:blipFill>
-          <a:blip r:embed="rId1"/>
-          <a:stretch>
-            <a:fillRect/>
-          </a:stretch>
-        </p:blipFill>
-        <p:spPr>
-          <a:xfrm>
-            <a:off x="1082199" y="1019175"/>
-            <a:ext cx="1270000" cy="1270000"/>
-          </a:xfrm>
-          <a:prstGeom prst="rect">
-            <a:avLst/>
-          </a:prstGeom>
-        </p:spPr>
-      </p:pic>
-      <p:pic>
-        <p:nvPicPr>
-          <p:cNvPr id="9" name="Изображение 8" descr="icons8-task-completed-100"/>
-          <p:cNvPicPr>
-            <a:picLocks noChangeAspect="1"/>
-          </p:cNvPicPr>
-          <p:nvPr/>
-        </p:nvPicPr>
-        <p:blipFill>
-          <a:blip r:embed="rId2"/>
-          <a:stretch>
-            <a:fillRect/>
-          </a:stretch>
-        </p:blipFill>
-        <p:spPr>
-          <a:xfrm>
-            <a:off x="1082199" y="2883218"/>
-            <a:ext cx="1270000" cy="1270000"/>
-          </a:xfrm>
-          <a:prstGeom prst="rect">
-            <a:avLst/>
-          </a:prstGeom>
-        </p:spPr>
-      </p:pic>
-      <p:pic>
-        <p:nvPicPr>
-          <p:cNvPr id="10" name="Изображение 9" descr="icons8-networking-manager-100"/>
-          <p:cNvPicPr>
-            <a:picLocks noChangeAspect="1"/>
-          </p:cNvPicPr>
-          <p:nvPr/>
-        </p:nvPicPr>
-        <p:blipFill>
-          <a:blip r:embed="rId3"/>
-          <a:stretch>
-            <a:fillRect/>
-          </a:stretch>
-        </p:blipFill>
-        <p:spPr>
-          <a:xfrm>
-            <a:off x="1082199" y="4774565"/>
-            <a:ext cx="1270000" cy="1270000"/>
-          </a:xfrm>
-          <a:prstGeom prst="rect">
-            <a:avLst/>
-          </a:prstGeom>
-        </p:spPr>
-      </p:pic>
-      <p:sp>
-        <p:nvSpPr>
-          <p:cNvPr id="12" name="Текстовое поле 11"/>
-          <p:cNvSpPr txBox="1"/>
-          <p:nvPr/>
-        </p:nvSpPr>
-        <p:spPr>
-          <a:xfrm>
-            <a:off x="2813050" y="5148580"/>
-            <a:ext cx="5160010" cy="521970"/>
-          </a:xfrm>
-          <a:prstGeom prst="rect">
-            <a:avLst/>
-          </a:prstGeom>
-          <a:noFill/>
-        </p:spPr>
-        <p:txBody>
-          <a:bodyPr wrap="square" rtlCol="0">
-            <a:spAutoFit/>
-          </a:bodyPr>
-          <a:p>
-            <a:r>
-              <a:rPr lang="en-US" altLang="en-US" sz="2800">
-                <a:latin typeface="Arial" panose="020B0604020202020204" pitchFamily="34" charset="0"/>
-                <a:cs typeface="Arial" panose="020B0604020202020204" pitchFamily="34" charset="0"/>
-                <a:sym typeface="+mn-ea"/>
-              </a:rPr>
-              <a:t>Разработанна</a:t>
-            </a:r>
-            <a:r>
-              <a:rPr lang="en-US" altLang="ru-RU" sz="2800">
-                <a:latin typeface="Arial" panose="020B0604020202020204" pitchFamily="34" charset="0"/>
-                <a:cs typeface="Arial" panose="020B0604020202020204" pitchFamily="34" charset="0"/>
-                <a:sym typeface="+mn-ea"/>
-              </a:rPr>
-              <a:t> </a:t>
-            </a:r>
-            <a:r>
-              <a:rPr lang="en-US" altLang="en-US" sz="2800">
-                <a:latin typeface="Arial" panose="020B0604020202020204" pitchFamily="34" charset="0"/>
-                <a:cs typeface="Arial" panose="020B0604020202020204" pitchFamily="34" charset="0"/>
-                <a:sym typeface="+mn-ea"/>
-              </a:rPr>
-              <a:t>подсистема</a:t>
-            </a:r>
-            <a:endParaRPr lang="en-US" altLang="en-US" sz="2800">
-              <a:latin typeface="Arial" panose="020B0604020202020204" pitchFamily="34" charset="0"/>
-              <a:cs typeface="Arial" panose="020B0604020202020204" pitchFamily="34" charset="0"/>
-              <a:sym typeface="+mn-ea"/>
-            </a:endParaRPr>
-          </a:p>
-        </p:txBody>
-      </p:sp>
-    </p:spTree>
-  </p:cSld>
-  <p:clrMapOvr>
-    <a:masterClrMapping/>
-  </p:clrMapOvr>
-</p:sld>
-</file>
-
-<file path=ppt/slides/slide12.xml><?xml version="1.0" encoding="utf-8"?>
-<p:sld xmlns:a="http://schemas.openxmlformats.org/drawingml/2006/main" xmlns:r="http://schemas.openxmlformats.org/officeDocument/2006/relationships" xmlns:p="http://schemas.openxmlformats.org/presentationml/2006/main">
-  <p:cSld>
-    <p:spTree>
-      <p:nvGrpSpPr>
-        <p:cNvPr id="1" name=""/>
-        <p:cNvGrpSpPr/>
-        <p:nvPr/>
-      </p:nvGrpSpPr>
       <p:grpSpPr>
         <a:xfrm>
           <a:off x="0" y="0"/>
@@ -5594,7 +5029,7 @@
             <a:normAutofit/>
           </a:bodyPr>
           <a:p>
-            <a:pPr marL="0" indent="0" algn="just" fontAlgn="auto">
+            <a:pPr marL="0" indent="0" algn="l" fontAlgn="auto">
               <a:spcBef>
                 <a:spcPts val="100"/>
               </a:spcBef>
@@ -6090,7 +5525,7 @@
         </p:nvSpPr>
         <p:spPr>
           <a:xfrm>
-            <a:off x="1758950" y="1794510"/>
+            <a:off x="1827530" y="1755140"/>
             <a:ext cx="8536940" cy="4434840"/>
           </a:xfrm>
         </p:spPr>
@@ -6099,7 +5534,7 @@
             <a:normAutofit/>
           </a:bodyPr>
           <a:p>
-            <a:pPr marL="0" indent="0" algn="just" fontAlgn="auto">
+            <a:pPr marL="0" indent="0" algn="l" fontAlgn="auto">
               <a:spcBef>
                 <a:spcPts val="100"/>
               </a:spcBef>
@@ -6930,2933 +6365,6 @@
 </file>
 
 <file path=ppt/slides/slide5.xml><?xml version="1.0" encoding="utf-8"?>
-<p:sld xmlns:a="http://schemas.openxmlformats.org/drawingml/2006/main" xmlns:r="http://schemas.openxmlformats.org/officeDocument/2006/relationships" xmlns:p="http://schemas.openxmlformats.org/presentationml/2006/main">
-  <p:cSld>
-    <p:spTree>
-      <p:nvGrpSpPr>
-        <p:cNvPr id="1" name=""/>
-        <p:cNvGrpSpPr/>
-        <p:nvPr/>
-      </p:nvGrpSpPr>
-      <p:grpSpPr/>
-      <p:sp>
-        <p:nvSpPr>
-          <p:cNvPr id="2" name="Заголовок 1"/>
-          <p:cNvSpPr>
-            <a:spLocks noGrp="1"/>
-          </p:cNvSpPr>
-          <p:nvPr>
-            <p:ph type="title"/>
-          </p:nvPr>
-        </p:nvSpPr>
-        <p:spPr>
-          <a:xfrm>
-            <a:off x="4203700" y="214630"/>
-            <a:ext cx="3785235" cy="780415"/>
-          </a:xfrm>
-        </p:spPr>
-        <p:txBody>
-          <a:bodyPr>
-            <a:normAutofit/>
-          </a:bodyPr>
-          <a:p>
-            <a:pPr algn="ctr"/>
-            <a:r>
-              <a:rPr lang="ru-RU" altLang="en-US" sz="4000" b="1">
-                <a:latin typeface="Arial" panose="020B0604020202020204" pitchFamily="34" charset="0"/>
-                <a:cs typeface="Arial" panose="020B0604020202020204" pitchFamily="34" charset="0"/>
-              </a:rPr>
-              <a:t>Задачи</a:t>
-            </a:r>
-            <a:endParaRPr lang="ru-RU" altLang="en-US" b="1">
-              <a:latin typeface="Arial" panose="020B0604020202020204" pitchFamily="34" charset="0"/>
-              <a:cs typeface="Arial" panose="020B0604020202020204" pitchFamily="34" charset="0"/>
-            </a:endParaRPr>
-          </a:p>
-        </p:txBody>
-      </p:sp>
-      <p:sp>
-        <p:nvSpPr>
-          <p:cNvPr id="3" name="Замещающее содержимое 2"/>
-          <p:cNvSpPr>
-            <a:spLocks noGrp="1"/>
-          </p:cNvSpPr>
-          <p:nvPr>
-            <p:ph idx="1"/>
-          </p:nvPr>
-        </p:nvSpPr>
-        <p:spPr>
-          <a:xfrm>
-            <a:off x="2198370" y="1489075"/>
-            <a:ext cx="7795260" cy="4414520"/>
-          </a:xfrm>
-        </p:spPr>
-        <p:txBody>
-          <a:bodyPr>
-            <a:noAutofit/>
-          </a:bodyPr>
-          <a:p>
-            <a:pPr marL="342900" indent="-342900" algn="l" fontAlgn="auto">
-              <a:lnSpc>
-                <a:spcPct val="120000"/>
-              </a:lnSpc>
-              <a:spcBef>
-                <a:spcPts val="100"/>
-              </a:spcBef>
-              <a:buFont typeface="+mj-lt"/>
-              <a:buAutoNum type="arabicPeriod"/>
-            </a:pPr>
-            <a:r>
-              <a:rPr lang="en-US" altLang="en-US" sz="1800">
-                <a:latin typeface="Arial" panose="020B0604020202020204" pitchFamily="34" charset="0"/>
-                <a:cs typeface="Arial" panose="020B0604020202020204" pitchFamily="34" charset="0"/>
-              </a:rPr>
-              <a:t>собрать</a:t>
-            </a:r>
-            <a:r>
-              <a:rPr lang="en-US" altLang="ru-RU" sz="1800">
-                <a:latin typeface="Arial" panose="020B0604020202020204" pitchFamily="34" charset="0"/>
-                <a:cs typeface="Arial" panose="020B0604020202020204" pitchFamily="34" charset="0"/>
-              </a:rPr>
-              <a:t> </a:t>
-            </a:r>
-            <a:r>
-              <a:rPr lang="en-US" altLang="en-US" sz="1800">
-                <a:latin typeface="Arial" panose="020B0604020202020204" pitchFamily="34" charset="0"/>
-                <a:cs typeface="Arial" panose="020B0604020202020204" pitchFamily="34" charset="0"/>
-              </a:rPr>
-              <a:t>и</a:t>
-            </a:r>
-            <a:r>
-              <a:rPr lang="en-US" altLang="ru-RU" sz="1800">
-                <a:latin typeface="Arial" panose="020B0604020202020204" pitchFamily="34" charset="0"/>
-                <a:cs typeface="Arial" panose="020B0604020202020204" pitchFamily="34" charset="0"/>
-              </a:rPr>
-              <a:t> </a:t>
-            </a:r>
-            <a:r>
-              <a:rPr lang="en-US" altLang="en-US" sz="1800">
-                <a:latin typeface="Arial" panose="020B0604020202020204" pitchFamily="34" charset="0"/>
-                <a:cs typeface="Arial" panose="020B0604020202020204" pitchFamily="34" charset="0"/>
-              </a:rPr>
-              <a:t>проанализировать</a:t>
-            </a:r>
-            <a:r>
-              <a:rPr lang="en-US" altLang="ru-RU" sz="1800">
-                <a:latin typeface="Arial" panose="020B0604020202020204" pitchFamily="34" charset="0"/>
-                <a:cs typeface="Arial" panose="020B0604020202020204" pitchFamily="34" charset="0"/>
-              </a:rPr>
-              <a:t> </a:t>
-            </a:r>
-            <a:r>
-              <a:rPr lang="en-US" altLang="en-US" sz="1800">
-                <a:latin typeface="Arial" panose="020B0604020202020204" pitchFamily="34" charset="0"/>
-                <a:cs typeface="Arial" panose="020B0604020202020204" pitchFamily="34" charset="0"/>
-              </a:rPr>
-              <a:t>требования</a:t>
-            </a:r>
-            <a:r>
-              <a:rPr lang="en-US" altLang="ru-RU" sz="1800">
-                <a:latin typeface="Arial" panose="020B0604020202020204" pitchFamily="34" charset="0"/>
-                <a:cs typeface="Arial" panose="020B0604020202020204" pitchFamily="34" charset="0"/>
-              </a:rPr>
-              <a:t> </a:t>
-            </a:r>
-            <a:r>
-              <a:rPr lang="en-US" altLang="en-US" sz="1800">
-                <a:latin typeface="Arial" panose="020B0604020202020204" pitchFamily="34" charset="0"/>
-                <a:cs typeface="Arial" panose="020B0604020202020204" pitchFamily="34" charset="0"/>
-              </a:rPr>
-              <a:t>целевой</a:t>
-            </a:r>
-            <a:r>
-              <a:rPr lang="en-US" altLang="ru-RU" sz="1800">
-                <a:latin typeface="Arial" panose="020B0604020202020204" pitchFamily="34" charset="0"/>
-                <a:cs typeface="Arial" panose="020B0604020202020204" pitchFamily="34" charset="0"/>
-              </a:rPr>
-              <a:t> </a:t>
-            </a:r>
-            <a:r>
-              <a:rPr lang="en-US" altLang="en-US" sz="1800">
-                <a:latin typeface="Arial" panose="020B0604020202020204" pitchFamily="34" charset="0"/>
-                <a:cs typeface="Arial" panose="020B0604020202020204" pitchFamily="34" charset="0"/>
-              </a:rPr>
-              <a:t>аудитории</a:t>
-            </a:r>
-            <a:r>
-              <a:rPr lang="en-US" altLang="ru-RU" sz="1800">
-                <a:latin typeface="Arial" panose="020B0604020202020204" pitchFamily="34" charset="0"/>
-                <a:cs typeface="Arial" panose="020B0604020202020204" pitchFamily="34" charset="0"/>
-              </a:rPr>
-              <a:t>,</a:t>
-            </a:r>
-            <a:endParaRPr lang="en-US" altLang="ru-RU" sz="1800">
-              <a:latin typeface="Arial" panose="020B0604020202020204" pitchFamily="34" charset="0"/>
-              <a:cs typeface="Arial" panose="020B0604020202020204" pitchFamily="34" charset="0"/>
-            </a:endParaRPr>
-          </a:p>
-          <a:p>
-            <a:pPr marL="342900" indent="-342900" algn="l" fontAlgn="auto">
-              <a:lnSpc>
-                <a:spcPct val="120000"/>
-              </a:lnSpc>
-              <a:spcBef>
-                <a:spcPts val="100"/>
-              </a:spcBef>
-              <a:buFont typeface="+mj-lt"/>
-              <a:buAutoNum type="arabicPeriod"/>
-            </a:pPr>
-            <a:r>
-              <a:rPr lang="en-US" altLang="en-US" sz="1800">
-                <a:latin typeface="Arial" panose="020B0604020202020204" pitchFamily="34" charset="0"/>
-                <a:cs typeface="Arial" panose="020B0604020202020204" pitchFamily="34" charset="0"/>
-              </a:rPr>
-              <a:t>изучить</a:t>
-            </a:r>
-            <a:r>
-              <a:rPr lang="en-US" altLang="ru-RU" sz="1800">
-                <a:latin typeface="Arial" panose="020B0604020202020204" pitchFamily="34" charset="0"/>
-                <a:cs typeface="Arial" panose="020B0604020202020204" pitchFamily="34" charset="0"/>
-              </a:rPr>
-              <a:t> </a:t>
-            </a:r>
-            <a:r>
-              <a:rPr lang="en-US" altLang="en-US" sz="1800">
-                <a:latin typeface="Arial" panose="020B0604020202020204" pitchFamily="34" charset="0"/>
-                <a:cs typeface="Arial" panose="020B0604020202020204" pitchFamily="34" charset="0"/>
-              </a:rPr>
-              <a:t>информационные</a:t>
-            </a:r>
-            <a:r>
-              <a:rPr lang="en-US" altLang="ru-RU" sz="1800">
-                <a:latin typeface="Arial" panose="020B0604020202020204" pitchFamily="34" charset="0"/>
-                <a:cs typeface="Arial" panose="020B0604020202020204" pitchFamily="34" charset="0"/>
-              </a:rPr>
-              <a:t> </a:t>
-            </a:r>
-            <a:r>
-              <a:rPr lang="en-US" altLang="en-US" sz="1800">
-                <a:latin typeface="Arial" panose="020B0604020202020204" pitchFamily="34" charset="0"/>
-                <a:cs typeface="Arial" panose="020B0604020202020204" pitchFamily="34" charset="0"/>
-              </a:rPr>
-              <a:t>источники</a:t>
-            </a:r>
-            <a:r>
-              <a:rPr lang="en-US" altLang="ru-RU" sz="1800">
-                <a:latin typeface="Arial" panose="020B0604020202020204" pitchFamily="34" charset="0"/>
-                <a:cs typeface="Arial" panose="020B0604020202020204" pitchFamily="34" charset="0"/>
-              </a:rPr>
-              <a:t> </a:t>
-            </a:r>
-            <a:r>
-              <a:rPr lang="en-US" altLang="en-US" sz="1800">
-                <a:latin typeface="Arial" panose="020B0604020202020204" pitchFamily="34" charset="0"/>
-                <a:cs typeface="Arial" panose="020B0604020202020204" pitchFamily="34" charset="0"/>
-              </a:rPr>
-              <a:t>и</a:t>
-            </a:r>
-            <a:r>
-              <a:rPr lang="en-US" altLang="ru-RU" sz="1800">
-                <a:latin typeface="Arial" panose="020B0604020202020204" pitchFamily="34" charset="0"/>
-                <a:cs typeface="Arial" panose="020B0604020202020204" pitchFamily="34" charset="0"/>
-              </a:rPr>
-              <a:t> </a:t>
-            </a:r>
-            <a:r>
-              <a:rPr lang="en-US" altLang="en-US" sz="1800">
-                <a:latin typeface="Arial" panose="020B0604020202020204" pitchFamily="34" charset="0"/>
-                <a:cs typeface="Arial" panose="020B0604020202020204" pitchFamily="34" charset="0"/>
-              </a:rPr>
-              <a:t>существующие</a:t>
-            </a:r>
-            <a:r>
-              <a:rPr lang="en-US" altLang="ru-RU" sz="1800">
-                <a:latin typeface="Arial" panose="020B0604020202020204" pitchFamily="34" charset="0"/>
-                <a:cs typeface="Arial" panose="020B0604020202020204" pitchFamily="34" charset="0"/>
-              </a:rPr>
-              <a:t> </a:t>
-            </a:r>
-            <a:r>
-              <a:rPr lang="en-US" altLang="en-US" sz="1800">
-                <a:latin typeface="Arial" panose="020B0604020202020204" pitchFamily="34" charset="0"/>
-                <a:cs typeface="Arial" panose="020B0604020202020204" pitchFamily="34" charset="0"/>
-              </a:rPr>
-              <a:t>решения</a:t>
-            </a:r>
-            <a:r>
-              <a:rPr lang="en-US" altLang="ru-RU" sz="1800">
-                <a:latin typeface="Arial" panose="020B0604020202020204" pitchFamily="34" charset="0"/>
-                <a:cs typeface="Arial" panose="020B0604020202020204" pitchFamily="34" charset="0"/>
-              </a:rPr>
-              <a:t>,</a:t>
-            </a:r>
-            <a:endParaRPr lang="en-US" altLang="ru-RU" sz="1800">
-              <a:latin typeface="Arial" panose="020B0604020202020204" pitchFamily="34" charset="0"/>
-              <a:cs typeface="Arial" panose="020B0604020202020204" pitchFamily="34" charset="0"/>
-            </a:endParaRPr>
-          </a:p>
-          <a:p>
-            <a:pPr marL="342900" indent="-342900" algn="l" fontAlgn="auto">
-              <a:lnSpc>
-                <a:spcPct val="120000"/>
-              </a:lnSpc>
-              <a:spcBef>
-                <a:spcPts val="100"/>
-              </a:spcBef>
-              <a:buFont typeface="+mj-lt"/>
-              <a:buAutoNum type="arabicPeriod"/>
-            </a:pPr>
-            <a:r>
-              <a:rPr lang="en-US" altLang="en-US" sz="1800">
-                <a:latin typeface="Arial" panose="020B0604020202020204" pitchFamily="34" charset="0"/>
-                <a:cs typeface="Arial" panose="020B0604020202020204" pitchFamily="34" charset="0"/>
-              </a:rPr>
-              <a:t>спроектировать</a:t>
-            </a:r>
-            <a:r>
-              <a:rPr lang="en-US" altLang="ru-RU" sz="1800">
-                <a:latin typeface="Arial" panose="020B0604020202020204" pitchFamily="34" charset="0"/>
-                <a:cs typeface="Arial" panose="020B0604020202020204" pitchFamily="34" charset="0"/>
-              </a:rPr>
-              <a:t> </a:t>
-            </a:r>
-            <a:r>
-              <a:rPr lang="en-US" altLang="en-US" sz="1800">
-                <a:latin typeface="Arial" panose="020B0604020202020204" pitchFamily="34" charset="0"/>
-                <a:cs typeface="Arial" panose="020B0604020202020204" pitchFamily="34" charset="0"/>
-              </a:rPr>
-              <a:t>архитектуру</a:t>
-            </a:r>
-            <a:r>
-              <a:rPr lang="en-US" altLang="ru-RU" sz="1800">
-                <a:latin typeface="Arial" panose="020B0604020202020204" pitchFamily="34" charset="0"/>
-                <a:cs typeface="Arial" panose="020B0604020202020204" pitchFamily="34" charset="0"/>
-              </a:rPr>
-              <a:t> </a:t>
-            </a:r>
-            <a:r>
-              <a:rPr lang="en-US" altLang="en-US" sz="1800">
-                <a:latin typeface="Arial" panose="020B0604020202020204" pitchFamily="34" charset="0"/>
-                <a:cs typeface="Arial" panose="020B0604020202020204" pitchFamily="34" charset="0"/>
-              </a:rPr>
-              <a:t>и</a:t>
-            </a:r>
-            <a:r>
-              <a:rPr lang="en-US" altLang="ru-RU" sz="1800">
-                <a:latin typeface="Arial" panose="020B0604020202020204" pitchFamily="34" charset="0"/>
-                <a:cs typeface="Arial" panose="020B0604020202020204" pitchFamily="34" charset="0"/>
-              </a:rPr>
-              <a:t> </a:t>
-            </a:r>
-            <a:r>
-              <a:rPr lang="en-US" altLang="en-US" sz="1800">
-                <a:latin typeface="Arial" panose="020B0604020202020204" pitchFamily="34" charset="0"/>
-                <a:cs typeface="Arial" panose="020B0604020202020204" pitchFamily="34" charset="0"/>
-              </a:rPr>
-              <a:t>диаграмму</a:t>
-            </a:r>
-            <a:r>
-              <a:rPr lang="en-US" altLang="ru-RU" sz="1800">
-                <a:latin typeface="Arial" panose="020B0604020202020204" pitchFamily="34" charset="0"/>
-                <a:cs typeface="Arial" panose="020B0604020202020204" pitchFamily="34" charset="0"/>
-              </a:rPr>
-              <a:t> </a:t>
-            </a:r>
-            <a:r>
-              <a:rPr lang="en-US" altLang="en-US" sz="1800">
-                <a:latin typeface="Arial" panose="020B0604020202020204" pitchFamily="34" charset="0"/>
-                <a:cs typeface="Arial" panose="020B0604020202020204" pitchFamily="34" charset="0"/>
-              </a:rPr>
-              <a:t>вариантов</a:t>
-            </a:r>
-            <a:r>
-              <a:rPr lang="en-US" altLang="ru-RU" sz="1800">
-                <a:latin typeface="Arial" panose="020B0604020202020204" pitchFamily="34" charset="0"/>
-                <a:cs typeface="Arial" panose="020B0604020202020204" pitchFamily="34" charset="0"/>
-              </a:rPr>
-              <a:t> </a:t>
-            </a:r>
-            <a:r>
-              <a:rPr lang="en-US" altLang="en-US" sz="1800">
-                <a:latin typeface="Arial" panose="020B0604020202020204" pitchFamily="34" charset="0"/>
-                <a:cs typeface="Arial" panose="020B0604020202020204" pitchFamily="34" charset="0"/>
-              </a:rPr>
-              <a:t>использования</a:t>
-            </a:r>
-            <a:r>
-              <a:rPr lang="en-US" altLang="ru-RU" sz="1800">
-                <a:latin typeface="Arial" panose="020B0604020202020204" pitchFamily="34" charset="0"/>
-                <a:cs typeface="Arial" panose="020B0604020202020204" pitchFamily="34" charset="0"/>
-              </a:rPr>
-              <a:t>,</a:t>
-            </a:r>
-            <a:endParaRPr lang="en-US" altLang="ru-RU" sz="1800">
-              <a:latin typeface="Arial" panose="020B0604020202020204" pitchFamily="34" charset="0"/>
-              <a:cs typeface="Arial" panose="020B0604020202020204" pitchFamily="34" charset="0"/>
-            </a:endParaRPr>
-          </a:p>
-          <a:p>
-            <a:pPr marL="342900" indent="-342900" algn="l" fontAlgn="auto">
-              <a:lnSpc>
-                <a:spcPct val="120000"/>
-              </a:lnSpc>
-              <a:spcBef>
-                <a:spcPts val="100"/>
-              </a:spcBef>
-              <a:buFont typeface="+mj-lt"/>
-              <a:buAutoNum type="arabicPeriod"/>
-            </a:pPr>
-            <a:r>
-              <a:rPr lang="en-US" altLang="en-US" sz="1800">
-                <a:latin typeface="Arial" panose="020B0604020202020204" pitchFamily="34" charset="0"/>
-                <a:cs typeface="Arial" panose="020B0604020202020204" pitchFamily="34" charset="0"/>
-              </a:rPr>
-              <a:t>выбрать</a:t>
-            </a:r>
-            <a:r>
-              <a:rPr lang="en-US" altLang="ru-RU" sz="1800">
-                <a:latin typeface="Arial" panose="020B0604020202020204" pitchFamily="34" charset="0"/>
-                <a:cs typeface="Arial" panose="020B0604020202020204" pitchFamily="34" charset="0"/>
-              </a:rPr>
-              <a:t> </a:t>
-            </a:r>
-            <a:r>
-              <a:rPr lang="en-US" altLang="en-US" sz="1800">
-                <a:latin typeface="Arial" panose="020B0604020202020204" pitchFamily="34" charset="0"/>
-                <a:cs typeface="Arial" panose="020B0604020202020204" pitchFamily="34" charset="0"/>
-              </a:rPr>
-              <a:t>программные</a:t>
-            </a:r>
-            <a:r>
-              <a:rPr lang="en-US" altLang="ru-RU" sz="1800">
-                <a:latin typeface="Arial" panose="020B0604020202020204" pitchFamily="34" charset="0"/>
-                <a:cs typeface="Arial" panose="020B0604020202020204" pitchFamily="34" charset="0"/>
-              </a:rPr>
-              <a:t> </a:t>
-            </a:r>
-            <a:r>
-              <a:rPr lang="en-US" altLang="en-US" sz="1800">
-                <a:latin typeface="Arial" panose="020B0604020202020204" pitchFamily="34" charset="0"/>
-                <a:cs typeface="Arial" panose="020B0604020202020204" pitchFamily="34" charset="0"/>
-              </a:rPr>
-              <a:t>и</a:t>
-            </a:r>
-            <a:r>
-              <a:rPr lang="en-US" altLang="ru-RU" sz="1800">
-                <a:latin typeface="Arial" panose="020B0604020202020204" pitchFamily="34" charset="0"/>
-                <a:cs typeface="Arial" panose="020B0604020202020204" pitchFamily="34" charset="0"/>
-              </a:rPr>
-              <a:t> </a:t>
-            </a:r>
-            <a:r>
-              <a:rPr lang="en-US" altLang="en-US" sz="1800">
-                <a:latin typeface="Arial" panose="020B0604020202020204" pitchFamily="34" charset="0"/>
-                <a:cs typeface="Arial" panose="020B0604020202020204" pitchFamily="34" charset="0"/>
-              </a:rPr>
-              <a:t>технические</a:t>
-            </a:r>
-            <a:r>
-              <a:rPr lang="en-US" altLang="ru-RU" sz="1800">
-                <a:latin typeface="Arial" panose="020B0604020202020204" pitchFamily="34" charset="0"/>
-                <a:cs typeface="Arial" panose="020B0604020202020204" pitchFamily="34" charset="0"/>
-              </a:rPr>
-              <a:t> </a:t>
-            </a:r>
-            <a:r>
-              <a:rPr lang="en-US" altLang="en-US" sz="1800">
-                <a:latin typeface="Arial" panose="020B0604020202020204" pitchFamily="34" charset="0"/>
-                <a:cs typeface="Arial" panose="020B0604020202020204" pitchFamily="34" charset="0"/>
-              </a:rPr>
-              <a:t>средства</a:t>
-            </a:r>
-            <a:r>
-              <a:rPr lang="en-US" altLang="ru-RU" sz="1800">
-                <a:latin typeface="Arial" panose="020B0604020202020204" pitchFamily="34" charset="0"/>
-                <a:cs typeface="Arial" panose="020B0604020202020204" pitchFamily="34" charset="0"/>
-              </a:rPr>
-              <a:t>,</a:t>
-            </a:r>
-            <a:endParaRPr lang="en-US" altLang="ru-RU" sz="1800">
-              <a:latin typeface="Arial" panose="020B0604020202020204" pitchFamily="34" charset="0"/>
-              <a:cs typeface="Arial" panose="020B0604020202020204" pitchFamily="34" charset="0"/>
-            </a:endParaRPr>
-          </a:p>
-          <a:p>
-            <a:pPr marL="342900" indent="-342900" algn="l" fontAlgn="auto">
-              <a:lnSpc>
-                <a:spcPct val="120000"/>
-              </a:lnSpc>
-              <a:spcBef>
-                <a:spcPts val="100"/>
-              </a:spcBef>
-              <a:buFont typeface="+mj-lt"/>
-              <a:buAutoNum type="arabicPeriod"/>
-            </a:pPr>
-            <a:r>
-              <a:rPr lang="en-US" altLang="en-US" sz="1800">
-                <a:latin typeface="Arial" panose="020B0604020202020204" pitchFamily="34" charset="0"/>
-                <a:cs typeface="Arial" panose="020B0604020202020204" pitchFamily="34" charset="0"/>
-              </a:rPr>
-              <a:t>спроектировать</a:t>
-            </a:r>
-            <a:r>
-              <a:rPr lang="en-US" altLang="ru-RU" sz="1800">
-                <a:latin typeface="Arial" panose="020B0604020202020204" pitchFamily="34" charset="0"/>
-                <a:cs typeface="Arial" panose="020B0604020202020204" pitchFamily="34" charset="0"/>
-              </a:rPr>
-              <a:t> </a:t>
-            </a:r>
-            <a:r>
-              <a:rPr lang="en-US" altLang="en-US" sz="1800">
-                <a:latin typeface="Arial" panose="020B0604020202020204" pitchFamily="34" charset="0"/>
-                <a:cs typeface="Arial" panose="020B0604020202020204" pitchFamily="34" charset="0"/>
-              </a:rPr>
-              <a:t>и</a:t>
-            </a:r>
-            <a:r>
-              <a:rPr lang="en-US" altLang="ru-RU" sz="1800">
-                <a:latin typeface="Arial" panose="020B0604020202020204" pitchFamily="34" charset="0"/>
-                <a:cs typeface="Arial" panose="020B0604020202020204" pitchFamily="34" charset="0"/>
-              </a:rPr>
-              <a:t> </a:t>
-            </a:r>
-            <a:r>
-              <a:rPr lang="en-US" altLang="en-US" sz="1800">
-                <a:latin typeface="Arial" panose="020B0604020202020204" pitchFamily="34" charset="0"/>
-                <a:cs typeface="Arial" panose="020B0604020202020204" pitchFamily="34" charset="0"/>
-              </a:rPr>
-              <a:t>создать</a:t>
-            </a:r>
-            <a:r>
-              <a:rPr lang="en-US" altLang="ru-RU" sz="1800">
-                <a:latin typeface="Arial" panose="020B0604020202020204" pitchFamily="34" charset="0"/>
-                <a:cs typeface="Arial" panose="020B0604020202020204" pitchFamily="34" charset="0"/>
-              </a:rPr>
-              <a:t> </a:t>
-            </a:r>
-            <a:r>
-              <a:rPr lang="en-US" altLang="en-US" sz="1800">
-                <a:latin typeface="Arial" panose="020B0604020202020204" pitchFamily="34" charset="0"/>
-                <a:cs typeface="Arial" panose="020B0604020202020204" pitchFamily="34" charset="0"/>
-              </a:rPr>
-              <a:t>базу</a:t>
-            </a:r>
-            <a:r>
-              <a:rPr lang="en-US" altLang="ru-RU" sz="1800">
-                <a:latin typeface="Arial" panose="020B0604020202020204" pitchFamily="34" charset="0"/>
-                <a:cs typeface="Arial" panose="020B0604020202020204" pitchFamily="34" charset="0"/>
-              </a:rPr>
-              <a:t> </a:t>
-            </a:r>
-            <a:r>
-              <a:rPr lang="en-US" altLang="en-US" sz="1800">
-                <a:latin typeface="Arial" panose="020B0604020202020204" pitchFamily="34" charset="0"/>
-                <a:cs typeface="Arial" panose="020B0604020202020204" pitchFamily="34" charset="0"/>
-              </a:rPr>
-              <a:t>данных</a:t>
-            </a:r>
-            <a:r>
-              <a:rPr lang="en-US" altLang="ru-RU" sz="1800">
-                <a:latin typeface="Arial" panose="020B0604020202020204" pitchFamily="34" charset="0"/>
-                <a:cs typeface="Arial" panose="020B0604020202020204" pitchFamily="34" charset="0"/>
-              </a:rPr>
-              <a:t>,</a:t>
-            </a:r>
-            <a:endParaRPr lang="en-US" altLang="ru-RU" sz="1800">
-              <a:latin typeface="Arial" panose="020B0604020202020204" pitchFamily="34" charset="0"/>
-              <a:cs typeface="Arial" panose="020B0604020202020204" pitchFamily="34" charset="0"/>
-            </a:endParaRPr>
-          </a:p>
-          <a:p>
-            <a:pPr marL="342900" indent="-342900" algn="l" fontAlgn="auto">
-              <a:lnSpc>
-                <a:spcPct val="120000"/>
-              </a:lnSpc>
-              <a:spcBef>
-                <a:spcPts val="100"/>
-              </a:spcBef>
-              <a:buFont typeface="+mj-lt"/>
-              <a:buAutoNum type="arabicPeriod"/>
-            </a:pPr>
-            <a:r>
-              <a:rPr lang="en-US" altLang="en-US" sz="1800">
-                <a:latin typeface="Arial" panose="020B0604020202020204" pitchFamily="34" charset="0"/>
-                <a:cs typeface="Arial" panose="020B0604020202020204" pitchFamily="34" charset="0"/>
-              </a:rPr>
-              <a:t>разработать</a:t>
-            </a:r>
-            <a:r>
-              <a:rPr lang="en-US" altLang="ru-RU" sz="1800">
-                <a:latin typeface="Arial" panose="020B0604020202020204" pitchFamily="34" charset="0"/>
-                <a:cs typeface="Arial" panose="020B0604020202020204" pitchFamily="34" charset="0"/>
-              </a:rPr>
-              <a:t> API </a:t>
-            </a:r>
-            <a:r>
-              <a:rPr lang="en-US" altLang="en-US" sz="1800">
-                <a:latin typeface="Arial" panose="020B0604020202020204" pitchFamily="34" charset="0"/>
-                <a:cs typeface="Arial" panose="020B0604020202020204" pitchFamily="34" charset="0"/>
-              </a:rPr>
-              <a:t>для</a:t>
-            </a:r>
-            <a:r>
-              <a:rPr lang="en-US" altLang="ru-RU" sz="1800">
-                <a:latin typeface="Arial" panose="020B0604020202020204" pitchFamily="34" charset="0"/>
-                <a:cs typeface="Arial" panose="020B0604020202020204" pitchFamily="34" charset="0"/>
-              </a:rPr>
-              <a:t> </a:t>
-            </a:r>
-            <a:r>
-              <a:rPr lang="en-US" altLang="en-US" sz="1800">
-                <a:latin typeface="Arial" panose="020B0604020202020204" pitchFamily="34" charset="0"/>
-                <a:cs typeface="Arial" panose="020B0604020202020204" pitchFamily="34" charset="0"/>
-              </a:rPr>
-              <a:t>взаимодействия</a:t>
-            </a:r>
-            <a:r>
-              <a:rPr lang="en-US" altLang="ru-RU" sz="1800">
-                <a:latin typeface="Arial" panose="020B0604020202020204" pitchFamily="34" charset="0"/>
-                <a:cs typeface="Arial" panose="020B0604020202020204" pitchFamily="34" charset="0"/>
-              </a:rPr>
-              <a:t> </a:t>
-            </a:r>
-            <a:r>
-              <a:rPr lang="en-US" altLang="en-US" sz="1800">
-                <a:latin typeface="Arial" panose="020B0604020202020204" pitchFamily="34" charset="0"/>
-                <a:cs typeface="Arial" panose="020B0604020202020204" pitchFamily="34" charset="0"/>
-              </a:rPr>
-              <a:t>с</a:t>
-            </a:r>
-            <a:r>
-              <a:rPr lang="en-US" altLang="ru-RU" sz="1800">
-                <a:latin typeface="Arial" panose="020B0604020202020204" pitchFamily="34" charset="0"/>
-                <a:cs typeface="Arial" panose="020B0604020202020204" pitchFamily="34" charset="0"/>
-              </a:rPr>
-              <a:t> </a:t>
-            </a:r>
-            <a:r>
-              <a:rPr lang="en-US" altLang="en-US" sz="1800">
-                <a:latin typeface="Arial" panose="020B0604020202020204" pitchFamily="34" charset="0"/>
-                <a:cs typeface="Arial" panose="020B0604020202020204" pitchFamily="34" charset="0"/>
-              </a:rPr>
-              <a:t>БД</a:t>
-            </a:r>
-            <a:r>
-              <a:rPr lang="en-US" altLang="ru-RU" sz="1800">
-                <a:latin typeface="Arial" panose="020B0604020202020204" pitchFamily="34" charset="0"/>
-                <a:cs typeface="Arial" panose="020B0604020202020204" pitchFamily="34" charset="0"/>
-              </a:rPr>
-              <a:t>,</a:t>
-            </a:r>
-            <a:endParaRPr lang="en-US" altLang="ru-RU" sz="1800">
-              <a:latin typeface="Arial" panose="020B0604020202020204" pitchFamily="34" charset="0"/>
-              <a:cs typeface="Arial" panose="020B0604020202020204" pitchFamily="34" charset="0"/>
-            </a:endParaRPr>
-          </a:p>
-          <a:p>
-            <a:pPr marL="342900" indent="-342900" algn="l" fontAlgn="auto">
-              <a:lnSpc>
-                <a:spcPct val="120000"/>
-              </a:lnSpc>
-              <a:spcBef>
-                <a:spcPts val="100"/>
-              </a:spcBef>
-              <a:buFont typeface="+mj-lt"/>
-              <a:buAutoNum type="arabicPeriod"/>
-            </a:pPr>
-            <a:r>
-              <a:rPr lang="en-US" altLang="en-US" sz="1800">
-                <a:latin typeface="Arial" panose="020B0604020202020204" pitchFamily="34" charset="0"/>
-                <a:cs typeface="Arial" panose="020B0604020202020204" pitchFamily="34" charset="0"/>
-              </a:rPr>
-              <a:t>реализовать</a:t>
-            </a:r>
-            <a:r>
-              <a:rPr lang="en-US" altLang="ru-RU" sz="1800">
-                <a:latin typeface="Arial" panose="020B0604020202020204" pitchFamily="34" charset="0"/>
-                <a:cs typeface="Arial" panose="020B0604020202020204" pitchFamily="34" charset="0"/>
-              </a:rPr>
-              <a:t> </a:t>
-            </a:r>
-            <a:r>
-              <a:rPr lang="en-US" altLang="en-US" sz="1800">
-                <a:latin typeface="Arial" panose="020B0604020202020204" pitchFamily="34" charset="0"/>
-                <a:cs typeface="Arial" panose="020B0604020202020204" pitchFamily="34" charset="0"/>
-              </a:rPr>
-              <a:t>разграничение</a:t>
-            </a:r>
-            <a:r>
-              <a:rPr lang="en-US" altLang="ru-RU" sz="1800">
-                <a:latin typeface="Arial" panose="020B0604020202020204" pitchFamily="34" charset="0"/>
-                <a:cs typeface="Arial" panose="020B0604020202020204" pitchFamily="34" charset="0"/>
-              </a:rPr>
-              <a:t> </a:t>
-            </a:r>
-            <a:r>
-              <a:rPr lang="en-US" altLang="en-US" sz="1800">
-                <a:latin typeface="Arial" panose="020B0604020202020204" pitchFamily="34" charset="0"/>
-                <a:cs typeface="Arial" panose="020B0604020202020204" pitchFamily="34" charset="0"/>
-              </a:rPr>
-              <a:t>прав</a:t>
-            </a:r>
-            <a:r>
-              <a:rPr lang="en-US" altLang="ru-RU" sz="1800">
-                <a:latin typeface="Arial" panose="020B0604020202020204" pitchFamily="34" charset="0"/>
-                <a:cs typeface="Arial" panose="020B0604020202020204" pitchFamily="34" charset="0"/>
-              </a:rPr>
-              <a:t> </a:t>
-            </a:r>
-            <a:r>
-              <a:rPr lang="en-US" altLang="en-US" sz="1800">
-                <a:latin typeface="Arial" panose="020B0604020202020204" pitchFamily="34" charset="0"/>
-                <a:cs typeface="Arial" panose="020B0604020202020204" pitchFamily="34" charset="0"/>
-              </a:rPr>
-              <a:t>доступа</a:t>
-            </a:r>
-            <a:r>
-              <a:rPr lang="en-US" altLang="ru-RU" sz="1800">
-                <a:latin typeface="Arial" panose="020B0604020202020204" pitchFamily="34" charset="0"/>
-                <a:cs typeface="Arial" panose="020B0604020202020204" pitchFamily="34" charset="0"/>
-              </a:rPr>
-              <a:t> </a:t>
-            </a:r>
-            <a:r>
-              <a:rPr lang="en-US" altLang="en-US" sz="1800">
-                <a:latin typeface="Arial" panose="020B0604020202020204" pitchFamily="34" charset="0"/>
-                <a:cs typeface="Arial" panose="020B0604020202020204" pitchFamily="34" charset="0"/>
-              </a:rPr>
-              <a:t>и</a:t>
-            </a:r>
-            <a:r>
-              <a:rPr lang="en-US" altLang="ru-RU" sz="1800">
-                <a:latin typeface="Arial" panose="020B0604020202020204" pitchFamily="34" charset="0"/>
-                <a:cs typeface="Arial" panose="020B0604020202020204" pitchFamily="34" charset="0"/>
-              </a:rPr>
-              <a:t> </a:t>
-            </a:r>
-            <a:r>
-              <a:rPr lang="en-US" altLang="en-US" sz="1800">
-                <a:latin typeface="Arial" panose="020B0604020202020204" pitchFamily="34" charset="0"/>
-                <a:cs typeface="Arial" panose="020B0604020202020204" pitchFamily="34" charset="0"/>
-              </a:rPr>
-              <a:t>защиту</a:t>
-            </a:r>
-            <a:r>
-              <a:rPr lang="en-US" altLang="ru-RU" sz="1800">
-                <a:latin typeface="Arial" panose="020B0604020202020204" pitchFamily="34" charset="0"/>
-                <a:cs typeface="Arial" panose="020B0604020202020204" pitchFamily="34" charset="0"/>
-              </a:rPr>
-              <a:t> </a:t>
-            </a:r>
-            <a:r>
-              <a:rPr lang="en-US" altLang="en-US" sz="1800">
-                <a:latin typeface="Arial" panose="020B0604020202020204" pitchFamily="34" charset="0"/>
-                <a:cs typeface="Arial" panose="020B0604020202020204" pitchFamily="34" charset="0"/>
-              </a:rPr>
-              <a:t>данных</a:t>
-            </a:r>
-            <a:r>
-              <a:rPr lang="en-US" altLang="ru-RU" sz="1800">
-                <a:latin typeface="Arial" panose="020B0604020202020204" pitchFamily="34" charset="0"/>
-                <a:cs typeface="Arial" panose="020B0604020202020204" pitchFamily="34" charset="0"/>
-              </a:rPr>
-              <a:t>,</a:t>
-            </a:r>
-            <a:endParaRPr lang="en-US" altLang="ru-RU" sz="1800">
-              <a:latin typeface="Arial" panose="020B0604020202020204" pitchFamily="34" charset="0"/>
-              <a:cs typeface="Arial" panose="020B0604020202020204" pitchFamily="34" charset="0"/>
-            </a:endParaRPr>
-          </a:p>
-          <a:p>
-            <a:pPr marL="342900" indent="-342900" algn="l" fontAlgn="auto">
-              <a:lnSpc>
-                <a:spcPct val="120000"/>
-              </a:lnSpc>
-              <a:spcBef>
-                <a:spcPts val="100"/>
-              </a:spcBef>
-              <a:buFont typeface="+mj-lt"/>
-              <a:buAutoNum type="arabicPeriod"/>
-            </a:pPr>
-            <a:r>
-              <a:rPr lang="en-US" altLang="en-US" sz="1800">
-                <a:latin typeface="Arial" panose="020B0604020202020204" pitchFamily="34" charset="0"/>
-                <a:cs typeface="Arial" panose="020B0604020202020204" pitchFamily="34" charset="0"/>
-              </a:rPr>
-              <a:t>разработать</a:t>
-            </a:r>
-            <a:r>
-              <a:rPr lang="en-US" altLang="ru-RU" sz="1800">
-                <a:latin typeface="Arial" panose="020B0604020202020204" pitchFamily="34" charset="0"/>
-                <a:cs typeface="Arial" panose="020B0604020202020204" pitchFamily="34" charset="0"/>
-              </a:rPr>
-              <a:t> </a:t>
-            </a:r>
-            <a:r>
-              <a:rPr lang="en-US" altLang="en-US" sz="1800">
-                <a:latin typeface="Arial" panose="020B0604020202020204" pitchFamily="34" charset="0"/>
-                <a:cs typeface="Arial" panose="020B0604020202020204" pitchFamily="34" charset="0"/>
-              </a:rPr>
-              <a:t>интерфейс</a:t>
-            </a:r>
-            <a:r>
-              <a:rPr lang="en-US" altLang="ru-RU" sz="1800">
-                <a:latin typeface="Arial" panose="020B0604020202020204" pitchFamily="34" charset="0"/>
-                <a:cs typeface="Arial" panose="020B0604020202020204" pitchFamily="34" charset="0"/>
-              </a:rPr>
-              <a:t> </a:t>
-            </a:r>
-            <a:r>
-              <a:rPr lang="en-US" altLang="en-US" sz="1800">
-                <a:latin typeface="Arial" panose="020B0604020202020204" pitchFamily="34" charset="0"/>
-                <a:cs typeface="Arial" panose="020B0604020202020204" pitchFamily="34" charset="0"/>
-              </a:rPr>
-              <a:t>и</a:t>
-            </a:r>
-            <a:r>
-              <a:rPr lang="en-US" altLang="ru-RU" sz="1800">
-                <a:latin typeface="Arial" panose="020B0604020202020204" pitchFamily="34" charset="0"/>
-                <a:cs typeface="Arial" panose="020B0604020202020204" pitchFamily="34" charset="0"/>
-              </a:rPr>
-              <a:t> </a:t>
-            </a:r>
-            <a:r>
-              <a:rPr lang="en-US" altLang="en-US" sz="1800">
-                <a:latin typeface="Arial" panose="020B0604020202020204" pitchFamily="34" charset="0"/>
-                <a:cs typeface="Arial" panose="020B0604020202020204" pitchFamily="34" charset="0"/>
-              </a:rPr>
-              <a:t>мобильное</a:t>
-            </a:r>
-            <a:r>
-              <a:rPr lang="en-US" altLang="ru-RU" sz="1800">
-                <a:latin typeface="Arial" panose="020B0604020202020204" pitchFamily="34" charset="0"/>
-                <a:cs typeface="Arial" panose="020B0604020202020204" pitchFamily="34" charset="0"/>
-              </a:rPr>
-              <a:t> </a:t>
-            </a:r>
-            <a:r>
-              <a:rPr lang="en-US" altLang="en-US" sz="1800">
-                <a:latin typeface="Arial" panose="020B0604020202020204" pitchFamily="34" charset="0"/>
-                <a:cs typeface="Arial" panose="020B0604020202020204" pitchFamily="34" charset="0"/>
-              </a:rPr>
-              <a:t>приложение</a:t>
-            </a:r>
-            <a:r>
-              <a:rPr lang="en-US" altLang="ru-RU" sz="1800">
-                <a:latin typeface="Arial" panose="020B0604020202020204" pitchFamily="34" charset="0"/>
-                <a:cs typeface="Arial" panose="020B0604020202020204" pitchFamily="34" charset="0"/>
-              </a:rPr>
-              <a:t>,</a:t>
-            </a:r>
-            <a:endParaRPr lang="en-US" altLang="ru-RU" sz="1800">
-              <a:latin typeface="Arial" panose="020B0604020202020204" pitchFamily="34" charset="0"/>
-              <a:cs typeface="Arial" panose="020B0604020202020204" pitchFamily="34" charset="0"/>
-            </a:endParaRPr>
-          </a:p>
-          <a:p>
-            <a:pPr marL="342900" indent="-342900" algn="l" fontAlgn="auto">
-              <a:lnSpc>
-                <a:spcPct val="120000"/>
-              </a:lnSpc>
-              <a:spcBef>
-                <a:spcPts val="100"/>
-              </a:spcBef>
-              <a:buFont typeface="+mj-lt"/>
-              <a:buAutoNum type="arabicPeriod"/>
-            </a:pPr>
-            <a:r>
-              <a:rPr lang="en-US" altLang="en-US" sz="1800">
-                <a:latin typeface="Arial" panose="020B0604020202020204" pitchFamily="34" charset="0"/>
-                <a:cs typeface="Arial" panose="020B0604020202020204" pitchFamily="34" charset="0"/>
-              </a:rPr>
-              <a:t>создать</a:t>
-            </a:r>
-            <a:r>
-              <a:rPr lang="en-US" altLang="ru-RU" sz="1800">
-                <a:latin typeface="Arial" panose="020B0604020202020204" pitchFamily="34" charset="0"/>
-                <a:cs typeface="Arial" panose="020B0604020202020204" pitchFamily="34" charset="0"/>
-              </a:rPr>
-              <a:t> </a:t>
-            </a:r>
-            <a:r>
-              <a:rPr lang="en-US" altLang="en-US" sz="1800">
-                <a:latin typeface="Arial" panose="020B0604020202020204" pitchFamily="34" charset="0"/>
-                <a:cs typeface="Arial" panose="020B0604020202020204" pitchFamily="34" charset="0"/>
-              </a:rPr>
-              <a:t>телеграм</a:t>
-            </a:r>
-            <a:r>
-              <a:rPr lang="en-US" altLang="ru-RU" sz="1800">
-                <a:latin typeface="Arial" panose="020B0604020202020204" pitchFamily="34" charset="0"/>
-                <a:cs typeface="Arial" panose="020B0604020202020204" pitchFamily="34" charset="0"/>
-              </a:rPr>
-              <a:t>-</a:t>
-            </a:r>
-            <a:r>
-              <a:rPr lang="en-US" altLang="en-US" sz="1800">
-                <a:latin typeface="Arial" panose="020B0604020202020204" pitchFamily="34" charset="0"/>
-                <a:cs typeface="Arial" panose="020B0604020202020204" pitchFamily="34" charset="0"/>
-              </a:rPr>
-              <a:t>бота</a:t>
-            </a:r>
-            <a:r>
-              <a:rPr lang="en-US" altLang="ru-RU" sz="1800">
-                <a:latin typeface="Arial" panose="020B0604020202020204" pitchFamily="34" charset="0"/>
-                <a:cs typeface="Arial" panose="020B0604020202020204" pitchFamily="34" charset="0"/>
-              </a:rPr>
-              <a:t> </a:t>
-            </a:r>
-            <a:r>
-              <a:rPr lang="en-US" altLang="en-US" sz="1800">
-                <a:latin typeface="Arial" panose="020B0604020202020204" pitchFamily="34" charset="0"/>
-                <a:cs typeface="Arial" panose="020B0604020202020204" pitchFamily="34" charset="0"/>
-              </a:rPr>
-              <a:t>и</a:t>
-            </a:r>
-            <a:r>
-              <a:rPr lang="en-US" altLang="ru-RU" sz="1800">
-                <a:latin typeface="Arial" panose="020B0604020202020204" pitchFamily="34" charset="0"/>
-                <a:cs typeface="Arial" panose="020B0604020202020204" pitchFamily="34" charset="0"/>
-              </a:rPr>
-              <a:t> </a:t>
-            </a:r>
-            <a:r>
-              <a:rPr lang="en-US" altLang="en-US" sz="1800">
-                <a:latin typeface="Arial" panose="020B0604020202020204" pitchFamily="34" charset="0"/>
-                <a:cs typeface="Arial" panose="020B0604020202020204" pitchFamily="34" charset="0"/>
-              </a:rPr>
-              <a:t>реализовать</a:t>
-            </a:r>
-            <a:r>
-              <a:rPr lang="en-US" altLang="ru-RU" sz="1800">
-                <a:latin typeface="Arial" panose="020B0604020202020204" pitchFamily="34" charset="0"/>
-                <a:cs typeface="Arial" panose="020B0604020202020204" pitchFamily="34" charset="0"/>
-              </a:rPr>
-              <a:t> </a:t>
-            </a:r>
-            <a:r>
-              <a:rPr lang="en-US" altLang="en-US" sz="1800">
-                <a:latin typeface="Arial" panose="020B0604020202020204" pitchFamily="34" charset="0"/>
-                <a:cs typeface="Arial" panose="020B0604020202020204" pitchFamily="34" charset="0"/>
-              </a:rPr>
-              <a:t>функциональность</a:t>
-            </a:r>
-            <a:r>
-              <a:rPr lang="en-US" altLang="ru-RU" sz="1800">
-                <a:latin typeface="Arial" panose="020B0604020202020204" pitchFamily="34" charset="0"/>
-                <a:cs typeface="Arial" panose="020B0604020202020204" pitchFamily="34" charset="0"/>
-              </a:rPr>
-              <a:t> </a:t>
-            </a:r>
-            <a:r>
-              <a:rPr lang="en-US" altLang="en-US" sz="1800">
-                <a:latin typeface="Arial" panose="020B0604020202020204" pitchFamily="34" charset="0"/>
-                <a:cs typeface="Arial" panose="020B0604020202020204" pitchFamily="34" charset="0"/>
-              </a:rPr>
-              <a:t>заказов</a:t>
-            </a:r>
-            <a:r>
-              <a:rPr lang="en-US" altLang="ru-RU" sz="1800">
-                <a:latin typeface="Arial" panose="020B0604020202020204" pitchFamily="34" charset="0"/>
-                <a:cs typeface="Arial" panose="020B0604020202020204" pitchFamily="34" charset="0"/>
-              </a:rPr>
-              <a:t>,</a:t>
-            </a:r>
-            <a:endParaRPr lang="en-US" altLang="ru-RU" sz="1800">
-              <a:latin typeface="Arial" panose="020B0604020202020204" pitchFamily="34" charset="0"/>
-              <a:cs typeface="Arial" panose="020B0604020202020204" pitchFamily="34" charset="0"/>
-            </a:endParaRPr>
-          </a:p>
-          <a:p>
-            <a:pPr marL="342900" indent="-342900" algn="l" fontAlgn="auto">
-              <a:lnSpc>
-                <a:spcPct val="120000"/>
-              </a:lnSpc>
-              <a:spcBef>
-                <a:spcPts val="100"/>
-              </a:spcBef>
-              <a:buFont typeface="+mj-lt"/>
-              <a:buAutoNum type="arabicPeriod"/>
-            </a:pPr>
-            <a:r>
-              <a:rPr lang="en-US" altLang="en-US" sz="1800">
-                <a:latin typeface="Arial" panose="020B0604020202020204" pitchFamily="34" charset="0"/>
-                <a:cs typeface="Arial" panose="020B0604020202020204" pitchFamily="34" charset="0"/>
-              </a:rPr>
-              <a:t>выполнить</a:t>
-            </a:r>
-            <a:r>
-              <a:rPr lang="en-US" altLang="ru-RU" sz="1800">
-                <a:latin typeface="Arial" panose="020B0604020202020204" pitchFamily="34" charset="0"/>
-                <a:cs typeface="Arial" panose="020B0604020202020204" pitchFamily="34" charset="0"/>
-              </a:rPr>
-              <a:t> </a:t>
-            </a:r>
-            <a:r>
-              <a:rPr lang="en-US" altLang="en-US" sz="1800">
-                <a:latin typeface="Arial" panose="020B0604020202020204" pitchFamily="34" charset="0"/>
-                <a:cs typeface="Arial" panose="020B0604020202020204" pitchFamily="34" charset="0"/>
-              </a:rPr>
-              <a:t>тестирование</a:t>
-            </a:r>
-            <a:r>
-              <a:rPr lang="en-US" altLang="ru-RU" sz="1800">
-                <a:latin typeface="Arial" panose="020B0604020202020204" pitchFamily="34" charset="0"/>
-                <a:cs typeface="Arial" panose="020B0604020202020204" pitchFamily="34" charset="0"/>
-              </a:rPr>
-              <a:t> </a:t>
-            </a:r>
-            <a:r>
-              <a:rPr lang="en-US" altLang="en-US" sz="1800">
-                <a:latin typeface="Arial" panose="020B0604020202020204" pitchFamily="34" charset="0"/>
-                <a:cs typeface="Arial" panose="020B0604020202020204" pitchFamily="34" charset="0"/>
-              </a:rPr>
-              <a:t>ПО</a:t>
-            </a:r>
-            <a:r>
-              <a:rPr lang="en-US" altLang="ru-RU" sz="1800">
-                <a:latin typeface="Arial" panose="020B0604020202020204" pitchFamily="34" charset="0"/>
-                <a:cs typeface="Arial" panose="020B0604020202020204" pitchFamily="34" charset="0"/>
-              </a:rPr>
-              <a:t>,</a:t>
-            </a:r>
-            <a:endParaRPr lang="en-US" altLang="ru-RU" sz="1800">
-              <a:latin typeface="Arial" panose="020B0604020202020204" pitchFamily="34" charset="0"/>
-              <a:cs typeface="Arial" panose="020B0604020202020204" pitchFamily="34" charset="0"/>
-            </a:endParaRPr>
-          </a:p>
-          <a:p>
-            <a:pPr marL="342900" indent="-342900" algn="l" fontAlgn="auto">
-              <a:lnSpc>
-                <a:spcPct val="120000"/>
-              </a:lnSpc>
-              <a:spcBef>
-                <a:spcPts val="100"/>
-              </a:spcBef>
-              <a:buFont typeface="+mj-lt"/>
-              <a:buAutoNum type="arabicPeriod"/>
-            </a:pPr>
-            <a:r>
-              <a:rPr lang="en-US" altLang="en-US" sz="1800">
-                <a:latin typeface="Arial" panose="020B0604020202020204" pitchFamily="34" charset="0"/>
-                <a:cs typeface="Arial" panose="020B0604020202020204" pitchFamily="34" charset="0"/>
-              </a:rPr>
-              <a:t>разработать</a:t>
-            </a:r>
-            <a:r>
-              <a:rPr lang="en-US" altLang="ru-RU" sz="1800">
-                <a:latin typeface="Arial" panose="020B0604020202020204" pitchFamily="34" charset="0"/>
-                <a:cs typeface="Arial" panose="020B0604020202020204" pitchFamily="34" charset="0"/>
-              </a:rPr>
-              <a:t> </a:t>
-            </a:r>
-            <a:r>
-              <a:rPr lang="en-US" altLang="en-US" sz="1800">
-                <a:latin typeface="Arial" panose="020B0604020202020204" pitchFamily="34" charset="0"/>
-                <a:cs typeface="Arial" panose="020B0604020202020204" pitchFamily="34" charset="0"/>
-              </a:rPr>
-              <a:t>программную</a:t>
-            </a:r>
-            <a:r>
-              <a:rPr lang="en-US" altLang="ru-RU" sz="1800">
-                <a:latin typeface="Arial" panose="020B0604020202020204" pitchFamily="34" charset="0"/>
-                <a:cs typeface="Arial" panose="020B0604020202020204" pitchFamily="34" charset="0"/>
-              </a:rPr>
-              <a:t> </a:t>
-            </a:r>
-            <a:r>
-              <a:rPr lang="en-US" altLang="en-US" sz="1800">
-                <a:latin typeface="Arial" panose="020B0604020202020204" pitchFamily="34" charset="0"/>
-                <a:cs typeface="Arial" panose="020B0604020202020204" pitchFamily="34" charset="0"/>
-              </a:rPr>
-              <a:t>и</a:t>
-            </a:r>
-            <a:r>
-              <a:rPr lang="en-US" altLang="ru-RU" sz="1800">
-                <a:latin typeface="Arial" panose="020B0604020202020204" pitchFamily="34" charset="0"/>
-                <a:cs typeface="Arial" panose="020B0604020202020204" pitchFamily="34" charset="0"/>
-              </a:rPr>
-              <a:t> </a:t>
-            </a:r>
-            <a:r>
-              <a:rPr lang="en-US" altLang="en-US" sz="1800">
-                <a:latin typeface="Arial" panose="020B0604020202020204" pitchFamily="34" charset="0"/>
-                <a:cs typeface="Arial" panose="020B0604020202020204" pitchFamily="34" charset="0"/>
-              </a:rPr>
-              <a:t>эксплуатационную</a:t>
-            </a:r>
-            <a:r>
-              <a:rPr lang="en-US" altLang="ru-RU" sz="1800">
-                <a:latin typeface="Arial" panose="020B0604020202020204" pitchFamily="34" charset="0"/>
-                <a:cs typeface="Arial" panose="020B0604020202020204" pitchFamily="34" charset="0"/>
-              </a:rPr>
-              <a:t> </a:t>
-            </a:r>
-            <a:r>
-              <a:rPr lang="en-US" altLang="en-US" sz="1800">
-                <a:latin typeface="Arial" panose="020B0604020202020204" pitchFamily="34" charset="0"/>
-                <a:cs typeface="Arial" panose="020B0604020202020204" pitchFamily="34" charset="0"/>
-              </a:rPr>
-              <a:t>документацию</a:t>
-            </a:r>
-            <a:r>
-              <a:rPr lang="en-US" altLang="ru-RU" sz="1800">
-                <a:latin typeface="Arial" panose="020B0604020202020204" pitchFamily="34" charset="0"/>
-                <a:cs typeface="Arial" panose="020B0604020202020204" pitchFamily="34" charset="0"/>
-              </a:rPr>
-              <a:t>.</a:t>
-            </a:r>
-            <a:endParaRPr lang="en-US" altLang="ru-RU" sz="1800">
-              <a:latin typeface="Arial" panose="020B0604020202020204" pitchFamily="34" charset="0"/>
-              <a:cs typeface="Arial" panose="020B0604020202020204" pitchFamily="34" charset="0"/>
-            </a:endParaRPr>
-          </a:p>
-        </p:txBody>
-      </p:sp>
-      <p:sp>
-        <p:nvSpPr>
-          <p:cNvPr id="6" name="Полилиния 5"/>
-          <p:cNvSpPr/>
-          <p:nvPr/>
-        </p:nvSpPr>
-        <p:spPr>
-          <a:xfrm>
-            <a:off x="11264265" y="0"/>
-            <a:ext cx="1004293" cy="506095"/>
-          </a:xfrm>
-          <a:custGeom>
-            <a:avLst/>
-            <a:gdLst>
-              <a:gd name="connsiteX0" fmla="*/ 0 w 1581"/>
-              <a:gd name="connsiteY0" fmla="*/ 0 h 797"/>
-              <a:gd name="connsiteX1" fmla="*/ 1491 w 1581"/>
-              <a:gd name="connsiteY1" fmla="*/ 0 h 797"/>
-              <a:gd name="connsiteX2" fmla="*/ 1461 w 1581"/>
-              <a:gd name="connsiteY2" fmla="*/ 399 h 797"/>
-              <a:gd name="connsiteX3" fmla="*/ 1461 w 1581"/>
-              <a:gd name="connsiteY3" fmla="*/ 797 h 797"/>
-              <a:gd name="connsiteX4" fmla="*/ 399 w 1581"/>
-              <a:gd name="connsiteY4" fmla="*/ 797 h 797"/>
-              <a:gd name="connsiteX5" fmla="*/ 0 w 1581"/>
-              <a:gd name="connsiteY5" fmla="*/ 399 h 797"/>
-              <a:gd name="connsiteX6" fmla="*/ 0 w 1581"/>
-              <a:gd name="connsiteY6" fmla="*/ 0 h 797"/>
-            </a:gdLst>
-            <a:ahLst/>
-            <a:cxnLst>
-              <a:cxn ang="0">
-                <a:pos x="connsiteX0" y="connsiteY0"/>
-              </a:cxn>
-              <a:cxn ang="0">
-                <a:pos x="connsiteX1" y="connsiteY1"/>
-              </a:cxn>
-              <a:cxn ang="0">
-                <a:pos x="connsiteX2" y="connsiteY2"/>
-              </a:cxn>
-              <a:cxn ang="0">
-                <a:pos x="connsiteX3" y="connsiteY3"/>
-              </a:cxn>
-              <a:cxn ang="0">
-                <a:pos x="connsiteX4" y="connsiteY4"/>
-              </a:cxn>
-              <a:cxn ang="0">
-                <a:pos x="connsiteX5" y="connsiteY5"/>
-              </a:cxn>
-              <a:cxn ang="0">
-                <a:pos x="connsiteX6" y="connsiteY6"/>
-              </a:cxn>
-            </a:cxnLst>
-            <a:rect l="l" t="t" r="r" b="b"/>
-            <a:pathLst>
-              <a:path w="1582" h="797">
-                <a:moveTo>
-                  <a:pt x="0" y="0"/>
-                </a:moveTo>
-                <a:lnTo>
-                  <a:pt x="1491" y="0"/>
-                </a:lnTo>
-                <a:cubicBezTo>
-                  <a:pt x="1711" y="0"/>
-                  <a:pt x="1461" y="178"/>
-                  <a:pt x="1461" y="399"/>
-                </a:cubicBezTo>
-                <a:lnTo>
-                  <a:pt x="1461" y="797"/>
-                </a:lnTo>
-                <a:lnTo>
-                  <a:pt x="399" y="797"/>
-                </a:lnTo>
-                <a:cubicBezTo>
-                  <a:pt x="178" y="797"/>
-                  <a:pt x="0" y="619"/>
-                  <a:pt x="0" y="399"/>
-                </a:cubicBezTo>
-                <a:lnTo>
-                  <a:pt x="0" y="0"/>
-                </a:lnTo>
-                <a:close/>
-              </a:path>
-            </a:pathLst>
-          </a:custGeom>
-          <a:ln>
-            <a:noFill/>
-          </a:ln>
-        </p:spPr>
-        <p:style>
-          <a:lnRef idx="2">
-            <a:schemeClr val="accent1">
-              <a:lumMod val="75000"/>
-            </a:schemeClr>
-          </a:lnRef>
-          <a:fillRef idx="1">
-            <a:schemeClr val="accent1"/>
-          </a:fillRef>
-          <a:effectRef idx="0">
-            <a:srgbClr val="FFFFFF"/>
-          </a:effectRef>
-          <a:fontRef idx="minor">
-            <a:schemeClr val="lt1"/>
-          </a:fontRef>
-        </p:style>
-        <p:txBody>
-          <a:bodyPr rtlCol="0" anchor="ctr"/>
-          <a:p>
-            <a:pPr algn="ctr"/>
-            <a:r>
-              <a:rPr lang="ru-RU" altLang="en-US"/>
-              <a:t>5 / 9</a:t>
-            </a:r>
-            <a:endParaRPr lang="ru-RU" altLang="en-US"/>
-          </a:p>
-        </p:txBody>
-      </p:sp>
-      <p:pic>
-        <p:nvPicPr>
-          <p:cNvPr id="5" name="Изображение 4" descr="icons8-hierarchy-96"/>
-          <p:cNvPicPr>
-            <a:picLocks noChangeAspect="1"/>
-          </p:cNvPicPr>
-          <p:nvPr/>
-        </p:nvPicPr>
-        <p:blipFill>
-          <a:blip r:embed="rId1"/>
-          <a:stretch>
-            <a:fillRect/>
-          </a:stretch>
-        </p:blipFill>
-        <p:spPr>
-          <a:xfrm>
-            <a:off x="332105" y="911225"/>
-            <a:ext cx="1440000" cy="1440000"/>
-          </a:xfrm>
-          <a:prstGeom prst="rect">
-            <a:avLst/>
-          </a:prstGeom>
-        </p:spPr>
-      </p:pic>
-      <p:pic>
-        <p:nvPicPr>
-          <p:cNvPr id="7" name="Изображение 6" descr="icons8-backlog-100"/>
-          <p:cNvPicPr>
-            <a:picLocks noChangeAspect="1"/>
-          </p:cNvPicPr>
-          <p:nvPr/>
-        </p:nvPicPr>
-        <p:blipFill>
-          <a:blip r:embed="rId2"/>
-          <a:stretch>
-            <a:fillRect/>
-          </a:stretch>
-        </p:blipFill>
-        <p:spPr>
-          <a:xfrm>
-            <a:off x="332105" y="2708910"/>
-            <a:ext cx="1440000" cy="1440000"/>
-          </a:xfrm>
-          <a:prstGeom prst="rect">
-            <a:avLst/>
-          </a:prstGeom>
-        </p:spPr>
-      </p:pic>
-      <p:pic>
-        <p:nvPicPr>
-          <p:cNvPr id="8" name="Изображение 7" descr="icons8-task-96"/>
-          <p:cNvPicPr>
-            <a:picLocks noChangeAspect="1"/>
-          </p:cNvPicPr>
-          <p:nvPr/>
-        </p:nvPicPr>
-        <p:blipFill>
-          <a:blip r:embed="rId3"/>
-          <a:stretch>
-            <a:fillRect/>
-          </a:stretch>
-        </p:blipFill>
-        <p:spPr>
-          <a:xfrm>
-            <a:off x="332105" y="4506595"/>
-            <a:ext cx="1440000" cy="1440000"/>
-          </a:xfrm>
-          <a:prstGeom prst="rect">
-            <a:avLst/>
-          </a:prstGeom>
-        </p:spPr>
-      </p:pic>
-    </p:spTree>
-  </p:cSld>
-  <p:clrMapOvr>
-    <a:masterClrMapping/>
-  </p:clrMapOvr>
-</p:sld>
-</file>
-
-<file path=ppt/slides/slide6.xml><?xml version="1.0" encoding="utf-8"?>
-<p:sld xmlns:a="http://schemas.openxmlformats.org/drawingml/2006/main" xmlns:r="http://schemas.openxmlformats.org/officeDocument/2006/relationships" xmlns:p="http://schemas.openxmlformats.org/presentationml/2006/main">
-  <p:cSld>
-    <p:spTree>
-      <p:nvGrpSpPr>
-        <p:cNvPr id="1" name=""/>
-        <p:cNvGrpSpPr/>
-        <p:nvPr/>
-      </p:nvGrpSpPr>
-      <p:grpSpPr/>
-      <p:sp>
-        <p:nvSpPr>
-          <p:cNvPr id="2" name="Заголовок 1"/>
-          <p:cNvSpPr>
-            <a:spLocks noGrp="1"/>
-          </p:cNvSpPr>
-          <p:nvPr>
-            <p:ph type="title"/>
-          </p:nvPr>
-        </p:nvSpPr>
-        <p:spPr>
-          <a:xfrm>
-            <a:off x="4203700" y="214630"/>
-            <a:ext cx="3785235" cy="780415"/>
-          </a:xfrm>
-        </p:spPr>
-        <p:txBody>
-          <a:bodyPr>
-            <a:normAutofit/>
-          </a:bodyPr>
-          <a:p>
-            <a:pPr algn="ctr"/>
-            <a:r>
-              <a:rPr lang="ru-RU" altLang="en-US" sz="4000" b="1">
-                <a:latin typeface="Arial" panose="020B0604020202020204" pitchFamily="34" charset="0"/>
-                <a:cs typeface="Arial" panose="020B0604020202020204" pitchFamily="34" charset="0"/>
-              </a:rPr>
-              <a:t>Задачи</a:t>
-            </a:r>
-            <a:endParaRPr lang="ru-RU" altLang="en-US" b="1">
-              <a:latin typeface="Arial" panose="020B0604020202020204" pitchFamily="34" charset="0"/>
-              <a:cs typeface="Arial" panose="020B0604020202020204" pitchFamily="34" charset="0"/>
-            </a:endParaRPr>
-          </a:p>
-        </p:txBody>
-      </p:sp>
-      <p:sp>
-        <p:nvSpPr>
-          <p:cNvPr id="6" name="Полилиния 5"/>
-          <p:cNvSpPr/>
-          <p:nvPr/>
-        </p:nvSpPr>
-        <p:spPr>
-          <a:xfrm>
-            <a:off x="11264265" y="0"/>
-            <a:ext cx="1004293" cy="506095"/>
-          </a:xfrm>
-          <a:custGeom>
-            <a:avLst/>
-            <a:gdLst>
-              <a:gd name="connsiteX0" fmla="*/ 0 w 1581"/>
-              <a:gd name="connsiteY0" fmla="*/ 0 h 797"/>
-              <a:gd name="connsiteX1" fmla="*/ 1491 w 1581"/>
-              <a:gd name="connsiteY1" fmla="*/ 0 h 797"/>
-              <a:gd name="connsiteX2" fmla="*/ 1461 w 1581"/>
-              <a:gd name="connsiteY2" fmla="*/ 399 h 797"/>
-              <a:gd name="connsiteX3" fmla="*/ 1461 w 1581"/>
-              <a:gd name="connsiteY3" fmla="*/ 797 h 797"/>
-              <a:gd name="connsiteX4" fmla="*/ 399 w 1581"/>
-              <a:gd name="connsiteY4" fmla="*/ 797 h 797"/>
-              <a:gd name="connsiteX5" fmla="*/ 0 w 1581"/>
-              <a:gd name="connsiteY5" fmla="*/ 399 h 797"/>
-              <a:gd name="connsiteX6" fmla="*/ 0 w 1581"/>
-              <a:gd name="connsiteY6" fmla="*/ 0 h 797"/>
-            </a:gdLst>
-            <a:ahLst/>
-            <a:cxnLst>
-              <a:cxn ang="0">
-                <a:pos x="connsiteX0" y="connsiteY0"/>
-              </a:cxn>
-              <a:cxn ang="0">
-                <a:pos x="connsiteX1" y="connsiteY1"/>
-              </a:cxn>
-              <a:cxn ang="0">
-                <a:pos x="connsiteX2" y="connsiteY2"/>
-              </a:cxn>
-              <a:cxn ang="0">
-                <a:pos x="connsiteX3" y="connsiteY3"/>
-              </a:cxn>
-              <a:cxn ang="0">
-                <a:pos x="connsiteX4" y="connsiteY4"/>
-              </a:cxn>
-              <a:cxn ang="0">
-                <a:pos x="connsiteX5" y="connsiteY5"/>
-              </a:cxn>
-              <a:cxn ang="0">
-                <a:pos x="connsiteX6" y="connsiteY6"/>
-              </a:cxn>
-            </a:cxnLst>
-            <a:rect l="l" t="t" r="r" b="b"/>
-            <a:pathLst>
-              <a:path w="1582" h="797">
-                <a:moveTo>
-                  <a:pt x="0" y="0"/>
-                </a:moveTo>
-                <a:lnTo>
-                  <a:pt x="1491" y="0"/>
-                </a:lnTo>
-                <a:cubicBezTo>
-                  <a:pt x="1711" y="0"/>
-                  <a:pt x="1461" y="178"/>
-                  <a:pt x="1461" y="399"/>
-                </a:cubicBezTo>
-                <a:lnTo>
-                  <a:pt x="1461" y="797"/>
-                </a:lnTo>
-                <a:lnTo>
-                  <a:pt x="399" y="797"/>
-                </a:lnTo>
-                <a:cubicBezTo>
-                  <a:pt x="178" y="797"/>
-                  <a:pt x="0" y="619"/>
-                  <a:pt x="0" y="399"/>
-                </a:cubicBezTo>
-                <a:lnTo>
-                  <a:pt x="0" y="0"/>
-                </a:lnTo>
-                <a:close/>
-              </a:path>
-            </a:pathLst>
-          </a:custGeom>
-          <a:ln>
-            <a:noFill/>
-          </a:ln>
-        </p:spPr>
-        <p:style>
-          <a:lnRef idx="2">
-            <a:schemeClr val="accent1">
-              <a:lumMod val="75000"/>
-            </a:schemeClr>
-          </a:lnRef>
-          <a:fillRef idx="1">
-            <a:schemeClr val="accent1"/>
-          </a:fillRef>
-          <a:effectRef idx="0">
-            <a:srgbClr val="FFFFFF"/>
-          </a:effectRef>
-          <a:fontRef idx="minor">
-            <a:schemeClr val="lt1"/>
-          </a:fontRef>
-        </p:style>
-        <p:txBody>
-          <a:bodyPr rtlCol="0" anchor="ctr"/>
-          <a:p>
-            <a:pPr algn="ctr"/>
-            <a:r>
-              <a:rPr lang="ru-RU" altLang="en-US"/>
-              <a:t>5 / 9</a:t>
-            </a:r>
-            <a:endParaRPr lang="ru-RU" altLang="en-US"/>
-          </a:p>
-        </p:txBody>
-      </p:sp>
-      <p:pic>
-        <p:nvPicPr>
-          <p:cNvPr id="5" name="Изображение 4" descr="icons8-hierarchy-96"/>
-          <p:cNvPicPr>
-            <a:picLocks noChangeAspect="1"/>
-          </p:cNvPicPr>
-          <p:nvPr/>
-        </p:nvPicPr>
-        <p:blipFill>
-          <a:blip r:embed="rId1"/>
-          <a:stretch>
-            <a:fillRect/>
-          </a:stretch>
-        </p:blipFill>
-        <p:spPr>
-          <a:xfrm>
-            <a:off x="332105" y="911225"/>
-            <a:ext cx="1440000" cy="1440000"/>
-          </a:xfrm>
-          <a:prstGeom prst="rect">
-            <a:avLst/>
-          </a:prstGeom>
-        </p:spPr>
-      </p:pic>
-      <p:pic>
-        <p:nvPicPr>
-          <p:cNvPr id="7" name="Изображение 6" descr="icons8-backlog-100"/>
-          <p:cNvPicPr>
-            <a:picLocks noChangeAspect="1"/>
-          </p:cNvPicPr>
-          <p:nvPr/>
-        </p:nvPicPr>
-        <p:blipFill>
-          <a:blip r:embed="rId2"/>
-          <a:stretch>
-            <a:fillRect/>
-          </a:stretch>
-        </p:blipFill>
-        <p:spPr>
-          <a:xfrm>
-            <a:off x="332105" y="2708910"/>
-            <a:ext cx="1440000" cy="1440000"/>
-          </a:xfrm>
-          <a:prstGeom prst="rect">
-            <a:avLst/>
-          </a:prstGeom>
-        </p:spPr>
-      </p:pic>
-      <p:pic>
-        <p:nvPicPr>
-          <p:cNvPr id="8" name="Изображение 7" descr="icons8-task-96"/>
-          <p:cNvPicPr>
-            <a:picLocks noChangeAspect="1"/>
-          </p:cNvPicPr>
-          <p:nvPr/>
-        </p:nvPicPr>
-        <p:blipFill>
-          <a:blip r:embed="rId3"/>
-          <a:stretch>
-            <a:fillRect/>
-          </a:stretch>
-        </p:blipFill>
-        <p:spPr>
-          <a:xfrm>
-            <a:off x="332105" y="4506595"/>
-            <a:ext cx="1440000" cy="1440000"/>
-          </a:xfrm>
-          <a:prstGeom prst="rect">
-            <a:avLst/>
-          </a:prstGeom>
-        </p:spPr>
-      </p:pic>
-      <p:sp>
-        <p:nvSpPr>
-          <p:cNvPr id="4" name="Текстовое поле 3"/>
-          <p:cNvSpPr txBox="1"/>
-          <p:nvPr/>
-        </p:nvSpPr>
-        <p:spPr>
-          <a:xfrm>
-            <a:off x="2590165" y="1331595"/>
-            <a:ext cx="7265670" cy="922020"/>
-          </a:xfrm>
-          <a:prstGeom prst="rect">
-            <a:avLst/>
-          </a:prstGeom>
-          <a:noFill/>
-        </p:spPr>
-        <p:txBody>
-          <a:bodyPr wrap="square" rtlCol="0">
-            <a:spAutoFit/>
-          </a:bodyPr>
-          <a:p>
-            <a:pPr algn="l"/>
-            <a:r>
-              <a:rPr lang="en-US" altLang="en-US">
-                <a:latin typeface="Arial" panose="020B0604020202020204" pitchFamily="34" charset="0"/>
-                <a:cs typeface="Arial" panose="020B0604020202020204" pitchFamily="34" charset="0"/>
-              </a:rPr>
-              <a:t>Анализ</a:t>
-            </a:r>
-            <a:r>
-              <a:rPr lang="en-US" altLang="ru-RU">
-                <a:latin typeface="Arial" panose="020B0604020202020204" pitchFamily="34" charset="0"/>
-                <a:cs typeface="Arial" panose="020B0604020202020204" pitchFamily="34" charset="0"/>
-              </a:rPr>
-              <a:t> </a:t>
-            </a:r>
-            <a:r>
-              <a:rPr lang="en-US" altLang="en-US">
-                <a:latin typeface="Arial" panose="020B0604020202020204" pitchFamily="34" charset="0"/>
-                <a:cs typeface="Arial" panose="020B0604020202020204" pitchFamily="34" charset="0"/>
-              </a:rPr>
-              <a:t>требований</a:t>
-            </a:r>
-            <a:r>
-              <a:rPr lang="en-US" altLang="ru-RU">
-                <a:latin typeface="Arial" panose="020B0604020202020204" pitchFamily="34" charset="0"/>
-                <a:cs typeface="Arial" panose="020B0604020202020204" pitchFamily="34" charset="0"/>
-              </a:rPr>
-              <a:t> </a:t>
-            </a:r>
-            <a:r>
-              <a:rPr lang="en-US" altLang="en-US">
-                <a:latin typeface="Arial" panose="020B0604020202020204" pitchFamily="34" charset="0"/>
-                <a:cs typeface="Arial" panose="020B0604020202020204" pitchFamily="34" charset="0"/>
-              </a:rPr>
-              <a:t>и</a:t>
-            </a:r>
-            <a:r>
-              <a:rPr lang="en-US" altLang="ru-RU">
-                <a:latin typeface="Arial" panose="020B0604020202020204" pitchFamily="34" charset="0"/>
-                <a:cs typeface="Arial" panose="020B0604020202020204" pitchFamily="34" charset="0"/>
-              </a:rPr>
-              <a:t> </a:t>
-            </a:r>
-            <a:r>
-              <a:rPr lang="en-US" altLang="en-US">
-                <a:latin typeface="Arial" panose="020B0604020202020204" pitchFamily="34" charset="0"/>
-                <a:cs typeface="Arial" panose="020B0604020202020204" pitchFamily="34" charset="0"/>
-              </a:rPr>
-              <a:t>изучение</a:t>
-            </a:r>
-            <a:r>
-              <a:rPr lang="en-US" altLang="ru-RU">
-                <a:latin typeface="Arial" panose="020B0604020202020204" pitchFamily="34" charset="0"/>
-                <a:cs typeface="Arial" panose="020B0604020202020204" pitchFamily="34" charset="0"/>
-              </a:rPr>
-              <a:t> </a:t>
-            </a:r>
-            <a:r>
-              <a:rPr lang="en-US" altLang="en-US">
-                <a:latin typeface="Arial" panose="020B0604020202020204" pitchFamily="34" charset="0"/>
-                <a:cs typeface="Arial" panose="020B0604020202020204" pitchFamily="34" charset="0"/>
-              </a:rPr>
-              <a:t>информации</a:t>
-            </a:r>
-            <a:r>
-              <a:rPr lang="en-US" altLang="ru-RU">
-                <a:latin typeface="Arial" panose="020B0604020202020204" pitchFamily="34" charset="0"/>
-                <a:cs typeface="Arial" panose="020B0604020202020204" pitchFamily="34" charset="0"/>
-              </a:rPr>
-              <a:t>:</a:t>
-            </a:r>
-            <a:endParaRPr lang="en-US" altLang="ru-RU">
-              <a:latin typeface="Arial" panose="020B0604020202020204" pitchFamily="34" charset="0"/>
-              <a:cs typeface="Arial" panose="020B0604020202020204" pitchFamily="34" charset="0"/>
-            </a:endParaRPr>
-          </a:p>
-          <a:p>
-            <a:pPr algn="l">
-              <a:buBlip>
-                <a:blip r:embed="rId4"/>
-              </a:buBlip>
-            </a:pPr>
-            <a:r>
-              <a:rPr lang="ru-RU" altLang="en-US">
-                <a:latin typeface="Arial" panose="020B0604020202020204" pitchFamily="34" charset="0"/>
-                <a:cs typeface="Arial" panose="020B0604020202020204" pitchFamily="34" charset="0"/>
-              </a:rPr>
-              <a:t> </a:t>
-            </a:r>
-            <a:r>
-              <a:rPr lang="en-US" altLang="en-US">
-                <a:latin typeface="Arial" panose="020B0604020202020204" pitchFamily="34" charset="0"/>
-                <a:cs typeface="Arial" panose="020B0604020202020204" pitchFamily="34" charset="0"/>
-              </a:rPr>
-              <a:t>собрать</a:t>
-            </a:r>
-            <a:r>
-              <a:rPr lang="en-US" altLang="ru-RU">
-                <a:latin typeface="Arial" panose="020B0604020202020204" pitchFamily="34" charset="0"/>
-                <a:cs typeface="Arial" panose="020B0604020202020204" pitchFamily="34" charset="0"/>
-              </a:rPr>
-              <a:t> </a:t>
-            </a:r>
-            <a:r>
-              <a:rPr lang="en-US" altLang="en-US">
-                <a:latin typeface="Arial" panose="020B0604020202020204" pitchFamily="34" charset="0"/>
-                <a:cs typeface="Arial" panose="020B0604020202020204" pitchFamily="34" charset="0"/>
-              </a:rPr>
-              <a:t>и</a:t>
-            </a:r>
-            <a:r>
-              <a:rPr lang="en-US" altLang="ru-RU">
-                <a:latin typeface="Arial" panose="020B0604020202020204" pitchFamily="34" charset="0"/>
-                <a:cs typeface="Arial" panose="020B0604020202020204" pitchFamily="34" charset="0"/>
-              </a:rPr>
-              <a:t> </a:t>
-            </a:r>
-            <a:r>
-              <a:rPr lang="en-US" altLang="en-US">
-                <a:latin typeface="Arial" panose="020B0604020202020204" pitchFamily="34" charset="0"/>
-                <a:cs typeface="Arial" panose="020B0604020202020204" pitchFamily="34" charset="0"/>
-              </a:rPr>
-              <a:t>проанализировать</a:t>
-            </a:r>
-            <a:r>
-              <a:rPr lang="en-US" altLang="ru-RU">
-                <a:latin typeface="Arial" panose="020B0604020202020204" pitchFamily="34" charset="0"/>
-                <a:cs typeface="Arial" panose="020B0604020202020204" pitchFamily="34" charset="0"/>
-              </a:rPr>
-              <a:t> </a:t>
-            </a:r>
-            <a:r>
-              <a:rPr lang="en-US" altLang="en-US">
-                <a:latin typeface="Arial" panose="020B0604020202020204" pitchFamily="34" charset="0"/>
-                <a:cs typeface="Arial" panose="020B0604020202020204" pitchFamily="34" charset="0"/>
-              </a:rPr>
-              <a:t>требования</a:t>
-            </a:r>
-            <a:r>
-              <a:rPr lang="en-US" altLang="ru-RU">
-                <a:latin typeface="Arial" panose="020B0604020202020204" pitchFamily="34" charset="0"/>
-                <a:cs typeface="Arial" panose="020B0604020202020204" pitchFamily="34" charset="0"/>
-              </a:rPr>
-              <a:t> </a:t>
-            </a:r>
-            <a:r>
-              <a:rPr lang="en-US" altLang="en-US">
-                <a:latin typeface="Arial" panose="020B0604020202020204" pitchFamily="34" charset="0"/>
-                <a:cs typeface="Arial" panose="020B0604020202020204" pitchFamily="34" charset="0"/>
-              </a:rPr>
-              <a:t>целевой</a:t>
-            </a:r>
-            <a:r>
-              <a:rPr lang="en-US" altLang="ru-RU">
-                <a:latin typeface="Arial" panose="020B0604020202020204" pitchFamily="34" charset="0"/>
-                <a:cs typeface="Arial" panose="020B0604020202020204" pitchFamily="34" charset="0"/>
-              </a:rPr>
-              <a:t> </a:t>
-            </a:r>
-            <a:r>
-              <a:rPr lang="en-US" altLang="en-US">
-                <a:latin typeface="Arial" panose="020B0604020202020204" pitchFamily="34" charset="0"/>
-                <a:cs typeface="Arial" panose="020B0604020202020204" pitchFamily="34" charset="0"/>
-              </a:rPr>
-              <a:t>аудитории</a:t>
-            </a:r>
-            <a:r>
-              <a:rPr lang="en-US" altLang="ru-RU">
-                <a:latin typeface="Arial" panose="020B0604020202020204" pitchFamily="34" charset="0"/>
-                <a:cs typeface="Arial" panose="020B0604020202020204" pitchFamily="34" charset="0"/>
-              </a:rPr>
-              <a:t>,</a:t>
-            </a:r>
-            <a:endParaRPr lang="en-US" altLang="ru-RU">
-              <a:latin typeface="Arial" panose="020B0604020202020204" pitchFamily="34" charset="0"/>
-              <a:cs typeface="Arial" panose="020B0604020202020204" pitchFamily="34" charset="0"/>
-            </a:endParaRPr>
-          </a:p>
-          <a:p>
-            <a:pPr algn="l">
-              <a:buBlip>
-                <a:blip r:embed="rId4"/>
-              </a:buBlip>
-            </a:pPr>
-            <a:r>
-              <a:rPr lang="ru-RU" altLang="en-US">
-                <a:latin typeface="Arial" panose="020B0604020202020204" pitchFamily="34" charset="0"/>
-                <a:cs typeface="Arial" panose="020B0604020202020204" pitchFamily="34" charset="0"/>
-              </a:rPr>
-              <a:t> </a:t>
-            </a:r>
-            <a:r>
-              <a:rPr lang="en-US" altLang="en-US">
-                <a:latin typeface="Arial" panose="020B0604020202020204" pitchFamily="34" charset="0"/>
-                <a:cs typeface="Arial" panose="020B0604020202020204" pitchFamily="34" charset="0"/>
-              </a:rPr>
-              <a:t>изучить</a:t>
-            </a:r>
-            <a:r>
-              <a:rPr lang="en-US" altLang="ru-RU">
-                <a:latin typeface="Arial" panose="020B0604020202020204" pitchFamily="34" charset="0"/>
-                <a:cs typeface="Arial" panose="020B0604020202020204" pitchFamily="34" charset="0"/>
-              </a:rPr>
-              <a:t> </a:t>
-            </a:r>
-            <a:r>
-              <a:rPr lang="en-US" altLang="en-US">
-                <a:latin typeface="Arial" panose="020B0604020202020204" pitchFamily="34" charset="0"/>
-                <a:cs typeface="Arial" panose="020B0604020202020204" pitchFamily="34" charset="0"/>
-              </a:rPr>
-              <a:t>информационные</a:t>
-            </a:r>
-            <a:r>
-              <a:rPr lang="en-US" altLang="ru-RU">
-                <a:latin typeface="Arial" panose="020B0604020202020204" pitchFamily="34" charset="0"/>
-                <a:cs typeface="Arial" panose="020B0604020202020204" pitchFamily="34" charset="0"/>
-              </a:rPr>
-              <a:t> </a:t>
-            </a:r>
-            <a:r>
-              <a:rPr lang="en-US" altLang="en-US">
-                <a:latin typeface="Arial" panose="020B0604020202020204" pitchFamily="34" charset="0"/>
-                <a:cs typeface="Arial" panose="020B0604020202020204" pitchFamily="34" charset="0"/>
-              </a:rPr>
-              <a:t>источники</a:t>
-            </a:r>
-            <a:r>
-              <a:rPr lang="en-US" altLang="ru-RU">
-                <a:latin typeface="Arial" panose="020B0604020202020204" pitchFamily="34" charset="0"/>
-                <a:cs typeface="Arial" panose="020B0604020202020204" pitchFamily="34" charset="0"/>
-              </a:rPr>
-              <a:t> </a:t>
-            </a:r>
-            <a:r>
-              <a:rPr lang="en-US" altLang="en-US">
-                <a:latin typeface="Arial" panose="020B0604020202020204" pitchFamily="34" charset="0"/>
-                <a:cs typeface="Arial" panose="020B0604020202020204" pitchFamily="34" charset="0"/>
-              </a:rPr>
-              <a:t>и</a:t>
-            </a:r>
-            <a:r>
-              <a:rPr lang="en-US" altLang="ru-RU">
-                <a:latin typeface="Arial" panose="020B0604020202020204" pitchFamily="34" charset="0"/>
-                <a:cs typeface="Arial" panose="020B0604020202020204" pitchFamily="34" charset="0"/>
-              </a:rPr>
-              <a:t> </a:t>
-            </a:r>
-            <a:r>
-              <a:rPr lang="en-US" altLang="en-US">
-                <a:latin typeface="Arial" panose="020B0604020202020204" pitchFamily="34" charset="0"/>
-                <a:cs typeface="Arial" panose="020B0604020202020204" pitchFamily="34" charset="0"/>
-              </a:rPr>
-              <a:t>существующие</a:t>
-            </a:r>
-            <a:r>
-              <a:rPr lang="en-US" altLang="ru-RU">
-                <a:latin typeface="Arial" panose="020B0604020202020204" pitchFamily="34" charset="0"/>
-                <a:cs typeface="Arial" panose="020B0604020202020204" pitchFamily="34" charset="0"/>
-              </a:rPr>
-              <a:t> </a:t>
-            </a:r>
-            <a:r>
-              <a:rPr lang="en-US" altLang="en-US">
-                <a:latin typeface="Arial" panose="020B0604020202020204" pitchFamily="34" charset="0"/>
-                <a:cs typeface="Arial" panose="020B0604020202020204" pitchFamily="34" charset="0"/>
-              </a:rPr>
-              <a:t>решения</a:t>
-            </a:r>
-            <a:r>
-              <a:rPr lang="en-US" altLang="ru-RU">
-                <a:latin typeface="Arial" panose="020B0604020202020204" pitchFamily="34" charset="0"/>
-                <a:cs typeface="Arial" panose="020B0604020202020204" pitchFamily="34" charset="0"/>
-              </a:rPr>
-              <a:t>.</a:t>
-            </a:r>
-            <a:endParaRPr lang="en-US" altLang="ru-RU">
-              <a:latin typeface="Arial" panose="020B0604020202020204" pitchFamily="34" charset="0"/>
-              <a:cs typeface="Arial" panose="020B0604020202020204" pitchFamily="34" charset="0"/>
-            </a:endParaRPr>
-          </a:p>
-        </p:txBody>
-      </p:sp>
-      <p:sp>
-        <p:nvSpPr>
-          <p:cNvPr id="11" name="Текстовое поле 10"/>
-          <p:cNvSpPr txBox="1"/>
-          <p:nvPr/>
-        </p:nvSpPr>
-        <p:spPr>
-          <a:xfrm>
-            <a:off x="2590165" y="2451735"/>
-            <a:ext cx="7265670" cy="1476375"/>
-          </a:xfrm>
-          <a:prstGeom prst="rect">
-            <a:avLst/>
-          </a:prstGeom>
-          <a:noFill/>
-        </p:spPr>
-        <p:txBody>
-          <a:bodyPr wrap="square" rtlCol="0">
-            <a:spAutoFit/>
-          </a:bodyPr>
-          <a:p>
-            <a:pPr indent="0" algn="l">
-              <a:buNone/>
-            </a:pPr>
-            <a:r>
-              <a:rPr lang="en-US" altLang="en-US">
-                <a:latin typeface="Arial" panose="020B0604020202020204" pitchFamily="34" charset="0"/>
-                <a:cs typeface="Arial" panose="020B0604020202020204" pitchFamily="34" charset="0"/>
-                <a:sym typeface="+mn-ea"/>
-              </a:rPr>
-              <a:t>Проектирование</a:t>
-            </a:r>
-            <a:r>
-              <a:rPr lang="en-US" altLang="ru-RU">
-                <a:latin typeface="Arial" panose="020B0604020202020204" pitchFamily="34" charset="0"/>
-                <a:cs typeface="Arial" panose="020B0604020202020204" pitchFamily="34" charset="0"/>
-                <a:sym typeface="+mn-ea"/>
-              </a:rPr>
-              <a:t> </a:t>
-            </a:r>
-            <a:r>
-              <a:rPr lang="en-US" altLang="en-US">
-                <a:latin typeface="Arial" panose="020B0604020202020204" pitchFamily="34" charset="0"/>
-                <a:cs typeface="Arial" panose="020B0604020202020204" pitchFamily="34" charset="0"/>
-                <a:sym typeface="+mn-ea"/>
-              </a:rPr>
-              <a:t>и</a:t>
-            </a:r>
-            <a:r>
-              <a:rPr lang="en-US" altLang="ru-RU">
-                <a:latin typeface="Arial" panose="020B0604020202020204" pitchFamily="34" charset="0"/>
-                <a:cs typeface="Arial" panose="020B0604020202020204" pitchFamily="34" charset="0"/>
-                <a:sym typeface="+mn-ea"/>
-              </a:rPr>
-              <a:t> </a:t>
-            </a:r>
-            <a:r>
-              <a:rPr lang="en-US" altLang="en-US">
-                <a:latin typeface="Arial" panose="020B0604020202020204" pitchFamily="34" charset="0"/>
-                <a:cs typeface="Arial" panose="020B0604020202020204" pitchFamily="34" charset="0"/>
-                <a:sym typeface="+mn-ea"/>
-              </a:rPr>
-              <a:t>архитектура</a:t>
-            </a:r>
-            <a:r>
-              <a:rPr lang="en-US" altLang="ru-RU">
-                <a:latin typeface="Arial" panose="020B0604020202020204" pitchFamily="34" charset="0"/>
-                <a:cs typeface="Arial" panose="020B0604020202020204" pitchFamily="34" charset="0"/>
-                <a:sym typeface="+mn-ea"/>
-              </a:rPr>
-              <a:t>:</a:t>
-            </a:r>
-            <a:endParaRPr lang="en-US" altLang="ru-RU">
-              <a:latin typeface="Arial" panose="020B0604020202020204" pitchFamily="34" charset="0"/>
-              <a:cs typeface="Arial" panose="020B0604020202020204" pitchFamily="34" charset="0"/>
-            </a:endParaRPr>
-          </a:p>
-          <a:p>
-            <a:pPr algn="l">
-              <a:buBlip>
-                <a:blip r:embed="rId4"/>
-              </a:buBlip>
-            </a:pPr>
-            <a:r>
-              <a:rPr lang="ru-RU" altLang="en-US">
-                <a:latin typeface="Arial" panose="020B0604020202020204" pitchFamily="34" charset="0"/>
-                <a:cs typeface="Arial" panose="020B0604020202020204" pitchFamily="34" charset="0"/>
-              </a:rPr>
-              <a:t> </a:t>
-            </a:r>
-            <a:r>
-              <a:rPr lang="en-US" altLang="en-US">
-                <a:latin typeface="Arial" panose="020B0604020202020204" pitchFamily="34" charset="0"/>
-                <a:cs typeface="Arial" panose="020B0604020202020204" pitchFamily="34" charset="0"/>
-                <a:sym typeface="+mn-ea"/>
-              </a:rPr>
-              <a:t>спроектировать</a:t>
-            </a:r>
-            <a:r>
-              <a:rPr lang="en-US" altLang="ru-RU">
-                <a:latin typeface="Arial" panose="020B0604020202020204" pitchFamily="34" charset="0"/>
-                <a:cs typeface="Arial" panose="020B0604020202020204" pitchFamily="34" charset="0"/>
-                <a:sym typeface="+mn-ea"/>
-              </a:rPr>
-              <a:t> </a:t>
-            </a:r>
-            <a:r>
-              <a:rPr lang="en-US" altLang="en-US">
-                <a:latin typeface="Arial" panose="020B0604020202020204" pitchFamily="34" charset="0"/>
-                <a:cs typeface="Arial" panose="020B0604020202020204" pitchFamily="34" charset="0"/>
-                <a:sym typeface="+mn-ea"/>
-              </a:rPr>
-              <a:t>архитектуру</a:t>
-            </a:r>
-            <a:r>
-              <a:rPr lang="en-US" altLang="ru-RU">
-                <a:latin typeface="Arial" panose="020B0604020202020204" pitchFamily="34" charset="0"/>
-                <a:cs typeface="Arial" panose="020B0604020202020204" pitchFamily="34" charset="0"/>
-                <a:sym typeface="+mn-ea"/>
-              </a:rPr>
-              <a:t> </a:t>
-            </a:r>
-            <a:r>
-              <a:rPr lang="en-US" altLang="en-US">
-                <a:latin typeface="Arial" panose="020B0604020202020204" pitchFamily="34" charset="0"/>
-                <a:cs typeface="Arial" panose="020B0604020202020204" pitchFamily="34" charset="0"/>
-                <a:sym typeface="+mn-ea"/>
-              </a:rPr>
-              <a:t>и</a:t>
-            </a:r>
-            <a:r>
-              <a:rPr lang="en-US" altLang="ru-RU">
-                <a:latin typeface="Arial" panose="020B0604020202020204" pitchFamily="34" charset="0"/>
-                <a:cs typeface="Arial" panose="020B0604020202020204" pitchFamily="34" charset="0"/>
-                <a:sym typeface="+mn-ea"/>
-              </a:rPr>
-              <a:t> </a:t>
-            </a:r>
-            <a:r>
-              <a:rPr lang="en-US" altLang="en-US">
-                <a:latin typeface="Arial" panose="020B0604020202020204" pitchFamily="34" charset="0"/>
-                <a:cs typeface="Arial" panose="020B0604020202020204" pitchFamily="34" charset="0"/>
-                <a:sym typeface="+mn-ea"/>
-              </a:rPr>
-              <a:t>диаграмму</a:t>
-            </a:r>
-            <a:r>
-              <a:rPr lang="en-US" altLang="ru-RU">
-                <a:latin typeface="Arial" panose="020B0604020202020204" pitchFamily="34" charset="0"/>
-                <a:cs typeface="Arial" panose="020B0604020202020204" pitchFamily="34" charset="0"/>
-                <a:sym typeface="+mn-ea"/>
-              </a:rPr>
-              <a:t> </a:t>
-            </a:r>
-            <a:r>
-              <a:rPr lang="en-US" altLang="en-US">
-                <a:latin typeface="Arial" panose="020B0604020202020204" pitchFamily="34" charset="0"/>
-                <a:cs typeface="Arial" panose="020B0604020202020204" pitchFamily="34" charset="0"/>
-                <a:sym typeface="+mn-ea"/>
-              </a:rPr>
-              <a:t>вариантов</a:t>
-            </a:r>
-            <a:r>
-              <a:rPr lang="en-US" altLang="ru-RU">
-                <a:latin typeface="Arial" panose="020B0604020202020204" pitchFamily="34" charset="0"/>
-                <a:cs typeface="Arial" panose="020B0604020202020204" pitchFamily="34" charset="0"/>
-                <a:sym typeface="+mn-ea"/>
-              </a:rPr>
-              <a:t> </a:t>
-            </a:r>
-            <a:r>
-              <a:rPr lang="en-US" altLang="en-US">
-                <a:latin typeface="Arial" panose="020B0604020202020204" pitchFamily="34" charset="0"/>
-                <a:cs typeface="Arial" panose="020B0604020202020204" pitchFamily="34" charset="0"/>
-                <a:sym typeface="+mn-ea"/>
-              </a:rPr>
-              <a:t>использования</a:t>
-            </a:r>
-            <a:r>
-              <a:rPr lang="en-US" altLang="ru-RU">
-                <a:latin typeface="Arial" panose="020B0604020202020204" pitchFamily="34" charset="0"/>
-                <a:cs typeface="Arial" panose="020B0604020202020204" pitchFamily="34" charset="0"/>
-                <a:sym typeface="+mn-ea"/>
-              </a:rPr>
-              <a:t>,</a:t>
-            </a:r>
-            <a:endParaRPr lang="en-US" altLang="ru-RU">
-              <a:latin typeface="Arial" panose="020B0604020202020204" pitchFamily="34" charset="0"/>
-              <a:cs typeface="Arial" panose="020B0604020202020204" pitchFamily="34" charset="0"/>
-            </a:endParaRPr>
-          </a:p>
-          <a:p>
-            <a:pPr algn="l">
-              <a:buBlip>
-                <a:blip r:embed="rId4"/>
-              </a:buBlip>
-            </a:pPr>
-            <a:r>
-              <a:rPr lang="ru-RU" altLang="en-US">
-                <a:latin typeface="Arial" panose="020B0604020202020204" pitchFamily="34" charset="0"/>
-                <a:cs typeface="Arial" panose="020B0604020202020204" pitchFamily="34" charset="0"/>
-                <a:sym typeface="+mn-ea"/>
-              </a:rPr>
-              <a:t> </a:t>
-            </a:r>
-            <a:r>
-              <a:rPr lang="en-US" altLang="en-US">
-                <a:latin typeface="Arial" panose="020B0604020202020204" pitchFamily="34" charset="0"/>
-                <a:cs typeface="Arial" panose="020B0604020202020204" pitchFamily="34" charset="0"/>
-                <a:sym typeface="+mn-ea"/>
-              </a:rPr>
-              <a:t>выбрать</a:t>
-            </a:r>
-            <a:r>
-              <a:rPr lang="en-US" altLang="ru-RU">
-                <a:latin typeface="Arial" panose="020B0604020202020204" pitchFamily="34" charset="0"/>
-                <a:cs typeface="Arial" panose="020B0604020202020204" pitchFamily="34" charset="0"/>
-                <a:sym typeface="+mn-ea"/>
-              </a:rPr>
-              <a:t> </a:t>
-            </a:r>
-            <a:r>
-              <a:rPr lang="en-US" altLang="en-US">
-                <a:latin typeface="Arial" panose="020B0604020202020204" pitchFamily="34" charset="0"/>
-                <a:cs typeface="Arial" panose="020B0604020202020204" pitchFamily="34" charset="0"/>
-                <a:sym typeface="+mn-ea"/>
-              </a:rPr>
-              <a:t>программные</a:t>
-            </a:r>
-            <a:r>
-              <a:rPr lang="en-US" altLang="ru-RU">
-                <a:latin typeface="Arial" panose="020B0604020202020204" pitchFamily="34" charset="0"/>
-                <a:cs typeface="Arial" panose="020B0604020202020204" pitchFamily="34" charset="0"/>
-                <a:sym typeface="+mn-ea"/>
-              </a:rPr>
-              <a:t> </a:t>
-            </a:r>
-            <a:r>
-              <a:rPr lang="en-US" altLang="en-US">
-                <a:latin typeface="Arial" panose="020B0604020202020204" pitchFamily="34" charset="0"/>
-                <a:cs typeface="Arial" panose="020B0604020202020204" pitchFamily="34" charset="0"/>
-                <a:sym typeface="+mn-ea"/>
-              </a:rPr>
-              <a:t>и</a:t>
-            </a:r>
-            <a:r>
-              <a:rPr lang="en-US" altLang="ru-RU">
-                <a:latin typeface="Arial" panose="020B0604020202020204" pitchFamily="34" charset="0"/>
-                <a:cs typeface="Arial" panose="020B0604020202020204" pitchFamily="34" charset="0"/>
-                <a:sym typeface="+mn-ea"/>
-              </a:rPr>
-              <a:t> </a:t>
-            </a:r>
-            <a:r>
-              <a:rPr lang="en-US" altLang="en-US">
-                <a:latin typeface="Arial" panose="020B0604020202020204" pitchFamily="34" charset="0"/>
-                <a:cs typeface="Arial" panose="020B0604020202020204" pitchFamily="34" charset="0"/>
-                <a:sym typeface="+mn-ea"/>
-              </a:rPr>
-              <a:t>технические</a:t>
-            </a:r>
-            <a:r>
-              <a:rPr lang="en-US" altLang="ru-RU">
-                <a:latin typeface="Arial" panose="020B0604020202020204" pitchFamily="34" charset="0"/>
-                <a:cs typeface="Arial" panose="020B0604020202020204" pitchFamily="34" charset="0"/>
-                <a:sym typeface="+mn-ea"/>
-              </a:rPr>
-              <a:t> </a:t>
-            </a:r>
-            <a:r>
-              <a:rPr lang="en-US" altLang="en-US">
-                <a:latin typeface="Arial" panose="020B0604020202020204" pitchFamily="34" charset="0"/>
-                <a:cs typeface="Arial" panose="020B0604020202020204" pitchFamily="34" charset="0"/>
-                <a:sym typeface="+mn-ea"/>
-              </a:rPr>
-              <a:t>средства</a:t>
-            </a:r>
-            <a:r>
-              <a:rPr lang="en-US" altLang="ru-RU">
-                <a:latin typeface="Arial" panose="020B0604020202020204" pitchFamily="34" charset="0"/>
-                <a:cs typeface="Arial" panose="020B0604020202020204" pitchFamily="34" charset="0"/>
-                <a:sym typeface="+mn-ea"/>
-              </a:rPr>
-              <a:t>,</a:t>
-            </a:r>
-            <a:endParaRPr lang="en-US" altLang="ru-RU">
-              <a:latin typeface="Arial" panose="020B0604020202020204" pitchFamily="34" charset="0"/>
-              <a:cs typeface="Arial" panose="020B0604020202020204" pitchFamily="34" charset="0"/>
-            </a:endParaRPr>
-          </a:p>
-          <a:p>
-            <a:pPr algn="l">
-              <a:buBlip>
-                <a:blip r:embed="rId4"/>
-              </a:buBlip>
-            </a:pPr>
-            <a:r>
-              <a:rPr lang="ru-RU" altLang="en-US">
-                <a:latin typeface="Arial" panose="020B0604020202020204" pitchFamily="34" charset="0"/>
-                <a:cs typeface="Arial" panose="020B0604020202020204" pitchFamily="34" charset="0"/>
-                <a:sym typeface="+mn-ea"/>
-              </a:rPr>
-              <a:t> </a:t>
-            </a:r>
-            <a:r>
-              <a:rPr lang="en-US" altLang="en-US">
-                <a:latin typeface="Arial" panose="020B0604020202020204" pitchFamily="34" charset="0"/>
-                <a:cs typeface="Arial" panose="020B0604020202020204" pitchFamily="34" charset="0"/>
-                <a:sym typeface="+mn-ea"/>
-              </a:rPr>
-              <a:t>спроектировать</a:t>
-            </a:r>
-            <a:r>
-              <a:rPr lang="en-US" altLang="ru-RU">
-                <a:latin typeface="Arial" panose="020B0604020202020204" pitchFamily="34" charset="0"/>
-                <a:cs typeface="Arial" panose="020B0604020202020204" pitchFamily="34" charset="0"/>
-                <a:sym typeface="+mn-ea"/>
-              </a:rPr>
-              <a:t> </a:t>
-            </a:r>
-            <a:r>
-              <a:rPr lang="en-US" altLang="en-US">
-                <a:latin typeface="Arial" panose="020B0604020202020204" pitchFamily="34" charset="0"/>
-                <a:cs typeface="Arial" panose="020B0604020202020204" pitchFamily="34" charset="0"/>
-                <a:sym typeface="+mn-ea"/>
-              </a:rPr>
-              <a:t>и</a:t>
-            </a:r>
-            <a:r>
-              <a:rPr lang="en-US" altLang="ru-RU">
-                <a:latin typeface="Arial" panose="020B0604020202020204" pitchFamily="34" charset="0"/>
-                <a:cs typeface="Arial" panose="020B0604020202020204" pitchFamily="34" charset="0"/>
-                <a:sym typeface="+mn-ea"/>
-              </a:rPr>
-              <a:t> </a:t>
-            </a:r>
-            <a:r>
-              <a:rPr lang="en-US" altLang="en-US">
-                <a:latin typeface="Arial" panose="020B0604020202020204" pitchFamily="34" charset="0"/>
-                <a:cs typeface="Arial" panose="020B0604020202020204" pitchFamily="34" charset="0"/>
-                <a:sym typeface="+mn-ea"/>
-              </a:rPr>
-              <a:t>создать</a:t>
-            </a:r>
-            <a:r>
-              <a:rPr lang="en-US" altLang="ru-RU">
-                <a:latin typeface="Arial" panose="020B0604020202020204" pitchFamily="34" charset="0"/>
-                <a:cs typeface="Arial" panose="020B0604020202020204" pitchFamily="34" charset="0"/>
-                <a:sym typeface="+mn-ea"/>
-              </a:rPr>
-              <a:t> </a:t>
-            </a:r>
-            <a:r>
-              <a:rPr lang="en-US" altLang="en-US">
-                <a:latin typeface="Arial" panose="020B0604020202020204" pitchFamily="34" charset="0"/>
-                <a:cs typeface="Arial" panose="020B0604020202020204" pitchFamily="34" charset="0"/>
-                <a:sym typeface="+mn-ea"/>
-              </a:rPr>
-              <a:t>базу</a:t>
-            </a:r>
-            <a:r>
-              <a:rPr lang="en-US" altLang="ru-RU">
-                <a:latin typeface="Arial" panose="020B0604020202020204" pitchFamily="34" charset="0"/>
-                <a:cs typeface="Arial" panose="020B0604020202020204" pitchFamily="34" charset="0"/>
-                <a:sym typeface="+mn-ea"/>
-              </a:rPr>
-              <a:t> </a:t>
-            </a:r>
-            <a:r>
-              <a:rPr lang="en-US" altLang="en-US">
-                <a:latin typeface="Arial" panose="020B0604020202020204" pitchFamily="34" charset="0"/>
-                <a:cs typeface="Arial" panose="020B0604020202020204" pitchFamily="34" charset="0"/>
-                <a:sym typeface="+mn-ea"/>
-              </a:rPr>
-              <a:t>данных</a:t>
-            </a:r>
-            <a:r>
-              <a:rPr lang="en-US" altLang="ru-RU">
-                <a:latin typeface="Arial" panose="020B0604020202020204" pitchFamily="34" charset="0"/>
-                <a:cs typeface="Arial" panose="020B0604020202020204" pitchFamily="34" charset="0"/>
-                <a:sym typeface="+mn-ea"/>
-              </a:rPr>
-              <a:t>.</a:t>
-            </a:r>
-            <a:endParaRPr lang="en-US" altLang="ru-RU">
-              <a:latin typeface="Arial" panose="020B0604020202020204" pitchFamily="34" charset="0"/>
-              <a:cs typeface="Arial" panose="020B0604020202020204" pitchFamily="34" charset="0"/>
-              <a:sym typeface="+mn-ea"/>
-            </a:endParaRPr>
-          </a:p>
-        </p:txBody>
-      </p:sp>
-      <p:sp>
-        <p:nvSpPr>
-          <p:cNvPr id="12" name="Текстовое поле 11"/>
-          <p:cNvSpPr txBox="1"/>
-          <p:nvPr/>
-        </p:nvSpPr>
-        <p:spPr>
-          <a:xfrm>
-            <a:off x="2590165" y="5800725"/>
-            <a:ext cx="8035290" cy="922020"/>
-          </a:xfrm>
-          <a:prstGeom prst="rect">
-            <a:avLst/>
-          </a:prstGeom>
-          <a:noFill/>
-        </p:spPr>
-        <p:txBody>
-          <a:bodyPr wrap="square" rtlCol="0">
-            <a:spAutoFit/>
-          </a:bodyPr>
-          <a:p>
-            <a:pPr indent="0" algn="l">
-              <a:buNone/>
-            </a:pPr>
-            <a:r>
-              <a:rPr lang="en-US" altLang="en-US">
-                <a:latin typeface="Arial" panose="020B0604020202020204" pitchFamily="34" charset="0"/>
-                <a:cs typeface="Arial" panose="020B0604020202020204" pitchFamily="34" charset="0"/>
-              </a:rPr>
-              <a:t>Тестирование</a:t>
-            </a:r>
-            <a:r>
-              <a:rPr lang="en-US" altLang="ru-RU">
-                <a:latin typeface="Arial" panose="020B0604020202020204" pitchFamily="34" charset="0"/>
-                <a:cs typeface="Arial" panose="020B0604020202020204" pitchFamily="34" charset="0"/>
-              </a:rPr>
-              <a:t> </a:t>
-            </a:r>
-            <a:r>
-              <a:rPr lang="en-US" altLang="en-US">
-                <a:latin typeface="Arial" panose="020B0604020202020204" pitchFamily="34" charset="0"/>
-                <a:cs typeface="Arial" panose="020B0604020202020204" pitchFamily="34" charset="0"/>
-              </a:rPr>
-              <a:t>и</a:t>
-            </a:r>
-            <a:r>
-              <a:rPr lang="en-US" altLang="ru-RU">
-                <a:latin typeface="Arial" panose="020B0604020202020204" pitchFamily="34" charset="0"/>
-                <a:cs typeface="Arial" panose="020B0604020202020204" pitchFamily="34" charset="0"/>
-              </a:rPr>
-              <a:t> </a:t>
-            </a:r>
-            <a:r>
-              <a:rPr lang="en-US" altLang="en-US">
-                <a:latin typeface="Arial" panose="020B0604020202020204" pitchFamily="34" charset="0"/>
-                <a:cs typeface="Arial" panose="020B0604020202020204" pitchFamily="34" charset="0"/>
-              </a:rPr>
-              <a:t>документация</a:t>
-            </a:r>
-            <a:r>
-              <a:rPr lang="en-US" altLang="ru-RU">
-                <a:latin typeface="Arial" panose="020B0604020202020204" pitchFamily="34" charset="0"/>
-                <a:cs typeface="Arial" panose="020B0604020202020204" pitchFamily="34" charset="0"/>
-              </a:rPr>
-              <a:t>:</a:t>
-            </a:r>
-            <a:endParaRPr lang="en-US" altLang="ru-RU">
-              <a:latin typeface="Arial" panose="020B0604020202020204" pitchFamily="34" charset="0"/>
-              <a:cs typeface="Arial" panose="020B0604020202020204" pitchFamily="34" charset="0"/>
-            </a:endParaRPr>
-          </a:p>
-          <a:p>
-            <a:pPr algn="l">
-              <a:buBlip>
-                <a:blip r:embed="rId4"/>
-              </a:buBlip>
-            </a:pPr>
-            <a:r>
-              <a:rPr lang="ru-RU" altLang="en-US">
-                <a:latin typeface="Arial" panose="020B0604020202020204" pitchFamily="34" charset="0"/>
-                <a:cs typeface="Arial" panose="020B0604020202020204" pitchFamily="34" charset="0"/>
-              </a:rPr>
-              <a:t> </a:t>
-            </a:r>
-            <a:r>
-              <a:rPr lang="en-US" altLang="en-US">
-                <a:latin typeface="Arial" panose="020B0604020202020204" pitchFamily="34" charset="0"/>
-                <a:cs typeface="Arial" panose="020B0604020202020204" pitchFamily="34" charset="0"/>
-              </a:rPr>
-              <a:t>выполнить</a:t>
-            </a:r>
-            <a:r>
-              <a:rPr lang="en-US" altLang="ru-RU">
-                <a:latin typeface="Arial" panose="020B0604020202020204" pitchFamily="34" charset="0"/>
-                <a:cs typeface="Arial" panose="020B0604020202020204" pitchFamily="34" charset="0"/>
-              </a:rPr>
-              <a:t> </a:t>
-            </a:r>
-            <a:r>
-              <a:rPr lang="en-US" altLang="en-US">
-                <a:latin typeface="Arial" panose="020B0604020202020204" pitchFamily="34" charset="0"/>
-                <a:cs typeface="Arial" panose="020B0604020202020204" pitchFamily="34" charset="0"/>
-              </a:rPr>
-              <a:t>тестирование</a:t>
-            </a:r>
-            <a:r>
-              <a:rPr lang="en-US" altLang="ru-RU">
-                <a:latin typeface="Arial" panose="020B0604020202020204" pitchFamily="34" charset="0"/>
-                <a:cs typeface="Arial" panose="020B0604020202020204" pitchFamily="34" charset="0"/>
-              </a:rPr>
-              <a:t> </a:t>
-            </a:r>
-            <a:r>
-              <a:rPr lang="en-US" altLang="en-US">
-                <a:latin typeface="Arial" panose="020B0604020202020204" pitchFamily="34" charset="0"/>
-                <a:cs typeface="Arial" panose="020B0604020202020204" pitchFamily="34" charset="0"/>
-              </a:rPr>
-              <a:t>ПО</a:t>
-            </a:r>
-            <a:r>
-              <a:rPr lang="en-US" altLang="ru-RU">
-                <a:latin typeface="Arial" panose="020B0604020202020204" pitchFamily="34" charset="0"/>
-                <a:cs typeface="Arial" panose="020B0604020202020204" pitchFamily="34" charset="0"/>
-              </a:rPr>
-              <a:t>,</a:t>
-            </a:r>
-            <a:endParaRPr lang="en-US" altLang="ru-RU">
-              <a:latin typeface="Arial" panose="020B0604020202020204" pitchFamily="34" charset="0"/>
-              <a:cs typeface="Arial" panose="020B0604020202020204" pitchFamily="34" charset="0"/>
-            </a:endParaRPr>
-          </a:p>
-          <a:p>
-            <a:pPr algn="l">
-              <a:buBlip>
-                <a:blip r:embed="rId4"/>
-              </a:buBlip>
-            </a:pPr>
-            <a:r>
-              <a:rPr lang="ru-RU" altLang="en-US">
-                <a:latin typeface="Arial" panose="020B0604020202020204" pitchFamily="34" charset="0"/>
-                <a:cs typeface="Arial" panose="020B0604020202020204" pitchFamily="34" charset="0"/>
-              </a:rPr>
-              <a:t> </a:t>
-            </a:r>
-            <a:r>
-              <a:rPr lang="en-US" altLang="en-US">
-                <a:latin typeface="Arial" panose="020B0604020202020204" pitchFamily="34" charset="0"/>
-                <a:cs typeface="Arial" panose="020B0604020202020204" pitchFamily="34" charset="0"/>
-              </a:rPr>
-              <a:t>разработать</a:t>
-            </a:r>
-            <a:r>
-              <a:rPr lang="en-US" altLang="ru-RU">
-                <a:latin typeface="Arial" panose="020B0604020202020204" pitchFamily="34" charset="0"/>
-                <a:cs typeface="Arial" panose="020B0604020202020204" pitchFamily="34" charset="0"/>
-              </a:rPr>
-              <a:t> </a:t>
-            </a:r>
-            <a:r>
-              <a:rPr lang="en-US" altLang="en-US">
-                <a:latin typeface="Arial" panose="020B0604020202020204" pitchFamily="34" charset="0"/>
-                <a:cs typeface="Arial" panose="020B0604020202020204" pitchFamily="34" charset="0"/>
-              </a:rPr>
-              <a:t>программную</a:t>
-            </a:r>
-            <a:r>
-              <a:rPr lang="en-US" altLang="ru-RU">
-                <a:latin typeface="Arial" panose="020B0604020202020204" pitchFamily="34" charset="0"/>
-                <a:cs typeface="Arial" panose="020B0604020202020204" pitchFamily="34" charset="0"/>
-              </a:rPr>
-              <a:t> </a:t>
-            </a:r>
-            <a:r>
-              <a:rPr lang="en-US" altLang="en-US">
-                <a:latin typeface="Arial" panose="020B0604020202020204" pitchFamily="34" charset="0"/>
-                <a:cs typeface="Arial" panose="020B0604020202020204" pitchFamily="34" charset="0"/>
-              </a:rPr>
-              <a:t>и</a:t>
-            </a:r>
-            <a:r>
-              <a:rPr lang="en-US" altLang="ru-RU">
-                <a:latin typeface="Arial" panose="020B0604020202020204" pitchFamily="34" charset="0"/>
-                <a:cs typeface="Arial" panose="020B0604020202020204" pitchFamily="34" charset="0"/>
-              </a:rPr>
-              <a:t> </a:t>
-            </a:r>
-            <a:r>
-              <a:rPr lang="en-US" altLang="en-US">
-                <a:latin typeface="Arial" panose="020B0604020202020204" pitchFamily="34" charset="0"/>
-                <a:cs typeface="Arial" panose="020B0604020202020204" pitchFamily="34" charset="0"/>
-              </a:rPr>
-              <a:t>эксплуатационную</a:t>
-            </a:r>
-            <a:r>
-              <a:rPr lang="en-US" altLang="ru-RU">
-                <a:latin typeface="Arial" panose="020B0604020202020204" pitchFamily="34" charset="0"/>
-                <a:cs typeface="Arial" panose="020B0604020202020204" pitchFamily="34" charset="0"/>
-              </a:rPr>
-              <a:t> </a:t>
-            </a:r>
-            <a:r>
-              <a:rPr lang="en-US" altLang="en-US">
-                <a:latin typeface="Arial" panose="020B0604020202020204" pitchFamily="34" charset="0"/>
-                <a:cs typeface="Arial" panose="020B0604020202020204" pitchFamily="34" charset="0"/>
-              </a:rPr>
-              <a:t>документацию</a:t>
-            </a:r>
-            <a:r>
-              <a:rPr lang="en-US" altLang="ru-RU">
-                <a:latin typeface="Arial" panose="020B0604020202020204" pitchFamily="34" charset="0"/>
-                <a:cs typeface="Arial" panose="020B0604020202020204" pitchFamily="34" charset="0"/>
-              </a:rPr>
-              <a:t>.</a:t>
-            </a:r>
-            <a:endParaRPr lang="en-US" altLang="ru-RU">
-              <a:latin typeface="Arial" panose="020B0604020202020204" pitchFamily="34" charset="0"/>
-              <a:cs typeface="Arial" panose="020B0604020202020204" pitchFamily="34" charset="0"/>
-            </a:endParaRPr>
-          </a:p>
-        </p:txBody>
-      </p:sp>
-      <p:sp>
-        <p:nvSpPr>
-          <p:cNvPr id="13" name="Текстовое поле 12"/>
-          <p:cNvSpPr txBox="1"/>
-          <p:nvPr/>
-        </p:nvSpPr>
-        <p:spPr>
-          <a:xfrm>
-            <a:off x="2590165" y="4126230"/>
-            <a:ext cx="8035290" cy="1476375"/>
-          </a:xfrm>
-          <a:prstGeom prst="rect">
-            <a:avLst/>
-          </a:prstGeom>
-          <a:noFill/>
-        </p:spPr>
-        <p:txBody>
-          <a:bodyPr wrap="square" rtlCol="0">
-            <a:spAutoFit/>
-          </a:bodyPr>
-          <a:p>
-            <a:pPr indent="0" algn="l">
-              <a:buNone/>
-            </a:pPr>
-            <a:r>
-              <a:rPr lang="en-US" altLang="en-US">
-                <a:latin typeface="Arial" panose="020B0604020202020204" pitchFamily="34" charset="0"/>
-                <a:cs typeface="Arial" panose="020B0604020202020204" pitchFamily="34" charset="0"/>
-                <a:sym typeface="+mn-ea"/>
-              </a:rPr>
-              <a:t>Разработка</a:t>
-            </a:r>
-            <a:r>
-              <a:rPr lang="en-US" altLang="ru-RU">
-                <a:latin typeface="Arial" panose="020B0604020202020204" pitchFamily="34" charset="0"/>
-                <a:cs typeface="Arial" panose="020B0604020202020204" pitchFamily="34" charset="0"/>
-                <a:sym typeface="+mn-ea"/>
-              </a:rPr>
-              <a:t> </a:t>
-            </a:r>
-            <a:r>
-              <a:rPr lang="en-US" altLang="en-US">
-                <a:latin typeface="Arial" panose="020B0604020202020204" pitchFamily="34" charset="0"/>
-                <a:cs typeface="Arial" panose="020B0604020202020204" pitchFamily="34" charset="0"/>
-                <a:sym typeface="+mn-ea"/>
-              </a:rPr>
-              <a:t>и</a:t>
-            </a:r>
-            <a:r>
-              <a:rPr lang="en-US" altLang="ru-RU">
-                <a:latin typeface="Arial" panose="020B0604020202020204" pitchFamily="34" charset="0"/>
-                <a:cs typeface="Arial" panose="020B0604020202020204" pitchFamily="34" charset="0"/>
-                <a:sym typeface="+mn-ea"/>
-              </a:rPr>
-              <a:t> </a:t>
-            </a:r>
-            <a:r>
-              <a:rPr lang="en-US" altLang="en-US">
-                <a:latin typeface="Arial" panose="020B0604020202020204" pitchFamily="34" charset="0"/>
-                <a:cs typeface="Arial" panose="020B0604020202020204" pitchFamily="34" charset="0"/>
-                <a:sym typeface="+mn-ea"/>
-              </a:rPr>
-              <a:t>реализация</a:t>
-            </a:r>
-            <a:r>
-              <a:rPr lang="en-US" altLang="ru-RU">
-                <a:latin typeface="Arial" panose="020B0604020202020204" pitchFamily="34" charset="0"/>
-                <a:cs typeface="Arial" panose="020B0604020202020204" pitchFamily="34" charset="0"/>
-                <a:sym typeface="+mn-ea"/>
-              </a:rPr>
-              <a:t>:</a:t>
-            </a:r>
-            <a:endParaRPr lang="en-US" altLang="ru-RU">
-              <a:latin typeface="Arial" panose="020B0604020202020204" pitchFamily="34" charset="0"/>
-              <a:cs typeface="Arial" panose="020B0604020202020204" pitchFamily="34" charset="0"/>
-            </a:endParaRPr>
-          </a:p>
-          <a:p>
-            <a:pPr algn="l">
-              <a:buBlip>
-                <a:blip r:embed="rId4"/>
-              </a:buBlip>
-            </a:pPr>
-            <a:r>
-              <a:rPr lang="ru-RU" altLang="en-US">
-                <a:latin typeface="Arial" panose="020B0604020202020204" pitchFamily="34" charset="0"/>
-                <a:cs typeface="Arial" panose="020B0604020202020204" pitchFamily="34" charset="0"/>
-              </a:rPr>
-              <a:t> </a:t>
-            </a:r>
-            <a:r>
-              <a:rPr lang="en-US" altLang="en-US">
-                <a:latin typeface="Arial" panose="020B0604020202020204" pitchFamily="34" charset="0"/>
-                <a:cs typeface="Arial" panose="020B0604020202020204" pitchFamily="34" charset="0"/>
-              </a:rPr>
-              <a:t>разработать</a:t>
-            </a:r>
-            <a:r>
-              <a:rPr lang="en-US" altLang="ru-RU">
-                <a:latin typeface="Arial" panose="020B0604020202020204" pitchFamily="34" charset="0"/>
-                <a:cs typeface="Arial" panose="020B0604020202020204" pitchFamily="34" charset="0"/>
-              </a:rPr>
-              <a:t> API </a:t>
-            </a:r>
-            <a:r>
-              <a:rPr lang="en-US" altLang="en-US">
-                <a:latin typeface="Arial" panose="020B0604020202020204" pitchFamily="34" charset="0"/>
-                <a:cs typeface="Arial" panose="020B0604020202020204" pitchFamily="34" charset="0"/>
-              </a:rPr>
-              <a:t>для</a:t>
-            </a:r>
-            <a:r>
-              <a:rPr lang="en-US" altLang="ru-RU">
-                <a:latin typeface="Arial" panose="020B0604020202020204" pitchFamily="34" charset="0"/>
-                <a:cs typeface="Arial" panose="020B0604020202020204" pitchFamily="34" charset="0"/>
-              </a:rPr>
-              <a:t> </a:t>
-            </a:r>
-            <a:r>
-              <a:rPr lang="en-US" altLang="en-US">
-                <a:latin typeface="Arial" panose="020B0604020202020204" pitchFamily="34" charset="0"/>
-                <a:cs typeface="Arial" panose="020B0604020202020204" pitchFamily="34" charset="0"/>
-              </a:rPr>
-              <a:t>взаимодействия</a:t>
-            </a:r>
-            <a:r>
-              <a:rPr lang="en-US" altLang="ru-RU">
-                <a:latin typeface="Arial" panose="020B0604020202020204" pitchFamily="34" charset="0"/>
-                <a:cs typeface="Arial" panose="020B0604020202020204" pitchFamily="34" charset="0"/>
-              </a:rPr>
-              <a:t> </a:t>
-            </a:r>
-            <a:r>
-              <a:rPr lang="en-US" altLang="en-US">
-                <a:latin typeface="Arial" panose="020B0604020202020204" pitchFamily="34" charset="0"/>
-                <a:cs typeface="Arial" panose="020B0604020202020204" pitchFamily="34" charset="0"/>
-              </a:rPr>
-              <a:t>с</a:t>
-            </a:r>
-            <a:r>
-              <a:rPr lang="en-US" altLang="ru-RU">
-                <a:latin typeface="Arial" panose="020B0604020202020204" pitchFamily="34" charset="0"/>
-                <a:cs typeface="Arial" panose="020B0604020202020204" pitchFamily="34" charset="0"/>
-              </a:rPr>
-              <a:t> </a:t>
-            </a:r>
-            <a:r>
-              <a:rPr lang="en-US" altLang="en-US">
-                <a:latin typeface="Arial" panose="020B0604020202020204" pitchFamily="34" charset="0"/>
-                <a:cs typeface="Arial" panose="020B0604020202020204" pitchFamily="34" charset="0"/>
-              </a:rPr>
-              <a:t>БД</a:t>
-            </a:r>
-            <a:r>
-              <a:rPr lang="en-US" altLang="ru-RU">
-                <a:latin typeface="Arial" panose="020B0604020202020204" pitchFamily="34" charset="0"/>
-                <a:cs typeface="Arial" panose="020B0604020202020204" pitchFamily="34" charset="0"/>
-              </a:rPr>
-              <a:t>,</a:t>
-            </a:r>
-            <a:endParaRPr lang="en-US" altLang="ru-RU">
-              <a:latin typeface="Arial" panose="020B0604020202020204" pitchFamily="34" charset="0"/>
-              <a:cs typeface="Arial" panose="020B0604020202020204" pitchFamily="34" charset="0"/>
-            </a:endParaRPr>
-          </a:p>
-          <a:p>
-            <a:pPr algn="l">
-              <a:buBlip>
-                <a:blip r:embed="rId4"/>
-              </a:buBlip>
-            </a:pPr>
-            <a:r>
-              <a:rPr lang="ru-RU" altLang="en-US">
-                <a:latin typeface="Arial" panose="020B0604020202020204" pitchFamily="34" charset="0"/>
-                <a:cs typeface="Arial" panose="020B0604020202020204" pitchFamily="34" charset="0"/>
-              </a:rPr>
-              <a:t> </a:t>
-            </a:r>
-            <a:r>
-              <a:rPr lang="en-US" altLang="en-US">
-                <a:latin typeface="Arial" panose="020B0604020202020204" pitchFamily="34" charset="0"/>
-                <a:cs typeface="Arial" panose="020B0604020202020204" pitchFamily="34" charset="0"/>
-              </a:rPr>
-              <a:t>реализовать</a:t>
-            </a:r>
-            <a:r>
-              <a:rPr lang="en-US" altLang="ru-RU">
-                <a:latin typeface="Arial" panose="020B0604020202020204" pitchFamily="34" charset="0"/>
-                <a:cs typeface="Arial" panose="020B0604020202020204" pitchFamily="34" charset="0"/>
-              </a:rPr>
-              <a:t> </a:t>
-            </a:r>
-            <a:r>
-              <a:rPr lang="en-US" altLang="en-US">
-                <a:latin typeface="Arial" panose="020B0604020202020204" pitchFamily="34" charset="0"/>
-                <a:cs typeface="Arial" panose="020B0604020202020204" pitchFamily="34" charset="0"/>
-              </a:rPr>
-              <a:t>разграничение</a:t>
-            </a:r>
-            <a:r>
-              <a:rPr lang="en-US" altLang="ru-RU">
-                <a:latin typeface="Arial" panose="020B0604020202020204" pitchFamily="34" charset="0"/>
-                <a:cs typeface="Arial" panose="020B0604020202020204" pitchFamily="34" charset="0"/>
-              </a:rPr>
-              <a:t> </a:t>
-            </a:r>
-            <a:r>
-              <a:rPr lang="en-US" altLang="en-US">
-                <a:latin typeface="Arial" panose="020B0604020202020204" pitchFamily="34" charset="0"/>
-                <a:cs typeface="Arial" panose="020B0604020202020204" pitchFamily="34" charset="0"/>
-              </a:rPr>
-              <a:t>прав</a:t>
-            </a:r>
-            <a:r>
-              <a:rPr lang="en-US" altLang="ru-RU">
-                <a:latin typeface="Arial" panose="020B0604020202020204" pitchFamily="34" charset="0"/>
-                <a:cs typeface="Arial" panose="020B0604020202020204" pitchFamily="34" charset="0"/>
-              </a:rPr>
-              <a:t> </a:t>
-            </a:r>
-            <a:r>
-              <a:rPr lang="en-US" altLang="en-US">
-                <a:latin typeface="Arial" panose="020B0604020202020204" pitchFamily="34" charset="0"/>
-                <a:cs typeface="Arial" panose="020B0604020202020204" pitchFamily="34" charset="0"/>
-              </a:rPr>
-              <a:t>доступа</a:t>
-            </a:r>
-            <a:r>
-              <a:rPr lang="en-US" altLang="ru-RU">
-                <a:latin typeface="Arial" panose="020B0604020202020204" pitchFamily="34" charset="0"/>
-                <a:cs typeface="Arial" panose="020B0604020202020204" pitchFamily="34" charset="0"/>
-              </a:rPr>
-              <a:t> </a:t>
-            </a:r>
-            <a:r>
-              <a:rPr lang="en-US" altLang="en-US">
-                <a:latin typeface="Arial" panose="020B0604020202020204" pitchFamily="34" charset="0"/>
-                <a:cs typeface="Arial" panose="020B0604020202020204" pitchFamily="34" charset="0"/>
-              </a:rPr>
-              <a:t>и</a:t>
-            </a:r>
-            <a:r>
-              <a:rPr lang="en-US" altLang="ru-RU">
-                <a:latin typeface="Arial" panose="020B0604020202020204" pitchFamily="34" charset="0"/>
-                <a:cs typeface="Arial" panose="020B0604020202020204" pitchFamily="34" charset="0"/>
-              </a:rPr>
-              <a:t> </a:t>
-            </a:r>
-            <a:r>
-              <a:rPr lang="en-US" altLang="en-US">
-                <a:latin typeface="Arial" panose="020B0604020202020204" pitchFamily="34" charset="0"/>
-                <a:cs typeface="Arial" panose="020B0604020202020204" pitchFamily="34" charset="0"/>
-              </a:rPr>
-              <a:t>защиту</a:t>
-            </a:r>
-            <a:r>
-              <a:rPr lang="en-US" altLang="ru-RU">
-                <a:latin typeface="Arial" panose="020B0604020202020204" pitchFamily="34" charset="0"/>
-                <a:cs typeface="Arial" panose="020B0604020202020204" pitchFamily="34" charset="0"/>
-              </a:rPr>
-              <a:t> </a:t>
-            </a:r>
-            <a:r>
-              <a:rPr lang="en-US" altLang="en-US">
-                <a:latin typeface="Arial" panose="020B0604020202020204" pitchFamily="34" charset="0"/>
-                <a:cs typeface="Arial" panose="020B0604020202020204" pitchFamily="34" charset="0"/>
-              </a:rPr>
-              <a:t>данных</a:t>
-            </a:r>
-            <a:r>
-              <a:rPr lang="en-US" altLang="ru-RU">
-                <a:latin typeface="Arial" panose="020B0604020202020204" pitchFamily="34" charset="0"/>
-                <a:cs typeface="Arial" panose="020B0604020202020204" pitchFamily="34" charset="0"/>
-              </a:rPr>
-              <a:t>,</a:t>
-            </a:r>
-            <a:endParaRPr lang="en-US" altLang="ru-RU">
-              <a:latin typeface="Arial" panose="020B0604020202020204" pitchFamily="34" charset="0"/>
-              <a:cs typeface="Arial" panose="020B0604020202020204" pitchFamily="34" charset="0"/>
-            </a:endParaRPr>
-          </a:p>
-          <a:p>
-            <a:pPr algn="l">
-              <a:buBlip>
-                <a:blip r:embed="rId4"/>
-              </a:buBlip>
-            </a:pPr>
-            <a:r>
-              <a:rPr lang="ru-RU" altLang="en-US">
-                <a:latin typeface="Arial" panose="020B0604020202020204" pitchFamily="34" charset="0"/>
-                <a:cs typeface="Arial" panose="020B0604020202020204" pitchFamily="34" charset="0"/>
-              </a:rPr>
-              <a:t> </a:t>
-            </a:r>
-            <a:r>
-              <a:rPr lang="en-US" altLang="en-US">
-                <a:latin typeface="Arial" panose="020B0604020202020204" pitchFamily="34" charset="0"/>
-                <a:cs typeface="Arial" panose="020B0604020202020204" pitchFamily="34" charset="0"/>
-              </a:rPr>
-              <a:t>разработать</a:t>
-            </a:r>
-            <a:r>
-              <a:rPr lang="en-US" altLang="ru-RU">
-                <a:latin typeface="Arial" panose="020B0604020202020204" pitchFamily="34" charset="0"/>
-                <a:cs typeface="Arial" panose="020B0604020202020204" pitchFamily="34" charset="0"/>
-              </a:rPr>
-              <a:t> </a:t>
-            </a:r>
-            <a:r>
-              <a:rPr lang="en-US" altLang="en-US">
-                <a:latin typeface="Arial" panose="020B0604020202020204" pitchFamily="34" charset="0"/>
-                <a:cs typeface="Arial" panose="020B0604020202020204" pitchFamily="34" charset="0"/>
-              </a:rPr>
-              <a:t>интерфейс</a:t>
-            </a:r>
-            <a:r>
-              <a:rPr lang="en-US" altLang="ru-RU">
-                <a:latin typeface="Arial" panose="020B0604020202020204" pitchFamily="34" charset="0"/>
-                <a:cs typeface="Arial" panose="020B0604020202020204" pitchFamily="34" charset="0"/>
-              </a:rPr>
-              <a:t> </a:t>
-            </a:r>
-            <a:r>
-              <a:rPr lang="en-US" altLang="en-US">
-                <a:latin typeface="Arial" panose="020B0604020202020204" pitchFamily="34" charset="0"/>
-                <a:cs typeface="Arial" panose="020B0604020202020204" pitchFamily="34" charset="0"/>
-              </a:rPr>
-              <a:t>и</a:t>
-            </a:r>
-            <a:r>
-              <a:rPr lang="en-US" altLang="ru-RU">
-                <a:latin typeface="Arial" panose="020B0604020202020204" pitchFamily="34" charset="0"/>
-                <a:cs typeface="Arial" panose="020B0604020202020204" pitchFamily="34" charset="0"/>
-              </a:rPr>
-              <a:t> </a:t>
-            </a:r>
-            <a:r>
-              <a:rPr lang="en-US" altLang="en-US">
-                <a:latin typeface="Arial" panose="020B0604020202020204" pitchFamily="34" charset="0"/>
-                <a:cs typeface="Arial" panose="020B0604020202020204" pitchFamily="34" charset="0"/>
-              </a:rPr>
-              <a:t>мобильное</a:t>
-            </a:r>
-            <a:r>
-              <a:rPr lang="en-US" altLang="ru-RU">
-                <a:latin typeface="Arial" panose="020B0604020202020204" pitchFamily="34" charset="0"/>
-                <a:cs typeface="Arial" panose="020B0604020202020204" pitchFamily="34" charset="0"/>
-              </a:rPr>
-              <a:t> </a:t>
-            </a:r>
-            <a:r>
-              <a:rPr lang="en-US" altLang="en-US">
-                <a:latin typeface="Arial" panose="020B0604020202020204" pitchFamily="34" charset="0"/>
-                <a:cs typeface="Arial" panose="020B0604020202020204" pitchFamily="34" charset="0"/>
-              </a:rPr>
-              <a:t>приложение</a:t>
-            </a:r>
-            <a:r>
-              <a:rPr lang="en-US" altLang="ru-RU">
-                <a:latin typeface="Arial" panose="020B0604020202020204" pitchFamily="34" charset="0"/>
-                <a:cs typeface="Arial" panose="020B0604020202020204" pitchFamily="34" charset="0"/>
-              </a:rPr>
-              <a:t>,</a:t>
-            </a:r>
-            <a:endParaRPr lang="en-US" altLang="ru-RU">
-              <a:latin typeface="Arial" panose="020B0604020202020204" pitchFamily="34" charset="0"/>
-              <a:cs typeface="Arial" panose="020B0604020202020204" pitchFamily="34" charset="0"/>
-            </a:endParaRPr>
-          </a:p>
-          <a:p>
-            <a:pPr algn="l">
-              <a:buBlip>
-                <a:blip r:embed="rId4"/>
-              </a:buBlip>
-            </a:pPr>
-            <a:r>
-              <a:rPr lang="ru-RU" altLang="en-US">
-                <a:latin typeface="Arial" panose="020B0604020202020204" pitchFamily="34" charset="0"/>
-                <a:cs typeface="Arial" panose="020B0604020202020204" pitchFamily="34" charset="0"/>
-              </a:rPr>
-              <a:t> </a:t>
-            </a:r>
-            <a:r>
-              <a:rPr lang="en-US" altLang="en-US">
-                <a:latin typeface="Arial" panose="020B0604020202020204" pitchFamily="34" charset="0"/>
-                <a:cs typeface="Arial" panose="020B0604020202020204" pitchFamily="34" charset="0"/>
-              </a:rPr>
-              <a:t>создать</a:t>
-            </a:r>
-            <a:r>
-              <a:rPr lang="en-US" altLang="ru-RU">
-                <a:latin typeface="Arial" panose="020B0604020202020204" pitchFamily="34" charset="0"/>
-                <a:cs typeface="Arial" panose="020B0604020202020204" pitchFamily="34" charset="0"/>
-              </a:rPr>
-              <a:t> </a:t>
-            </a:r>
-            <a:r>
-              <a:rPr lang="en-US" altLang="en-US">
-                <a:latin typeface="Arial" panose="020B0604020202020204" pitchFamily="34" charset="0"/>
-                <a:cs typeface="Arial" panose="020B0604020202020204" pitchFamily="34" charset="0"/>
-              </a:rPr>
-              <a:t>телеграм</a:t>
-            </a:r>
-            <a:r>
-              <a:rPr lang="en-US" altLang="ru-RU">
-                <a:latin typeface="Arial" panose="020B0604020202020204" pitchFamily="34" charset="0"/>
-                <a:cs typeface="Arial" panose="020B0604020202020204" pitchFamily="34" charset="0"/>
-              </a:rPr>
-              <a:t>-</a:t>
-            </a:r>
-            <a:r>
-              <a:rPr lang="en-US" altLang="en-US">
-                <a:latin typeface="Arial" panose="020B0604020202020204" pitchFamily="34" charset="0"/>
-                <a:cs typeface="Arial" panose="020B0604020202020204" pitchFamily="34" charset="0"/>
-              </a:rPr>
-              <a:t>бота</a:t>
-            </a:r>
-            <a:r>
-              <a:rPr lang="en-US" altLang="ru-RU">
-                <a:latin typeface="Arial" panose="020B0604020202020204" pitchFamily="34" charset="0"/>
-                <a:cs typeface="Arial" panose="020B0604020202020204" pitchFamily="34" charset="0"/>
-              </a:rPr>
-              <a:t> </a:t>
-            </a:r>
-            <a:r>
-              <a:rPr lang="en-US" altLang="en-US">
-                <a:latin typeface="Arial" panose="020B0604020202020204" pitchFamily="34" charset="0"/>
-                <a:cs typeface="Arial" panose="020B0604020202020204" pitchFamily="34" charset="0"/>
-              </a:rPr>
-              <a:t>и</a:t>
-            </a:r>
-            <a:r>
-              <a:rPr lang="en-US" altLang="ru-RU">
-                <a:latin typeface="Arial" panose="020B0604020202020204" pitchFamily="34" charset="0"/>
-                <a:cs typeface="Arial" panose="020B0604020202020204" pitchFamily="34" charset="0"/>
-              </a:rPr>
-              <a:t> </a:t>
-            </a:r>
-            <a:r>
-              <a:rPr lang="en-US" altLang="en-US">
-                <a:latin typeface="Arial" panose="020B0604020202020204" pitchFamily="34" charset="0"/>
-                <a:cs typeface="Arial" panose="020B0604020202020204" pitchFamily="34" charset="0"/>
-              </a:rPr>
-              <a:t>реализовать</a:t>
-            </a:r>
-            <a:r>
-              <a:rPr lang="en-US" altLang="ru-RU">
-                <a:latin typeface="Arial" panose="020B0604020202020204" pitchFamily="34" charset="0"/>
-                <a:cs typeface="Arial" panose="020B0604020202020204" pitchFamily="34" charset="0"/>
-              </a:rPr>
-              <a:t> </a:t>
-            </a:r>
-            <a:r>
-              <a:rPr lang="en-US" altLang="en-US">
-                <a:latin typeface="Arial" panose="020B0604020202020204" pitchFamily="34" charset="0"/>
-                <a:cs typeface="Arial" panose="020B0604020202020204" pitchFamily="34" charset="0"/>
-              </a:rPr>
-              <a:t>функциональность</a:t>
-            </a:r>
-            <a:r>
-              <a:rPr lang="en-US" altLang="ru-RU">
-                <a:latin typeface="Arial" panose="020B0604020202020204" pitchFamily="34" charset="0"/>
-                <a:cs typeface="Arial" panose="020B0604020202020204" pitchFamily="34" charset="0"/>
-              </a:rPr>
-              <a:t> </a:t>
-            </a:r>
-            <a:r>
-              <a:rPr lang="en-US" altLang="en-US">
-                <a:latin typeface="Arial" panose="020B0604020202020204" pitchFamily="34" charset="0"/>
-                <a:cs typeface="Arial" panose="020B0604020202020204" pitchFamily="34" charset="0"/>
-              </a:rPr>
-              <a:t>заказов</a:t>
-            </a:r>
-            <a:r>
-              <a:rPr lang="en-US" altLang="ru-RU">
-                <a:latin typeface="Arial" panose="020B0604020202020204" pitchFamily="34" charset="0"/>
-                <a:cs typeface="Arial" panose="020B0604020202020204" pitchFamily="34" charset="0"/>
-              </a:rPr>
-              <a:t>.</a:t>
-            </a:r>
-            <a:endParaRPr lang="en-US" altLang="ru-RU">
-              <a:latin typeface="Arial" panose="020B0604020202020204" pitchFamily="34" charset="0"/>
-              <a:cs typeface="Arial" panose="020B0604020202020204" pitchFamily="34" charset="0"/>
-            </a:endParaRPr>
-          </a:p>
-        </p:txBody>
-      </p:sp>
-    </p:spTree>
-  </p:cSld>
-  <p:clrMapOvr>
-    <a:masterClrMapping/>
-  </p:clrMapOvr>
-</p:sld>
-</file>
-
-<file path=ppt/slides/slide7.xml><?xml version="1.0" encoding="utf-8"?>
 <p:sld xmlns:a="http://schemas.openxmlformats.org/drawingml/2006/main" xmlns:r="http://schemas.openxmlformats.org/officeDocument/2006/relationships" xmlns:p="http://schemas.openxmlformats.org/presentationml/2006/main">
   <p:cSld>
     <p:spTree>
@@ -11574,7 +8082,7 @@
 </p:sld>
 </file>
 
-<file path=ppt/slides/slide8.xml><?xml version="1.0" encoding="utf-8"?>
+<file path=ppt/slides/slide6.xml><?xml version="1.0" encoding="utf-8"?>
 <p:sld xmlns:a="http://schemas.openxmlformats.org/drawingml/2006/main" xmlns:r="http://schemas.openxmlformats.org/officeDocument/2006/relationships" xmlns:p="http://schemas.openxmlformats.org/presentationml/2006/main">
   <p:cSld>
     <p:spTree>
@@ -11991,7 +8499,7 @@
 </p:sld>
 </file>
 
-<file path=ppt/slides/slide9.xml><?xml version="1.0" encoding="utf-8"?>
+<file path=ppt/slides/slide7.xml><?xml version="1.0" encoding="utf-8"?>
 <p:sld xmlns:a="http://schemas.openxmlformats.org/drawingml/2006/main" xmlns:r="http://schemas.openxmlformats.org/officeDocument/2006/relationships" xmlns:p="http://schemas.openxmlformats.org/presentationml/2006/main">
   <p:cSld>
     <p:spTree>
@@ -13817,6 +10325,569 @@
               <a:t>7 / 9</a:t>
             </a:r>
             <a:endParaRPr lang="ru-RU" altLang="en-US"/>
+          </a:p>
+        </p:txBody>
+      </p:sp>
+    </p:spTree>
+  </p:cSld>
+  <p:clrMapOvr>
+    <a:masterClrMapping/>
+  </p:clrMapOvr>
+</p:sld>
+</file>
+
+<file path=ppt/slides/slide8.xml><?xml version="1.0" encoding="utf-8"?>
+<p:sld xmlns:a="http://schemas.openxmlformats.org/drawingml/2006/main" xmlns:r="http://schemas.openxmlformats.org/officeDocument/2006/relationships" xmlns:p="http://schemas.openxmlformats.org/presentationml/2006/main">
+  <p:cSld>
+    <p:spTree>
+      <p:nvGrpSpPr>
+        <p:cNvPr id="1" name=""/>
+        <p:cNvGrpSpPr/>
+        <p:nvPr/>
+      </p:nvGrpSpPr>
+      <p:grpSpPr/>
+      <p:sp>
+        <p:nvSpPr>
+          <p:cNvPr id="2" name="Заголовок 1"/>
+          <p:cNvSpPr>
+            <a:spLocks noGrp="1"/>
+          </p:cNvSpPr>
+          <p:nvPr>
+            <p:ph type="title"/>
+          </p:nvPr>
+        </p:nvSpPr>
+        <p:spPr>
+          <a:xfrm>
+            <a:off x="2907665" y="238760"/>
+            <a:ext cx="6375400" cy="780415"/>
+          </a:xfrm>
+        </p:spPr>
+        <p:txBody>
+          <a:bodyPr>
+            <a:normAutofit/>
+          </a:bodyPr>
+          <a:p>
+            <a:pPr algn="ctr"/>
+            <a:r>
+              <a:rPr lang="ru-RU" altLang="en-US" sz="4000" b="1">
+                <a:latin typeface="Arial" panose="020B0604020202020204" pitchFamily="34" charset="0"/>
+                <a:cs typeface="Arial" panose="020B0604020202020204" pitchFamily="34" charset="0"/>
+              </a:rPr>
+              <a:t>Архитектура системы</a:t>
+            </a:r>
+            <a:endParaRPr lang="ru-RU" altLang="en-US" b="1">
+              <a:latin typeface="Arial" panose="020B0604020202020204" pitchFamily="34" charset="0"/>
+              <a:cs typeface="Arial" panose="020B0604020202020204" pitchFamily="34" charset="0"/>
+            </a:endParaRPr>
+          </a:p>
+        </p:txBody>
+      </p:sp>
+      <p:sp>
+        <p:nvSpPr>
+          <p:cNvPr id="10" name="Полилиния 9"/>
+          <p:cNvSpPr/>
+          <p:nvPr/>
+        </p:nvSpPr>
+        <p:spPr>
+          <a:xfrm>
+            <a:off x="11264265" y="0"/>
+            <a:ext cx="1004293" cy="506095"/>
+          </a:xfrm>
+          <a:custGeom>
+            <a:avLst/>
+            <a:gdLst>
+              <a:gd name="connsiteX0" fmla="*/ 0 w 1581"/>
+              <a:gd name="connsiteY0" fmla="*/ 0 h 797"/>
+              <a:gd name="connsiteX1" fmla="*/ 1491 w 1581"/>
+              <a:gd name="connsiteY1" fmla="*/ 0 h 797"/>
+              <a:gd name="connsiteX2" fmla="*/ 1461 w 1581"/>
+              <a:gd name="connsiteY2" fmla="*/ 399 h 797"/>
+              <a:gd name="connsiteX3" fmla="*/ 1461 w 1581"/>
+              <a:gd name="connsiteY3" fmla="*/ 797 h 797"/>
+              <a:gd name="connsiteX4" fmla="*/ 399 w 1581"/>
+              <a:gd name="connsiteY4" fmla="*/ 797 h 797"/>
+              <a:gd name="connsiteX5" fmla="*/ 0 w 1581"/>
+              <a:gd name="connsiteY5" fmla="*/ 399 h 797"/>
+              <a:gd name="connsiteX6" fmla="*/ 0 w 1581"/>
+              <a:gd name="connsiteY6" fmla="*/ 0 h 797"/>
+            </a:gdLst>
+            <a:ahLst/>
+            <a:cxnLst>
+              <a:cxn ang="0">
+                <a:pos x="connsiteX0" y="connsiteY0"/>
+              </a:cxn>
+              <a:cxn ang="0">
+                <a:pos x="connsiteX1" y="connsiteY1"/>
+              </a:cxn>
+              <a:cxn ang="0">
+                <a:pos x="connsiteX2" y="connsiteY2"/>
+              </a:cxn>
+              <a:cxn ang="0">
+                <a:pos x="connsiteX3" y="connsiteY3"/>
+              </a:cxn>
+              <a:cxn ang="0">
+                <a:pos x="connsiteX4" y="connsiteY4"/>
+              </a:cxn>
+              <a:cxn ang="0">
+                <a:pos x="connsiteX5" y="connsiteY5"/>
+              </a:cxn>
+              <a:cxn ang="0">
+                <a:pos x="connsiteX6" y="connsiteY6"/>
+              </a:cxn>
+            </a:cxnLst>
+            <a:rect l="l" t="t" r="r" b="b"/>
+            <a:pathLst>
+              <a:path w="1582" h="797">
+                <a:moveTo>
+                  <a:pt x="0" y="0"/>
+                </a:moveTo>
+                <a:lnTo>
+                  <a:pt x="1491" y="0"/>
+                </a:lnTo>
+                <a:cubicBezTo>
+                  <a:pt x="1711" y="0"/>
+                  <a:pt x="1461" y="178"/>
+                  <a:pt x="1461" y="399"/>
+                </a:cubicBezTo>
+                <a:lnTo>
+                  <a:pt x="1461" y="797"/>
+                </a:lnTo>
+                <a:lnTo>
+                  <a:pt x="399" y="797"/>
+                </a:lnTo>
+                <a:cubicBezTo>
+                  <a:pt x="178" y="797"/>
+                  <a:pt x="0" y="619"/>
+                  <a:pt x="0" y="399"/>
+                </a:cubicBezTo>
+                <a:lnTo>
+                  <a:pt x="0" y="0"/>
+                </a:lnTo>
+                <a:close/>
+              </a:path>
+            </a:pathLst>
+          </a:custGeom>
+          <a:ln>
+            <a:noFill/>
+          </a:ln>
+        </p:spPr>
+        <p:style>
+          <a:lnRef idx="2">
+            <a:schemeClr val="accent1">
+              <a:lumMod val="75000"/>
+            </a:schemeClr>
+          </a:lnRef>
+          <a:fillRef idx="1">
+            <a:schemeClr val="accent1"/>
+          </a:fillRef>
+          <a:effectRef idx="0">
+            <a:srgbClr val="FFFFFF"/>
+          </a:effectRef>
+          <a:fontRef idx="minor">
+            <a:schemeClr val="lt1"/>
+          </a:fontRef>
+        </p:style>
+        <p:txBody>
+          <a:bodyPr rtlCol="0" anchor="ctr"/>
+          <a:p>
+            <a:pPr algn="ctr"/>
+            <a:r>
+              <a:rPr lang="ru-RU" altLang="en-US"/>
+              <a:t>8 / 9</a:t>
+            </a:r>
+            <a:endParaRPr lang="ru-RU" altLang="en-US"/>
+          </a:p>
+        </p:txBody>
+      </p:sp>
+      <p:pic>
+        <p:nvPicPr>
+          <p:cNvPr id="4" name="Замещающее содержимое 3" descr="Диаграмма разввертывания"/>
+          <p:cNvPicPr>
+            <a:picLocks noChangeAspect="1"/>
+          </p:cNvPicPr>
+          <p:nvPr>
+            <p:ph idx="1"/>
+          </p:nvPr>
+        </p:nvPicPr>
+        <p:blipFill>
+          <a:blip r:embed="rId1"/>
+          <a:stretch>
+            <a:fillRect/>
+          </a:stretch>
+        </p:blipFill>
+        <p:spPr>
+          <a:xfrm>
+            <a:off x="855980" y="1300480"/>
+            <a:ext cx="10480675" cy="4740910"/>
+          </a:xfrm>
+          <a:prstGeom prst="rect">
+            <a:avLst/>
+          </a:prstGeom>
+        </p:spPr>
+      </p:pic>
+    </p:spTree>
+  </p:cSld>
+  <p:clrMapOvr>
+    <a:masterClrMapping/>
+  </p:clrMapOvr>
+</p:sld>
+</file>
+
+<file path=ppt/slides/slide9.xml><?xml version="1.0" encoding="utf-8"?>
+<p:sld xmlns:a="http://schemas.openxmlformats.org/drawingml/2006/main" xmlns:r="http://schemas.openxmlformats.org/officeDocument/2006/relationships" xmlns:p="http://schemas.openxmlformats.org/presentationml/2006/main">
+  <p:cSld>
+    <p:spTree>
+      <p:nvGrpSpPr>
+        <p:cNvPr id="1" name=""/>
+        <p:cNvGrpSpPr/>
+        <p:nvPr/>
+      </p:nvGrpSpPr>
+      <p:grpSpPr/>
+      <p:sp>
+        <p:nvSpPr>
+          <p:cNvPr id="2" name="Заголовок 1"/>
+          <p:cNvSpPr>
+            <a:spLocks noGrp="1"/>
+          </p:cNvSpPr>
+          <p:nvPr>
+            <p:ph type="title"/>
+          </p:nvPr>
+        </p:nvSpPr>
+        <p:spPr>
+          <a:xfrm>
+            <a:off x="4203065" y="238760"/>
+            <a:ext cx="3785235" cy="780415"/>
+          </a:xfrm>
+        </p:spPr>
+        <p:txBody>
+          <a:bodyPr>
+            <a:normAutofit/>
+          </a:bodyPr>
+          <a:p>
+            <a:pPr algn="ctr"/>
+            <a:r>
+              <a:rPr lang="ru-RU" altLang="en-US" sz="4000" b="1">
+                <a:latin typeface="Arial" panose="020B0604020202020204" pitchFamily="34" charset="0"/>
+                <a:cs typeface="Arial" panose="020B0604020202020204" pitchFamily="34" charset="0"/>
+              </a:rPr>
+              <a:t>Заключение</a:t>
+            </a:r>
+            <a:endParaRPr lang="ru-RU" altLang="en-US" b="1">
+              <a:latin typeface="Arial" panose="020B0604020202020204" pitchFamily="34" charset="0"/>
+              <a:cs typeface="Arial" panose="020B0604020202020204" pitchFamily="34" charset="0"/>
+            </a:endParaRPr>
+          </a:p>
+        </p:txBody>
+      </p:sp>
+      <p:sp>
+        <p:nvSpPr>
+          <p:cNvPr id="6" name="Полилиния 5"/>
+          <p:cNvSpPr/>
+          <p:nvPr/>
+        </p:nvSpPr>
+        <p:spPr>
+          <a:xfrm>
+            <a:off x="11264265" y="0"/>
+            <a:ext cx="1004293" cy="506095"/>
+          </a:xfrm>
+          <a:custGeom>
+            <a:avLst/>
+            <a:gdLst>
+              <a:gd name="connsiteX0" fmla="*/ 0 w 1581"/>
+              <a:gd name="connsiteY0" fmla="*/ 0 h 797"/>
+              <a:gd name="connsiteX1" fmla="*/ 1491 w 1581"/>
+              <a:gd name="connsiteY1" fmla="*/ 0 h 797"/>
+              <a:gd name="connsiteX2" fmla="*/ 1461 w 1581"/>
+              <a:gd name="connsiteY2" fmla="*/ 399 h 797"/>
+              <a:gd name="connsiteX3" fmla="*/ 1461 w 1581"/>
+              <a:gd name="connsiteY3" fmla="*/ 797 h 797"/>
+              <a:gd name="connsiteX4" fmla="*/ 399 w 1581"/>
+              <a:gd name="connsiteY4" fmla="*/ 797 h 797"/>
+              <a:gd name="connsiteX5" fmla="*/ 0 w 1581"/>
+              <a:gd name="connsiteY5" fmla="*/ 399 h 797"/>
+              <a:gd name="connsiteX6" fmla="*/ 0 w 1581"/>
+              <a:gd name="connsiteY6" fmla="*/ 0 h 797"/>
+            </a:gdLst>
+            <a:ahLst/>
+            <a:cxnLst>
+              <a:cxn ang="0">
+                <a:pos x="connsiteX0" y="connsiteY0"/>
+              </a:cxn>
+              <a:cxn ang="0">
+                <a:pos x="connsiteX1" y="connsiteY1"/>
+              </a:cxn>
+              <a:cxn ang="0">
+                <a:pos x="connsiteX2" y="connsiteY2"/>
+              </a:cxn>
+              <a:cxn ang="0">
+                <a:pos x="connsiteX3" y="connsiteY3"/>
+              </a:cxn>
+              <a:cxn ang="0">
+                <a:pos x="connsiteX4" y="connsiteY4"/>
+              </a:cxn>
+              <a:cxn ang="0">
+                <a:pos x="connsiteX5" y="connsiteY5"/>
+              </a:cxn>
+              <a:cxn ang="0">
+                <a:pos x="connsiteX6" y="connsiteY6"/>
+              </a:cxn>
+            </a:cxnLst>
+            <a:rect l="l" t="t" r="r" b="b"/>
+            <a:pathLst>
+              <a:path w="1582" h="797">
+                <a:moveTo>
+                  <a:pt x="0" y="0"/>
+                </a:moveTo>
+                <a:lnTo>
+                  <a:pt x="1491" y="0"/>
+                </a:lnTo>
+                <a:cubicBezTo>
+                  <a:pt x="1711" y="0"/>
+                  <a:pt x="1461" y="178"/>
+                  <a:pt x="1461" y="399"/>
+                </a:cubicBezTo>
+                <a:lnTo>
+                  <a:pt x="1461" y="797"/>
+                </a:lnTo>
+                <a:lnTo>
+                  <a:pt x="399" y="797"/>
+                </a:lnTo>
+                <a:cubicBezTo>
+                  <a:pt x="178" y="797"/>
+                  <a:pt x="0" y="619"/>
+                  <a:pt x="0" y="399"/>
+                </a:cubicBezTo>
+                <a:lnTo>
+                  <a:pt x="0" y="0"/>
+                </a:lnTo>
+                <a:close/>
+              </a:path>
+            </a:pathLst>
+          </a:custGeom>
+          <a:ln>
+            <a:noFill/>
+          </a:ln>
+        </p:spPr>
+        <p:style>
+          <a:lnRef idx="2">
+            <a:schemeClr val="accent1">
+              <a:lumMod val="75000"/>
+            </a:schemeClr>
+          </a:lnRef>
+          <a:fillRef idx="1">
+            <a:schemeClr val="accent1"/>
+          </a:fillRef>
+          <a:effectRef idx="0">
+            <a:srgbClr val="FFFFFF"/>
+          </a:effectRef>
+          <a:fontRef idx="minor">
+            <a:schemeClr val="lt1"/>
+          </a:fontRef>
+        </p:style>
+        <p:txBody>
+          <a:bodyPr rtlCol="0" anchor="ctr"/>
+          <a:p>
+            <a:pPr algn="ctr"/>
+            <a:r>
+              <a:rPr lang="ru-RU" altLang="en-US"/>
+              <a:t>9 / 9</a:t>
+            </a:r>
+            <a:endParaRPr lang="ru-RU" altLang="en-US"/>
+          </a:p>
+        </p:txBody>
+      </p:sp>
+      <p:sp>
+        <p:nvSpPr>
+          <p:cNvPr id="4" name="Текстовое поле 3"/>
+          <p:cNvSpPr txBox="1"/>
+          <p:nvPr/>
+        </p:nvSpPr>
+        <p:spPr>
+          <a:xfrm>
+            <a:off x="2813050" y="1393190"/>
+            <a:ext cx="4879975" cy="521970"/>
+          </a:xfrm>
+          <a:prstGeom prst="rect">
+            <a:avLst/>
+          </a:prstGeom>
+          <a:noFill/>
+        </p:spPr>
+        <p:txBody>
+          <a:bodyPr wrap="square" rtlCol="0">
+            <a:spAutoFit/>
+          </a:bodyPr>
+          <a:p>
+            <a:r>
+              <a:rPr lang="ru-RU" altLang="en-US" sz="2800">
+                <a:latin typeface="Arial" panose="020B0604020202020204" pitchFamily="34" charset="0"/>
+                <a:cs typeface="Arial" panose="020B0604020202020204" pitchFamily="34" charset="0"/>
+              </a:rPr>
+              <a:t>Цель достигнута</a:t>
+            </a:r>
+            <a:endParaRPr lang="ru-RU" altLang="en-US" sz="2800">
+              <a:latin typeface="Arial" panose="020B0604020202020204" pitchFamily="34" charset="0"/>
+              <a:cs typeface="Arial" panose="020B0604020202020204" pitchFamily="34" charset="0"/>
+            </a:endParaRPr>
+          </a:p>
+        </p:txBody>
+      </p:sp>
+      <p:sp>
+        <p:nvSpPr>
+          <p:cNvPr id="7" name="Текстовое поле 6"/>
+          <p:cNvSpPr txBox="1"/>
+          <p:nvPr/>
+        </p:nvSpPr>
+        <p:spPr>
+          <a:xfrm>
+            <a:off x="2813050" y="3257233"/>
+            <a:ext cx="5784850" cy="521970"/>
+          </a:xfrm>
+          <a:prstGeom prst="rect">
+            <a:avLst/>
+          </a:prstGeom>
+          <a:noFill/>
+        </p:spPr>
+        <p:txBody>
+          <a:bodyPr wrap="square" rtlCol="0">
+            <a:spAutoFit/>
+          </a:bodyPr>
+          <a:p>
+            <a:r>
+              <a:rPr lang="ru-RU" altLang="en-US" sz="2800">
+                <a:latin typeface="Arial" panose="020B0604020202020204" pitchFamily="34" charset="0"/>
+                <a:cs typeface="Arial" panose="020B0604020202020204" pitchFamily="34" charset="0"/>
+              </a:rPr>
+              <a:t>Поставленные задачи решены</a:t>
+            </a:r>
+            <a:endParaRPr lang="ru-RU" altLang="en-US" sz="2800">
+              <a:latin typeface="Arial" panose="020B0604020202020204" pitchFamily="34" charset="0"/>
+              <a:cs typeface="Arial" panose="020B0604020202020204" pitchFamily="34" charset="0"/>
+            </a:endParaRPr>
+          </a:p>
+        </p:txBody>
+      </p:sp>
+      <p:pic>
+        <p:nvPicPr>
+          <p:cNvPr id="8" name="Изображение 7" descr="icons8-confetti-100"/>
+          <p:cNvPicPr>
+            <a:picLocks noChangeAspect="1"/>
+          </p:cNvPicPr>
+          <p:nvPr/>
+        </p:nvPicPr>
+        <p:blipFill>
+          <a:blip r:embed="rId1"/>
+          <a:stretch>
+            <a:fillRect/>
+          </a:stretch>
+        </p:blipFill>
+        <p:spPr>
+          <a:xfrm>
+            <a:off x="1082199" y="1019175"/>
+            <a:ext cx="1270000" cy="1270000"/>
+          </a:xfrm>
+          <a:prstGeom prst="rect">
+            <a:avLst/>
+          </a:prstGeom>
+        </p:spPr>
+      </p:pic>
+      <p:pic>
+        <p:nvPicPr>
+          <p:cNvPr id="9" name="Изображение 8" descr="icons8-task-completed-100"/>
+          <p:cNvPicPr>
+            <a:picLocks noChangeAspect="1"/>
+          </p:cNvPicPr>
+          <p:nvPr/>
+        </p:nvPicPr>
+        <p:blipFill>
+          <a:blip r:embed="rId2"/>
+          <a:stretch>
+            <a:fillRect/>
+          </a:stretch>
+        </p:blipFill>
+        <p:spPr>
+          <a:xfrm>
+            <a:off x="1082199" y="2883218"/>
+            <a:ext cx="1270000" cy="1270000"/>
+          </a:xfrm>
+          <a:prstGeom prst="rect">
+            <a:avLst/>
+          </a:prstGeom>
+        </p:spPr>
+      </p:pic>
+      <p:pic>
+        <p:nvPicPr>
+          <p:cNvPr id="10" name="Изображение 9" descr="icons8-networking-manager-100"/>
+          <p:cNvPicPr>
+            <a:picLocks noChangeAspect="1"/>
+          </p:cNvPicPr>
+          <p:nvPr/>
+        </p:nvPicPr>
+        <p:blipFill>
+          <a:blip r:embed="rId3"/>
+          <a:stretch>
+            <a:fillRect/>
+          </a:stretch>
+        </p:blipFill>
+        <p:spPr>
+          <a:xfrm>
+            <a:off x="1082199" y="4774565"/>
+            <a:ext cx="1270000" cy="1270000"/>
+          </a:xfrm>
+          <a:prstGeom prst="rect">
+            <a:avLst/>
+          </a:prstGeom>
+        </p:spPr>
+      </p:pic>
+      <p:sp>
+        <p:nvSpPr>
+          <p:cNvPr id="12" name="Текстовое поле 11"/>
+          <p:cNvSpPr txBox="1"/>
+          <p:nvPr/>
+        </p:nvSpPr>
+        <p:spPr>
+          <a:xfrm>
+            <a:off x="2813050" y="5148580"/>
+            <a:ext cx="5160010" cy="521970"/>
+          </a:xfrm>
+          <a:prstGeom prst="rect">
+            <a:avLst/>
+          </a:prstGeom>
+          <a:noFill/>
+        </p:spPr>
+        <p:txBody>
+          <a:bodyPr wrap="square" rtlCol="0">
+            <a:spAutoFit/>
+          </a:bodyPr>
+          <a:p>
+            <a:r>
+              <a:rPr lang="en-US" altLang="en-US" sz="2800">
+                <a:latin typeface="Arial" panose="020B0604020202020204" pitchFamily="34" charset="0"/>
+                <a:cs typeface="Arial" panose="020B0604020202020204" pitchFamily="34" charset="0"/>
+                <a:sym typeface="+mn-ea"/>
+              </a:rPr>
+              <a:t>Разработанна</a:t>
+            </a:r>
+            <a:r>
+              <a:rPr lang="en-US" altLang="ru-RU" sz="2800">
+                <a:latin typeface="Arial" panose="020B0604020202020204" pitchFamily="34" charset="0"/>
+                <a:cs typeface="Arial" panose="020B0604020202020204" pitchFamily="34" charset="0"/>
+                <a:sym typeface="+mn-ea"/>
+              </a:rPr>
+              <a:t> </a:t>
+            </a:r>
+            <a:r>
+              <a:rPr lang="en-US" altLang="en-US" sz="2800">
+                <a:latin typeface="Arial" panose="020B0604020202020204" pitchFamily="34" charset="0"/>
+                <a:cs typeface="Arial" panose="020B0604020202020204" pitchFamily="34" charset="0"/>
+                <a:sym typeface="+mn-ea"/>
+              </a:rPr>
+              <a:t>подсистема</a:t>
+            </a:r>
+            <a:endParaRPr lang="en-US" altLang="en-US" sz="2800">
+              <a:latin typeface="Arial" panose="020B0604020202020204" pitchFamily="34" charset="0"/>
+              <a:cs typeface="Arial" panose="020B0604020202020204" pitchFamily="34" charset="0"/>
+              <a:sym typeface="+mn-ea"/>
+            </a:endParaRPr>
           </a:p>
         </p:txBody>
       </p:sp>

--- a/КП Презентация Абрамов.pptx
+++ b/КП Презентация Абрамов.pptx
@@ -5569,6 +5569,13 @@
               <a:t>подсистемы</a:t>
             </a:r>
             <a:r>
+              <a:rPr lang="ru-RU" altLang="en-US">
+                <a:latin typeface="Arial" panose="020B0604020202020204" pitchFamily="34" charset="0"/>
+                <a:cs typeface="Arial" panose="020B0604020202020204" pitchFamily="34" charset="0"/>
+              </a:rPr>
+              <a:t>,</a:t>
+            </a:r>
+            <a:r>
               <a:rPr lang="en-US" altLang="ru-RU">
                 <a:latin typeface="Arial" panose="020B0604020202020204" pitchFamily="34" charset="0"/>
                 <a:cs typeface="Arial" panose="020B0604020202020204" pitchFamily="34" charset="0"/>
@@ -5716,11 +5723,11 @@
               <a:t> </a:t>
             </a:r>
             <a:r>
-              <a:rPr lang="en-US" altLang="en-US">
-                <a:latin typeface="Arial" panose="020B0604020202020204" pitchFamily="34" charset="0"/>
-                <a:cs typeface="Arial" panose="020B0604020202020204" pitchFamily="34" charset="0"/>
-              </a:rPr>
-              <a:t>ими</a:t>
+              <a:rPr lang="ru-RU" altLang="en-US">
+                <a:latin typeface="Arial" panose="020B0604020202020204" pitchFamily="34" charset="0"/>
+                <a:cs typeface="Arial" panose="020B0604020202020204" pitchFamily="34" charset="0"/>
+              </a:rPr>
+              <a:t>заказами</a:t>
             </a:r>
             <a:r>
               <a:rPr lang="en-US" altLang="ru-RU">
@@ -6527,78 +6534,6 @@
           </a:p>
         </p:txBody>
       </p:sp>
-      <p:pic>
-        <p:nvPicPr>
-          <p:cNvPr id="5" name="Изображение 4" descr="icons8-hierarchy-96"/>
-          <p:cNvPicPr>
-            <a:picLocks noChangeAspect="1"/>
-          </p:cNvPicPr>
-          <p:nvPr/>
-        </p:nvPicPr>
-        <p:blipFill>
-          <a:blip r:embed="rId1"/>
-          <a:stretch>
-            <a:fillRect/>
-          </a:stretch>
-        </p:blipFill>
-        <p:spPr>
-          <a:xfrm>
-            <a:off x="7679690" y="7089775"/>
-            <a:ext cx="1440000" cy="1440000"/>
-          </a:xfrm>
-          <a:prstGeom prst="rect">
-            <a:avLst/>
-          </a:prstGeom>
-        </p:spPr>
-      </p:pic>
-      <p:pic>
-        <p:nvPicPr>
-          <p:cNvPr id="7" name="Изображение 6" descr="icons8-backlog-100"/>
-          <p:cNvPicPr>
-            <a:picLocks noChangeAspect="1"/>
-          </p:cNvPicPr>
-          <p:nvPr/>
-        </p:nvPicPr>
-        <p:blipFill>
-          <a:blip r:embed="rId2"/>
-          <a:stretch>
-            <a:fillRect/>
-          </a:stretch>
-        </p:blipFill>
-        <p:spPr>
-          <a:xfrm>
-            <a:off x="5701665" y="7319645"/>
-            <a:ext cx="1440000" cy="1440000"/>
-          </a:xfrm>
-          <a:prstGeom prst="rect">
-            <a:avLst/>
-          </a:prstGeom>
-        </p:spPr>
-      </p:pic>
-      <p:pic>
-        <p:nvPicPr>
-          <p:cNvPr id="8" name="Изображение 7" descr="icons8-task-96"/>
-          <p:cNvPicPr>
-            <a:picLocks noChangeAspect="1"/>
-          </p:cNvPicPr>
-          <p:nvPr/>
-        </p:nvPicPr>
-        <p:blipFill>
-          <a:blip r:embed="rId3"/>
-          <a:stretch>
-            <a:fillRect/>
-          </a:stretch>
-        </p:blipFill>
-        <p:spPr>
-          <a:xfrm>
-            <a:off x="3143885" y="7089775"/>
-            <a:ext cx="1440000" cy="1440000"/>
-          </a:xfrm>
-          <a:prstGeom prst="rect">
-            <a:avLst/>
-          </a:prstGeom>
-        </p:spPr>
-      </p:pic>
       <p:grpSp>
         <p:nvGrpSpPr>
           <p:cNvPr id="19" name="Группа 18"/>
@@ -6693,7 +6628,7 @@
             <a:p>
               <a:pPr algn="l">
                 <a:buBlip>
-                  <a:blip r:embed="rId4"/>
+                  <a:blip r:embed="rId1"/>
                 </a:buBlip>
               </a:pPr>
               <a:r>
@@ -6761,7 +6696,7 @@
             <a:p>
               <a:pPr algn="l">
                 <a:buBlip>
-                  <a:blip r:embed="rId4"/>
+                  <a:blip r:embed="rId1"/>
                 </a:buBlip>
               </a:pPr>
               <a:r>
@@ -6874,7 +6809,7 @@
             <a:p>
               <a:pPr algn="l">
                 <a:buBlip>
-                  <a:blip r:embed="rId4"/>
+                  <a:blip r:embed="rId1"/>
                 </a:buBlip>
               </a:pPr>
               <a:r>
@@ -7018,7 +6953,7 @@
             <p:nvPr/>
           </p:nvPicPr>
           <p:blipFill>
-            <a:blip r:embed="rId5"/>
+            <a:blip r:embed="rId2"/>
             <a:stretch>
               <a:fillRect/>
             </a:stretch>
@@ -7128,7 +7063,7 @@
             <a:p>
               <a:pPr algn="l">
                 <a:buBlip>
-                  <a:blip r:embed="rId4"/>
+                  <a:blip r:embed="rId1"/>
                 </a:buBlip>
               </a:pPr>
               <a:r>
@@ -7242,7 +7177,7 @@
             <a:p>
               <a:pPr algn="l">
                 <a:buBlip>
-                  <a:blip r:embed="rId4"/>
+                  <a:blip r:embed="rId1"/>
                 </a:buBlip>
               </a:pPr>
               <a:r>
@@ -7306,7 +7241,7 @@
             <a:p>
               <a:pPr algn="l">
                 <a:buBlip>
-                  <a:blip r:embed="rId4"/>
+                  <a:blip r:embed="rId1"/>
                 </a:buBlip>
               </a:pPr>
               <a:r>
@@ -7378,7 +7313,7 @@
             <p:nvPr/>
           </p:nvPicPr>
           <p:blipFill>
-            <a:blip r:embed="rId6"/>
+            <a:blip r:embed="rId3"/>
             <a:stretch>
               <a:fillRect/>
             </a:stretch>
@@ -7482,7 +7417,7 @@
             <a:p>
               <a:pPr algn="l">
                 <a:buBlip>
-                  <a:blip r:embed="rId4"/>
+                  <a:blip r:embed="rId1"/>
                 </a:buBlip>
               </a:pPr>
               <a:r>
@@ -7566,7 +7501,7 @@
             <a:p>
               <a:pPr algn="l">
                 <a:buBlip>
-                  <a:blip r:embed="rId4"/>
+                  <a:blip r:embed="rId1"/>
                 </a:buBlip>
               </a:pPr>
               <a:r>
@@ -7632,7 +7567,7 @@
             <p:nvPr/>
           </p:nvPicPr>
           <p:blipFill>
-            <a:blip r:embed="rId7"/>
+            <a:blip r:embed="rId4"/>
             <a:stretch>
               <a:fillRect/>
             </a:stretch>
@@ -7762,7 +7697,7 @@
             <a:p>
               <a:pPr algn="l">
                 <a:buBlip>
-                  <a:blip r:embed="rId4"/>
+                  <a:blip r:embed="rId1"/>
                 </a:buBlip>
               </a:pPr>
               <a:r>
@@ -7846,7 +7781,7 @@
             <a:p>
               <a:pPr algn="l">
                 <a:buBlip>
-                  <a:blip r:embed="rId4"/>
+                  <a:blip r:embed="rId1"/>
                 </a:buBlip>
               </a:pPr>
               <a:r>
@@ -7938,7 +7873,7 @@
             <p:nvPr/>
           </p:nvPicPr>
           <p:blipFill>
-            <a:blip r:embed="rId8"/>
+            <a:blip r:embed="rId5"/>
             <a:stretch>
               <a:fillRect/>
             </a:stretch>
@@ -7956,30 +7891,6 @@
       </p:grpSp>
       <p:pic>
         <p:nvPicPr>
-          <p:cNvPr id="25" name="Изображение 24" descr="icons8-down-right-100 (1)"/>
-          <p:cNvPicPr>
-            <a:picLocks noChangeAspect="1"/>
-          </p:cNvPicPr>
-          <p:nvPr/>
-        </p:nvPicPr>
-        <p:blipFill>
-          <a:blip r:embed="rId9"/>
-          <a:stretch>
-            <a:fillRect/>
-          </a:stretch>
-        </p:blipFill>
-        <p:spPr>
-          <a:xfrm>
-            <a:off x="4511675" y="7041515"/>
-            <a:ext cx="1270000" cy="1270000"/>
-          </a:xfrm>
-          <a:prstGeom prst="rect">
-            <a:avLst/>
-          </a:prstGeom>
-        </p:spPr>
-      </p:pic>
-      <p:pic>
-        <p:nvPicPr>
           <p:cNvPr id="26" name="Изображение 25" descr="icons8-up-right-100"/>
           <p:cNvPicPr>
             <a:picLocks noChangeAspect="1"/>
@@ -7987,7 +7898,7 @@
           <p:nvPr/>
         </p:nvPicPr>
         <p:blipFill>
-          <a:blip r:embed="rId10"/>
+          <a:blip r:embed="rId6"/>
           <a:stretch>
             <a:fillRect/>
           </a:stretch>
@@ -8004,30 +7915,6 @@
       </p:pic>
       <p:pic>
         <p:nvPicPr>
-          <p:cNvPr id="27" name="Изображение 26" descr="icons8-up-left-100"/>
-          <p:cNvPicPr>
-            <a:picLocks noChangeAspect="1"/>
-          </p:cNvPicPr>
-          <p:nvPr/>
-        </p:nvPicPr>
-        <p:blipFill>
-          <a:blip r:embed="rId11"/>
-          <a:stretch>
-            <a:fillRect/>
-          </a:stretch>
-        </p:blipFill>
-        <p:spPr>
-          <a:xfrm rot="16200000">
-            <a:off x="1343025" y="6950710"/>
-            <a:ext cx="1270000" cy="1270000"/>
-          </a:xfrm>
-          <a:prstGeom prst="rect">
-            <a:avLst/>
-          </a:prstGeom>
-        </p:spPr>
-      </p:pic>
-      <p:pic>
-        <p:nvPicPr>
           <p:cNvPr id="28" name="Изображение 27" descr="icons8-down-left-arrow-100"/>
           <p:cNvPicPr>
             <a:picLocks noChangeAspect="1"/>
@@ -8035,7 +7922,7 @@
           <p:nvPr/>
         </p:nvPicPr>
         <p:blipFill>
-          <a:blip r:embed="rId12"/>
+          <a:blip r:embed="rId7"/>
           <a:stretch>
             <a:fillRect/>
           </a:stretch>
@@ -8059,7 +7946,7 @@
           <p:nvPr/>
         </p:nvPicPr>
         <p:blipFill>
-          <a:blip r:embed="rId10"/>
+          <a:blip r:embed="rId6"/>
           <a:stretch>
             <a:fillRect/>
           </a:stretch>

--- a/КП Презентация Абрамов.pptx
+++ b/КП Презентация Абрамов.pptx
@@ -5569,13 +5569,6 @@
               <a:t>подсистемы</a:t>
             </a:r>
             <a:r>
-              <a:rPr lang="ru-RU" altLang="en-US">
-                <a:latin typeface="Arial" panose="020B0604020202020204" pitchFamily="34" charset="0"/>
-                <a:cs typeface="Arial" panose="020B0604020202020204" pitchFamily="34" charset="0"/>
-              </a:rPr>
-              <a:t>,</a:t>
-            </a:r>
-            <a:r>
               <a:rPr lang="en-US" altLang="ru-RU">
                 <a:latin typeface="Arial" panose="020B0604020202020204" pitchFamily="34" charset="0"/>
                 <a:cs typeface="Arial" panose="020B0604020202020204" pitchFamily="34" charset="0"/>
@@ -5723,11 +5716,11 @@
               <a:t> </a:t>
             </a:r>
             <a:r>
-              <a:rPr lang="ru-RU" altLang="en-US">
-                <a:latin typeface="Arial" panose="020B0604020202020204" pitchFamily="34" charset="0"/>
-                <a:cs typeface="Arial" panose="020B0604020202020204" pitchFamily="34" charset="0"/>
-              </a:rPr>
-              <a:t>заказами</a:t>
+              <a:rPr lang="en-US" altLang="en-US">
+                <a:latin typeface="Arial" panose="020B0604020202020204" pitchFamily="34" charset="0"/>
+                <a:cs typeface="Arial" panose="020B0604020202020204" pitchFamily="34" charset="0"/>
+              </a:rPr>
+              <a:t>ими</a:t>
             </a:r>
             <a:r>
               <a:rPr lang="en-US" altLang="ru-RU">
@@ -6534,6 +6527,78 @@
           </a:p>
         </p:txBody>
       </p:sp>
+      <p:pic>
+        <p:nvPicPr>
+          <p:cNvPr id="5" name="Изображение 4" descr="icons8-hierarchy-96"/>
+          <p:cNvPicPr>
+            <a:picLocks noChangeAspect="1"/>
+          </p:cNvPicPr>
+          <p:nvPr/>
+        </p:nvPicPr>
+        <p:blipFill>
+          <a:blip r:embed="rId1"/>
+          <a:stretch>
+            <a:fillRect/>
+          </a:stretch>
+        </p:blipFill>
+        <p:spPr>
+          <a:xfrm>
+            <a:off x="7679690" y="7089775"/>
+            <a:ext cx="1440000" cy="1440000"/>
+          </a:xfrm>
+          <a:prstGeom prst="rect">
+            <a:avLst/>
+          </a:prstGeom>
+        </p:spPr>
+      </p:pic>
+      <p:pic>
+        <p:nvPicPr>
+          <p:cNvPr id="7" name="Изображение 6" descr="icons8-backlog-100"/>
+          <p:cNvPicPr>
+            <a:picLocks noChangeAspect="1"/>
+          </p:cNvPicPr>
+          <p:nvPr/>
+        </p:nvPicPr>
+        <p:blipFill>
+          <a:blip r:embed="rId2"/>
+          <a:stretch>
+            <a:fillRect/>
+          </a:stretch>
+        </p:blipFill>
+        <p:spPr>
+          <a:xfrm>
+            <a:off x="5701665" y="7319645"/>
+            <a:ext cx="1440000" cy="1440000"/>
+          </a:xfrm>
+          <a:prstGeom prst="rect">
+            <a:avLst/>
+          </a:prstGeom>
+        </p:spPr>
+      </p:pic>
+      <p:pic>
+        <p:nvPicPr>
+          <p:cNvPr id="8" name="Изображение 7" descr="icons8-task-96"/>
+          <p:cNvPicPr>
+            <a:picLocks noChangeAspect="1"/>
+          </p:cNvPicPr>
+          <p:nvPr/>
+        </p:nvPicPr>
+        <p:blipFill>
+          <a:blip r:embed="rId3"/>
+          <a:stretch>
+            <a:fillRect/>
+          </a:stretch>
+        </p:blipFill>
+        <p:spPr>
+          <a:xfrm>
+            <a:off x="3143885" y="7089775"/>
+            <a:ext cx="1440000" cy="1440000"/>
+          </a:xfrm>
+          <a:prstGeom prst="rect">
+            <a:avLst/>
+          </a:prstGeom>
+        </p:spPr>
+      </p:pic>
       <p:grpSp>
         <p:nvGrpSpPr>
           <p:cNvPr id="19" name="Группа 18"/>
@@ -6628,7 +6693,7 @@
             <a:p>
               <a:pPr algn="l">
                 <a:buBlip>
-                  <a:blip r:embed="rId1"/>
+                  <a:blip r:embed="rId4"/>
                 </a:buBlip>
               </a:pPr>
               <a:r>
@@ -6696,7 +6761,7 @@
             <a:p>
               <a:pPr algn="l">
                 <a:buBlip>
-                  <a:blip r:embed="rId1"/>
+                  <a:blip r:embed="rId4"/>
                 </a:buBlip>
               </a:pPr>
               <a:r>
@@ -6809,7 +6874,7 @@
             <a:p>
               <a:pPr algn="l">
                 <a:buBlip>
-                  <a:blip r:embed="rId1"/>
+                  <a:blip r:embed="rId4"/>
                 </a:buBlip>
               </a:pPr>
               <a:r>
@@ -6953,7 +7018,7 @@
             <p:nvPr/>
           </p:nvPicPr>
           <p:blipFill>
-            <a:blip r:embed="rId2"/>
+            <a:blip r:embed="rId5"/>
             <a:stretch>
               <a:fillRect/>
             </a:stretch>
@@ -7063,7 +7128,7 @@
             <a:p>
               <a:pPr algn="l">
                 <a:buBlip>
-                  <a:blip r:embed="rId1"/>
+                  <a:blip r:embed="rId4"/>
                 </a:buBlip>
               </a:pPr>
               <a:r>
@@ -7177,7 +7242,7 @@
             <a:p>
               <a:pPr algn="l">
                 <a:buBlip>
-                  <a:blip r:embed="rId1"/>
+                  <a:blip r:embed="rId4"/>
                 </a:buBlip>
               </a:pPr>
               <a:r>
@@ -7241,7 +7306,7 @@
             <a:p>
               <a:pPr algn="l">
                 <a:buBlip>
-                  <a:blip r:embed="rId1"/>
+                  <a:blip r:embed="rId4"/>
                 </a:buBlip>
               </a:pPr>
               <a:r>
@@ -7313,7 +7378,7 @@
             <p:nvPr/>
           </p:nvPicPr>
           <p:blipFill>
-            <a:blip r:embed="rId3"/>
+            <a:blip r:embed="rId6"/>
             <a:stretch>
               <a:fillRect/>
             </a:stretch>
@@ -7417,7 +7482,7 @@
             <a:p>
               <a:pPr algn="l">
                 <a:buBlip>
-                  <a:blip r:embed="rId1"/>
+                  <a:blip r:embed="rId4"/>
                 </a:buBlip>
               </a:pPr>
               <a:r>
@@ -7501,7 +7566,7 @@
             <a:p>
               <a:pPr algn="l">
                 <a:buBlip>
-                  <a:blip r:embed="rId1"/>
+                  <a:blip r:embed="rId4"/>
                 </a:buBlip>
               </a:pPr>
               <a:r>
@@ -7567,7 +7632,7 @@
             <p:nvPr/>
           </p:nvPicPr>
           <p:blipFill>
-            <a:blip r:embed="rId4"/>
+            <a:blip r:embed="rId7"/>
             <a:stretch>
               <a:fillRect/>
             </a:stretch>
@@ -7697,7 +7762,7 @@
             <a:p>
               <a:pPr algn="l">
                 <a:buBlip>
-                  <a:blip r:embed="rId1"/>
+                  <a:blip r:embed="rId4"/>
                 </a:buBlip>
               </a:pPr>
               <a:r>
@@ -7781,7 +7846,7 @@
             <a:p>
               <a:pPr algn="l">
                 <a:buBlip>
-                  <a:blip r:embed="rId1"/>
+                  <a:blip r:embed="rId4"/>
                 </a:buBlip>
               </a:pPr>
               <a:r>
@@ -7873,7 +7938,7 @@
             <p:nvPr/>
           </p:nvPicPr>
           <p:blipFill>
-            <a:blip r:embed="rId5"/>
+            <a:blip r:embed="rId8"/>
             <a:stretch>
               <a:fillRect/>
             </a:stretch>
@@ -7891,6 +7956,30 @@
       </p:grpSp>
       <p:pic>
         <p:nvPicPr>
+          <p:cNvPr id="25" name="Изображение 24" descr="icons8-down-right-100 (1)"/>
+          <p:cNvPicPr>
+            <a:picLocks noChangeAspect="1"/>
+          </p:cNvPicPr>
+          <p:nvPr/>
+        </p:nvPicPr>
+        <p:blipFill>
+          <a:blip r:embed="rId9"/>
+          <a:stretch>
+            <a:fillRect/>
+          </a:stretch>
+        </p:blipFill>
+        <p:spPr>
+          <a:xfrm>
+            <a:off x="4511675" y="7041515"/>
+            <a:ext cx="1270000" cy="1270000"/>
+          </a:xfrm>
+          <a:prstGeom prst="rect">
+            <a:avLst/>
+          </a:prstGeom>
+        </p:spPr>
+      </p:pic>
+      <p:pic>
+        <p:nvPicPr>
           <p:cNvPr id="26" name="Изображение 25" descr="icons8-up-right-100"/>
           <p:cNvPicPr>
             <a:picLocks noChangeAspect="1"/>
@@ -7898,7 +7987,7 @@
           <p:nvPr/>
         </p:nvPicPr>
         <p:blipFill>
-          <a:blip r:embed="rId6"/>
+          <a:blip r:embed="rId10"/>
           <a:stretch>
             <a:fillRect/>
           </a:stretch>
@@ -7915,6 +8004,30 @@
       </p:pic>
       <p:pic>
         <p:nvPicPr>
+          <p:cNvPr id="27" name="Изображение 26" descr="icons8-up-left-100"/>
+          <p:cNvPicPr>
+            <a:picLocks noChangeAspect="1"/>
+          </p:cNvPicPr>
+          <p:nvPr/>
+        </p:nvPicPr>
+        <p:blipFill>
+          <a:blip r:embed="rId11"/>
+          <a:stretch>
+            <a:fillRect/>
+          </a:stretch>
+        </p:blipFill>
+        <p:spPr>
+          <a:xfrm rot="16200000">
+            <a:off x="1343025" y="6950710"/>
+            <a:ext cx="1270000" cy="1270000"/>
+          </a:xfrm>
+          <a:prstGeom prst="rect">
+            <a:avLst/>
+          </a:prstGeom>
+        </p:spPr>
+      </p:pic>
+      <p:pic>
+        <p:nvPicPr>
           <p:cNvPr id="28" name="Изображение 27" descr="icons8-down-left-arrow-100"/>
           <p:cNvPicPr>
             <a:picLocks noChangeAspect="1"/>
@@ -7922,7 +8035,7 @@
           <p:nvPr/>
         </p:nvPicPr>
         <p:blipFill>
-          <a:blip r:embed="rId7"/>
+          <a:blip r:embed="rId12"/>
           <a:stretch>
             <a:fillRect/>
           </a:stretch>
@@ -7946,7 +8059,7 @@
           <p:nvPr/>
         </p:nvPicPr>
         <p:blipFill>
-          <a:blip r:embed="rId6"/>
+          <a:blip r:embed="rId10"/>
           <a:stretch>
             <a:fillRect/>
           </a:stretch>
